--- a/theory/figures/n_propane_figures.pptx
+++ b/theory/figures/n_propane_figures.pptx
@@ -7,6 +7,11 @@
   <p:sldIdLst>
     <p:sldId id="256" r:id="rId2"/>
     <p:sldId id="257" r:id="rId3"/>
+    <p:sldId id="258" r:id="rId4"/>
+    <p:sldId id="259" r:id="rId5"/>
+    <p:sldId id="260" r:id="rId6"/>
+    <p:sldId id="261" r:id="rId7"/>
+    <p:sldId id="262" r:id="rId8"/>
   </p:sldIdLst>
   <p:sldSz cx="12192000" cy="6858000"/>
   <p:notesSz cx="6858000" cy="9144000"/>
@@ -105,6 +110,11 @@
       </a:defRPr>
     </a:lvl9pPr>
   </p:defaultTextStyle>
+  <p:extLst>
+    <p:ext uri="{EFAFB233-063F-42B5-8137-9DF3F51BA10A}">
+      <p15:sldGuideLst xmlns:p15="http://schemas.microsoft.com/office/powerpoint/2012/main"/>
+    </p:ext>
+  </p:extLst>
 </p:presentation>
 </file>
 
@@ -239,7 +249,7 @@
           <a:p>
             <a:fld id="{2B93A6E2-3377-42DD-97E0-D38586549EFF}" type="datetimeFigureOut">
               <a:rPr lang="en-US" smtClean="0"/>
-              <a:t>1/31/2018</a:t>
+              <a:t>2/1/2018</a:t>
             </a:fld>
             <a:endParaRPr lang="en-US"/>
           </a:p>
@@ -409,7 +419,7 @@
           <a:p>
             <a:fld id="{2B93A6E2-3377-42DD-97E0-D38586549EFF}" type="datetimeFigureOut">
               <a:rPr lang="en-US" smtClean="0"/>
-              <a:t>1/31/2018</a:t>
+              <a:t>2/1/2018</a:t>
             </a:fld>
             <a:endParaRPr lang="en-US"/>
           </a:p>
@@ -589,7 +599,7 @@
           <a:p>
             <a:fld id="{2B93A6E2-3377-42DD-97E0-D38586549EFF}" type="datetimeFigureOut">
               <a:rPr lang="en-US" smtClean="0"/>
-              <a:t>1/31/2018</a:t>
+              <a:t>2/1/2018</a:t>
             </a:fld>
             <a:endParaRPr lang="en-US"/>
           </a:p>
@@ -759,7 +769,7 @@
           <a:p>
             <a:fld id="{2B93A6E2-3377-42DD-97E0-D38586549EFF}" type="datetimeFigureOut">
               <a:rPr lang="en-US" smtClean="0"/>
-              <a:t>1/31/2018</a:t>
+              <a:t>2/1/2018</a:t>
             </a:fld>
             <a:endParaRPr lang="en-US"/>
           </a:p>
@@ -1005,7 +1015,7 @@
           <a:p>
             <a:fld id="{2B93A6E2-3377-42DD-97E0-D38586549EFF}" type="datetimeFigureOut">
               <a:rPr lang="en-US" smtClean="0"/>
-              <a:t>1/31/2018</a:t>
+              <a:t>2/1/2018</a:t>
             </a:fld>
             <a:endParaRPr lang="en-US"/>
           </a:p>
@@ -1237,7 +1247,7 @@
           <a:p>
             <a:fld id="{2B93A6E2-3377-42DD-97E0-D38586549EFF}" type="datetimeFigureOut">
               <a:rPr lang="en-US" smtClean="0"/>
-              <a:t>1/31/2018</a:t>
+              <a:t>2/1/2018</a:t>
             </a:fld>
             <a:endParaRPr lang="en-US"/>
           </a:p>
@@ -1604,7 +1614,7 @@
           <a:p>
             <a:fld id="{2B93A6E2-3377-42DD-97E0-D38586549EFF}" type="datetimeFigureOut">
               <a:rPr lang="en-US" smtClean="0"/>
-              <a:t>1/31/2018</a:t>
+              <a:t>2/1/2018</a:t>
             </a:fld>
             <a:endParaRPr lang="en-US"/>
           </a:p>
@@ -1722,7 +1732,7 @@
           <a:p>
             <a:fld id="{2B93A6E2-3377-42DD-97E0-D38586549EFF}" type="datetimeFigureOut">
               <a:rPr lang="en-US" smtClean="0"/>
-              <a:t>1/31/2018</a:t>
+              <a:t>2/1/2018</a:t>
             </a:fld>
             <a:endParaRPr lang="en-US"/>
           </a:p>
@@ -1817,7 +1827,7 @@
           <a:p>
             <a:fld id="{2B93A6E2-3377-42DD-97E0-D38586549EFF}" type="datetimeFigureOut">
               <a:rPr lang="en-US" smtClean="0"/>
-              <a:t>1/31/2018</a:t>
+              <a:t>2/1/2018</a:t>
             </a:fld>
             <a:endParaRPr lang="en-US"/>
           </a:p>
@@ -2094,7 +2104,7 @@
           <a:p>
             <a:fld id="{2B93A6E2-3377-42DD-97E0-D38586549EFF}" type="datetimeFigureOut">
               <a:rPr lang="en-US" smtClean="0"/>
-              <a:t>1/31/2018</a:t>
+              <a:t>2/1/2018</a:t>
             </a:fld>
             <a:endParaRPr lang="en-US"/>
           </a:p>
@@ -2347,7 +2357,7 @@
           <a:p>
             <a:fld id="{2B93A6E2-3377-42DD-97E0-D38586549EFF}" type="datetimeFigureOut">
               <a:rPr lang="en-US" smtClean="0"/>
-              <a:t>1/31/2018</a:t>
+              <a:t>2/1/2018</a:t>
             </a:fld>
             <a:endParaRPr lang="en-US"/>
           </a:p>
@@ -2560,7 +2570,7 @@
           <a:p>
             <a:fld id="{2B93A6E2-3377-42DD-97E0-D38586549EFF}" type="datetimeFigureOut">
               <a:rPr lang="en-US" smtClean="0"/>
-              <a:t>1/31/2018</a:t>
+              <a:t>2/1/2018</a:t>
             </a:fld>
             <a:endParaRPr lang="en-US"/>
           </a:p>
@@ -3643,7 +3653,7 @@
         </p:nvSpPr>
         <p:spPr>
           <a:xfrm>
-            <a:off x="4052266" y="3477546"/>
+            <a:off x="4052266" y="3508858"/>
             <a:ext cx="600075" cy="395133"/>
           </a:xfrm>
           <a:prstGeom prst="roundRect">
@@ -3775,7 +3785,7 @@
         </p:nvSpPr>
         <p:spPr>
           <a:xfrm>
-            <a:off x="6307184" y="685524"/>
+            <a:off x="6415456" y="687769"/>
             <a:ext cx="600075" cy="395133"/>
           </a:xfrm>
           <a:prstGeom prst="roundRect">
@@ -3919,7 +3929,7 @@
         </p:nvSpPr>
         <p:spPr>
           <a:xfrm>
-            <a:off x="8469886" y="3508858"/>
+            <a:off x="8469884" y="3508857"/>
             <a:ext cx="600075" cy="395133"/>
           </a:xfrm>
           <a:prstGeom prst="roundRect">
@@ -4239,7 +4249,7 @@
         </p:nvSpPr>
         <p:spPr>
           <a:xfrm>
-            <a:off x="8331924" y="1676345"/>
+            <a:off x="8331925" y="1676345"/>
             <a:ext cx="875995" cy="395133"/>
           </a:xfrm>
           <a:prstGeom prst="roundRect">
@@ -4285,9 +4295,9 @@
           <p:nvPr/>
         </p:nvCxnSpPr>
         <p:spPr>
-          <a:xfrm flipH="1" flipV="1">
-            <a:off x="4652341" y="3675113"/>
-            <a:ext cx="1763115" cy="31312"/>
+          <a:xfrm flipH="1">
+            <a:off x="4652341" y="3706425"/>
+            <a:ext cx="1763115" cy="0"/>
           </a:xfrm>
           <a:prstGeom prst="straightConnector1">
             <a:avLst/>
@@ -4323,7 +4333,591 @@
         <p:spPr>
           <a:xfrm flipV="1">
             <a:off x="4352304" y="2972079"/>
+            <a:ext cx="1" cy="536779"/>
+          </a:xfrm>
+          <a:prstGeom prst="straightConnector1">
+            <a:avLst/>
+          </a:prstGeom>
+          <a:ln>
+            <a:tailEnd type="triangle"/>
+          </a:ln>
+        </p:spPr>
+        <p:style>
+          <a:lnRef idx="1">
+            <a:schemeClr val="accent1"/>
+          </a:lnRef>
+          <a:fillRef idx="0">
+            <a:schemeClr val="accent1"/>
+          </a:fillRef>
+          <a:effectRef idx="0">
+            <a:schemeClr val="accent1"/>
+          </a:effectRef>
+          <a:fontRef idx="minor">
+            <a:schemeClr val="tx1"/>
+          </a:fontRef>
+        </p:style>
+      </p:cxnSp>
+      <p:sp>
+        <p:nvSpPr>
+          <p:cNvPr id="22" name="Rounded Rectangle 21"/>
+          <p:cNvSpPr/>
+          <p:nvPr/>
+        </p:nvSpPr>
+        <p:spPr>
+          <a:xfrm>
+            <a:off x="6415456" y="1678590"/>
+            <a:ext cx="600075" cy="395133"/>
+          </a:xfrm>
+          <a:prstGeom prst="roundRect">
+            <a:avLst/>
+          </a:prstGeom>
+        </p:spPr>
+        <p:style>
+          <a:lnRef idx="2">
+            <a:schemeClr val="accent1">
+              <a:shade val="50000"/>
+            </a:schemeClr>
+          </a:lnRef>
+          <a:fillRef idx="1">
+            <a:schemeClr val="accent1"/>
+          </a:fillRef>
+          <a:effectRef idx="0">
+            <a:schemeClr val="accent1"/>
+          </a:effectRef>
+          <a:fontRef idx="minor">
+            <a:schemeClr val="lt1"/>
+          </a:fontRef>
+        </p:style>
+        <p:txBody>
+          <a:bodyPr rtlCol="0" anchor="ctr"/>
+          <a:lstStyle/>
+          <a:p>
+            <a:pPr algn="ctr"/>
+            <a:r>
+              <a:rPr lang="en-US" sz="1000" dirty="0" smtClean="0"/>
+              <a:t>OH</a:t>
+            </a:r>
+            <a:endParaRPr lang="en-US" sz="1000" dirty="0"/>
+          </a:p>
+        </p:txBody>
+      </p:sp>
+      <p:cxnSp>
+        <p:nvCxnSpPr>
+          <p:cNvPr id="5" name="Straight Arrow Connector 4"/>
+          <p:cNvCxnSpPr>
+            <a:stCxn id="22" idx="2"/>
+            <a:endCxn id="21" idx="0"/>
+          </p:cNvCxnSpPr>
+          <p:nvPr/>
+        </p:nvCxnSpPr>
+        <p:spPr>
+          <a:xfrm>
+            <a:off x="6715494" y="2073723"/>
+            <a:ext cx="0" cy="1435135"/>
+          </a:xfrm>
+          <a:prstGeom prst="straightConnector1">
+            <a:avLst/>
+          </a:prstGeom>
+          <a:ln>
+            <a:tailEnd type="triangle"/>
+          </a:ln>
+        </p:spPr>
+        <p:style>
+          <a:lnRef idx="1">
+            <a:schemeClr val="accent1"/>
+          </a:lnRef>
+          <a:fillRef idx="0">
+            <a:schemeClr val="accent1"/>
+          </a:fillRef>
+          <a:effectRef idx="0">
+            <a:schemeClr val="accent1"/>
+          </a:effectRef>
+          <a:fontRef idx="minor">
+            <a:schemeClr val="tx1"/>
+          </a:fontRef>
+        </p:style>
+      </p:cxnSp>
+      <p:cxnSp>
+        <p:nvCxnSpPr>
+          <p:cNvPr id="37" name="Straight Arrow Connector 36"/>
+          <p:cNvCxnSpPr>
+            <a:stCxn id="17" idx="0"/>
+            <a:endCxn id="19" idx="1"/>
+          </p:cNvCxnSpPr>
+          <p:nvPr/>
+        </p:nvCxnSpPr>
+        <p:spPr>
+          <a:xfrm flipV="1">
+            <a:off x="4352305" y="885336"/>
+            <a:ext cx="2063151" cy="1691610"/>
+          </a:xfrm>
+          <a:prstGeom prst="straightConnector1">
+            <a:avLst/>
+          </a:prstGeom>
+          <a:ln>
+            <a:tailEnd type="triangle"/>
+          </a:ln>
+        </p:spPr>
+        <p:style>
+          <a:lnRef idx="1">
+            <a:schemeClr val="accent1"/>
+          </a:lnRef>
+          <a:fillRef idx="0">
+            <a:schemeClr val="accent1"/>
+          </a:fillRef>
+          <a:effectRef idx="0">
+            <a:schemeClr val="accent1"/>
+          </a:effectRef>
+          <a:fontRef idx="minor">
+            <a:schemeClr val="tx1"/>
+          </a:fontRef>
+        </p:style>
+      </p:cxnSp>
+      <p:cxnSp>
+        <p:nvCxnSpPr>
+          <p:cNvPr id="39" name="Straight Arrow Connector 38"/>
+          <p:cNvCxnSpPr>
+            <a:stCxn id="17" idx="0"/>
+            <a:endCxn id="18" idx="2"/>
+          </p:cNvCxnSpPr>
+          <p:nvPr/>
+        </p:nvCxnSpPr>
+        <p:spPr>
+          <a:xfrm flipH="1" flipV="1">
+            <a:off x="4352304" y="2071479"/>
             <a:ext cx="1" cy="505467"/>
+          </a:xfrm>
+          <a:prstGeom prst="straightConnector1">
+            <a:avLst/>
+          </a:prstGeom>
+          <a:ln>
+            <a:tailEnd type="triangle"/>
+          </a:ln>
+        </p:spPr>
+        <p:style>
+          <a:lnRef idx="1">
+            <a:schemeClr val="accent1"/>
+          </a:lnRef>
+          <a:fillRef idx="0">
+            <a:schemeClr val="accent1"/>
+          </a:fillRef>
+          <a:effectRef idx="0">
+            <a:schemeClr val="accent1"/>
+          </a:effectRef>
+          <a:fontRef idx="minor">
+            <a:schemeClr val="tx1"/>
+          </a:fontRef>
+        </p:style>
+      </p:cxnSp>
+      <p:cxnSp>
+        <p:nvCxnSpPr>
+          <p:cNvPr id="41" name="Straight Arrow Connector 40"/>
+          <p:cNvCxnSpPr>
+            <a:stCxn id="18" idx="0"/>
+            <a:endCxn id="20" idx="2"/>
+          </p:cNvCxnSpPr>
+          <p:nvPr/>
+        </p:nvCxnSpPr>
+        <p:spPr>
+          <a:xfrm flipV="1">
+            <a:off x="4352304" y="1080656"/>
+            <a:ext cx="0" cy="595690"/>
+          </a:xfrm>
+          <a:prstGeom prst="straightConnector1">
+            <a:avLst/>
+          </a:prstGeom>
+          <a:ln>
+            <a:tailEnd type="triangle"/>
+          </a:ln>
+        </p:spPr>
+        <p:style>
+          <a:lnRef idx="1">
+            <a:schemeClr val="accent1"/>
+          </a:lnRef>
+          <a:fillRef idx="0">
+            <a:schemeClr val="accent1"/>
+          </a:fillRef>
+          <a:effectRef idx="0">
+            <a:schemeClr val="accent1"/>
+          </a:effectRef>
+          <a:fontRef idx="minor">
+            <a:schemeClr val="tx1"/>
+          </a:fontRef>
+        </p:style>
+      </p:cxnSp>
+      <p:cxnSp>
+        <p:nvCxnSpPr>
+          <p:cNvPr id="43" name="Straight Arrow Connector 42"/>
+          <p:cNvCxnSpPr>
+            <a:stCxn id="18" idx="0"/>
+            <a:endCxn id="19" idx="1"/>
+          </p:cNvCxnSpPr>
+          <p:nvPr/>
+        </p:nvCxnSpPr>
+        <p:spPr>
+          <a:xfrm flipV="1">
+            <a:off x="4352304" y="885336"/>
+            <a:ext cx="2063152" cy="791010"/>
+          </a:xfrm>
+          <a:prstGeom prst="straightConnector1">
+            <a:avLst/>
+          </a:prstGeom>
+          <a:ln>
+            <a:tailEnd type="triangle"/>
+          </a:ln>
+        </p:spPr>
+        <p:style>
+          <a:lnRef idx="1">
+            <a:schemeClr val="accent1"/>
+          </a:lnRef>
+          <a:fillRef idx="0">
+            <a:schemeClr val="accent1"/>
+          </a:fillRef>
+          <a:effectRef idx="0">
+            <a:schemeClr val="accent1"/>
+          </a:effectRef>
+          <a:fontRef idx="minor">
+            <a:schemeClr val="tx1"/>
+          </a:fontRef>
+        </p:style>
+      </p:cxnSp>
+      <p:cxnSp>
+        <p:nvCxnSpPr>
+          <p:cNvPr id="45" name="Straight Arrow Connector 44"/>
+          <p:cNvCxnSpPr>
+            <a:stCxn id="21" idx="2"/>
+            <a:endCxn id="24" idx="1"/>
+          </p:cNvCxnSpPr>
+          <p:nvPr/>
+        </p:nvCxnSpPr>
+        <p:spPr>
+          <a:xfrm>
+            <a:off x="6715494" y="3903991"/>
+            <a:ext cx="1754392" cy="671721"/>
+          </a:xfrm>
+          <a:prstGeom prst="straightConnector1">
+            <a:avLst/>
+          </a:prstGeom>
+          <a:ln>
+            <a:tailEnd type="triangle"/>
+          </a:ln>
+        </p:spPr>
+        <p:style>
+          <a:lnRef idx="1">
+            <a:schemeClr val="accent1"/>
+          </a:lnRef>
+          <a:fillRef idx="0">
+            <a:schemeClr val="accent1"/>
+          </a:fillRef>
+          <a:effectRef idx="0">
+            <a:schemeClr val="accent1"/>
+          </a:effectRef>
+          <a:fontRef idx="minor">
+            <a:schemeClr val="tx1"/>
+          </a:fontRef>
+        </p:style>
+      </p:cxnSp>
+      <p:cxnSp>
+        <p:nvCxnSpPr>
+          <p:cNvPr id="47" name="Straight Arrow Connector 46"/>
+          <p:cNvCxnSpPr>
+            <a:stCxn id="21" idx="3"/>
+            <a:endCxn id="23" idx="1"/>
+          </p:cNvCxnSpPr>
+          <p:nvPr/>
+        </p:nvCxnSpPr>
+        <p:spPr>
+          <a:xfrm flipV="1">
+            <a:off x="7015531" y="3706424"/>
+            <a:ext cx="1454353" cy="1"/>
+          </a:xfrm>
+          <a:prstGeom prst="straightConnector1">
+            <a:avLst/>
+          </a:prstGeom>
+          <a:ln>
+            <a:tailEnd type="triangle"/>
+          </a:ln>
+        </p:spPr>
+        <p:style>
+          <a:lnRef idx="1">
+            <a:schemeClr val="accent1"/>
+          </a:lnRef>
+          <a:fillRef idx="0">
+            <a:schemeClr val="accent1"/>
+          </a:fillRef>
+          <a:effectRef idx="0">
+            <a:schemeClr val="accent1"/>
+          </a:effectRef>
+          <a:fontRef idx="minor">
+            <a:schemeClr val="tx1"/>
+          </a:fontRef>
+        </p:style>
+      </p:cxnSp>
+      <p:cxnSp>
+        <p:nvCxnSpPr>
+          <p:cNvPr id="49" name="Straight Arrow Connector 48"/>
+          <p:cNvCxnSpPr>
+            <a:stCxn id="23" idx="2"/>
+            <a:endCxn id="24" idx="0"/>
+          </p:cNvCxnSpPr>
+          <p:nvPr/>
+        </p:nvCxnSpPr>
+        <p:spPr>
+          <a:xfrm>
+            <a:off x="8769922" y="3903990"/>
+            <a:ext cx="2" cy="474155"/>
+          </a:xfrm>
+          <a:prstGeom prst="straightConnector1">
+            <a:avLst/>
+          </a:prstGeom>
+          <a:ln>
+            <a:tailEnd type="triangle"/>
+          </a:ln>
+        </p:spPr>
+        <p:style>
+          <a:lnRef idx="1">
+            <a:schemeClr val="accent1"/>
+          </a:lnRef>
+          <a:fillRef idx="0">
+            <a:schemeClr val="accent1"/>
+          </a:fillRef>
+          <a:effectRef idx="0">
+            <a:schemeClr val="accent1"/>
+          </a:effectRef>
+          <a:fontRef idx="minor">
+            <a:schemeClr val="tx1"/>
+          </a:fontRef>
+        </p:style>
+      </p:cxnSp>
+      <p:cxnSp>
+        <p:nvCxnSpPr>
+          <p:cNvPr id="51" name="Straight Arrow Connector 50"/>
+          <p:cNvCxnSpPr>
+            <a:stCxn id="21" idx="1"/>
+            <a:endCxn id="25" idx="3"/>
+          </p:cNvCxnSpPr>
+          <p:nvPr/>
+        </p:nvCxnSpPr>
+        <p:spPr>
+          <a:xfrm flipH="1">
+            <a:off x="4652341" y="3706425"/>
+            <a:ext cx="1763115" cy="811233"/>
+          </a:xfrm>
+          <a:prstGeom prst="straightConnector1">
+            <a:avLst/>
+          </a:prstGeom>
+          <a:ln>
+            <a:tailEnd type="triangle"/>
+          </a:ln>
+        </p:spPr>
+        <p:style>
+          <a:lnRef idx="1">
+            <a:schemeClr val="accent1"/>
+          </a:lnRef>
+          <a:fillRef idx="0">
+            <a:schemeClr val="accent1"/>
+          </a:fillRef>
+          <a:effectRef idx="0">
+            <a:schemeClr val="accent1"/>
+          </a:effectRef>
+          <a:fontRef idx="minor">
+            <a:schemeClr val="tx1"/>
+          </a:fontRef>
+        </p:style>
+      </p:cxnSp>
+      <p:cxnSp>
+        <p:nvCxnSpPr>
+          <p:cNvPr id="53" name="Straight Arrow Connector 52"/>
+          <p:cNvCxnSpPr>
+            <a:stCxn id="25" idx="1"/>
+            <a:endCxn id="26" idx="3"/>
+          </p:cNvCxnSpPr>
+          <p:nvPr/>
+        </p:nvCxnSpPr>
+        <p:spPr>
+          <a:xfrm flipH="1">
+            <a:off x="2332105" y="4517658"/>
+            <a:ext cx="1720161" cy="0"/>
+          </a:xfrm>
+          <a:prstGeom prst="straightConnector1">
+            <a:avLst/>
+          </a:prstGeom>
+          <a:ln>
+            <a:tailEnd type="triangle"/>
+          </a:ln>
+        </p:spPr>
+        <p:style>
+          <a:lnRef idx="1">
+            <a:schemeClr val="accent1"/>
+          </a:lnRef>
+          <a:fillRef idx="0">
+            <a:schemeClr val="accent1"/>
+          </a:fillRef>
+          <a:effectRef idx="0">
+            <a:schemeClr val="accent1"/>
+          </a:effectRef>
+          <a:fontRef idx="minor">
+            <a:schemeClr val="tx1"/>
+          </a:fontRef>
+        </p:style>
+      </p:cxnSp>
+      <p:cxnSp>
+        <p:nvCxnSpPr>
+          <p:cNvPr id="55" name="Straight Arrow Connector 54"/>
+          <p:cNvCxnSpPr>
+            <a:stCxn id="26" idx="2"/>
+            <a:endCxn id="27" idx="0"/>
+          </p:cNvCxnSpPr>
+          <p:nvPr/>
+        </p:nvCxnSpPr>
+        <p:spPr>
+          <a:xfrm flipH="1">
+            <a:off x="1989113" y="4715224"/>
+            <a:ext cx="1" cy="506401"/>
+          </a:xfrm>
+          <a:prstGeom prst="straightConnector1">
+            <a:avLst/>
+          </a:prstGeom>
+          <a:ln>
+            <a:tailEnd type="triangle"/>
+          </a:ln>
+        </p:spPr>
+        <p:style>
+          <a:lnRef idx="1">
+            <a:schemeClr val="accent1"/>
+          </a:lnRef>
+          <a:fillRef idx="0">
+            <a:schemeClr val="accent1"/>
+          </a:fillRef>
+          <a:effectRef idx="0">
+            <a:schemeClr val="accent1"/>
+          </a:effectRef>
+          <a:fontRef idx="minor">
+            <a:schemeClr val="tx1"/>
+          </a:fontRef>
+        </p:style>
+      </p:cxnSp>
+      <p:cxnSp>
+        <p:nvCxnSpPr>
+          <p:cNvPr id="57" name="Straight Arrow Connector 56"/>
+          <p:cNvCxnSpPr>
+            <a:stCxn id="21" idx="2"/>
+            <a:endCxn id="30" idx="0"/>
+          </p:cNvCxnSpPr>
+          <p:nvPr/>
+        </p:nvCxnSpPr>
+        <p:spPr>
+          <a:xfrm flipH="1">
+            <a:off x="6715493" y="3903991"/>
+            <a:ext cx="1" cy="474154"/>
+          </a:xfrm>
+          <a:prstGeom prst="straightConnector1">
+            <a:avLst/>
+          </a:prstGeom>
+          <a:ln>
+            <a:tailEnd type="triangle"/>
+          </a:ln>
+        </p:spPr>
+        <p:style>
+          <a:lnRef idx="1">
+            <a:schemeClr val="accent1"/>
+          </a:lnRef>
+          <a:fillRef idx="0">
+            <a:schemeClr val="accent1"/>
+          </a:fillRef>
+          <a:effectRef idx="0">
+            <a:schemeClr val="accent1"/>
+          </a:effectRef>
+          <a:fontRef idx="minor">
+            <a:schemeClr val="tx1"/>
+          </a:fontRef>
+        </p:style>
+      </p:cxnSp>
+      <p:cxnSp>
+        <p:nvCxnSpPr>
+          <p:cNvPr id="59" name="Straight Arrow Connector 58"/>
+          <p:cNvCxnSpPr>
+            <a:stCxn id="21" idx="3"/>
+            <a:endCxn id="31" idx="1"/>
+          </p:cNvCxnSpPr>
+          <p:nvPr/>
+        </p:nvCxnSpPr>
+        <p:spPr>
+          <a:xfrm flipV="1">
+            <a:off x="7015531" y="2795017"/>
+            <a:ext cx="1316394" cy="911408"/>
+          </a:xfrm>
+          <a:prstGeom prst="straightConnector1">
+            <a:avLst/>
+          </a:prstGeom>
+          <a:ln>
+            <a:tailEnd type="triangle"/>
+          </a:ln>
+        </p:spPr>
+        <p:style>
+          <a:lnRef idx="1">
+            <a:schemeClr val="accent1"/>
+          </a:lnRef>
+          <a:fillRef idx="0">
+            <a:schemeClr val="accent1"/>
+          </a:fillRef>
+          <a:effectRef idx="0">
+            <a:schemeClr val="accent1"/>
+          </a:effectRef>
+          <a:fontRef idx="minor">
+            <a:schemeClr val="tx1"/>
+          </a:fontRef>
+        </p:style>
+      </p:cxnSp>
+      <p:cxnSp>
+        <p:nvCxnSpPr>
+          <p:cNvPr id="61" name="Straight Arrow Connector 60"/>
+          <p:cNvCxnSpPr>
+            <a:stCxn id="31" idx="0"/>
+            <a:endCxn id="32" idx="2"/>
+          </p:cNvCxnSpPr>
+          <p:nvPr/>
+        </p:nvCxnSpPr>
+        <p:spPr>
+          <a:xfrm flipV="1">
+            <a:off x="8769923" y="2071478"/>
+            <a:ext cx="0" cy="525972"/>
+          </a:xfrm>
+          <a:prstGeom prst="straightConnector1">
+            <a:avLst/>
+          </a:prstGeom>
+          <a:ln>
+            <a:tailEnd type="triangle"/>
+          </a:ln>
+        </p:spPr>
+        <p:style>
+          <a:lnRef idx="1">
+            <a:schemeClr val="accent1"/>
+          </a:lnRef>
+          <a:fillRef idx="0">
+            <a:schemeClr val="accent1"/>
+          </a:fillRef>
+          <a:effectRef idx="0">
+            <a:schemeClr val="accent1"/>
+          </a:effectRef>
+          <a:fontRef idx="minor">
+            <a:schemeClr val="tx1"/>
+          </a:fontRef>
+        </p:style>
+      </p:cxnSp>
+      <p:cxnSp>
+        <p:nvCxnSpPr>
+          <p:cNvPr id="63" name="Straight Arrow Connector 62"/>
+          <p:cNvCxnSpPr>
+            <a:stCxn id="32" idx="0"/>
+            <a:endCxn id="19" idx="3"/>
+          </p:cNvCxnSpPr>
+          <p:nvPr/>
+        </p:nvCxnSpPr>
+        <p:spPr>
+          <a:xfrm flipH="1" flipV="1">
+            <a:off x="7015531" y="885336"/>
+            <a:ext cx="1754392" cy="791009"/>
           </a:xfrm>
           <a:prstGeom prst="straightConnector1">
             <a:avLst/>
@@ -4351,6 +4945,8994 @@
     <p:extLst>
       <p:ext uri="{BB962C8B-B14F-4D97-AF65-F5344CB8AC3E}">
         <p14:creationId xmlns:p14="http://schemas.microsoft.com/office/powerpoint/2010/main" val="2378196490"/>
+      </p:ext>
+    </p:extLst>
+  </p:cSld>
+  <p:clrMapOvr>
+    <a:masterClrMapping/>
+  </p:clrMapOvr>
+</p:sld>
+</file>
+
+<file path=ppt/slides/slide3.xml><?xml version="1.0" encoding="utf-8"?>
+<p:sld xmlns:a="http://schemas.openxmlformats.org/drawingml/2006/main" xmlns:r="http://schemas.openxmlformats.org/officeDocument/2006/relationships" xmlns:p="http://schemas.openxmlformats.org/presentationml/2006/main">
+  <p:cSld>
+    <p:spTree>
+      <p:nvGrpSpPr>
+        <p:cNvPr id="1" name=""/>
+        <p:cNvGrpSpPr/>
+        <p:nvPr/>
+      </p:nvGrpSpPr>
+      <p:grpSpPr>
+        <a:xfrm>
+          <a:off x="0" y="0"/>
+          <a:ext cx="0" cy="0"/>
+          <a:chOff x="0" y="0"/>
+          <a:chExt cx="0" cy="0"/>
+        </a:xfrm>
+      </p:grpSpPr>
+      <p:sp>
+        <p:nvSpPr>
+          <p:cNvPr id="16" name="Rounded Rectangle 15"/>
+          <p:cNvSpPr/>
+          <p:nvPr/>
+        </p:nvSpPr>
+        <p:spPr>
+          <a:xfrm>
+            <a:off x="4052266" y="3508858"/>
+            <a:ext cx="600075" cy="395133"/>
+          </a:xfrm>
+          <a:prstGeom prst="roundRect">
+            <a:avLst/>
+          </a:prstGeom>
+        </p:spPr>
+        <p:style>
+          <a:lnRef idx="2">
+            <a:schemeClr val="accent1">
+              <a:shade val="50000"/>
+            </a:schemeClr>
+          </a:lnRef>
+          <a:fillRef idx="1">
+            <a:schemeClr val="accent1"/>
+          </a:fillRef>
+          <a:effectRef idx="0">
+            <a:schemeClr val="accent1"/>
+          </a:effectRef>
+          <a:fontRef idx="minor">
+            <a:schemeClr val="lt1"/>
+          </a:fontRef>
+        </p:style>
+        <p:txBody>
+          <a:bodyPr rtlCol="0" anchor="ctr"/>
+          <a:lstStyle/>
+          <a:p>
+            <a:pPr algn="ctr"/>
+            <a:r>
+              <a:rPr lang="en-US" sz="1000" dirty="0" smtClean="0"/>
+              <a:t>prod_1</a:t>
+            </a:r>
+            <a:endParaRPr lang="en-US" sz="1000" dirty="0"/>
+          </a:p>
+        </p:txBody>
+      </p:sp>
+      <p:sp>
+        <p:nvSpPr>
+          <p:cNvPr id="17" name="Rounded Rectangle 16"/>
+          <p:cNvSpPr/>
+          <p:nvPr/>
+        </p:nvSpPr>
+        <p:spPr>
+          <a:xfrm>
+            <a:off x="4052267" y="2576946"/>
+            <a:ext cx="600075" cy="395133"/>
+          </a:xfrm>
+          <a:prstGeom prst="roundRect">
+            <a:avLst/>
+          </a:prstGeom>
+        </p:spPr>
+        <p:style>
+          <a:lnRef idx="2">
+            <a:schemeClr val="accent1">
+              <a:shade val="50000"/>
+            </a:schemeClr>
+          </a:lnRef>
+          <a:fillRef idx="1">
+            <a:schemeClr val="accent1"/>
+          </a:fillRef>
+          <a:effectRef idx="0">
+            <a:schemeClr val="accent1"/>
+          </a:effectRef>
+          <a:fontRef idx="minor">
+            <a:schemeClr val="lt1"/>
+          </a:fontRef>
+        </p:style>
+        <p:txBody>
+          <a:bodyPr rtlCol="0" anchor="ctr"/>
+          <a:lstStyle/>
+          <a:p>
+            <a:pPr algn="ctr"/>
+            <a:r>
+              <a:rPr lang="en-US" sz="1000" dirty="0" smtClean="0"/>
+              <a:t>frag_1</a:t>
+            </a:r>
+            <a:endParaRPr lang="en-US" sz="1000" dirty="0"/>
+          </a:p>
+        </p:txBody>
+      </p:sp>
+      <p:sp>
+        <p:nvSpPr>
+          <p:cNvPr id="18" name="Rounded Rectangle 17"/>
+          <p:cNvSpPr/>
+          <p:nvPr/>
+        </p:nvSpPr>
+        <p:spPr>
+          <a:xfrm>
+            <a:off x="4052266" y="1676346"/>
+            <a:ext cx="600075" cy="395133"/>
+          </a:xfrm>
+          <a:prstGeom prst="roundRect">
+            <a:avLst/>
+          </a:prstGeom>
+        </p:spPr>
+        <p:style>
+          <a:lnRef idx="2">
+            <a:schemeClr val="accent1">
+              <a:shade val="50000"/>
+            </a:schemeClr>
+          </a:lnRef>
+          <a:fillRef idx="1">
+            <a:schemeClr val="accent1"/>
+          </a:fillRef>
+          <a:effectRef idx="0">
+            <a:schemeClr val="accent1"/>
+          </a:effectRef>
+          <a:fontRef idx="minor">
+            <a:schemeClr val="lt1"/>
+          </a:fontRef>
+        </p:style>
+        <p:txBody>
+          <a:bodyPr rtlCol="0" anchor="ctr"/>
+          <a:lstStyle/>
+          <a:p>
+            <a:pPr algn="ctr"/>
+            <a:r>
+              <a:rPr lang="en-US" sz="1000" dirty="0" err="1" smtClean="0"/>
+              <a:t>vinoxy</a:t>
+            </a:r>
+            <a:endParaRPr lang="en-US" sz="1000" dirty="0"/>
+          </a:p>
+        </p:txBody>
+      </p:sp>
+      <p:sp>
+        <p:nvSpPr>
+          <p:cNvPr id="19" name="Rounded Rectangle 18"/>
+          <p:cNvSpPr/>
+          <p:nvPr/>
+        </p:nvSpPr>
+        <p:spPr>
+          <a:xfrm>
+            <a:off x="6415456" y="687769"/>
+            <a:ext cx="600075" cy="395133"/>
+          </a:xfrm>
+          <a:prstGeom prst="roundRect">
+            <a:avLst/>
+          </a:prstGeom>
+        </p:spPr>
+        <p:style>
+          <a:lnRef idx="2">
+            <a:schemeClr val="accent1">
+              <a:shade val="50000"/>
+            </a:schemeClr>
+          </a:lnRef>
+          <a:fillRef idx="1">
+            <a:schemeClr val="accent1"/>
+          </a:fillRef>
+          <a:effectRef idx="0">
+            <a:schemeClr val="accent1"/>
+          </a:effectRef>
+          <a:fontRef idx="minor">
+            <a:schemeClr val="lt1"/>
+          </a:fontRef>
+        </p:style>
+        <p:txBody>
+          <a:bodyPr rtlCol="0" anchor="ctr"/>
+          <a:lstStyle/>
+          <a:p>
+            <a:pPr algn="ctr"/>
+            <a:r>
+              <a:rPr lang="en-US" sz="1000" dirty="0" smtClean="0"/>
+              <a:t>CH</a:t>
+            </a:r>
+            <a:r>
+              <a:rPr lang="en-US" sz="1000" baseline="-25000" dirty="0" smtClean="0"/>
+              <a:t>2</a:t>
+            </a:r>
+            <a:r>
+              <a:rPr lang="en-US" sz="1000" dirty="0" smtClean="0"/>
+              <a:t>O</a:t>
+            </a:r>
+            <a:endParaRPr lang="en-US" sz="1000" dirty="0"/>
+          </a:p>
+        </p:txBody>
+      </p:sp>
+      <p:sp>
+        <p:nvSpPr>
+          <p:cNvPr id="20" name="Rounded Rectangle 19"/>
+          <p:cNvSpPr/>
+          <p:nvPr/>
+        </p:nvSpPr>
+        <p:spPr>
+          <a:xfrm>
+            <a:off x="4052266" y="685523"/>
+            <a:ext cx="600075" cy="395133"/>
+          </a:xfrm>
+          <a:prstGeom prst="roundRect">
+            <a:avLst/>
+          </a:prstGeom>
+        </p:spPr>
+        <p:style>
+          <a:lnRef idx="2">
+            <a:schemeClr val="accent1">
+              <a:shade val="50000"/>
+            </a:schemeClr>
+          </a:lnRef>
+          <a:fillRef idx="1">
+            <a:schemeClr val="accent1"/>
+          </a:fillRef>
+          <a:effectRef idx="0">
+            <a:schemeClr val="accent1"/>
+          </a:effectRef>
+          <a:fontRef idx="minor">
+            <a:schemeClr val="lt1"/>
+          </a:fontRef>
+        </p:style>
+        <p:txBody>
+          <a:bodyPr rtlCol="0" anchor="ctr"/>
+          <a:lstStyle/>
+          <a:p>
+            <a:pPr algn="ctr"/>
+            <a:r>
+              <a:rPr lang="en-US" sz="1000" dirty="0" smtClean="0"/>
+              <a:t>CO</a:t>
+            </a:r>
+            <a:endParaRPr lang="en-US" sz="1000" dirty="0"/>
+          </a:p>
+        </p:txBody>
+      </p:sp>
+      <p:sp>
+        <p:nvSpPr>
+          <p:cNvPr id="21" name="Rounded Rectangle 20"/>
+          <p:cNvSpPr/>
+          <p:nvPr/>
+        </p:nvSpPr>
+        <p:spPr>
+          <a:xfrm>
+            <a:off x="6415456" y="3508858"/>
+            <a:ext cx="600075" cy="395133"/>
+          </a:xfrm>
+          <a:prstGeom prst="roundRect">
+            <a:avLst/>
+          </a:prstGeom>
+        </p:spPr>
+        <p:style>
+          <a:lnRef idx="2">
+            <a:schemeClr val="accent1">
+              <a:shade val="50000"/>
+            </a:schemeClr>
+          </a:lnRef>
+          <a:fillRef idx="1">
+            <a:schemeClr val="accent1"/>
+          </a:fillRef>
+          <a:effectRef idx="0">
+            <a:schemeClr val="accent1"/>
+          </a:effectRef>
+          <a:fontRef idx="minor">
+            <a:schemeClr val="lt1"/>
+          </a:fontRef>
+        </p:style>
+        <p:txBody>
+          <a:bodyPr rtlCol="0" anchor="ctr"/>
+          <a:lstStyle/>
+          <a:p>
+            <a:pPr algn="ctr"/>
+            <a:r>
+              <a:rPr lang="en-US" sz="1000" dirty="0"/>
+              <a:t>w</a:t>
+            </a:r>
+            <a:r>
+              <a:rPr lang="en-US" sz="1000" dirty="0" smtClean="0"/>
+              <a:t>ell_1</a:t>
+            </a:r>
+            <a:endParaRPr lang="en-US" sz="1000" dirty="0"/>
+          </a:p>
+        </p:txBody>
+      </p:sp>
+      <p:sp>
+        <p:nvSpPr>
+          <p:cNvPr id="23" name="Rounded Rectangle 22"/>
+          <p:cNvSpPr/>
+          <p:nvPr/>
+        </p:nvSpPr>
+        <p:spPr>
+          <a:xfrm>
+            <a:off x="8469884" y="3508857"/>
+            <a:ext cx="600075" cy="395133"/>
+          </a:xfrm>
+          <a:prstGeom prst="roundRect">
+            <a:avLst/>
+          </a:prstGeom>
+        </p:spPr>
+        <p:style>
+          <a:lnRef idx="2">
+            <a:schemeClr val="accent1">
+              <a:shade val="50000"/>
+            </a:schemeClr>
+          </a:lnRef>
+          <a:fillRef idx="1">
+            <a:schemeClr val="accent1"/>
+          </a:fillRef>
+          <a:effectRef idx="0">
+            <a:schemeClr val="accent1"/>
+          </a:effectRef>
+          <a:fontRef idx="minor">
+            <a:schemeClr val="lt1"/>
+          </a:fontRef>
+        </p:style>
+        <p:txBody>
+          <a:bodyPr rtlCol="0" anchor="ctr"/>
+          <a:lstStyle/>
+          <a:p>
+            <a:pPr algn="ctr"/>
+            <a:r>
+              <a:rPr lang="en-US" sz="1000" dirty="0" err="1" smtClean="0"/>
+              <a:t>ipropyl</a:t>
+            </a:r>
+            <a:endParaRPr lang="en-US" sz="1000" dirty="0"/>
+          </a:p>
+        </p:txBody>
+      </p:sp>
+      <p:sp>
+        <p:nvSpPr>
+          <p:cNvPr id="24" name="Rounded Rectangle 23"/>
+          <p:cNvSpPr/>
+          <p:nvPr/>
+        </p:nvSpPr>
+        <p:spPr>
+          <a:xfrm>
+            <a:off x="8469886" y="5107988"/>
+            <a:ext cx="600075" cy="395133"/>
+          </a:xfrm>
+          <a:prstGeom prst="roundRect">
+            <a:avLst/>
+          </a:prstGeom>
+        </p:spPr>
+        <p:style>
+          <a:lnRef idx="2">
+            <a:schemeClr val="accent1">
+              <a:shade val="50000"/>
+            </a:schemeClr>
+          </a:lnRef>
+          <a:fillRef idx="1">
+            <a:schemeClr val="accent1"/>
+          </a:fillRef>
+          <a:effectRef idx="0">
+            <a:schemeClr val="accent1"/>
+          </a:effectRef>
+          <a:fontRef idx="minor">
+            <a:schemeClr val="lt1"/>
+          </a:fontRef>
+        </p:style>
+        <p:txBody>
+          <a:bodyPr rtlCol="0" anchor="ctr"/>
+          <a:lstStyle/>
+          <a:p>
+            <a:pPr algn="ctr"/>
+            <a:r>
+              <a:rPr lang="en-US" sz="1000" dirty="0" smtClean="0"/>
+              <a:t>C</a:t>
+            </a:r>
+            <a:r>
+              <a:rPr lang="en-US" sz="1000" baseline="-25000" dirty="0" smtClean="0"/>
+              <a:t>3</a:t>
+            </a:r>
+            <a:r>
+              <a:rPr lang="en-US" sz="1000" dirty="0" smtClean="0"/>
+              <a:t>H</a:t>
+            </a:r>
+            <a:r>
+              <a:rPr lang="en-US" sz="1000" baseline="-25000" dirty="0" smtClean="0"/>
+              <a:t>6</a:t>
+            </a:r>
+            <a:endParaRPr lang="en-US" sz="1000" baseline="-25000" dirty="0"/>
+          </a:p>
+        </p:txBody>
+      </p:sp>
+      <p:sp>
+        <p:nvSpPr>
+          <p:cNvPr id="25" name="Rounded Rectangle 24"/>
+          <p:cNvSpPr/>
+          <p:nvPr/>
+        </p:nvSpPr>
+        <p:spPr>
+          <a:xfrm>
+            <a:off x="4052266" y="5049934"/>
+            <a:ext cx="600075" cy="395133"/>
+          </a:xfrm>
+          <a:prstGeom prst="roundRect">
+            <a:avLst/>
+          </a:prstGeom>
+        </p:spPr>
+        <p:style>
+          <a:lnRef idx="2">
+            <a:schemeClr val="accent1">
+              <a:shade val="50000"/>
+            </a:schemeClr>
+          </a:lnRef>
+          <a:fillRef idx="1">
+            <a:schemeClr val="accent1"/>
+          </a:fillRef>
+          <a:effectRef idx="0">
+            <a:schemeClr val="accent1"/>
+          </a:effectRef>
+          <a:fontRef idx="minor">
+            <a:schemeClr val="lt1"/>
+          </a:fontRef>
+        </p:style>
+        <p:txBody>
+          <a:bodyPr rtlCol="0" anchor="ctr"/>
+          <a:lstStyle/>
+          <a:p>
+            <a:pPr algn="ctr"/>
+            <a:r>
+              <a:rPr lang="en-US" sz="1000" dirty="0" smtClean="0"/>
+              <a:t>prod_2</a:t>
+            </a:r>
+            <a:endParaRPr lang="en-US" sz="1000" dirty="0"/>
+          </a:p>
+        </p:txBody>
+      </p:sp>
+      <p:sp>
+        <p:nvSpPr>
+          <p:cNvPr id="26" name="Rounded Rectangle 25"/>
+          <p:cNvSpPr/>
+          <p:nvPr/>
+        </p:nvSpPr>
+        <p:spPr>
+          <a:xfrm>
+            <a:off x="2300464" y="5049934"/>
+            <a:ext cx="685983" cy="395133"/>
+          </a:xfrm>
+          <a:prstGeom prst="roundRect">
+            <a:avLst/>
+          </a:prstGeom>
+        </p:spPr>
+        <p:style>
+          <a:lnRef idx="2">
+            <a:schemeClr val="accent1">
+              <a:shade val="50000"/>
+            </a:schemeClr>
+          </a:lnRef>
+          <a:fillRef idx="1">
+            <a:schemeClr val="accent1"/>
+          </a:fillRef>
+          <a:effectRef idx="0">
+            <a:schemeClr val="accent1"/>
+          </a:effectRef>
+          <a:fontRef idx="minor">
+            <a:schemeClr val="lt1"/>
+          </a:fontRef>
+        </p:style>
+        <p:txBody>
+          <a:bodyPr rtlCol="0" anchor="ctr"/>
+          <a:lstStyle/>
+          <a:p>
+            <a:pPr algn="ctr"/>
+            <a:r>
+              <a:rPr lang="en-US" sz="1000" dirty="0" err="1" smtClean="0"/>
+              <a:t>allyloxy</a:t>
+            </a:r>
+            <a:endParaRPr lang="en-US" sz="1000" dirty="0"/>
+          </a:p>
+        </p:txBody>
+      </p:sp>
+      <p:sp>
+        <p:nvSpPr>
+          <p:cNvPr id="27" name="Rounded Rectangle 26"/>
+          <p:cNvSpPr/>
+          <p:nvPr/>
+        </p:nvSpPr>
+        <p:spPr>
+          <a:xfrm>
+            <a:off x="2300464" y="5951468"/>
+            <a:ext cx="685982" cy="395133"/>
+          </a:xfrm>
+          <a:prstGeom prst="roundRect">
+            <a:avLst/>
+          </a:prstGeom>
+        </p:spPr>
+        <p:style>
+          <a:lnRef idx="2">
+            <a:schemeClr val="accent1">
+              <a:shade val="50000"/>
+            </a:schemeClr>
+          </a:lnRef>
+          <a:fillRef idx="1">
+            <a:schemeClr val="accent1"/>
+          </a:fillRef>
+          <a:effectRef idx="0">
+            <a:schemeClr val="accent1"/>
+          </a:effectRef>
+          <a:fontRef idx="minor">
+            <a:schemeClr val="lt1"/>
+          </a:fontRef>
+        </p:style>
+        <p:txBody>
+          <a:bodyPr rtlCol="0" anchor="ctr"/>
+          <a:lstStyle/>
+          <a:p>
+            <a:pPr algn="ctr"/>
+            <a:r>
+              <a:rPr lang="en-US" sz="1000" dirty="0" err="1" smtClean="0"/>
+              <a:t>acrolein</a:t>
+            </a:r>
+            <a:endParaRPr lang="en-US" sz="1000" dirty="0"/>
+          </a:p>
+        </p:txBody>
+      </p:sp>
+      <p:sp>
+        <p:nvSpPr>
+          <p:cNvPr id="30" name="Rounded Rectangle 29"/>
+          <p:cNvSpPr/>
+          <p:nvPr/>
+        </p:nvSpPr>
+        <p:spPr>
+          <a:xfrm>
+            <a:off x="6307184" y="5107988"/>
+            <a:ext cx="816618" cy="395133"/>
+          </a:xfrm>
+          <a:prstGeom prst="roundRect">
+            <a:avLst/>
+          </a:prstGeom>
+        </p:spPr>
+        <p:style>
+          <a:lnRef idx="2">
+            <a:schemeClr val="accent1">
+              <a:shade val="50000"/>
+            </a:schemeClr>
+          </a:lnRef>
+          <a:fillRef idx="1">
+            <a:schemeClr val="accent1"/>
+          </a:fillRef>
+          <a:effectRef idx="0">
+            <a:schemeClr val="accent1"/>
+          </a:effectRef>
+          <a:fontRef idx="minor">
+            <a:schemeClr val="lt1"/>
+          </a:fontRef>
+        </p:style>
+        <p:txBody>
+          <a:bodyPr rtlCol="0" anchor="ctr"/>
+          <a:lstStyle/>
+          <a:p>
+            <a:pPr algn="ctr"/>
+            <a:r>
+              <a:rPr lang="en-US" sz="1000" dirty="0" err="1" smtClean="0"/>
+              <a:t>propoxide</a:t>
+            </a:r>
+            <a:endParaRPr lang="en-US" sz="1000" baseline="-25000" dirty="0"/>
+          </a:p>
+        </p:txBody>
+      </p:sp>
+      <p:sp>
+        <p:nvSpPr>
+          <p:cNvPr id="31" name="Rounded Rectangle 30"/>
+          <p:cNvSpPr/>
+          <p:nvPr/>
+        </p:nvSpPr>
+        <p:spPr>
+          <a:xfrm>
+            <a:off x="8331925" y="2597450"/>
+            <a:ext cx="875995" cy="395133"/>
+          </a:xfrm>
+          <a:prstGeom prst="roundRect">
+            <a:avLst/>
+          </a:prstGeom>
+        </p:spPr>
+        <p:style>
+          <a:lnRef idx="2">
+            <a:schemeClr val="accent1">
+              <a:shade val="50000"/>
+            </a:schemeClr>
+          </a:lnRef>
+          <a:fillRef idx="1">
+            <a:schemeClr val="accent1"/>
+          </a:fillRef>
+          <a:effectRef idx="0">
+            <a:schemeClr val="accent1"/>
+          </a:effectRef>
+          <a:fontRef idx="minor">
+            <a:schemeClr val="lt1"/>
+          </a:fontRef>
+        </p:style>
+        <p:txBody>
+          <a:bodyPr rtlCol="0" anchor="ctr"/>
+          <a:lstStyle/>
+          <a:p>
+            <a:pPr algn="ctr"/>
+            <a:r>
+              <a:rPr lang="en-US" sz="1000" dirty="0" err="1" smtClean="0"/>
+              <a:t>npropylooh</a:t>
+            </a:r>
+            <a:endParaRPr lang="en-US" sz="1000" dirty="0"/>
+          </a:p>
+        </p:txBody>
+      </p:sp>
+      <p:sp>
+        <p:nvSpPr>
+          <p:cNvPr id="32" name="Rounded Rectangle 31"/>
+          <p:cNvSpPr/>
+          <p:nvPr/>
+        </p:nvSpPr>
+        <p:spPr>
+          <a:xfrm>
+            <a:off x="8331925" y="1676345"/>
+            <a:ext cx="875995" cy="395133"/>
+          </a:xfrm>
+          <a:prstGeom prst="roundRect">
+            <a:avLst/>
+          </a:prstGeom>
+        </p:spPr>
+        <p:style>
+          <a:lnRef idx="2">
+            <a:schemeClr val="accent1">
+              <a:shade val="50000"/>
+            </a:schemeClr>
+          </a:lnRef>
+          <a:fillRef idx="1">
+            <a:schemeClr val="accent1"/>
+          </a:fillRef>
+          <a:effectRef idx="0">
+            <a:schemeClr val="accent1"/>
+          </a:effectRef>
+          <a:fontRef idx="minor">
+            <a:schemeClr val="lt1"/>
+          </a:fontRef>
+        </p:style>
+        <p:txBody>
+          <a:bodyPr rtlCol="0" anchor="ctr"/>
+          <a:lstStyle/>
+          <a:p>
+            <a:pPr algn="ctr"/>
+            <a:r>
+              <a:rPr lang="en-US" sz="1000" dirty="0" err="1" smtClean="0"/>
+              <a:t>npropyloxy</a:t>
+            </a:r>
+            <a:endParaRPr lang="en-US" sz="1000" dirty="0"/>
+          </a:p>
+        </p:txBody>
+      </p:sp>
+      <p:cxnSp>
+        <p:nvCxnSpPr>
+          <p:cNvPr id="3" name="Straight Arrow Connector 2"/>
+          <p:cNvCxnSpPr>
+            <a:stCxn id="21" idx="1"/>
+            <a:endCxn id="16" idx="3"/>
+          </p:cNvCxnSpPr>
+          <p:nvPr/>
+        </p:nvCxnSpPr>
+        <p:spPr>
+          <a:xfrm flipH="1">
+            <a:off x="4652341" y="3706425"/>
+            <a:ext cx="1763115" cy="0"/>
+          </a:xfrm>
+          <a:prstGeom prst="straightConnector1">
+            <a:avLst/>
+          </a:prstGeom>
+          <a:ln>
+            <a:tailEnd type="triangle"/>
+          </a:ln>
+        </p:spPr>
+        <p:style>
+          <a:lnRef idx="1">
+            <a:schemeClr val="accent1"/>
+          </a:lnRef>
+          <a:fillRef idx="0">
+            <a:schemeClr val="accent1"/>
+          </a:fillRef>
+          <a:effectRef idx="0">
+            <a:schemeClr val="accent1"/>
+          </a:effectRef>
+          <a:fontRef idx="minor">
+            <a:schemeClr val="tx1"/>
+          </a:fontRef>
+        </p:style>
+      </p:cxnSp>
+      <p:cxnSp>
+        <p:nvCxnSpPr>
+          <p:cNvPr id="7" name="Straight Arrow Connector 6"/>
+          <p:cNvCxnSpPr>
+            <a:stCxn id="16" idx="0"/>
+            <a:endCxn id="17" idx="2"/>
+          </p:cNvCxnSpPr>
+          <p:nvPr/>
+        </p:nvCxnSpPr>
+        <p:spPr>
+          <a:xfrm flipV="1">
+            <a:off x="4352304" y="2972079"/>
+            <a:ext cx="1" cy="536779"/>
+          </a:xfrm>
+          <a:prstGeom prst="straightConnector1">
+            <a:avLst/>
+          </a:prstGeom>
+          <a:ln>
+            <a:tailEnd type="triangle"/>
+          </a:ln>
+        </p:spPr>
+        <p:style>
+          <a:lnRef idx="1">
+            <a:schemeClr val="accent1"/>
+          </a:lnRef>
+          <a:fillRef idx="0">
+            <a:schemeClr val="accent1"/>
+          </a:fillRef>
+          <a:effectRef idx="0">
+            <a:schemeClr val="accent1"/>
+          </a:effectRef>
+          <a:fontRef idx="minor">
+            <a:schemeClr val="tx1"/>
+          </a:fontRef>
+        </p:style>
+      </p:cxnSp>
+      <p:sp>
+        <p:nvSpPr>
+          <p:cNvPr id="22" name="Rounded Rectangle 21"/>
+          <p:cNvSpPr/>
+          <p:nvPr/>
+        </p:nvSpPr>
+        <p:spPr>
+          <a:xfrm>
+            <a:off x="6415456" y="1678590"/>
+            <a:ext cx="600075" cy="395133"/>
+          </a:xfrm>
+          <a:prstGeom prst="roundRect">
+            <a:avLst/>
+          </a:prstGeom>
+        </p:spPr>
+        <p:style>
+          <a:lnRef idx="2">
+            <a:schemeClr val="accent1">
+              <a:shade val="50000"/>
+            </a:schemeClr>
+          </a:lnRef>
+          <a:fillRef idx="1">
+            <a:schemeClr val="accent1"/>
+          </a:fillRef>
+          <a:effectRef idx="0">
+            <a:schemeClr val="accent1"/>
+          </a:effectRef>
+          <a:fontRef idx="minor">
+            <a:schemeClr val="lt1"/>
+          </a:fontRef>
+        </p:style>
+        <p:txBody>
+          <a:bodyPr rtlCol="0" anchor="ctr"/>
+          <a:lstStyle/>
+          <a:p>
+            <a:pPr algn="ctr"/>
+            <a:r>
+              <a:rPr lang="en-US" sz="1000" dirty="0" smtClean="0"/>
+              <a:t>OH</a:t>
+            </a:r>
+            <a:endParaRPr lang="en-US" sz="1000" dirty="0"/>
+          </a:p>
+        </p:txBody>
+      </p:sp>
+      <p:cxnSp>
+        <p:nvCxnSpPr>
+          <p:cNvPr id="5" name="Straight Arrow Connector 4"/>
+          <p:cNvCxnSpPr>
+            <a:stCxn id="22" idx="2"/>
+            <a:endCxn id="21" idx="0"/>
+          </p:cNvCxnSpPr>
+          <p:nvPr/>
+        </p:nvCxnSpPr>
+        <p:spPr>
+          <a:xfrm>
+            <a:off x="6715494" y="2073723"/>
+            <a:ext cx="0" cy="1435135"/>
+          </a:xfrm>
+          <a:prstGeom prst="straightConnector1">
+            <a:avLst/>
+          </a:prstGeom>
+          <a:ln>
+            <a:tailEnd type="triangle"/>
+          </a:ln>
+        </p:spPr>
+        <p:style>
+          <a:lnRef idx="1">
+            <a:schemeClr val="accent1"/>
+          </a:lnRef>
+          <a:fillRef idx="0">
+            <a:schemeClr val="accent1"/>
+          </a:fillRef>
+          <a:effectRef idx="0">
+            <a:schemeClr val="accent1"/>
+          </a:effectRef>
+          <a:fontRef idx="minor">
+            <a:schemeClr val="tx1"/>
+          </a:fontRef>
+        </p:style>
+      </p:cxnSp>
+      <p:cxnSp>
+        <p:nvCxnSpPr>
+          <p:cNvPr id="37" name="Straight Arrow Connector 36"/>
+          <p:cNvCxnSpPr>
+            <a:stCxn id="17" idx="0"/>
+            <a:endCxn id="19" idx="1"/>
+          </p:cNvCxnSpPr>
+          <p:nvPr/>
+        </p:nvCxnSpPr>
+        <p:spPr>
+          <a:xfrm flipV="1">
+            <a:off x="4352305" y="885336"/>
+            <a:ext cx="2063151" cy="1691610"/>
+          </a:xfrm>
+          <a:prstGeom prst="straightConnector1">
+            <a:avLst/>
+          </a:prstGeom>
+          <a:ln>
+            <a:tailEnd type="triangle"/>
+          </a:ln>
+        </p:spPr>
+        <p:style>
+          <a:lnRef idx="1">
+            <a:schemeClr val="accent1"/>
+          </a:lnRef>
+          <a:fillRef idx="0">
+            <a:schemeClr val="accent1"/>
+          </a:fillRef>
+          <a:effectRef idx="0">
+            <a:schemeClr val="accent1"/>
+          </a:effectRef>
+          <a:fontRef idx="minor">
+            <a:schemeClr val="tx1"/>
+          </a:fontRef>
+        </p:style>
+      </p:cxnSp>
+      <p:cxnSp>
+        <p:nvCxnSpPr>
+          <p:cNvPr id="39" name="Straight Arrow Connector 38"/>
+          <p:cNvCxnSpPr>
+            <a:stCxn id="17" idx="0"/>
+            <a:endCxn id="18" idx="2"/>
+          </p:cNvCxnSpPr>
+          <p:nvPr/>
+        </p:nvCxnSpPr>
+        <p:spPr>
+          <a:xfrm flipH="1" flipV="1">
+            <a:off x="4352304" y="2071479"/>
+            <a:ext cx="1" cy="505467"/>
+          </a:xfrm>
+          <a:prstGeom prst="straightConnector1">
+            <a:avLst/>
+          </a:prstGeom>
+          <a:ln>
+            <a:tailEnd type="triangle"/>
+          </a:ln>
+        </p:spPr>
+        <p:style>
+          <a:lnRef idx="1">
+            <a:schemeClr val="accent1"/>
+          </a:lnRef>
+          <a:fillRef idx="0">
+            <a:schemeClr val="accent1"/>
+          </a:fillRef>
+          <a:effectRef idx="0">
+            <a:schemeClr val="accent1"/>
+          </a:effectRef>
+          <a:fontRef idx="minor">
+            <a:schemeClr val="tx1"/>
+          </a:fontRef>
+        </p:style>
+      </p:cxnSp>
+      <p:cxnSp>
+        <p:nvCxnSpPr>
+          <p:cNvPr id="41" name="Straight Arrow Connector 40"/>
+          <p:cNvCxnSpPr>
+            <a:stCxn id="18" idx="0"/>
+            <a:endCxn id="20" idx="2"/>
+          </p:cNvCxnSpPr>
+          <p:nvPr/>
+        </p:nvCxnSpPr>
+        <p:spPr>
+          <a:xfrm flipV="1">
+            <a:off x="4352304" y="1080656"/>
+            <a:ext cx="0" cy="595690"/>
+          </a:xfrm>
+          <a:prstGeom prst="straightConnector1">
+            <a:avLst/>
+          </a:prstGeom>
+          <a:ln>
+            <a:tailEnd type="triangle"/>
+          </a:ln>
+        </p:spPr>
+        <p:style>
+          <a:lnRef idx="1">
+            <a:schemeClr val="accent1"/>
+          </a:lnRef>
+          <a:fillRef idx="0">
+            <a:schemeClr val="accent1"/>
+          </a:fillRef>
+          <a:effectRef idx="0">
+            <a:schemeClr val="accent1"/>
+          </a:effectRef>
+          <a:fontRef idx="minor">
+            <a:schemeClr val="tx1"/>
+          </a:fontRef>
+        </p:style>
+      </p:cxnSp>
+      <p:cxnSp>
+        <p:nvCxnSpPr>
+          <p:cNvPr id="43" name="Straight Arrow Connector 42"/>
+          <p:cNvCxnSpPr>
+            <a:stCxn id="18" idx="0"/>
+            <a:endCxn id="19" idx="1"/>
+          </p:cNvCxnSpPr>
+          <p:nvPr/>
+        </p:nvCxnSpPr>
+        <p:spPr>
+          <a:xfrm flipV="1">
+            <a:off x="4352304" y="885336"/>
+            <a:ext cx="2063152" cy="791010"/>
+          </a:xfrm>
+          <a:prstGeom prst="straightConnector1">
+            <a:avLst/>
+          </a:prstGeom>
+          <a:ln>
+            <a:tailEnd type="triangle"/>
+          </a:ln>
+        </p:spPr>
+        <p:style>
+          <a:lnRef idx="1">
+            <a:schemeClr val="accent1"/>
+          </a:lnRef>
+          <a:fillRef idx="0">
+            <a:schemeClr val="accent1"/>
+          </a:fillRef>
+          <a:effectRef idx="0">
+            <a:schemeClr val="accent1"/>
+          </a:effectRef>
+          <a:fontRef idx="minor">
+            <a:schemeClr val="tx1"/>
+          </a:fontRef>
+        </p:style>
+      </p:cxnSp>
+      <p:cxnSp>
+        <p:nvCxnSpPr>
+          <p:cNvPr id="45" name="Straight Arrow Connector 44"/>
+          <p:cNvCxnSpPr>
+            <a:stCxn id="21" idx="2"/>
+            <a:endCxn id="24" idx="1"/>
+          </p:cNvCxnSpPr>
+          <p:nvPr/>
+        </p:nvCxnSpPr>
+        <p:spPr>
+          <a:xfrm>
+            <a:off x="6715494" y="3903991"/>
+            <a:ext cx="1754392" cy="1401564"/>
+          </a:xfrm>
+          <a:prstGeom prst="straightConnector1">
+            <a:avLst/>
+          </a:prstGeom>
+          <a:ln>
+            <a:tailEnd type="triangle"/>
+          </a:ln>
+        </p:spPr>
+        <p:style>
+          <a:lnRef idx="1">
+            <a:schemeClr val="accent1"/>
+          </a:lnRef>
+          <a:fillRef idx="0">
+            <a:schemeClr val="accent1"/>
+          </a:fillRef>
+          <a:effectRef idx="0">
+            <a:schemeClr val="accent1"/>
+          </a:effectRef>
+          <a:fontRef idx="minor">
+            <a:schemeClr val="tx1"/>
+          </a:fontRef>
+        </p:style>
+      </p:cxnSp>
+      <p:cxnSp>
+        <p:nvCxnSpPr>
+          <p:cNvPr id="47" name="Straight Arrow Connector 46"/>
+          <p:cNvCxnSpPr>
+            <a:stCxn id="21" idx="3"/>
+            <a:endCxn id="23" idx="1"/>
+          </p:cNvCxnSpPr>
+          <p:nvPr/>
+        </p:nvCxnSpPr>
+        <p:spPr>
+          <a:xfrm flipV="1">
+            <a:off x="7015531" y="3706424"/>
+            <a:ext cx="1454353" cy="1"/>
+          </a:xfrm>
+          <a:prstGeom prst="straightConnector1">
+            <a:avLst/>
+          </a:prstGeom>
+          <a:ln>
+            <a:tailEnd type="triangle"/>
+          </a:ln>
+        </p:spPr>
+        <p:style>
+          <a:lnRef idx="1">
+            <a:schemeClr val="accent1"/>
+          </a:lnRef>
+          <a:fillRef idx="0">
+            <a:schemeClr val="accent1"/>
+          </a:fillRef>
+          <a:effectRef idx="0">
+            <a:schemeClr val="accent1"/>
+          </a:effectRef>
+          <a:fontRef idx="minor">
+            <a:schemeClr val="tx1"/>
+          </a:fontRef>
+        </p:style>
+      </p:cxnSp>
+      <p:cxnSp>
+        <p:nvCxnSpPr>
+          <p:cNvPr id="49" name="Straight Arrow Connector 48"/>
+          <p:cNvCxnSpPr>
+            <a:stCxn id="23" idx="2"/>
+            <a:endCxn id="24" idx="0"/>
+          </p:cNvCxnSpPr>
+          <p:nvPr/>
+        </p:nvCxnSpPr>
+        <p:spPr>
+          <a:xfrm>
+            <a:off x="8769922" y="3903990"/>
+            <a:ext cx="2" cy="1203998"/>
+          </a:xfrm>
+          <a:prstGeom prst="straightConnector1">
+            <a:avLst/>
+          </a:prstGeom>
+          <a:ln>
+            <a:tailEnd type="triangle"/>
+          </a:ln>
+        </p:spPr>
+        <p:style>
+          <a:lnRef idx="1">
+            <a:schemeClr val="accent1"/>
+          </a:lnRef>
+          <a:fillRef idx="0">
+            <a:schemeClr val="accent1"/>
+          </a:fillRef>
+          <a:effectRef idx="0">
+            <a:schemeClr val="accent1"/>
+          </a:effectRef>
+          <a:fontRef idx="minor">
+            <a:schemeClr val="tx1"/>
+          </a:fontRef>
+        </p:style>
+      </p:cxnSp>
+      <p:cxnSp>
+        <p:nvCxnSpPr>
+          <p:cNvPr id="51" name="Straight Arrow Connector 50"/>
+          <p:cNvCxnSpPr>
+            <a:stCxn id="21" idx="2"/>
+            <a:endCxn id="25" idx="3"/>
+          </p:cNvCxnSpPr>
+          <p:nvPr/>
+        </p:nvCxnSpPr>
+        <p:spPr>
+          <a:xfrm flipH="1">
+            <a:off x="4652341" y="3903991"/>
+            <a:ext cx="2063153" cy="1343510"/>
+          </a:xfrm>
+          <a:prstGeom prst="straightConnector1">
+            <a:avLst/>
+          </a:prstGeom>
+          <a:ln>
+            <a:tailEnd type="triangle"/>
+          </a:ln>
+        </p:spPr>
+        <p:style>
+          <a:lnRef idx="1">
+            <a:schemeClr val="accent1"/>
+          </a:lnRef>
+          <a:fillRef idx="0">
+            <a:schemeClr val="accent1"/>
+          </a:fillRef>
+          <a:effectRef idx="0">
+            <a:schemeClr val="accent1"/>
+          </a:effectRef>
+          <a:fontRef idx="minor">
+            <a:schemeClr val="tx1"/>
+          </a:fontRef>
+        </p:style>
+      </p:cxnSp>
+      <p:cxnSp>
+        <p:nvCxnSpPr>
+          <p:cNvPr id="53" name="Straight Arrow Connector 52"/>
+          <p:cNvCxnSpPr>
+            <a:stCxn id="25" idx="1"/>
+            <a:endCxn id="26" idx="3"/>
+          </p:cNvCxnSpPr>
+          <p:nvPr/>
+        </p:nvCxnSpPr>
+        <p:spPr>
+          <a:xfrm flipH="1">
+            <a:off x="2986447" y="5247501"/>
+            <a:ext cx="1065819" cy="0"/>
+          </a:xfrm>
+          <a:prstGeom prst="straightConnector1">
+            <a:avLst/>
+          </a:prstGeom>
+          <a:ln>
+            <a:tailEnd type="triangle"/>
+          </a:ln>
+        </p:spPr>
+        <p:style>
+          <a:lnRef idx="1">
+            <a:schemeClr val="accent1"/>
+          </a:lnRef>
+          <a:fillRef idx="0">
+            <a:schemeClr val="accent1"/>
+          </a:fillRef>
+          <a:effectRef idx="0">
+            <a:schemeClr val="accent1"/>
+          </a:effectRef>
+          <a:fontRef idx="minor">
+            <a:schemeClr val="tx1"/>
+          </a:fontRef>
+        </p:style>
+      </p:cxnSp>
+      <p:cxnSp>
+        <p:nvCxnSpPr>
+          <p:cNvPr id="55" name="Straight Arrow Connector 54"/>
+          <p:cNvCxnSpPr>
+            <a:stCxn id="26" idx="2"/>
+            <a:endCxn id="27" idx="0"/>
+          </p:cNvCxnSpPr>
+          <p:nvPr/>
+        </p:nvCxnSpPr>
+        <p:spPr>
+          <a:xfrm flipH="1">
+            <a:off x="2643455" y="5445067"/>
+            <a:ext cx="1" cy="506401"/>
+          </a:xfrm>
+          <a:prstGeom prst="straightConnector1">
+            <a:avLst/>
+          </a:prstGeom>
+          <a:ln>
+            <a:tailEnd type="triangle"/>
+          </a:ln>
+        </p:spPr>
+        <p:style>
+          <a:lnRef idx="1">
+            <a:schemeClr val="accent1"/>
+          </a:lnRef>
+          <a:fillRef idx="0">
+            <a:schemeClr val="accent1"/>
+          </a:fillRef>
+          <a:effectRef idx="0">
+            <a:schemeClr val="accent1"/>
+          </a:effectRef>
+          <a:fontRef idx="minor">
+            <a:schemeClr val="tx1"/>
+          </a:fontRef>
+        </p:style>
+      </p:cxnSp>
+      <p:cxnSp>
+        <p:nvCxnSpPr>
+          <p:cNvPr id="57" name="Straight Arrow Connector 56"/>
+          <p:cNvCxnSpPr>
+            <a:stCxn id="21" idx="2"/>
+            <a:endCxn id="30" idx="0"/>
+          </p:cNvCxnSpPr>
+          <p:nvPr/>
+        </p:nvCxnSpPr>
+        <p:spPr>
+          <a:xfrm flipH="1">
+            <a:off x="6715493" y="3903991"/>
+            <a:ext cx="1" cy="1203997"/>
+          </a:xfrm>
+          <a:prstGeom prst="straightConnector1">
+            <a:avLst/>
+          </a:prstGeom>
+          <a:ln>
+            <a:tailEnd type="triangle"/>
+          </a:ln>
+        </p:spPr>
+        <p:style>
+          <a:lnRef idx="1">
+            <a:schemeClr val="accent1"/>
+          </a:lnRef>
+          <a:fillRef idx="0">
+            <a:schemeClr val="accent1"/>
+          </a:fillRef>
+          <a:effectRef idx="0">
+            <a:schemeClr val="accent1"/>
+          </a:effectRef>
+          <a:fontRef idx="minor">
+            <a:schemeClr val="tx1"/>
+          </a:fontRef>
+        </p:style>
+      </p:cxnSp>
+      <p:cxnSp>
+        <p:nvCxnSpPr>
+          <p:cNvPr id="59" name="Straight Arrow Connector 58"/>
+          <p:cNvCxnSpPr>
+            <a:stCxn id="21" idx="3"/>
+            <a:endCxn id="31" idx="1"/>
+          </p:cNvCxnSpPr>
+          <p:nvPr/>
+        </p:nvCxnSpPr>
+        <p:spPr>
+          <a:xfrm flipV="1">
+            <a:off x="7015531" y="2795017"/>
+            <a:ext cx="1316394" cy="911408"/>
+          </a:xfrm>
+          <a:prstGeom prst="straightConnector1">
+            <a:avLst/>
+          </a:prstGeom>
+          <a:ln>
+            <a:tailEnd type="triangle"/>
+          </a:ln>
+        </p:spPr>
+        <p:style>
+          <a:lnRef idx="1">
+            <a:schemeClr val="accent1"/>
+          </a:lnRef>
+          <a:fillRef idx="0">
+            <a:schemeClr val="accent1"/>
+          </a:fillRef>
+          <a:effectRef idx="0">
+            <a:schemeClr val="accent1"/>
+          </a:effectRef>
+          <a:fontRef idx="minor">
+            <a:schemeClr val="tx1"/>
+          </a:fontRef>
+        </p:style>
+      </p:cxnSp>
+      <p:cxnSp>
+        <p:nvCxnSpPr>
+          <p:cNvPr id="61" name="Straight Arrow Connector 60"/>
+          <p:cNvCxnSpPr>
+            <a:stCxn id="31" idx="0"/>
+            <a:endCxn id="32" idx="2"/>
+          </p:cNvCxnSpPr>
+          <p:nvPr/>
+        </p:nvCxnSpPr>
+        <p:spPr>
+          <a:xfrm flipV="1">
+            <a:off x="8769923" y="2071478"/>
+            <a:ext cx="0" cy="525972"/>
+          </a:xfrm>
+          <a:prstGeom prst="straightConnector1">
+            <a:avLst/>
+          </a:prstGeom>
+          <a:ln>
+            <a:tailEnd type="triangle"/>
+          </a:ln>
+        </p:spPr>
+        <p:style>
+          <a:lnRef idx="1">
+            <a:schemeClr val="accent1"/>
+          </a:lnRef>
+          <a:fillRef idx="0">
+            <a:schemeClr val="accent1"/>
+          </a:fillRef>
+          <a:effectRef idx="0">
+            <a:schemeClr val="accent1"/>
+          </a:effectRef>
+          <a:fontRef idx="minor">
+            <a:schemeClr val="tx1"/>
+          </a:fontRef>
+        </p:style>
+      </p:cxnSp>
+      <p:cxnSp>
+        <p:nvCxnSpPr>
+          <p:cNvPr id="63" name="Straight Arrow Connector 62"/>
+          <p:cNvCxnSpPr>
+            <a:stCxn id="32" idx="0"/>
+            <a:endCxn id="19" idx="3"/>
+          </p:cNvCxnSpPr>
+          <p:nvPr/>
+        </p:nvCxnSpPr>
+        <p:spPr>
+          <a:xfrm flipH="1" flipV="1">
+            <a:off x="7015531" y="885336"/>
+            <a:ext cx="1754392" cy="791009"/>
+          </a:xfrm>
+          <a:prstGeom prst="straightConnector1">
+            <a:avLst/>
+          </a:prstGeom>
+          <a:ln>
+            <a:tailEnd type="triangle"/>
+          </a:ln>
+        </p:spPr>
+        <p:style>
+          <a:lnRef idx="1">
+            <a:schemeClr val="accent1"/>
+          </a:lnRef>
+          <a:fillRef idx="0">
+            <a:schemeClr val="accent1"/>
+          </a:fillRef>
+          <a:effectRef idx="0">
+            <a:schemeClr val="accent1"/>
+          </a:effectRef>
+          <a:fontRef idx="minor">
+            <a:schemeClr val="tx1"/>
+          </a:fontRef>
+        </p:style>
+      </p:cxnSp>
+    </p:spTree>
+    <p:extLst>
+      <p:ext uri="{BB962C8B-B14F-4D97-AF65-F5344CB8AC3E}">
+        <p14:creationId xmlns:p14="http://schemas.microsoft.com/office/powerpoint/2010/main" val="2341359495"/>
+      </p:ext>
+    </p:extLst>
+  </p:cSld>
+  <p:clrMapOvr>
+    <a:masterClrMapping/>
+  </p:clrMapOvr>
+</p:sld>
+</file>
+
+<file path=ppt/slides/slide4.xml><?xml version="1.0" encoding="utf-8"?>
+<p:sld xmlns:a="http://schemas.openxmlformats.org/drawingml/2006/main" xmlns:r="http://schemas.openxmlformats.org/officeDocument/2006/relationships" xmlns:p="http://schemas.openxmlformats.org/presentationml/2006/main">
+  <p:cSld>
+    <p:spTree>
+      <p:nvGrpSpPr>
+        <p:cNvPr id="1" name=""/>
+        <p:cNvGrpSpPr/>
+        <p:nvPr/>
+      </p:nvGrpSpPr>
+      <p:grpSpPr>
+        <a:xfrm>
+          <a:off x="0" y="0"/>
+          <a:ext cx="0" cy="0"/>
+          <a:chOff x="0" y="0"/>
+          <a:chExt cx="0" cy="0"/>
+        </a:xfrm>
+      </p:grpSpPr>
+      <p:sp>
+        <p:nvSpPr>
+          <p:cNvPr id="16" name="Rounded Rectangle 15"/>
+          <p:cNvSpPr/>
+          <p:nvPr/>
+        </p:nvSpPr>
+        <p:spPr>
+          <a:xfrm>
+            <a:off x="4052266" y="3508858"/>
+            <a:ext cx="600075" cy="395133"/>
+          </a:xfrm>
+          <a:prstGeom prst="roundRect">
+            <a:avLst/>
+          </a:prstGeom>
+        </p:spPr>
+        <p:style>
+          <a:lnRef idx="2">
+            <a:schemeClr val="accent1">
+              <a:shade val="50000"/>
+            </a:schemeClr>
+          </a:lnRef>
+          <a:fillRef idx="1">
+            <a:schemeClr val="accent1"/>
+          </a:fillRef>
+          <a:effectRef idx="0">
+            <a:schemeClr val="accent1"/>
+          </a:effectRef>
+          <a:fontRef idx="minor">
+            <a:schemeClr val="lt1"/>
+          </a:fontRef>
+        </p:style>
+        <p:txBody>
+          <a:bodyPr rtlCol="0" anchor="ctr"/>
+          <a:lstStyle/>
+          <a:p>
+            <a:pPr algn="ctr"/>
+            <a:r>
+              <a:rPr lang="en-US" sz="1000" dirty="0" smtClean="0"/>
+              <a:t>prod_1</a:t>
+            </a:r>
+            <a:endParaRPr lang="en-US" sz="1000" dirty="0"/>
+          </a:p>
+        </p:txBody>
+      </p:sp>
+      <p:sp>
+        <p:nvSpPr>
+          <p:cNvPr id="17" name="Rounded Rectangle 16"/>
+          <p:cNvSpPr/>
+          <p:nvPr/>
+        </p:nvSpPr>
+        <p:spPr>
+          <a:xfrm>
+            <a:off x="4052267" y="2576946"/>
+            <a:ext cx="600075" cy="395133"/>
+          </a:xfrm>
+          <a:prstGeom prst="roundRect">
+            <a:avLst/>
+          </a:prstGeom>
+        </p:spPr>
+        <p:style>
+          <a:lnRef idx="2">
+            <a:schemeClr val="accent1">
+              <a:shade val="50000"/>
+            </a:schemeClr>
+          </a:lnRef>
+          <a:fillRef idx="1">
+            <a:schemeClr val="accent1"/>
+          </a:fillRef>
+          <a:effectRef idx="0">
+            <a:schemeClr val="accent1"/>
+          </a:effectRef>
+          <a:fontRef idx="minor">
+            <a:schemeClr val="lt1"/>
+          </a:fontRef>
+        </p:style>
+        <p:txBody>
+          <a:bodyPr rtlCol="0" anchor="ctr"/>
+          <a:lstStyle/>
+          <a:p>
+            <a:pPr algn="ctr"/>
+            <a:r>
+              <a:rPr lang="en-US" sz="1000" dirty="0" smtClean="0"/>
+              <a:t>frag_1</a:t>
+            </a:r>
+            <a:endParaRPr lang="en-US" sz="1000" dirty="0"/>
+          </a:p>
+        </p:txBody>
+      </p:sp>
+      <p:sp>
+        <p:nvSpPr>
+          <p:cNvPr id="18" name="Rounded Rectangle 17"/>
+          <p:cNvSpPr/>
+          <p:nvPr/>
+        </p:nvSpPr>
+        <p:spPr>
+          <a:xfrm>
+            <a:off x="4052266" y="1676346"/>
+            <a:ext cx="600075" cy="395133"/>
+          </a:xfrm>
+          <a:prstGeom prst="roundRect">
+            <a:avLst/>
+          </a:prstGeom>
+        </p:spPr>
+        <p:style>
+          <a:lnRef idx="2">
+            <a:schemeClr val="accent1">
+              <a:shade val="50000"/>
+            </a:schemeClr>
+          </a:lnRef>
+          <a:fillRef idx="1">
+            <a:schemeClr val="accent1"/>
+          </a:fillRef>
+          <a:effectRef idx="0">
+            <a:schemeClr val="accent1"/>
+          </a:effectRef>
+          <a:fontRef idx="minor">
+            <a:schemeClr val="lt1"/>
+          </a:fontRef>
+        </p:style>
+        <p:txBody>
+          <a:bodyPr rtlCol="0" anchor="ctr"/>
+          <a:lstStyle/>
+          <a:p>
+            <a:pPr algn="ctr"/>
+            <a:r>
+              <a:rPr lang="en-US" sz="1000" dirty="0" err="1" smtClean="0"/>
+              <a:t>vinoxy</a:t>
+            </a:r>
+            <a:endParaRPr lang="en-US" sz="1000" dirty="0"/>
+          </a:p>
+        </p:txBody>
+      </p:sp>
+      <p:sp>
+        <p:nvSpPr>
+          <p:cNvPr id="19" name="Rounded Rectangle 18"/>
+          <p:cNvSpPr/>
+          <p:nvPr/>
+        </p:nvSpPr>
+        <p:spPr>
+          <a:xfrm>
+            <a:off x="6415456" y="687769"/>
+            <a:ext cx="600075" cy="395133"/>
+          </a:xfrm>
+          <a:prstGeom prst="roundRect">
+            <a:avLst/>
+          </a:prstGeom>
+        </p:spPr>
+        <p:style>
+          <a:lnRef idx="2">
+            <a:schemeClr val="accent1">
+              <a:shade val="50000"/>
+            </a:schemeClr>
+          </a:lnRef>
+          <a:fillRef idx="1">
+            <a:schemeClr val="accent1"/>
+          </a:fillRef>
+          <a:effectRef idx="0">
+            <a:schemeClr val="accent1"/>
+          </a:effectRef>
+          <a:fontRef idx="minor">
+            <a:schemeClr val="lt1"/>
+          </a:fontRef>
+        </p:style>
+        <p:txBody>
+          <a:bodyPr rtlCol="0" anchor="ctr"/>
+          <a:lstStyle/>
+          <a:p>
+            <a:pPr algn="ctr"/>
+            <a:r>
+              <a:rPr lang="en-US" sz="1000" dirty="0" smtClean="0"/>
+              <a:t>CH</a:t>
+            </a:r>
+            <a:r>
+              <a:rPr lang="en-US" sz="1000" baseline="-25000" dirty="0" smtClean="0"/>
+              <a:t>2</a:t>
+            </a:r>
+            <a:r>
+              <a:rPr lang="en-US" sz="1000" dirty="0" smtClean="0"/>
+              <a:t>O</a:t>
+            </a:r>
+            <a:endParaRPr lang="en-US" sz="1000" dirty="0"/>
+          </a:p>
+        </p:txBody>
+      </p:sp>
+      <p:sp>
+        <p:nvSpPr>
+          <p:cNvPr id="20" name="Rounded Rectangle 19"/>
+          <p:cNvSpPr/>
+          <p:nvPr/>
+        </p:nvSpPr>
+        <p:spPr>
+          <a:xfrm>
+            <a:off x="4052266" y="685523"/>
+            <a:ext cx="600075" cy="395133"/>
+          </a:xfrm>
+          <a:prstGeom prst="roundRect">
+            <a:avLst/>
+          </a:prstGeom>
+        </p:spPr>
+        <p:style>
+          <a:lnRef idx="2">
+            <a:schemeClr val="accent1">
+              <a:shade val="50000"/>
+            </a:schemeClr>
+          </a:lnRef>
+          <a:fillRef idx="1">
+            <a:schemeClr val="accent1"/>
+          </a:fillRef>
+          <a:effectRef idx="0">
+            <a:schemeClr val="accent1"/>
+          </a:effectRef>
+          <a:fontRef idx="minor">
+            <a:schemeClr val="lt1"/>
+          </a:fontRef>
+        </p:style>
+        <p:txBody>
+          <a:bodyPr rtlCol="0" anchor="ctr"/>
+          <a:lstStyle/>
+          <a:p>
+            <a:pPr algn="ctr"/>
+            <a:r>
+              <a:rPr lang="en-US" sz="1000" dirty="0" smtClean="0"/>
+              <a:t>CO</a:t>
+            </a:r>
+            <a:endParaRPr lang="en-US" sz="1000" dirty="0"/>
+          </a:p>
+        </p:txBody>
+      </p:sp>
+      <p:sp>
+        <p:nvSpPr>
+          <p:cNvPr id="21" name="Rounded Rectangle 20"/>
+          <p:cNvSpPr/>
+          <p:nvPr/>
+        </p:nvSpPr>
+        <p:spPr>
+          <a:xfrm>
+            <a:off x="6415456" y="3508858"/>
+            <a:ext cx="600075" cy="395133"/>
+          </a:xfrm>
+          <a:prstGeom prst="roundRect">
+            <a:avLst/>
+          </a:prstGeom>
+        </p:spPr>
+        <p:style>
+          <a:lnRef idx="2">
+            <a:schemeClr val="accent1">
+              <a:shade val="50000"/>
+            </a:schemeClr>
+          </a:lnRef>
+          <a:fillRef idx="1">
+            <a:schemeClr val="accent1"/>
+          </a:fillRef>
+          <a:effectRef idx="0">
+            <a:schemeClr val="accent1"/>
+          </a:effectRef>
+          <a:fontRef idx="minor">
+            <a:schemeClr val="lt1"/>
+          </a:fontRef>
+        </p:style>
+        <p:txBody>
+          <a:bodyPr rtlCol="0" anchor="ctr"/>
+          <a:lstStyle/>
+          <a:p>
+            <a:pPr algn="ctr"/>
+            <a:r>
+              <a:rPr lang="en-US" sz="1000" dirty="0"/>
+              <a:t>w</a:t>
+            </a:r>
+            <a:r>
+              <a:rPr lang="en-US" sz="1000" dirty="0" smtClean="0"/>
+              <a:t>ell_1</a:t>
+            </a:r>
+            <a:endParaRPr lang="en-US" sz="1000" dirty="0"/>
+          </a:p>
+        </p:txBody>
+      </p:sp>
+      <p:sp>
+        <p:nvSpPr>
+          <p:cNvPr id="23" name="Rounded Rectangle 22"/>
+          <p:cNvSpPr/>
+          <p:nvPr/>
+        </p:nvSpPr>
+        <p:spPr>
+          <a:xfrm>
+            <a:off x="8469884" y="3508857"/>
+            <a:ext cx="600075" cy="395133"/>
+          </a:xfrm>
+          <a:prstGeom prst="roundRect">
+            <a:avLst/>
+          </a:prstGeom>
+        </p:spPr>
+        <p:style>
+          <a:lnRef idx="2">
+            <a:schemeClr val="accent1">
+              <a:shade val="50000"/>
+            </a:schemeClr>
+          </a:lnRef>
+          <a:fillRef idx="1">
+            <a:schemeClr val="accent1"/>
+          </a:fillRef>
+          <a:effectRef idx="0">
+            <a:schemeClr val="accent1"/>
+          </a:effectRef>
+          <a:fontRef idx="minor">
+            <a:schemeClr val="lt1"/>
+          </a:fontRef>
+        </p:style>
+        <p:txBody>
+          <a:bodyPr rtlCol="0" anchor="ctr"/>
+          <a:lstStyle/>
+          <a:p>
+            <a:pPr algn="ctr"/>
+            <a:r>
+              <a:rPr lang="en-US" sz="1000" dirty="0" err="1" smtClean="0"/>
+              <a:t>ipropyl</a:t>
+            </a:r>
+            <a:endParaRPr lang="en-US" sz="1000" dirty="0"/>
+          </a:p>
+        </p:txBody>
+      </p:sp>
+      <p:sp>
+        <p:nvSpPr>
+          <p:cNvPr id="24" name="Rounded Rectangle 23"/>
+          <p:cNvSpPr/>
+          <p:nvPr/>
+        </p:nvSpPr>
+        <p:spPr>
+          <a:xfrm>
+            <a:off x="8469886" y="5107988"/>
+            <a:ext cx="600075" cy="395133"/>
+          </a:xfrm>
+          <a:prstGeom prst="roundRect">
+            <a:avLst/>
+          </a:prstGeom>
+        </p:spPr>
+        <p:style>
+          <a:lnRef idx="2">
+            <a:schemeClr val="accent1">
+              <a:shade val="50000"/>
+            </a:schemeClr>
+          </a:lnRef>
+          <a:fillRef idx="1">
+            <a:schemeClr val="accent1"/>
+          </a:fillRef>
+          <a:effectRef idx="0">
+            <a:schemeClr val="accent1"/>
+          </a:effectRef>
+          <a:fontRef idx="minor">
+            <a:schemeClr val="lt1"/>
+          </a:fontRef>
+        </p:style>
+        <p:txBody>
+          <a:bodyPr rtlCol="0" anchor="ctr"/>
+          <a:lstStyle/>
+          <a:p>
+            <a:pPr algn="ctr"/>
+            <a:r>
+              <a:rPr lang="en-US" sz="1000" dirty="0" smtClean="0"/>
+              <a:t>C</a:t>
+            </a:r>
+            <a:r>
+              <a:rPr lang="en-US" sz="1000" baseline="-25000" dirty="0" smtClean="0"/>
+              <a:t>3</a:t>
+            </a:r>
+            <a:r>
+              <a:rPr lang="en-US" sz="1000" dirty="0" smtClean="0"/>
+              <a:t>H</a:t>
+            </a:r>
+            <a:r>
+              <a:rPr lang="en-US" sz="1000" baseline="-25000" dirty="0" smtClean="0"/>
+              <a:t>6</a:t>
+            </a:r>
+            <a:endParaRPr lang="en-US" sz="1000" baseline="-25000" dirty="0"/>
+          </a:p>
+        </p:txBody>
+      </p:sp>
+      <p:sp>
+        <p:nvSpPr>
+          <p:cNvPr id="25" name="Rounded Rectangle 24"/>
+          <p:cNvSpPr/>
+          <p:nvPr/>
+        </p:nvSpPr>
+        <p:spPr>
+          <a:xfrm>
+            <a:off x="4052266" y="5049934"/>
+            <a:ext cx="600075" cy="395133"/>
+          </a:xfrm>
+          <a:prstGeom prst="roundRect">
+            <a:avLst/>
+          </a:prstGeom>
+        </p:spPr>
+        <p:style>
+          <a:lnRef idx="2">
+            <a:schemeClr val="accent1">
+              <a:shade val="50000"/>
+            </a:schemeClr>
+          </a:lnRef>
+          <a:fillRef idx="1">
+            <a:schemeClr val="accent1"/>
+          </a:fillRef>
+          <a:effectRef idx="0">
+            <a:schemeClr val="accent1"/>
+          </a:effectRef>
+          <a:fontRef idx="minor">
+            <a:schemeClr val="lt1"/>
+          </a:fontRef>
+        </p:style>
+        <p:txBody>
+          <a:bodyPr rtlCol="0" anchor="ctr"/>
+          <a:lstStyle/>
+          <a:p>
+            <a:pPr algn="ctr"/>
+            <a:r>
+              <a:rPr lang="en-US" sz="1000" dirty="0" smtClean="0"/>
+              <a:t>prod_2</a:t>
+            </a:r>
+            <a:endParaRPr lang="en-US" sz="1000" dirty="0"/>
+          </a:p>
+        </p:txBody>
+      </p:sp>
+      <p:sp>
+        <p:nvSpPr>
+          <p:cNvPr id="26" name="Rounded Rectangle 25"/>
+          <p:cNvSpPr/>
+          <p:nvPr/>
+        </p:nvSpPr>
+        <p:spPr>
+          <a:xfrm>
+            <a:off x="2300464" y="5049934"/>
+            <a:ext cx="685983" cy="395133"/>
+          </a:xfrm>
+          <a:prstGeom prst="roundRect">
+            <a:avLst/>
+          </a:prstGeom>
+        </p:spPr>
+        <p:style>
+          <a:lnRef idx="2">
+            <a:schemeClr val="accent1">
+              <a:shade val="50000"/>
+            </a:schemeClr>
+          </a:lnRef>
+          <a:fillRef idx="1">
+            <a:schemeClr val="accent1"/>
+          </a:fillRef>
+          <a:effectRef idx="0">
+            <a:schemeClr val="accent1"/>
+          </a:effectRef>
+          <a:fontRef idx="minor">
+            <a:schemeClr val="lt1"/>
+          </a:fontRef>
+        </p:style>
+        <p:txBody>
+          <a:bodyPr rtlCol="0" anchor="ctr"/>
+          <a:lstStyle/>
+          <a:p>
+            <a:pPr algn="ctr"/>
+            <a:r>
+              <a:rPr lang="en-US" sz="1000" dirty="0" err="1" smtClean="0"/>
+              <a:t>allyloxy</a:t>
+            </a:r>
+            <a:endParaRPr lang="en-US" sz="1000" dirty="0"/>
+          </a:p>
+        </p:txBody>
+      </p:sp>
+      <p:sp>
+        <p:nvSpPr>
+          <p:cNvPr id="27" name="Rounded Rectangle 26"/>
+          <p:cNvSpPr/>
+          <p:nvPr/>
+        </p:nvSpPr>
+        <p:spPr>
+          <a:xfrm>
+            <a:off x="2300464" y="5951468"/>
+            <a:ext cx="685982" cy="395133"/>
+          </a:xfrm>
+          <a:prstGeom prst="roundRect">
+            <a:avLst/>
+          </a:prstGeom>
+        </p:spPr>
+        <p:style>
+          <a:lnRef idx="2">
+            <a:schemeClr val="accent1">
+              <a:shade val="50000"/>
+            </a:schemeClr>
+          </a:lnRef>
+          <a:fillRef idx="1">
+            <a:schemeClr val="accent1"/>
+          </a:fillRef>
+          <a:effectRef idx="0">
+            <a:schemeClr val="accent1"/>
+          </a:effectRef>
+          <a:fontRef idx="minor">
+            <a:schemeClr val="lt1"/>
+          </a:fontRef>
+        </p:style>
+        <p:txBody>
+          <a:bodyPr rtlCol="0" anchor="ctr"/>
+          <a:lstStyle/>
+          <a:p>
+            <a:pPr algn="ctr"/>
+            <a:r>
+              <a:rPr lang="en-US" sz="1000" dirty="0" err="1" smtClean="0"/>
+              <a:t>acrolein</a:t>
+            </a:r>
+            <a:endParaRPr lang="en-US" sz="1000" dirty="0"/>
+          </a:p>
+        </p:txBody>
+      </p:sp>
+      <p:sp>
+        <p:nvSpPr>
+          <p:cNvPr id="30" name="Rounded Rectangle 29"/>
+          <p:cNvSpPr/>
+          <p:nvPr/>
+        </p:nvSpPr>
+        <p:spPr>
+          <a:xfrm>
+            <a:off x="6307184" y="5107988"/>
+            <a:ext cx="816618" cy="395133"/>
+          </a:xfrm>
+          <a:prstGeom prst="roundRect">
+            <a:avLst/>
+          </a:prstGeom>
+        </p:spPr>
+        <p:style>
+          <a:lnRef idx="2">
+            <a:schemeClr val="accent1">
+              <a:shade val="50000"/>
+            </a:schemeClr>
+          </a:lnRef>
+          <a:fillRef idx="1">
+            <a:schemeClr val="accent1"/>
+          </a:fillRef>
+          <a:effectRef idx="0">
+            <a:schemeClr val="accent1"/>
+          </a:effectRef>
+          <a:fontRef idx="minor">
+            <a:schemeClr val="lt1"/>
+          </a:fontRef>
+        </p:style>
+        <p:txBody>
+          <a:bodyPr rtlCol="0" anchor="ctr"/>
+          <a:lstStyle/>
+          <a:p>
+            <a:pPr algn="ctr"/>
+            <a:r>
+              <a:rPr lang="en-US" sz="1000" dirty="0" err="1" smtClean="0"/>
+              <a:t>propoxide</a:t>
+            </a:r>
+            <a:endParaRPr lang="en-US" sz="1000" baseline="-25000" dirty="0"/>
+          </a:p>
+        </p:txBody>
+      </p:sp>
+      <p:sp>
+        <p:nvSpPr>
+          <p:cNvPr id="31" name="Rounded Rectangle 30"/>
+          <p:cNvSpPr/>
+          <p:nvPr/>
+        </p:nvSpPr>
+        <p:spPr>
+          <a:xfrm>
+            <a:off x="8331925" y="2597450"/>
+            <a:ext cx="875995" cy="395133"/>
+          </a:xfrm>
+          <a:prstGeom prst="roundRect">
+            <a:avLst/>
+          </a:prstGeom>
+        </p:spPr>
+        <p:style>
+          <a:lnRef idx="2">
+            <a:schemeClr val="accent1">
+              <a:shade val="50000"/>
+            </a:schemeClr>
+          </a:lnRef>
+          <a:fillRef idx="1">
+            <a:schemeClr val="accent1"/>
+          </a:fillRef>
+          <a:effectRef idx="0">
+            <a:schemeClr val="accent1"/>
+          </a:effectRef>
+          <a:fontRef idx="minor">
+            <a:schemeClr val="lt1"/>
+          </a:fontRef>
+        </p:style>
+        <p:txBody>
+          <a:bodyPr rtlCol="0" anchor="ctr"/>
+          <a:lstStyle/>
+          <a:p>
+            <a:pPr algn="ctr"/>
+            <a:r>
+              <a:rPr lang="en-US" sz="1000" dirty="0" err="1" smtClean="0"/>
+              <a:t>npropylooh</a:t>
+            </a:r>
+            <a:endParaRPr lang="en-US" sz="1000" dirty="0"/>
+          </a:p>
+        </p:txBody>
+      </p:sp>
+      <p:sp>
+        <p:nvSpPr>
+          <p:cNvPr id="32" name="Rounded Rectangle 31"/>
+          <p:cNvSpPr/>
+          <p:nvPr/>
+        </p:nvSpPr>
+        <p:spPr>
+          <a:xfrm>
+            <a:off x="8331925" y="1676345"/>
+            <a:ext cx="875995" cy="395133"/>
+          </a:xfrm>
+          <a:prstGeom prst="roundRect">
+            <a:avLst/>
+          </a:prstGeom>
+        </p:spPr>
+        <p:style>
+          <a:lnRef idx="2">
+            <a:schemeClr val="accent1">
+              <a:shade val="50000"/>
+            </a:schemeClr>
+          </a:lnRef>
+          <a:fillRef idx="1">
+            <a:schemeClr val="accent1"/>
+          </a:fillRef>
+          <a:effectRef idx="0">
+            <a:schemeClr val="accent1"/>
+          </a:effectRef>
+          <a:fontRef idx="minor">
+            <a:schemeClr val="lt1"/>
+          </a:fontRef>
+        </p:style>
+        <p:txBody>
+          <a:bodyPr rtlCol="0" anchor="ctr"/>
+          <a:lstStyle/>
+          <a:p>
+            <a:pPr algn="ctr"/>
+            <a:r>
+              <a:rPr lang="en-US" sz="1000" dirty="0" err="1" smtClean="0"/>
+              <a:t>npropyloxy</a:t>
+            </a:r>
+            <a:endParaRPr lang="en-US" sz="1000" dirty="0"/>
+          </a:p>
+        </p:txBody>
+      </p:sp>
+      <p:cxnSp>
+        <p:nvCxnSpPr>
+          <p:cNvPr id="3" name="Straight Arrow Connector 2"/>
+          <p:cNvCxnSpPr>
+            <a:stCxn id="21" idx="1"/>
+            <a:endCxn id="16" idx="3"/>
+          </p:cNvCxnSpPr>
+          <p:nvPr/>
+        </p:nvCxnSpPr>
+        <p:spPr>
+          <a:xfrm flipH="1">
+            <a:off x="4652341" y="3706425"/>
+            <a:ext cx="1763115" cy="0"/>
+          </a:xfrm>
+          <a:prstGeom prst="straightConnector1">
+            <a:avLst/>
+          </a:prstGeom>
+          <a:ln>
+            <a:tailEnd type="triangle"/>
+          </a:ln>
+        </p:spPr>
+        <p:style>
+          <a:lnRef idx="1">
+            <a:schemeClr val="accent1"/>
+          </a:lnRef>
+          <a:fillRef idx="0">
+            <a:schemeClr val="accent1"/>
+          </a:fillRef>
+          <a:effectRef idx="0">
+            <a:schemeClr val="accent1"/>
+          </a:effectRef>
+          <a:fontRef idx="minor">
+            <a:schemeClr val="tx1"/>
+          </a:fontRef>
+        </p:style>
+      </p:cxnSp>
+      <p:cxnSp>
+        <p:nvCxnSpPr>
+          <p:cNvPr id="7" name="Straight Arrow Connector 6"/>
+          <p:cNvCxnSpPr>
+            <a:stCxn id="16" idx="0"/>
+            <a:endCxn id="17" idx="2"/>
+          </p:cNvCxnSpPr>
+          <p:nvPr/>
+        </p:nvCxnSpPr>
+        <p:spPr>
+          <a:xfrm flipV="1">
+            <a:off x="4352304" y="2972079"/>
+            <a:ext cx="1" cy="536779"/>
+          </a:xfrm>
+          <a:prstGeom prst="straightConnector1">
+            <a:avLst/>
+          </a:prstGeom>
+          <a:ln>
+            <a:tailEnd type="triangle"/>
+          </a:ln>
+        </p:spPr>
+        <p:style>
+          <a:lnRef idx="1">
+            <a:schemeClr val="accent1"/>
+          </a:lnRef>
+          <a:fillRef idx="0">
+            <a:schemeClr val="accent1"/>
+          </a:fillRef>
+          <a:effectRef idx="0">
+            <a:schemeClr val="accent1"/>
+          </a:effectRef>
+          <a:fontRef idx="minor">
+            <a:schemeClr val="tx1"/>
+          </a:fontRef>
+        </p:style>
+      </p:cxnSp>
+      <p:sp>
+        <p:nvSpPr>
+          <p:cNvPr id="22" name="Rounded Rectangle 21"/>
+          <p:cNvSpPr/>
+          <p:nvPr/>
+        </p:nvSpPr>
+        <p:spPr>
+          <a:xfrm>
+            <a:off x="6415456" y="1678590"/>
+            <a:ext cx="600075" cy="395133"/>
+          </a:xfrm>
+          <a:prstGeom prst="roundRect">
+            <a:avLst/>
+          </a:prstGeom>
+        </p:spPr>
+        <p:style>
+          <a:lnRef idx="2">
+            <a:schemeClr val="accent1">
+              <a:shade val="50000"/>
+            </a:schemeClr>
+          </a:lnRef>
+          <a:fillRef idx="1">
+            <a:schemeClr val="accent1"/>
+          </a:fillRef>
+          <a:effectRef idx="0">
+            <a:schemeClr val="accent1"/>
+          </a:effectRef>
+          <a:fontRef idx="minor">
+            <a:schemeClr val="lt1"/>
+          </a:fontRef>
+        </p:style>
+        <p:txBody>
+          <a:bodyPr rtlCol="0" anchor="ctr"/>
+          <a:lstStyle/>
+          <a:p>
+            <a:pPr algn="ctr"/>
+            <a:r>
+              <a:rPr lang="en-US" sz="1000" dirty="0" smtClean="0"/>
+              <a:t>OH</a:t>
+            </a:r>
+            <a:endParaRPr lang="en-US" sz="1000" dirty="0"/>
+          </a:p>
+        </p:txBody>
+      </p:sp>
+      <p:cxnSp>
+        <p:nvCxnSpPr>
+          <p:cNvPr id="5" name="Straight Arrow Connector 4"/>
+          <p:cNvCxnSpPr>
+            <a:stCxn id="22" idx="2"/>
+            <a:endCxn id="21" idx="0"/>
+          </p:cNvCxnSpPr>
+          <p:nvPr/>
+        </p:nvCxnSpPr>
+        <p:spPr>
+          <a:xfrm>
+            <a:off x="6715494" y="2073723"/>
+            <a:ext cx="0" cy="1435135"/>
+          </a:xfrm>
+          <a:prstGeom prst="straightConnector1">
+            <a:avLst/>
+          </a:prstGeom>
+          <a:ln>
+            <a:tailEnd type="triangle"/>
+          </a:ln>
+        </p:spPr>
+        <p:style>
+          <a:lnRef idx="1">
+            <a:schemeClr val="accent1"/>
+          </a:lnRef>
+          <a:fillRef idx="0">
+            <a:schemeClr val="accent1"/>
+          </a:fillRef>
+          <a:effectRef idx="0">
+            <a:schemeClr val="accent1"/>
+          </a:effectRef>
+          <a:fontRef idx="minor">
+            <a:schemeClr val="tx1"/>
+          </a:fontRef>
+        </p:style>
+      </p:cxnSp>
+      <p:cxnSp>
+        <p:nvCxnSpPr>
+          <p:cNvPr id="37" name="Straight Arrow Connector 36"/>
+          <p:cNvCxnSpPr>
+            <a:stCxn id="17" idx="0"/>
+            <a:endCxn id="19" idx="1"/>
+          </p:cNvCxnSpPr>
+          <p:nvPr/>
+        </p:nvCxnSpPr>
+        <p:spPr>
+          <a:xfrm flipV="1">
+            <a:off x="4352305" y="885336"/>
+            <a:ext cx="2063151" cy="1691610"/>
+          </a:xfrm>
+          <a:prstGeom prst="straightConnector1">
+            <a:avLst/>
+          </a:prstGeom>
+          <a:ln>
+            <a:tailEnd type="triangle"/>
+          </a:ln>
+        </p:spPr>
+        <p:style>
+          <a:lnRef idx="1">
+            <a:schemeClr val="accent1"/>
+          </a:lnRef>
+          <a:fillRef idx="0">
+            <a:schemeClr val="accent1"/>
+          </a:fillRef>
+          <a:effectRef idx="0">
+            <a:schemeClr val="accent1"/>
+          </a:effectRef>
+          <a:fontRef idx="minor">
+            <a:schemeClr val="tx1"/>
+          </a:fontRef>
+        </p:style>
+      </p:cxnSp>
+      <p:cxnSp>
+        <p:nvCxnSpPr>
+          <p:cNvPr id="39" name="Straight Arrow Connector 38"/>
+          <p:cNvCxnSpPr>
+            <a:stCxn id="17" idx="0"/>
+            <a:endCxn id="18" idx="2"/>
+          </p:cNvCxnSpPr>
+          <p:nvPr/>
+        </p:nvCxnSpPr>
+        <p:spPr>
+          <a:xfrm flipH="1" flipV="1">
+            <a:off x="4352304" y="2071479"/>
+            <a:ext cx="1" cy="505467"/>
+          </a:xfrm>
+          <a:prstGeom prst="straightConnector1">
+            <a:avLst/>
+          </a:prstGeom>
+          <a:ln>
+            <a:tailEnd type="triangle"/>
+          </a:ln>
+        </p:spPr>
+        <p:style>
+          <a:lnRef idx="1">
+            <a:schemeClr val="accent1"/>
+          </a:lnRef>
+          <a:fillRef idx="0">
+            <a:schemeClr val="accent1"/>
+          </a:fillRef>
+          <a:effectRef idx="0">
+            <a:schemeClr val="accent1"/>
+          </a:effectRef>
+          <a:fontRef idx="minor">
+            <a:schemeClr val="tx1"/>
+          </a:fontRef>
+        </p:style>
+      </p:cxnSp>
+      <p:cxnSp>
+        <p:nvCxnSpPr>
+          <p:cNvPr id="41" name="Straight Arrow Connector 40"/>
+          <p:cNvCxnSpPr>
+            <a:stCxn id="18" idx="0"/>
+            <a:endCxn id="20" idx="2"/>
+          </p:cNvCxnSpPr>
+          <p:nvPr/>
+        </p:nvCxnSpPr>
+        <p:spPr>
+          <a:xfrm flipV="1">
+            <a:off x="4352304" y="1080656"/>
+            <a:ext cx="0" cy="595690"/>
+          </a:xfrm>
+          <a:prstGeom prst="straightConnector1">
+            <a:avLst/>
+          </a:prstGeom>
+          <a:ln>
+            <a:tailEnd type="triangle"/>
+          </a:ln>
+        </p:spPr>
+        <p:style>
+          <a:lnRef idx="1">
+            <a:schemeClr val="accent1"/>
+          </a:lnRef>
+          <a:fillRef idx="0">
+            <a:schemeClr val="accent1"/>
+          </a:fillRef>
+          <a:effectRef idx="0">
+            <a:schemeClr val="accent1"/>
+          </a:effectRef>
+          <a:fontRef idx="minor">
+            <a:schemeClr val="tx1"/>
+          </a:fontRef>
+        </p:style>
+      </p:cxnSp>
+      <p:cxnSp>
+        <p:nvCxnSpPr>
+          <p:cNvPr id="43" name="Straight Arrow Connector 42"/>
+          <p:cNvCxnSpPr>
+            <a:stCxn id="18" idx="0"/>
+            <a:endCxn id="19" idx="1"/>
+          </p:cNvCxnSpPr>
+          <p:nvPr/>
+        </p:nvCxnSpPr>
+        <p:spPr>
+          <a:xfrm flipV="1">
+            <a:off x="4352304" y="885336"/>
+            <a:ext cx="2063152" cy="791010"/>
+          </a:xfrm>
+          <a:prstGeom prst="straightConnector1">
+            <a:avLst/>
+          </a:prstGeom>
+          <a:ln>
+            <a:tailEnd type="triangle"/>
+          </a:ln>
+        </p:spPr>
+        <p:style>
+          <a:lnRef idx="1">
+            <a:schemeClr val="accent1"/>
+          </a:lnRef>
+          <a:fillRef idx="0">
+            <a:schemeClr val="accent1"/>
+          </a:fillRef>
+          <a:effectRef idx="0">
+            <a:schemeClr val="accent1"/>
+          </a:effectRef>
+          <a:fontRef idx="minor">
+            <a:schemeClr val="tx1"/>
+          </a:fontRef>
+        </p:style>
+      </p:cxnSp>
+      <p:cxnSp>
+        <p:nvCxnSpPr>
+          <p:cNvPr id="45" name="Straight Arrow Connector 44"/>
+          <p:cNvCxnSpPr>
+            <a:stCxn id="21" idx="2"/>
+            <a:endCxn id="24" idx="1"/>
+          </p:cNvCxnSpPr>
+          <p:nvPr/>
+        </p:nvCxnSpPr>
+        <p:spPr>
+          <a:xfrm>
+            <a:off x="6715494" y="3903991"/>
+            <a:ext cx="1754392" cy="1401564"/>
+          </a:xfrm>
+          <a:prstGeom prst="straightConnector1">
+            <a:avLst/>
+          </a:prstGeom>
+          <a:ln>
+            <a:tailEnd type="triangle"/>
+          </a:ln>
+        </p:spPr>
+        <p:style>
+          <a:lnRef idx="1">
+            <a:schemeClr val="accent1"/>
+          </a:lnRef>
+          <a:fillRef idx="0">
+            <a:schemeClr val="accent1"/>
+          </a:fillRef>
+          <a:effectRef idx="0">
+            <a:schemeClr val="accent1"/>
+          </a:effectRef>
+          <a:fontRef idx="minor">
+            <a:schemeClr val="tx1"/>
+          </a:fontRef>
+        </p:style>
+      </p:cxnSp>
+      <p:cxnSp>
+        <p:nvCxnSpPr>
+          <p:cNvPr id="47" name="Straight Arrow Connector 46"/>
+          <p:cNvCxnSpPr>
+            <a:stCxn id="21" idx="3"/>
+            <a:endCxn id="23" idx="1"/>
+          </p:cNvCxnSpPr>
+          <p:nvPr/>
+        </p:nvCxnSpPr>
+        <p:spPr>
+          <a:xfrm flipV="1">
+            <a:off x="7015531" y="3706424"/>
+            <a:ext cx="1454353" cy="1"/>
+          </a:xfrm>
+          <a:prstGeom prst="straightConnector1">
+            <a:avLst/>
+          </a:prstGeom>
+          <a:ln>
+            <a:tailEnd type="triangle"/>
+          </a:ln>
+        </p:spPr>
+        <p:style>
+          <a:lnRef idx="1">
+            <a:schemeClr val="accent1"/>
+          </a:lnRef>
+          <a:fillRef idx="0">
+            <a:schemeClr val="accent1"/>
+          </a:fillRef>
+          <a:effectRef idx="0">
+            <a:schemeClr val="accent1"/>
+          </a:effectRef>
+          <a:fontRef idx="minor">
+            <a:schemeClr val="tx1"/>
+          </a:fontRef>
+        </p:style>
+      </p:cxnSp>
+      <p:cxnSp>
+        <p:nvCxnSpPr>
+          <p:cNvPr id="49" name="Straight Arrow Connector 48"/>
+          <p:cNvCxnSpPr>
+            <a:stCxn id="23" idx="2"/>
+            <a:endCxn id="24" idx="0"/>
+          </p:cNvCxnSpPr>
+          <p:nvPr/>
+        </p:nvCxnSpPr>
+        <p:spPr>
+          <a:xfrm>
+            <a:off x="8769922" y="3903990"/>
+            <a:ext cx="2" cy="1203998"/>
+          </a:xfrm>
+          <a:prstGeom prst="straightConnector1">
+            <a:avLst/>
+          </a:prstGeom>
+          <a:ln>
+            <a:tailEnd type="triangle"/>
+          </a:ln>
+        </p:spPr>
+        <p:style>
+          <a:lnRef idx="1">
+            <a:schemeClr val="accent1"/>
+          </a:lnRef>
+          <a:fillRef idx="0">
+            <a:schemeClr val="accent1"/>
+          </a:fillRef>
+          <a:effectRef idx="0">
+            <a:schemeClr val="accent1"/>
+          </a:effectRef>
+          <a:fontRef idx="minor">
+            <a:schemeClr val="tx1"/>
+          </a:fontRef>
+        </p:style>
+      </p:cxnSp>
+      <p:cxnSp>
+        <p:nvCxnSpPr>
+          <p:cNvPr id="51" name="Straight Arrow Connector 50"/>
+          <p:cNvCxnSpPr>
+            <a:stCxn id="21" idx="2"/>
+            <a:endCxn id="25" idx="3"/>
+          </p:cNvCxnSpPr>
+          <p:nvPr/>
+        </p:nvCxnSpPr>
+        <p:spPr>
+          <a:xfrm flipH="1">
+            <a:off x="4652341" y="3903991"/>
+            <a:ext cx="2063153" cy="1343510"/>
+          </a:xfrm>
+          <a:prstGeom prst="straightConnector1">
+            <a:avLst/>
+          </a:prstGeom>
+          <a:ln>
+            <a:tailEnd type="triangle"/>
+          </a:ln>
+        </p:spPr>
+        <p:style>
+          <a:lnRef idx="1">
+            <a:schemeClr val="accent1"/>
+          </a:lnRef>
+          <a:fillRef idx="0">
+            <a:schemeClr val="accent1"/>
+          </a:fillRef>
+          <a:effectRef idx="0">
+            <a:schemeClr val="accent1"/>
+          </a:effectRef>
+          <a:fontRef idx="minor">
+            <a:schemeClr val="tx1"/>
+          </a:fontRef>
+        </p:style>
+      </p:cxnSp>
+      <p:cxnSp>
+        <p:nvCxnSpPr>
+          <p:cNvPr id="53" name="Straight Arrow Connector 52"/>
+          <p:cNvCxnSpPr>
+            <a:stCxn id="25" idx="1"/>
+            <a:endCxn id="26" idx="3"/>
+          </p:cNvCxnSpPr>
+          <p:nvPr/>
+        </p:nvCxnSpPr>
+        <p:spPr>
+          <a:xfrm flipH="1">
+            <a:off x="2986447" y="5247501"/>
+            <a:ext cx="1065819" cy="0"/>
+          </a:xfrm>
+          <a:prstGeom prst="straightConnector1">
+            <a:avLst/>
+          </a:prstGeom>
+          <a:ln>
+            <a:tailEnd type="triangle"/>
+          </a:ln>
+        </p:spPr>
+        <p:style>
+          <a:lnRef idx="1">
+            <a:schemeClr val="accent1"/>
+          </a:lnRef>
+          <a:fillRef idx="0">
+            <a:schemeClr val="accent1"/>
+          </a:fillRef>
+          <a:effectRef idx="0">
+            <a:schemeClr val="accent1"/>
+          </a:effectRef>
+          <a:fontRef idx="minor">
+            <a:schemeClr val="tx1"/>
+          </a:fontRef>
+        </p:style>
+      </p:cxnSp>
+      <p:cxnSp>
+        <p:nvCxnSpPr>
+          <p:cNvPr id="55" name="Straight Arrow Connector 54"/>
+          <p:cNvCxnSpPr>
+            <a:stCxn id="26" idx="2"/>
+            <a:endCxn id="27" idx="0"/>
+          </p:cNvCxnSpPr>
+          <p:nvPr/>
+        </p:nvCxnSpPr>
+        <p:spPr>
+          <a:xfrm flipH="1">
+            <a:off x="2643455" y="5445067"/>
+            <a:ext cx="1" cy="506401"/>
+          </a:xfrm>
+          <a:prstGeom prst="straightConnector1">
+            <a:avLst/>
+          </a:prstGeom>
+          <a:ln>
+            <a:tailEnd type="triangle"/>
+          </a:ln>
+        </p:spPr>
+        <p:style>
+          <a:lnRef idx="1">
+            <a:schemeClr val="accent1"/>
+          </a:lnRef>
+          <a:fillRef idx="0">
+            <a:schemeClr val="accent1"/>
+          </a:fillRef>
+          <a:effectRef idx="0">
+            <a:schemeClr val="accent1"/>
+          </a:effectRef>
+          <a:fontRef idx="minor">
+            <a:schemeClr val="tx1"/>
+          </a:fontRef>
+        </p:style>
+      </p:cxnSp>
+      <p:cxnSp>
+        <p:nvCxnSpPr>
+          <p:cNvPr id="57" name="Straight Arrow Connector 56"/>
+          <p:cNvCxnSpPr>
+            <a:stCxn id="21" idx="2"/>
+            <a:endCxn id="30" idx="0"/>
+          </p:cNvCxnSpPr>
+          <p:nvPr/>
+        </p:nvCxnSpPr>
+        <p:spPr>
+          <a:xfrm flipH="1">
+            <a:off x="6715493" y="3903991"/>
+            <a:ext cx="1" cy="1203997"/>
+          </a:xfrm>
+          <a:prstGeom prst="straightConnector1">
+            <a:avLst/>
+          </a:prstGeom>
+          <a:ln>
+            <a:tailEnd type="triangle"/>
+          </a:ln>
+        </p:spPr>
+        <p:style>
+          <a:lnRef idx="1">
+            <a:schemeClr val="accent1"/>
+          </a:lnRef>
+          <a:fillRef idx="0">
+            <a:schemeClr val="accent1"/>
+          </a:fillRef>
+          <a:effectRef idx="0">
+            <a:schemeClr val="accent1"/>
+          </a:effectRef>
+          <a:fontRef idx="minor">
+            <a:schemeClr val="tx1"/>
+          </a:fontRef>
+        </p:style>
+      </p:cxnSp>
+      <p:cxnSp>
+        <p:nvCxnSpPr>
+          <p:cNvPr id="59" name="Straight Arrow Connector 58"/>
+          <p:cNvCxnSpPr>
+            <a:stCxn id="21" idx="3"/>
+            <a:endCxn id="31" idx="1"/>
+          </p:cNvCxnSpPr>
+          <p:nvPr/>
+        </p:nvCxnSpPr>
+        <p:spPr>
+          <a:xfrm flipV="1">
+            <a:off x="7015531" y="2795017"/>
+            <a:ext cx="1316394" cy="911408"/>
+          </a:xfrm>
+          <a:prstGeom prst="straightConnector1">
+            <a:avLst/>
+          </a:prstGeom>
+          <a:ln>
+            <a:tailEnd type="triangle"/>
+          </a:ln>
+        </p:spPr>
+        <p:style>
+          <a:lnRef idx="1">
+            <a:schemeClr val="accent1"/>
+          </a:lnRef>
+          <a:fillRef idx="0">
+            <a:schemeClr val="accent1"/>
+          </a:fillRef>
+          <a:effectRef idx="0">
+            <a:schemeClr val="accent1"/>
+          </a:effectRef>
+          <a:fontRef idx="minor">
+            <a:schemeClr val="tx1"/>
+          </a:fontRef>
+        </p:style>
+      </p:cxnSp>
+      <p:cxnSp>
+        <p:nvCxnSpPr>
+          <p:cNvPr id="61" name="Straight Arrow Connector 60"/>
+          <p:cNvCxnSpPr>
+            <a:stCxn id="31" idx="0"/>
+            <a:endCxn id="32" idx="2"/>
+          </p:cNvCxnSpPr>
+          <p:nvPr/>
+        </p:nvCxnSpPr>
+        <p:spPr>
+          <a:xfrm flipV="1">
+            <a:off x="8769923" y="2071478"/>
+            <a:ext cx="0" cy="525972"/>
+          </a:xfrm>
+          <a:prstGeom prst="straightConnector1">
+            <a:avLst/>
+          </a:prstGeom>
+          <a:ln>
+            <a:tailEnd type="triangle"/>
+          </a:ln>
+        </p:spPr>
+        <p:style>
+          <a:lnRef idx="1">
+            <a:schemeClr val="accent1"/>
+          </a:lnRef>
+          <a:fillRef idx="0">
+            <a:schemeClr val="accent1"/>
+          </a:fillRef>
+          <a:effectRef idx="0">
+            <a:schemeClr val="accent1"/>
+          </a:effectRef>
+          <a:fontRef idx="minor">
+            <a:schemeClr val="tx1"/>
+          </a:fontRef>
+        </p:style>
+      </p:cxnSp>
+      <p:cxnSp>
+        <p:nvCxnSpPr>
+          <p:cNvPr id="63" name="Straight Arrow Connector 62"/>
+          <p:cNvCxnSpPr>
+            <a:stCxn id="32" idx="0"/>
+            <a:endCxn id="19" idx="3"/>
+          </p:cNvCxnSpPr>
+          <p:nvPr/>
+        </p:nvCxnSpPr>
+        <p:spPr>
+          <a:xfrm flipH="1" flipV="1">
+            <a:off x="7015531" y="885336"/>
+            <a:ext cx="1754392" cy="791009"/>
+          </a:xfrm>
+          <a:prstGeom prst="straightConnector1">
+            <a:avLst/>
+          </a:prstGeom>
+          <a:ln>
+            <a:tailEnd type="triangle"/>
+          </a:ln>
+        </p:spPr>
+        <p:style>
+          <a:lnRef idx="1">
+            <a:schemeClr val="accent1"/>
+          </a:lnRef>
+          <a:fillRef idx="0">
+            <a:schemeClr val="accent1"/>
+          </a:fillRef>
+          <a:effectRef idx="0">
+            <a:schemeClr val="accent1"/>
+          </a:effectRef>
+          <a:fontRef idx="minor">
+            <a:schemeClr val="tx1"/>
+          </a:fontRef>
+        </p:style>
+      </p:cxnSp>
+      <p:sp>
+        <p:nvSpPr>
+          <p:cNvPr id="10" name="TextBox 9"/>
+          <p:cNvSpPr txBox="1"/>
+          <p:nvPr/>
+        </p:nvSpPr>
+        <p:spPr>
+          <a:xfrm>
+            <a:off x="5114552" y="3429594"/>
+            <a:ext cx="838691" cy="523220"/>
+          </a:xfrm>
+          <a:prstGeom prst="rect">
+            <a:avLst/>
+          </a:prstGeom>
+          <a:noFill/>
+        </p:spPr>
+        <p:txBody>
+          <a:bodyPr wrap="none" rtlCol="0">
+            <a:spAutoFit/>
+          </a:bodyPr>
+          <a:lstStyle/>
+          <a:p>
+            <a:r>
+              <a:rPr lang="en-US" sz="2800" dirty="0" smtClean="0">
+                <a:solidFill>
+                  <a:srgbClr val="FF0000"/>
+                </a:solidFill>
+              </a:rPr>
+              <a:t>- OH</a:t>
+            </a:r>
+            <a:endParaRPr lang="en-US" sz="2800" dirty="0">
+              <a:solidFill>
+                <a:srgbClr val="FF0000"/>
+              </a:solidFill>
+            </a:endParaRPr>
+          </a:p>
+        </p:txBody>
+      </p:sp>
+      <p:sp>
+        <p:nvSpPr>
+          <p:cNvPr id="40" name="TextBox 39"/>
+          <p:cNvSpPr txBox="1"/>
+          <p:nvPr/>
+        </p:nvSpPr>
+        <p:spPr>
+          <a:xfrm>
+            <a:off x="3103288" y="4970136"/>
+            <a:ext cx="838691" cy="523220"/>
+          </a:xfrm>
+          <a:prstGeom prst="rect">
+            <a:avLst/>
+          </a:prstGeom>
+          <a:noFill/>
+        </p:spPr>
+        <p:txBody>
+          <a:bodyPr wrap="none" rtlCol="0">
+            <a:spAutoFit/>
+          </a:bodyPr>
+          <a:lstStyle/>
+          <a:p>
+            <a:r>
+              <a:rPr lang="en-US" sz="2800" dirty="0" smtClean="0">
+                <a:solidFill>
+                  <a:srgbClr val="FF0000"/>
+                </a:solidFill>
+              </a:rPr>
+              <a:t>- OH</a:t>
+            </a:r>
+            <a:endParaRPr lang="en-US" sz="2800" dirty="0">
+              <a:solidFill>
+                <a:srgbClr val="FF0000"/>
+              </a:solidFill>
+            </a:endParaRPr>
+          </a:p>
+        </p:txBody>
+      </p:sp>
+      <p:sp>
+        <p:nvSpPr>
+          <p:cNvPr id="42" name="TextBox 41"/>
+          <p:cNvSpPr txBox="1"/>
+          <p:nvPr/>
+        </p:nvSpPr>
+        <p:spPr>
+          <a:xfrm>
+            <a:off x="3932955" y="2970626"/>
+            <a:ext cx="838691" cy="523220"/>
+          </a:xfrm>
+          <a:prstGeom prst="rect">
+            <a:avLst/>
+          </a:prstGeom>
+          <a:noFill/>
+        </p:spPr>
+        <p:txBody>
+          <a:bodyPr wrap="none" rtlCol="0">
+            <a:spAutoFit/>
+          </a:bodyPr>
+          <a:lstStyle/>
+          <a:p>
+            <a:r>
+              <a:rPr lang="en-US" sz="2800" dirty="0" smtClean="0">
+                <a:solidFill>
+                  <a:srgbClr val="FF0000"/>
+                </a:solidFill>
+              </a:rPr>
+              <a:t>- OH</a:t>
+            </a:r>
+            <a:endParaRPr lang="en-US" sz="2800" dirty="0">
+              <a:solidFill>
+                <a:srgbClr val="FF0000"/>
+              </a:solidFill>
+            </a:endParaRPr>
+          </a:p>
+        </p:txBody>
+      </p:sp>
+      <p:sp>
+        <p:nvSpPr>
+          <p:cNvPr id="44" name="TextBox 43"/>
+          <p:cNvSpPr txBox="1"/>
+          <p:nvPr/>
+        </p:nvSpPr>
+        <p:spPr>
+          <a:xfrm>
+            <a:off x="3922931" y="1114519"/>
+            <a:ext cx="838691" cy="523220"/>
+          </a:xfrm>
+          <a:prstGeom prst="rect">
+            <a:avLst/>
+          </a:prstGeom>
+          <a:noFill/>
+        </p:spPr>
+        <p:txBody>
+          <a:bodyPr wrap="none" rtlCol="0">
+            <a:spAutoFit/>
+          </a:bodyPr>
+          <a:lstStyle/>
+          <a:p>
+            <a:r>
+              <a:rPr lang="en-US" sz="2800" dirty="0" smtClean="0">
+                <a:solidFill>
+                  <a:srgbClr val="FF0000"/>
+                </a:solidFill>
+              </a:rPr>
+              <a:t>- OH</a:t>
+            </a:r>
+            <a:endParaRPr lang="en-US" sz="2800" dirty="0">
+              <a:solidFill>
+                <a:srgbClr val="FF0000"/>
+              </a:solidFill>
+            </a:endParaRPr>
+          </a:p>
+        </p:txBody>
+      </p:sp>
+      <p:sp>
+        <p:nvSpPr>
+          <p:cNvPr id="46" name="TextBox 45"/>
+          <p:cNvSpPr txBox="1"/>
+          <p:nvPr/>
+        </p:nvSpPr>
+        <p:spPr>
+          <a:xfrm>
+            <a:off x="4761622" y="1111310"/>
+            <a:ext cx="838691" cy="523220"/>
+          </a:xfrm>
+          <a:prstGeom prst="rect">
+            <a:avLst/>
+          </a:prstGeom>
+          <a:noFill/>
+        </p:spPr>
+        <p:txBody>
+          <a:bodyPr wrap="none" rtlCol="0">
+            <a:spAutoFit/>
+          </a:bodyPr>
+          <a:lstStyle/>
+          <a:p>
+            <a:r>
+              <a:rPr lang="en-US" sz="2800" dirty="0" smtClean="0">
+                <a:solidFill>
+                  <a:srgbClr val="FF0000"/>
+                </a:solidFill>
+              </a:rPr>
+              <a:t>- OH</a:t>
+            </a:r>
+            <a:endParaRPr lang="en-US" sz="2800" dirty="0">
+              <a:solidFill>
+                <a:srgbClr val="FF0000"/>
+              </a:solidFill>
+            </a:endParaRPr>
+          </a:p>
+        </p:txBody>
+      </p:sp>
+      <p:sp>
+        <p:nvSpPr>
+          <p:cNvPr id="48" name="TextBox 47"/>
+          <p:cNvSpPr txBox="1"/>
+          <p:nvPr/>
+        </p:nvSpPr>
+        <p:spPr>
+          <a:xfrm>
+            <a:off x="6285111" y="4158655"/>
+            <a:ext cx="838691" cy="523220"/>
+          </a:xfrm>
+          <a:prstGeom prst="rect">
+            <a:avLst/>
+          </a:prstGeom>
+          <a:noFill/>
+        </p:spPr>
+        <p:txBody>
+          <a:bodyPr wrap="none" rtlCol="0">
+            <a:spAutoFit/>
+          </a:bodyPr>
+          <a:lstStyle/>
+          <a:p>
+            <a:r>
+              <a:rPr lang="en-US" sz="2800" dirty="0" smtClean="0">
+                <a:solidFill>
+                  <a:srgbClr val="FF0000"/>
+                </a:solidFill>
+              </a:rPr>
+              <a:t>- OH</a:t>
+            </a:r>
+            <a:endParaRPr lang="en-US" sz="2800" dirty="0">
+              <a:solidFill>
+                <a:srgbClr val="FF0000"/>
+              </a:solidFill>
+            </a:endParaRPr>
+          </a:p>
+        </p:txBody>
+      </p:sp>
+      <p:sp>
+        <p:nvSpPr>
+          <p:cNvPr id="50" name="TextBox 49"/>
+          <p:cNvSpPr txBox="1"/>
+          <p:nvPr/>
+        </p:nvSpPr>
+        <p:spPr>
+          <a:xfrm>
+            <a:off x="8369229" y="2075684"/>
+            <a:ext cx="838691" cy="523220"/>
+          </a:xfrm>
+          <a:prstGeom prst="rect">
+            <a:avLst/>
+          </a:prstGeom>
+          <a:noFill/>
+        </p:spPr>
+        <p:txBody>
+          <a:bodyPr wrap="none" rtlCol="0">
+            <a:spAutoFit/>
+          </a:bodyPr>
+          <a:lstStyle/>
+          <a:p>
+            <a:r>
+              <a:rPr lang="en-US" sz="2800" dirty="0" smtClean="0">
+                <a:solidFill>
+                  <a:srgbClr val="FF0000"/>
+                </a:solidFill>
+              </a:rPr>
+              <a:t>- OH</a:t>
+            </a:r>
+            <a:endParaRPr lang="en-US" sz="2800" dirty="0">
+              <a:solidFill>
+                <a:srgbClr val="FF0000"/>
+              </a:solidFill>
+            </a:endParaRPr>
+          </a:p>
+        </p:txBody>
+      </p:sp>
+    </p:spTree>
+    <p:extLst>
+      <p:ext uri="{BB962C8B-B14F-4D97-AF65-F5344CB8AC3E}">
+        <p14:creationId xmlns:p14="http://schemas.microsoft.com/office/powerpoint/2010/main" val="3593000278"/>
+      </p:ext>
+    </p:extLst>
+  </p:cSld>
+  <p:clrMapOvr>
+    <a:masterClrMapping/>
+  </p:clrMapOvr>
+</p:sld>
+</file>
+
+<file path=ppt/slides/slide5.xml><?xml version="1.0" encoding="utf-8"?>
+<p:sld xmlns:a="http://schemas.openxmlformats.org/drawingml/2006/main" xmlns:r="http://schemas.openxmlformats.org/officeDocument/2006/relationships" xmlns:p="http://schemas.openxmlformats.org/presentationml/2006/main">
+  <p:cSld>
+    <p:spTree>
+      <p:nvGrpSpPr>
+        <p:cNvPr id="1" name=""/>
+        <p:cNvGrpSpPr/>
+        <p:nvPr/>
+      </p:nvGrpSpPr>
+      <p:grpSpPr>
+        <a:xfrm>
+          <a:off x="0" y="0"/>
+          <a:ext cx="0" cy="0"/>
+          <a:chOff x="0" y="0"/>
+          <a:chExt cx="0" cy="0"/>
+        </a:xfrm>
+      </p:grpSpPr>
+      <p:grpSp>
+        <p:nvGrpSpPr>
+          <p:cNvPr id="4" name="Group 3"/>
+          <p:cNvGrpSpPr/>
+          <p:nvPr/>
+        </p:nvGrpSpPr>
+        <p:grpSpPr>
+          <a:xfrm>
+            <a:off x="1590675" y="457200"/>
+            <a:ext cx="8258175" cy="6219825"/>
+            <a:chOff x="1590675" y="457200"/>
+            <a:chExt cx="8258175" cy="6219825"/>
+          </a:xfrm>
+        </p:grpSpPr>
+        <p:sp>
+          <p:nvSpPr>
+            <p:cNvPr id="2" name="Rectangle 1"/>
+            <p:cNvSpPr/>
+            <p:nvPr/>
+          </p:nvSpPr>
+          <p:spPr>
+            <a:xfrm>
+              <a:off x="1590675" y="457200"/>
+              <a:ext cx="8258175" cy="6219825"/>
+            </a:xfrm>
+            <a:prstGeom prst="rect">
+              <a:avLst/>
+            </a:prstGeom>
+            <a:solidFill>
+              <a:schemeClr val="bg1"/>
+            </a:solidFill>
+            <a:ln>
+              <a:solidFill>
+                <a:schemeClr val="bg1"/>
+              </a:solidFill>
+            </a:ln>
+          </p:spPr>
+          <p:style>
+            <a:lnRef idx="2">
+              <a:schemeClr val="accent1">
+                <a:shade val="50000"/>
+              </a:schemeClr>
+            </a:lnRef>
+            <a:fillRef idx="1">
+              <a:schemeClr val="accent1"/>
+            </a:fillRef>
+            <a:effectRef idx="0">
+              <a:schemeClr val="accent1"/>
+            </a:effectRef>
+            <a:fontRef idx="minor">
+              <a:schemeClr val="lt1"/>
+            </a:fontRef>
+          </p:style>
+          <p:txBody>
+            <a:bodyPr rtlCol="0" anchor="ctr"/>
+            <a:lstStyle/>
+            <a:p>
+              <a:pPr algn="ctr"/>
+              <a:endParaRPr lang="en-US"/>
+            </a:p>
+          </p:txBody>
+        </p:sp>
+        <p:sp>
+          <p:nvSpPr>
+            <p:cNvPr id="16" name="Rounded Rectangle 15"/>
+            <p:cNvSpPr/>
+            <p:nvPr/>
+          </p:nvSpPr>
+          <p:spPr>
+            <a:xfrm>
+              <a:off x="4052266" y="3508858"/>
+              <a:ext cx="600075" cy="395133"/>
+            </a:xfrm>
+            <a:prstGeom prst="roundRect">
+              <a:avLst/>
+            </a:prstGeom>
+          </p:spPr>
+          <p:style>
+            <a:lnRef idx="2">
+              <a:schemeClr val="accent1">
+                <a:shade val="50000"/>
+              </a:schemeClr>
+            </a:lnRef>
+            <a:fillRef idx="1">
+              <a:schemeClr val="accent1"/>
+            </a:fillRef>
+            <a:effectRef idx="0">
+              <a:schemeClr val="accent1"/>
+            </a:effectRef>
+            <a:fontRef idx="minor">
+              <a:schemeClr val="lt1"/>
+            </a:fontRef>
+          </p:style>
+          <p:txBody>
+            <a:bodyPr rtlCol="0" anchor="ctr"/>
+            <a:lstStyle/>
+            <a:p>
+              <a:pPr algn="ctr"/>
+              <a:r>
+                <a:rPr lang="en-US" sz="1000" dirty="0" smtClean="0"/>
+                <a:t>prod_1</a:t>
+              </a:r>
+              <a:endParaRPr lang="en-US" sz="1000" dirty="0"/>
+            </a:p>
+          </p:txBody>
+        </p:sp>
+        <p:sp>
+          <p:nvSpPr>
+            <p:cNvPr id="17" name="Rounded Rectangle 16"/>
+            <p:cNvSpPr/>
+            <p:nvPr/>
+          </p:nvSpPr>
+          <p:spPr>
+            <a:xfrm>
+              <a:off x="4052267" y="2576946"/>
+              <a:ext cx="600075" cy="395133"/>
+            </a:xfrm>
+            <a:prstGeom prst="roundRect">
+              <a:avLst/>
+            </a:prstGeom>
+          </p:spPr>
+          <p:style>
+            <a:lnRef idx="2">
+              <a:schemeClr val="accent1">
+                <a:shade val="50000"/>
+              </a:schemeClr>
+            </a:lnRef>
+            <a:fillRef idx="1">
+              <a:schemeClr val="accent1"/>
+            </a:fillRef>
+            <a:effectRef idx="0">
+              <a:schemeClr val="accent1"/>
+            </a:effectRef>
+            <a:fontRef idx="minor">
+              <a:schemeClr val="lt1"/>
+            </a:fontRef>
+          </p:style>
+          <p:txBody>
+            <a:bodyPr rtlCol="0" anchor="ctr"/>
+            <a:lstStyle/>
+            <a:p>
+              <a:pPr algn="ctr"/>
+              <a:r>
+                <a:rPr lang="en-US" sz="1000" dirty="0" smtClean="0"/>
+                <a:t>frag_1</a:t>
+              </a:r>
+              <a:endParaRPr lang="en-US" sz="1000" dirty="0"/>
+            </a:p>
+          </p:txBody>
+        </p:sp>
+        <p:sp>
+          <p:nvSpPr>
+            <p:cNvPr id="18" name="Rounded Rectangle 17"/>
+            <p:cNvSpPr/>
+            <p:nvPr/>
+          </p:nvSpPr>
+          <p:spPr>
+            <a:xfrm>
+              <a:off x="4052266" y="1676346"/>
+              <a:ext cx="600075" cy="395133"/>
+            </a:xfrm>
+            <a:prstGeom prst="roundRect">
+              <a:avLst/>
+            </a:prstGeom>
+          </p:spPr>
+          <p:style>
+            <a:lnRef idx="2">
+              <a:schemeClr val="accent1">
+                <a:shade val="50000"/>
+              </a:schemeClr>
+            </a:lnRef>
+            <a:fillRef idx="1">
+              <a:schemeClr val="accent1"/>
+            </a:fillRef>
+            <a:effectRef idx="0">
+              <a:schemeClr val="accent1"/>
+            </a:effectRef>
+            <a:fontRef idx="minor">
+              <a:schemeClr val="lt1"/>
+            </a:fontRef>
+          </p:style>
+          <p:txBody>
+            <a:bodyPr rtlCol="0" anchor="ctr"/>
+            <a:lstStyle/>
+            <a:p>
+              <a:pPr algn="ctr"/>
+              <a:r>
+                <a:rPr lang="en-US" sz="1000" dirty="0" err="1" smtClean="0"/>
+                <a:t>vinoxy</a:t>
+              </a:r>
+              <a:endParaRPr lang="en-US" sz="1000" dirty="0"/>
+            </a:p>
+          </p:txBody>
+        </p:sp>
+        <p:sp>
+          <p:nvSpPr>
+            <p:cNvPr id="19" name="Rounded Rectangle 18"/>
+            <p:cNvSpPr/>
+            <p:nvPr/>
+          </p:nvSpPr>
+          <p:spPr>
+            <a:xfrm>
+              <a:off x="6415456" y="687769"/>
+              <a:ext cx="600075" cy="395133"/>
+            </a:xfrm>
+            <a:prstGeom prst="roundRect">
+              <a:avLst/>
+            </a:prstGeom>
+          </p:spPr>
+          <p:style>
+            <a:lnRef idx="2">
+              <a:schemeClr val="accent1">
+                <a:shade val="50000"/>
+              </a:schemeClr>
+            </a:lnRef>
+            <a:fillRef idx="1">
+              <a:schemeClr val="accent1"/>
+            </a:fillRef>
+            <a:effectRef idx="0">
+              <a:schemeClr val="accent1"/>
+            </a:effectRef>
+            <a:fontRef idx="minor">
+              <a:schemeClr val="lt1"/>
+            </a:fontRef>
+          </p:style>
+          <p:txBody>
+            <a:bodyPr rtlCol="0" anchor="ctr"/>
+            <a:lstStyle/>
+            <a:p>
+              <a:pPr algn="ctr"/>
+              <a:r>
+                <a:rPr lang="en-US" sz="1000" dirty="0" smtClean="0"/>
+                <a:t>CH</a:t>
+              </a:r>
+              <a:r>
+                <a:rPr lang="en-US" sz="1000" baseline="-25000" dirty="0" smtClean="0"/>
+                <a:t>2</a:t>
+              </a:r>
+              <a:r>
+                <a:rPr lang="en-US" sz="1000" dirty="0" smtClean="0"/>
+                <a:t>O</a:t>
+              </a:r>
+              <a:endParaRPr lang="en-US" sz="1000" dirty="0"/>
+            </a:p>
+          </p:txBody>
+        </p:sp>
+        <p:sp>
+          <p:nvSpPr>
+            <p:cNvPr id="20" name="Rounded Rectangle 19"/>
+            <p:cNvSpPr/>
+            <p:nvPr/>
+          </p:nvSpPr>
+          <p:spPr>
+            <a:xfrm>
+              <a:off x="4052266" y="685523"/>
+              <a:ext cx="600075" cy="395133"/>
+            </a:xfrm>
+            <a:prstGeom prst="roundRect">
+              <a:avLst/>
+            </a:prstGeom>
+          </p:spPr>
+          <p:style>
+            <a:lnRef idx="2">
+              <a:schemeClr val="accent1">
+                <a:shade val="50000"/>
+              </a:schemeClr>
+            </a:lnRef>
+            <a:fillRef idx="1">
+              <a:schemeClr val="accent1"/>
+            </a:fillRef>
+            <a:effectRef idx="0">
+              <a:schemeClr val="accent1"/>
+            </a:effectRef>
+            <a:fontRef idx="minor">
+              <a:schemeClr val="lt1"/>
+            </a:fontRef>
+          </p:style>
+          <p:txBody>
+            <a:bodyPr rtlCol="0" anchor="ctr"/>
+            <a:lstStyle/>
+            <a:p>
+              <a:pPr algn="ctr"/>
+              <a:r>
+                <a:rPr lang="en-US" sz="1000" dirty="0" smtClean="0"/>
+                <a:t>CO</a:t>
+              </a:r>
+              <a:endParaRPr lang="en-US" sz="1000" dirty="0"/>
+            </a:p>
+          </p:txBody>
+        </p:sp>
+        <p:sp>
+          <p:nvSpPr>
+            <p:cNvPr id="21" name="Rounded Rectangle 20"/>
+            <p:cNvSpPr/>
+            <p:nvPr/>
+          </p:nvSpPr>
+          <p:spPr>
+            <a:xfrm>
+              <a:off x="6415456" y="3508858"/>
+              <a:ext cx="600075" cy="395133"/>
+            </a:xfrm>
+            <a:prstGeom prst="roundRect">
+              <a:avLst/>
+            </a:prstGeom>
+          </p:spPr>
+          <p:style>
+            <a:lnRef idx="2">
+              <a:schemeClr val="accent1">
+                <a:shade val="50000"/>
+              </a:schemeClr>
+            </a:lnRef>
+            <a:fillRef idx="1">
+              <a:schemeClr val="accent1"/>
+            </a:fillRef>
+            <a:effectRef idx="0">
+              <a:schemeClr val="accent1"/>
+            </a:effectRef>
+            <a:fontRef idx="minor">
+              <a:schemeClr val="lt1"/>
+            </a:fontRef>
+          </p:style>
+          <p:txBody>
+            <a:bodyPr rtlCol="0" anchor="ctr"/>
+            <a:lstStyle/>
+            <a:p>
+              <a:pPr algn="ctr"/>
+              <a:r>
+                <a:rPr lang="en-US" sz="1000" dirty="0"/>
+                <a:t>w</a:t>
+              </a:r>
+              <a:r>
+                <a:rPr lang="en-US" sz="1000" dirty="0" smtClean="0"/>
+                <a:t>ell_1</a:t>
+              </a:r>
+              <a:endParaRPr lang="en-US" sz="1000" dirty="0"/>
+            </a:p>
+          </p:txBody>
+        </p:sp>
+        <p:sp>
+          <p:nvSpPr>
+            <p:cNvPr id="23" name="Rounded Rectangle 22"/>
+            <p:cNvSpPr/>
+            <p:nvPr/>
+          </p:nvSpPr>
+          <p:spPr>
+            <a:xfrm>
+              <a:off x="8469884" y="3508857"/>
+              <a:ext cx="600075" cy="395133"/>
+            </a:xfrm>
+            <a:prstGeom prst="roundRect">
+              <a:avLst/>
+            </a:prstGeom>
+          </p:spPr>
+          <p:style>
+            <a:lnRef idx="2">
+              <a:schemeClr val="accent1">
+                <a:shade val="50000"/>
+              </a:schemeClr>
+            </a:lnRef>
+            <a:fillRef idx="1">
+              <a:schemeClr val="accent1"/>
+            </a:fillRef>
+            <a:effectRef idx="0">
+              <a:schemeClr val="accent1"/>
+            </a:effectRef>
+            <a:fontRef idx="minor">
+              <a:schemeClr val="lt1"/>
+            </a:fontRef>
+          </p:style>
+          <p:txBody>
+            <a:bodyPr rtlCol="0" anchor="ctr"/>
+            <a:lstStyle/>
+            <a:p>
+              <a:pPr algn="ctr"/>
+              <a:r>
+                <a:rPr lang="en-US" sz="1000" dirty="0" err="1" smtClean="0"/>
+                <a:t>ipropyl</a:t>
+              </a:r>
+              <a:endParaRPr lang="en-US" sz="1000" dirty="0"/>
+            </a:p>
+          </p:txBody>
+        </p:sp>
+        <p:sp>
+          <p:nvSpPr>
+            <p:cNvPr id="24" name="Rounded Rectangle 23"/>
+            <p:cNvSpPr/>
+            <p:nvPr/>
+          </p:nvSpPr>
+          <p:spPr>
+            <a:xfrm>
+              <a:off x="8469886" y="5107988"/>
+              <a:ext cx="600075" cy="395133"/>
+            </a:xfrm>
+            <a:prstGeom prst="roundRect">
+              <a:avLst/>
+            </a:prstGeom>
+          </p:spPr>
+          <p:style>
+            <a:lnRef idx="2">
+              <a:schemeClr val="accent1">
+                <a:shade val="50000"/>
+              </a:schemeClr>
+            </a:lnRef>
+            <a:fillRef idx="1">
+              <a:schemeClr val="accent1"/>
+            </a:fillRef>
+            <a:effectRef idx="0">
+              <a:schemeClr val="accent1"/>
+            </a:effectRef>
+            <a:fontRef idx="minor">
+              <a:schemeClr val="lt1"/>
+            </a:fontRef>
+          </p:style>
+          <p:txBody>
+            <a:bodyPr rtlCol="0" anchor="ctr"/>
+            <a:lstStyle/>
+            <a:p>
+              <a:pPr algn="ctr"/>
+              <a:r>
+                <a:rPr lang="en-US" sz="1000" dirty="0" smtClean="0"/>
+                <a:t>C</a:t>
+              </a:r>
+              <a:r>
+                <a:rPr lang="en-US" sz="1000" baseline="-25000" dirty="0" smtClean="0"/>
+                <a:t>3</a:t>
+              </a:r>
+              <a:r>
+                <a:rPr lang="en-US" sz="1000" dirty="0" smtClean="0"/>
+                <a:t>H</a:t>
+              </a:r>
+              <a:r>
+                <a:rPr lang="en-US" sz="1000" baseline="-25000" dirty="0" smtClean="0"/>
+                <a:t>6</a:t>
+              </a:r>
+              <a:endParaRPr lang="en-US" sz="1000" baseline="-25000" dirty="0"/>
+            </a:p>
+          </p:txBody>
+        </p:sp>
+        <p:sp>
+          <p:nvSpPr>
+            <p:cNvPr id="25" name="Rounded Rectangle 24"/>
+            <p:cNvSpPr/>
+            <p:nvPr/>
+          </p:nvSpPr>
+          <p:spPr>
+            <a:xfrm>
+              <a:off x="4052266" y="5049934"/>
+              <a:ext cx="600075" cy="395133"/>
+            </a:xfrm>
+            <a:prstGeom prst="roundRect">
+              <a:avLst/>
+            </a:prstGeom>
+          </p:spPr>
+          <p:style>
+            <a:lnRef idx="2">
+              <a:schemeClr val="accent1">
+                <a:shade val="50000"/>
+              </a:schemeClr>
+            </a:lnRef>
+            <a:fillRef idx="1">
+              <a:schemeClr val="accent1"/>
+            </a:fillRef>
+            <a:effectRef idx="0">
+              <a:schemeClr val="accent1"/>
+            </a:effectRef>
+            <a:fontRef idx="minor">
+              <a:schemeClr val="lt1"/>
+            </a:fontRef>
+          </p:style>
+          <p:txBody>
+            <a:bodyPr rtlCol="0" anchor="ctr"/>
+            <a:lstStyle/>
+            <a:p>
+              <a:pPr algn="ctr"/>
+              <a:r>
+                <a:rPr lang="en-US" sz="1000" dirty="0" smtClean="0"/>
+                <a:t>prod_2</a:t>
+              </a:r>
+              <a:endParaRPr lang="en-US" sz="1000" dirty="0"/>
+            </a:p>
+          </p:txBody>
+        </p:sp>
+        <p:sp>
+          <p:nvSpPr>
+            <p:cNvPr id="26" name="Rounded Rectangle 25"/>
+            <p:cNvSpPr/>
+            <p:nvPr/>
+          </p:nvSpPr>
+          <p:spPr>
+            <a:xfrm>
+              <a:off x="2300464" y="5049934"/>
+              <a:ext cx="685983" cy="395133"/>
+            </a:xfrm>
+            <a:prstGeom prst="roundRect">
+              <a:avLst/>
+            </a:prstGeom>
+          </p:spPr>
+          <p:style>
+            <a:lnRef idx="2">
+              <a:schemeClr val="accent1">
+                <a:shade val="50000"/>
+              </a:schemeClr>
+            </a:lnRef>
+            <a:fillRef idx="1">
+              <a:schemeClr val="accent1"/>
+            </a:fillRef>
+            <a:effectRef idx="0">
+              <a:schemeClr val="accent1"/>
+            </a:effectRef>
+            <a:fontRef idx="minor">
+              <a:schemeClr val="lt1"/>
+            </a:fontRef>
+          </p:style>
+          <p:txBody>
+            <a:bodyPr rtlCol="0" anchor="ctr"/>
+            <a:lstStyle/>
+            <a:p>
+              <a:pPr algn="ctr"/>
+              <a:r>
+                <a:rPr lang="en-US" sz="1000" dirty="0" err="1" smtClean="0"/>
+                <a:t>allyloxy</a:t>
+              </a:r>
+              <a:endParaRPr lang="en-US" sz="1000" dirty="0"/>
+            </a:p>
+          </p:txBody>
+        </p:sp>
+        <p:sp>
+          <p:nvSpPr>
+            <p:cNvPr id="27" name="Rounded Rectangle 26"/>
+            <p:cNvSpPr/>
+            <p:nvPr/>
+          </p:nvSpPr>
+          <p:spPr>
+            <a:xfrm>
+              <a:off x="2300464" y="5951468"/>
+              <a:ext cx="685982" cy="395133"/>
+            </a:xfrm>
+            <a:prstGeom prst="roundRect">
+              <a:avLst/>
+            </a:prstGeom>
+          </p:spPr>
+          <p:style>
+            <a:lnRef idx="2">
+              <a:schemeClr val="accent1">
+                <a:shade val="50000"/>
+              </a:schemeClr>
+            </a:lnRef>
+            <a:fillRef idx="1">
+              <a:schemeClr val="accent1"/>
+            </a:fillRef>
+            <a:effectRef idx="0">
+              <a:schemeClr val="accent1"/>
+            </a:effectRef>
+            <a:fontRef idx="minor">
+              <a:schemeClr val="lt1"/>
+            </a:fontRef>
+          </p:style>
+          <p:txBody>
+            <a:bodyPr rtlCol="0" anchor="ctr"/>
+            <a:lstStyle/>
+            <a:p>
+              <a:pPr algn="ctr"/>
+              <a:r>
+                <a:rPr lang="en-US" sz="1000" dirty="0" err="1" smtClean="0"/>
+                <a:t>acrolein</a:t>
+              </a:r>
+              <a:endParaRPr lang="en-US" sz="1000" dirty="0"/>
+            </a:p>
+          </p:txBody>
+        </p:sp>
+        <p:sp>
+          <p:nvSpPr>
+            <p:cNvPr id="30" name="Rounded Rectangle 29"/>
+            <p:cNvSpPr/>
+            <p:nvPr/>
+          </p:nvSpPr>
+          <p:spPr>
+            <a:xfrm>
+              <a:off x="6307184" y="5107988"/>
+              <a:ext cx="816618" cy="395133"/>
+            </a:xfrm>
+            <a:prstGeom prst="roundRect">
+              <a:avLst/>
+            </a:prstGeom>
+          </p:spPr>
+          <p:style>
+            <a:lnRef idx="2">
+              <a:schemeClr val="accent1">
+                <a:shade val="50000"/>
+              </a:schemeClr>
+            </a:lnRef>
+            <a:fillRef idx="1">
+              <a:schemeClr val="accent1"/>
+            </a:fillRef>
+            <a:effectRef idx="0">
+              <a:schemeClr val="accent1"/>
+            </a:effectRef>
+            <a:fontRef idx="minor">
+              <a:schemeClr val="lt1"/>
+            </a:fontRef>
+          </p:style>
+          <p:txBody>
+            <a:bodyPr rtlCol="0" anchor="ctr"/>
+            <a:lstStyle/>
+            <a:p>
+              <a:pPr algn="ctr"/>
+              <a:r>
+                <a:rPr lang="en-US" sz="1000" dirty="0" err="1" smtClean="0"/>
+                <a:t>propoxide</a:t>
+              </a:r>
+              <a:endParaRPr lang="en-US" sz="1000" baseline="-25000" dirty="0"/>
+            </a:p>
+          </p:txBody>
+        </p:sp>
+        <p:sp>
+          <p:nvSpPr>
+            <p:cNvPr id="31" name="Rounded Rectangle 30"/>
+            <p:cNvSpPr/>
+            <p:nvPr/>
+          </p:nvSpPr>
+          <p:spPr>
+            <a:xfrm>
+              <a:off x="8331925" y="2597450"/>
+              <a:ext cx="875995" cy="395133"/>
+            </a:xfrm>
+            <a:prstGeom prst="roundRect">
+              <a:avLst/>
+            </a:prstGeom>
+          </p:spPr>
+          <p:style>
+            <a:lnRef idx="2">
+              <a:schemeClr val="accent1">
+                <a:shade val="50000"/>
+              </a:schemeClr>
+            </a:lnRef>
+            <a:fillRef idx="1">
+              <a:schemeClr val="accent1"/>
+            </a:fillRef>
+            <a:effectRef idx="0">
+              <a:schemeClr val="accent1"/>
+            </a:effectRef>
+            <a:fontRef idx="minor">
+              <a:schemeClr val="lt1"/>
+            </a:fontRef>
+          </p:style>
+          <p:txBody>
+            <a:bodyPr rtlCol="0" anchor="ctr"/>
+            <a:lstStyle/>
+            <a:p>
+              <a:pPr algn="ctr"/>
+              <a:r>
+                <a:rPr lang="en-US" sz="1000" dirty="0" err="1" smtClean="0"/>
+                <a:t>npropylooh</a:t>
+              </a:r>
+              <a:endParaRPr lang="en-US" sz="1000" dirty="0"/>
+            </a:p>
+          </p:txBody>
+        </p:sp>
+        <p:sp>
+          <p:nvSpPr>
+            <p:cNvPr id="32" name="Rounded Rectangle 31"/>
+            <p:cNvSpPr/>
+            <p:nvPr/>
+          </p:nvSpPr>
+          <p:spPr>
+            <a:xfrm>
+              <a:off x="8331925" y="1676345"/>
+              <a:ext cx="875995" cy="395133"/>
+            </a:xfrm>
+            <a:prstGeom prst="roundRect">
+              <a:avLst/>
+            </a:prstGeom>
+          </p:spPr>
+          <p:style>
+            <a:lnRef idx="2">
+              <a:schemeClr val="accent1">
+                <a:shade val="50000"/>
+              </a:schemeClr>
+            </a:lnRef>
+            <a:fillRef idx="1">
+              <a:schemeClr val="accent1"/>
+            </a:fillRef>
+            <a:effectRef idx="0">
+              <a:schemeClr val="accent1"/>
+            </a:effectRef>
+            <a:fontRef idx="minor">
+              <a:schemeClr val="lt1"/>
+            </a:fontRef>
+          </p:style>
+          <p:txBody>
+            <a:bodyPr rtlCol="0" anchor="ctr"/>
+            <a:lstStyle/>
+            <a:p>
+              <a:pPr algn="ctr"/>
+              <a:r>
+                <a:rPr lang="en-US" sz="1000" dirty="0" err="1" smtClean="0"/>
+                <a:t>npropyloxy</a:t>
+              </a:r>
+              <a:endParaRPr lang="en-US" sz="1000" dirty="0"/>
+            </a:p>
+          </p:txBody>
+        </p:sp>
+        <p:cxnSp>
+          <p:nvCxnSpPr>
+            <p:cNvPr id="3" name="Straight Arrow Connector 2"/>
+            <p:cNvCxnSpPr>
+              <a:stCxn id="21" idx="1"/>
+              <a:endCxn id="16" idx="3"/>
+            </p:cNvCxnSpPr>
+            <p:nvPr/>
+          </p:nvCxnSpPr>
+          <p:spPr>
+            <a:xfrm flipH="1">
+              <a:off x="4652341" y="3706425"/>
+              <a:ext cx="1763115" cy="0"/>
+            </a:xfrm>
+            <a:prstGeom prst="straightConnector1">
+              <a:avLst/>
+            </a:prstGeom>
+            <a:ln>
+              <a:tailEnd type="triangle"/>
+            </a:ln>
+          </p:spPr>
+          <p:style>
+            <a:lnRef idx="1">
+              <a:schemeClr val="accent1"/>
+            </a:lnRef>
+            <a:fillRef idx="0">
+              <a:schemeClr val="accent1"/>
+            </a:fillRef>
+            <a:effectRef idx="0">
+              <a:schemeClr val="accent1"/>
+            </a:effectRef>
+            <a:fontRef idx="minor">
+              <a:schemeClr val="tx1"/>
+            </a:fontRef>
+          </p:style>
+        </p:cxnSp>
+        <p:cxnSp>
+          <p:nvCxnSpPr>
+            <p:cNvPr id="7" name="Straight Arrow Connector 6"/>
+            <p:cNvCxnSpPr>
+              <a:stCxn id="16" idx="0"/>
+              <a:endCxn id="17" idx="2"/>
+            </p:cNvCxnSpPr>
+            <p:nvPr/>
+          </p:nvCxnSpPr>
+          <p:spPr>
+            <a:xfrm flipV="1">
+              <a:off x="4352304" y="2972079"/>
+              <a:ext cx="1" cy="536779"/>
+            </a:xfrm>
+            <a:prstGeom prst="straightConnector1">
+              <a:avLst/>
+            </a:prstGeom>
+            <a:ln>
+              <a:tailEnd type="triangle"/>
+            </a:ln>
+          </p:spPr>
+          <p:style>
+            <a:lnRef idx="1">
+              <a:schemeClr val="accent1"/>
+            </a:lnRef>
+            <a:fillRef idx="0">
+              <a:schemeClr val="accent1"/>
+            </a:fillRef>
+            <a:effectRef idx="0">
+              <a:schemeClr val="accent1"/>
+            </a:effectRef>
+            <a:fontRef idx="minor">
+              <a:schemeClr val="tx1"/>
+            </a:fontRef>
+          </p:style>
+        </p:cxnSp>
+        <p:sp>
+          <p:nvSpPr>
+            <p:cNvPr id="22" name="Rounded Rectangle 21"/>
+            <p:cNvSpPr/>
+            <p:nvPr/>
+          </p:nvSpPr>
+          <p:spPr>
+            <a:xfrm>
+              <a:off x="6415456" y="1678590"/>
+              <a:ext cx="600075" cy="395133"/>
+            </a:xfrm>
+            <a:prstGeom prst="roundRect">
+              <a:avLst/>
+            </a:prstGeom>
+          </p:spPr>
+          <p:style>
+            <a:lnRef idx="2">
+              <a:schemeClr val="accent1">
+                <a:shade val="50000"/>
+              </a:schemeClr>
+            </a:lnRef>
+            <a:fillRef idx="1">
+              <a:schemeClr val="accent1"/>
+            </a:fillRef>
+            <a:effectRef idx="0">
+              <a:schemeClr val="accent1"/>
+            </a:effectRef>
+            <a:fontRef idx="minor">
+              <a:schemeClr val="lt1"/>
+            </a:fontRef>
+          </p:style>
+          <p:txBody>
+            <a:bodyPr rtlCol="0" anchor="ctr"/>
+            <a:lstStyle/>
+            <a:p>
+              <a:pPr algn="ctr"/>
+              <a:r>
+                <a:rPr lang="en-US" sz="1000" dirty="0" smtClean="0"/>
+                <a:t>OH</a:t>
+              </a:r>
+              <a:endParaRPr lang="en-US" sz="1000" dirty="0"/>
+            </a:p>
+          </p:txBody>
+        </p:sp>
+        <p:cxnSp>
+          <p:nvCxnSpPr>
+            <p:cNvPr id="5" name="Straight Arrow Connector 4"/>
+            <p:cNvCxnSpPr>
+              <a:stCxn id="22" idx="2"/>
+              <a:endCxn id="21" idx="0"/>
+            </p:cNvCxnSpPr>
+            <p:nvPr/>
+          </p:nvCxnSpPr>
+          <p:spPr>
+            <a:xfrm>
+              <a:off x="6715494" y="2073723"/>
+              <a:ext cx="0" cy="1435135"/>
+            </a:xfrm>
+            <a:prstGeom prst="straightConnector1">
+              <a:avLst/>
+            </a:prstGeom>
+            <a:ln>
+              <a:tailEnd type="triangle"/>
+            </a:ln>
+          </p:spPr>
+          <p:style>
+            <a:lnRef idx="1">
+              <a:schemeClr val="accent1"/>
+            </a:lnRef>
+            <a:fillRef idx="0">
+              <a:schemeClr val="accent1"/>
+            </a:fillRef>
+            <a:effectRef idx="0">
+              <a:schemeClr val="accent1"/>
+            </a:effectRef>
+            <a:fontRef idx="minor">
+              <a:schemeClr val="tx1"/>
+            </a:fontRef>
+          </p:style>
+        </p:cxnSp>
+        <p:cxnSp>
+          <p:nvCxnSpPr>
+            <p:cNvPr id="37" name="Straight Arrow Connector 36"/>
+            <p:cNvCxnSpPr>
+              <a:stCxn id="17" idx="0"/>
+              <a:endCxn id="19" idx="1"/>
+            </p:cNvCxnSpPr>
+            <p:nvPr/>
+          </p:nvCxnSpPr>
+          <p:spPr>
+            <a:xfrm flipV="1">
+              <a:off x="4352305" y="885336"/>
+              <a:ext cx="2063151" cy="1691610"/>
+            </a:xfrm>
+            <a:prstGeom prst="straightConnector1">
+              <a:avLst/>
+            </a:prstGeom>
+            <a:ln>
+              <a:tailEnd type="triangle"/>
+            </a:ln>
+          </p:spPr>
+          <p:style>
+            <a:lnRef idx="1">
+              <a:schemeClr val="accent1"/>
+            </a:lnRef>
+            <a:fillRef idx="0">
+              <a:schemeClr val="accent1"/>
+            </a:fillRef>
+            <a:effectRef idx="0">
+              <a:schemeClr val="accent1"/>
+            </a:effectRef>
+            <a:fontRef idx="minor">
+              <a:schemeClr val="tx1"/>
+            </a:fontRef>
+          </p:style>
+        </p:cxnSp>
+        <p:cxnSp>
+          <p:nvCxnSpPr>
+            <p:cNvPr id="39" name="Straight Arrow Connector 38"/>
+            <p:cNvCxnSpPr>
+              <a:stCxn id="17" idx="0"/>
+              <a:endCxn id="18" idx="2"/>
+            </p:cNvCxnSpPr>
+            <p:nvPr/>
+          </p:nvCxnSpPr>
+          <p:spPr>
+            <a:xfrm flipH="1" flipV="1">
+              <a:off x="4352304" y="2071479"/>
+              <a:ext cx="1" cy="505467"/>
+            </a:xfrm>
+            <a:prstGeom prst="straightConnector1">
+              <a:avLst/>
+            </a:prstGeom>
+            <a:ln>
+              <a:tailEnd type="triangle"/>
+            </a:ln>
+          </p:spPr>
+          <p:style>
+            <a:lnRef idx="1">
+              <a:schemeClr val="accent1"/>
+            </a:lnRef>
+            <a:fillRef idx="0">
+              <a:schemeClr val="accent1"/>
+            </a:fillRef>
+            <a:effectRef idx="0">
+              <a:schemeClr val="accent1"/>
+            </a:effectRef>
+            <a:fontRef idx="minor">
+              <a:schemeClr val="tx1"/>
+            </a:fontRef>
+          </p:style>
+        </p:cxnSp>
+        <p:cxnSp>
+          <p:nvCxnSpPr>
+            <p:cNvPr id="41" name="Straight Arrow Connector 40"/>
+            <p:cNvCxnSpPr>
+              <a:stCxn id="18" idx="0"/>
+              <a:endCxn id="20" idx="2"/>
+            </p:cNvCxnSpPr>
+            <p:nvPr/>
+          </p:nvCxnSpPr>
+          <p:spPr>
+            <a:xfrm flipV="1">
+              <a:off x="4352304" y="1080656"/>
+              <a:ext cx="0" cy="595690"/>
+            </a:xfrm>
+            <a:prstGeom prst="straightConnector1">
+              <a:avLst/>
+            </a:prstGeom>
+            <a:ln>
+              <a:tailEnd type="triangle"/>
+            </a:ln>
+          </p:spPr>
+          <p:style>
+            <a:lnRef idx="1">
+              <a:schemeClr val="accent1"/>
+            </a:lnRef>
+            <a:fillRef idx="0">
+              <a:schemeClr val="accent1"/>
+            </a:fillRef>
+            <a:effectRef idx="0">
+              <a:schemeClr val="accent1"/>
+            </a:effectRef>
+            <a:fontRef idx="minor">
+              <a:schemeClr val="tx1"/>
+            </a:fontRef>
+          </p:style>
+        </p:cxnSp>
+        <p:cxnSp>
+          <p:nvCxnSpPr>
+            <p:cNvPr id="43" name="Straight Arrow Connector 42"/>
+            <p:cNvCxnSpPr>
+              <a:stCxn id="18" idx="0"/>
+              <a:endCxn id="19" idx="1"/>
+            </p:cNvCxnSpPr>
+            <p:nvPr/>
+          </p:nvCxnSpPr>
+          <p:spPr>
+            <a:xfrm flipV="1">
+              <a:off x="4352304" y="885336"/>
+              <a:ext cx="2063152" cy="791010"/>
+            </a:xfrm>
+            <a:prstGeom prst="straightConnector1">
+              <a:avLst/>
+            </a:prstGeom>
+            <a:ln>
+              <a:tailEnd type="triangle"/>
+            </a:ln>
+          </p:spPr>
+          <p:style>
+            <a:lnRef idx="1">
+              <a:schemeClr val="accent1"/>
+            </a:lnRef>
+            <a:fillRef idx="0">
+              <a:schemeClr val="accent1"/>
+            </a:fillRef>
+            <a:effectRef idx="0">
+              <a:schemeClr val="accent1"/>
+            </a:effectRef>
+            <a:fontRef idx="minor">
+              <a:schemeClr val="tx1"/>
+            </a:fontRef>
+          </p:style>
+        </p:cxnSp>
+        <p:cxnSp>
+          <p:nvCxnSpPr>
+            <p:cNvPr id="45" name="Straight Arrow Connector 44"/>
+            <p:cNvCxnSpPr>
+              <a:stCxn id="21" idx="2"/>
+              <a:endCxn id="24" idx="1"/>
+            </p:cNvCxnSpPr>
+            <p:nvPr/>
+          </p:nvCxnSpPr>
+          <p:spPr>
+            <a:xfrm>
+              <a:off x="6715494" y="3903991"/>
+              <a:ext cx="1754392" cy="1401564"/>
+            </a:xfrm>
+            <a:prstGeom prst="straightConnector1">
+              <a:avLst/>
+            </a:prstGeom>
+            <a:ln>
+              <a:tailEnd type="triangle"/>
+            </a:ln>
+          </p:spPr>
+          <p:style>
+            <a:lnRef idx="1">
+              <a:schemeClr val="accent1"/>
+            </a:lnRef>
+            <a:fillRef idx="0">
+              <a:schemeClr val="accent1"/>
+            </a:fillRef>
+            <a:effectRef idx="0">
+              <a:schemeClr val="accent1"/>
+            </a:effectRef>
+            <a:fontRef idx="minor">
+              <a:schemeClr val="tx1"/>
+            </a:fontRef>
+          </p:style>
+        </p:cxnSp>
+        <p:cxnSp>
+          <p:nvCxnSpPr>
+            <p:cNvPr id="47" name="Straight Arrow Connector 46"/>
+            <p:cNvCxnSpPr>
+              <a:stCxn id="21" idx="3"/>
+              <a:endCxn id="23" idx="1"/>
+            </p:cNvCxnSpPr>
+            <p:nvPr/>
+          </p:nvCxnSpPr>
+          <p:spPr>
+            <a:xfrm flipV="1">
+              <a:off x="7015531" y="3706424"/>
+              <a:ext cx="1454353" cy="1"/>
+            </a:xfrm>
+            <a:prstGeom prst="straightConnector1">
+              <a:avLst/>
+            </a:prstGeom>
+            <a:ln>
+              <a:tailEnd type="triangle"/>
+            </a:ln>
+          </p:spPr>
+          <p:style>
+            <a:lnRef idx="1">
+              <a:schemeClr val="accent1"/>
+            </a:lnRef>
+            <a:fillRef idx="0">
+              <a:schemeClr val="accent1"/>
+            </a:fillRef>
+            <a:effectRef idx="0">
+              <a:schemeClr val="accent1"/>
+            </a:effectRef>
+            <a:fontRef idx="minor">
+              <a:schemeClr val="tx1"/>
+            </a:fontRef>
+          </p:style>
+        </p:cxnSp>
+        <p:cxnSp>
+          <p:nvCxnSpPr>
+            <p:cNvPr id="49" name="Straight Arrow Connector 48"/>
+            <p:cNvCxnSpPr>
+              <a:stCxn id="23" idx="2"/>
+              <a:endCxn id="24" idx="0"/>
+            </p:cNvCxnSpPr>
+            <p:nvPr/>
+          </p:nvCxnSpPr>
+          <p:spPr>
+            <a:xfrm>
+              <a:off x="8769922" y="3903990"/>
+              <a:ext cx="2" cy="1203998"/>
+            </a:xfrm>
+            <a:prstGeom prst="straightConnector1">
+              <a:avLst/>
+            </a:prstGeom>
+            <a:ln>
+              <a:tailEnd type="triangle"/>
+            </a:ln>
+          </p:spPr>
+          <p:style>
+            <a:lnRef idx="1">
+              <a:schemeClr val="accent1"/>
+            </a:lnRef>
+            <a:fillRef idx="0">
+              <a:schemeClr val="accent1"/>
+            </a:fillRef>
+            <a:effectRef idx="0">
+              <a:schemeClr val="accent1"/>
+            </a:effectRef>
+            <a:fontRef idx="minor">
+              <a:schemeClr val="tx1"/>
+            </a:fontRef>
+          </p:style>
+        </p:cxnSp>
+        <p:cxnSp>
+          <p:nvCxnSpPr>
+            <p:cNvPr id="51" name="Straight Arrow Connector 50"/>
+            <p:cNvCxnSpPr>
+              <a:stCxn id="21" idx="2"/>
+              <a:endCxn id="25" idx="3"/>
+            </p:cNvCxnSpPr>
+            <p:nvPr/>
+          </p:nvCxnSpPr>
+          <p:spPr>
+            <a:xfrm flipH="1">
+              <a:off x="4652341" y="3903991"/>
+              <a:ext cx="2063153" cy="1343510"/>
+            </a:xfrm>
+            <a:prstGeom prst="straightConnector1">
+              <a:avLst/>
+            </a:prstGeom>
+            <a:ln>
+              <a:tailEnd type="triangle"/>
+            </a:ln>
+          </p:spPr>
+          <p:style>
+            <a:lnRef idx="1">
+              <a:schemeClr val="accent1"/>
+            </a:lnRef>
+            <a:fillRef idx="0">
+              <a:schemeClr val="accent1"/>
+            </a:fillRef>
+            <a:effectRef idx="0">
+              <a:schemeClr val="accent1"/>
+            </a:effectRef>
+            <a:fontRef idx="minor">
+              <a:schemeClr val="tx1"/>
+            </a:fontRef>
+          </p:style>
+        </p:cxnSp>
+        <p:cxnSp>
+          <p:nvCxnSpPr>
+            <p:cNvPr id="53" name="Straight Arrow Connector 52"/>
+            <p:cNvCxnSpPr>
+              <a:stCxn id="25" idx="1"/>
+              <a:endCxn id="26" idx="3"/>
+            </p:cNvCxnSpPr>
+            <p:nvPr/>
+          </p:nvCxnSpPr>
+          <p:spPr>
+            <a:xfrm flipH="1">
+              <a:off x="2986447" y="5247501"/>
+              <a:ext cx="1065819" cy="0"/>
+            </a:xfrm>
+            <a:prstGeom prst="straightConnector1">
+              <a:avLst/>
+            </a:prstGeom>
+            <a:ln>
+              <a:tailEnd type="triangle"/>
+            </a:ln>
+          </p:spPr>
+          <p:style>
+            <a:lnRef idx="1">
+              <a:schemeClr val="accent1"/>
+            </a:lnRef>
+            <a:fillRef idx="0">
+              <a:schemeClr val="accent1"/>
+            </a:fillRef>
+            <a:effectRef idx="0">
+              <a:schemeClr val="accent1"/>
+            </a:effectRef>
+            <a:fontRef idx="minor">
+              <a:schemeClr val="tx1"/>
+            </a:fontRef>
+          </p:style>
+        </p:cxnSp>
+        <p:cxnSp>
+          <p:nvCxnSpPr>
+            <p:cNvPr id="55" name="Straight Arrow Connector 54"/>
+            <p:cNvCxnSpPr>
+              <a:stCxn id="26" idx="2"/>
+              <a:endCxn id="27" idx="0"/>
+            </p:cNvCxnSpPr>
+            <p:nvPr/>
+          </p:nvCxnSpPr>
+          <p:spPr>
+            <a:xfrm flipH="1">
+              <a:off x="2643455" y="5445067"/>
+              <a:ext cx="1" cy="506401"/>
+            </a:xfrm>
+            <a:prstGeom prst="straightConnector1">
+              <a:avLst/>
+            </a:prstGeom>
+            <a:ln>
+              <a:tailEnd type="triangle"/>
+            </a:ln>
+          </p:spPr>
+          <p:style>
+            <a:lnRef idx="1">
+              <a:schemeClr val="accent1"/>
+            </a:lnRef>
+            <a:fillRef idx="0">
+              <a:schemeClr val="accent1"/>
+            </a:fillRef>
+            <a:effectRef idx="0">
+              <a:schemeClr val="accent1"/>
+            </a:effectRef>
+            <a:fontRef idx="minor">
+              <a:schemeClr val="tx1"/>
+            </a:fontRef>
+          </p:style>
+        </p:cxnSp>
+        <p:cxnSp>
+          <p:nvCxnSpPr>
+            <p:cNvPr id="57" name="Straight Arrow Connector 56"/>
+            <p:cNvCxnSpPr>
+              <a:stCxn id="21" idx="2"/>
+              <a:endCxn id="30" idx="0"/>
+            </p:cNvCxnSpPr>
+            <p:nvPr/>
+          </p:nvCxnSpPr>
+          <p:spPr>
+            <a:xfrm flipH="1">
+              <a:off x="6715493" y="3903991"/>
+              <a:ext cx="1" cy="1203997"/>
+            </a:xfrm>
+            <a:prstGeom prst="straightConnector1">
+              <a:avLst/>
+            </a:prstGeom>
+            <a:ln>
+              <a:tailEnd type="triangle"/>
+            </a:ln>
+          </p:spPr>
+          <p:style>
+            <a:lnRef idx="1">
+              <a:schemeClr val="accent1"/>
+            </a:lnRef>
+            <a:fillRef idx="0">
+              <a:schemeClr val="accent1"/>
+            </a:fillRef>
+            <a:effectRef idx="0">
+              <a:schemeClr val="accent1"/>
+            </a:effectRef>
+            <a:fontRef idx="minor">
+              <a:schemeClr val="tx1"/>
+            </a:fontRef>
+          </p:style>
+        </p:cxnSp>
+        <p:cxnSp>
+          <p:nvCxnSpPr>
+            <p:cNvPr id="59" name="Straight Arrow Connector 58"/>
+            <p:cNvCxnSpPr>
+              <a:stCxn id="21" idx="3"/>
+              <a:endCxn id="31" idx="1"/>
+            </p:cNvCxnSpPr>
+            <p:nvPr/>
+          </p:nvCxnSpPr>
+          <p:spPr>
+            <a:xfrm flipV="1">
+              <a:off x="7015531" y="2795017"/>
+              <a:ext cx="1316394" cy="911408"/>
+            </a:xfrm>
+            <a:prstGeom prst="straightConnector1">
+              <a:avLst/>
+            </a:prstGeom>
+            <a:ln>
+              <a:tailEnd type="triangle"/>
+            </a:ln>
+          </p:spPr>
+          <p:style>
+            <a:lnRef idx="1">
+              <a:schemeClr val="accent1"/>
+            </a:lnRef>
+            <a:fillRef idx="0">
+              <a:schemeClr val="accent1"/>
+            </a:fillRef>
+            <a:effectRef idx="0">
+              <a:schemeClr val="accent1"/>
+            </a:effectRef>
+            <a:fontRef idx="minor">
+              <a:schemeClr val="tx1"/>
+            </a:fontRef>
+          </p:style>
+        </p:cxnSp>
+        <p:cxnSp>
+          <p:nvCxnSpPr>
+            <p:cNvPr id="61" name="Straight Arrow Connector 60"/>
+            <p:cNvCxnSpPr>
+              <a:stCxn id="31" idx="0"/>
+              <a:endCxn id="32" idx="2"/>
+            </p:cNvCxnSpPr>
+            <p:nvPr/>
+          </p:nvCxnSpPr>
+          <p:spPr>
+            <a:xfrm flipV="1">
+              <a:off x="8769923" y="2071478"/>
+              <a:ext cx="0" cy="525972"/>
+            </a:xfrm>
+            <a:prstGeom prst="straightConnector1">
+              <a:avLst/>
+            </a:prstGeom>
+            <a:ln>
+              <a:tailEnd type="triangle"/>
+            </a:ln>
+          </p:spPr>
+          <p:style>
+            <a:lnRef idx="1">
+              <a:schemeClr val="accent1"/>
+            </a:lnRef>
+            <a:fillRef idx="0">
+              <a:schemeClr val="accent1"/>
+            </a:fillRef>
+            <a:effectRef idx="0">
+              <a:schemeClr val="accent1"/>
+            </a:effectRef>
+            <a:fontRef idx="minor">
+              <a:schemeClr val="tx1"/>
+            </a:fontRef>
+          </p:style>
+        </p:cxnSp>
+        <p:cxnSp>
+          <p:nvCxnSpPr>
+            <p:cNvPr id="63" name="Straight Arrow Connector 62"/>
+            <p:cNvCxnSpPr>
+              <a:stCxn id="32" idx="0"/>
+              <a:endCxn id="19" idx="3"/>
+            </p:cNvCxnSpPr>
+            <p:nvPr/>
+          </p:nvCxnSpPr>
+          <p:spPr>
+            <a:xfrm flipH="1" flipV="1">
+              <a:off x="7015531" y="885336"/>
+              <a:ext cx="1754392" cy="791009"/>
+            </a:xfrm>
+            <a:prstGeom prst="straightConnector1">
+              <a:avLst/>
+            </a:prstGeom>
+            <a:ln>
+              <a:tailEnd type="triangle"/>
+            </a:ln>
+          </p:spPr>
+          <p:style>
+            <a:lnRef idx="1">
+              <a:schemeClr val="accent1"/>
+            </a:lnRef>
+            <a:fillRef idx="0">
+              <a:schemeClr val="accent1"/>
+            </a:fillRef>
+            <a:effectRef idx="0">
+              <a:schemeClr val="accent1"/>
+            </a:effectRef>
+            <a:fontRef idx="minor">
+              <a:schemeClr val="tx1"/>
+            </a:fontRef>
+          </p:style>
+        </p:cxnSp>
+        <p:sp>
+          <p:nvSpPr>
+            <p:cNvPr id="10" name="TextBox 9"/>
+            <p:cNvSpPr txBox="1"/>
+            <p:nvPr/>
+          </p:nvSpPr>
+          <p:spPr>
+            <a:xfrm>
+              <a:off x="5114552" y="3429594"/>
+              <a:ext cx="838691" cy="523220"/>
+            </a:xfrm>
+            <a:prstGeom prst="rect">
+              <a:avLst/>
+            </a:prstGeom>
+            <a:noFill/>
+          </p:spPr>
+          <p:txBody>
+            <a:bodyPr wrap="none" rtlCol="0">
+              <a:spAutoFit/>
+            </a:bodyPr>
+            <a:lstStyle/>
+            <a:p>
+              <a:r>
+                <a:rPr lang="en-US" sz="2800" dirty="0" smtClean="0">
+                  <a:solidFill>
+                    <a:srgbClr val="FF0000"/>
+                  </a:solidFill>
+                </a:rPr>
+                <a:t>- OH</a:t>
+              </a:r>
+              <a:endParaRPr lang="en-US" sz="2800" dirty="0">
+                <a:solidFill>
+                  <a:srgbClr val="FF0000"/>
+                </a:solidFill>
+              </a:endParaRPr>
+            </a:p>
+          </p:txBody>
+        </p:sp>
+        <p:sp>
+          <p:nvSpPr>
+            <p:cNvPr id="40" name="TextBox 39"/>
+            <p:cNvSpPr txBox="1"/>
+            <p:nvPr/>
+          </p:nvSpPr>
+          <p:spPr>
+            <a:xfrm>
+              <a:off x="3103288" y="4970136"/>
+              <a:ext cx="838691" cy="523220"/>
+            </a:xfrm>
+            <a:prstGeom prst="rect">
+              <a:avLst/>
+            </a:prstGeom>
+            <a:noFill/>
+          </p:spPr>
+          <p:txBody>
+            <a:bodyPr wrap="none" rtlCol="0">
+              <a:spAutoFit/>
+            </a:bodyPr>
+            <a:lstStyle/>
+            <a:p>
+              <a:r>
+                <a:rPr lang="en-US" sz="2800" dirty="0" smtClean="0">
+                  <a:solidFill>
+                    <a:srgbClr val="FF0000"/>
+                  </a:solidFill>
+                </a:rPr>
+                <a:t>- OH</a:t>
+              </a:r>
+              <a:endParaRPr lang="en-US" sz="2800" dirty="0">
+                <a:solidFill>
+                  <a:srgbClr val="FF0000"/>
+                </a:solidFill>
+              </a:endParaRPr>
+            </a:p>
+          </p:txBody>
+        </p:sp>
+        <p:sp>
+          <p:nvSpPr>
+            <p:cNvPr id="42" name="TextBox 41"/>
+            <p:cNvSpPr txBox="1"/>
+            <p:nvPr/>
+          </p:nvSpPr>
+          <p:spPr>
+            <a:xfrm>
+              <a:off x="3932955" y="2970626"/>
+              <a:ext cx="838691" cy="523220"/>
+            </a:xfrm>
+            <a:prstGeom prst="rect">
+              <a:avLst/>
+            </a:prstGeom>
+            <a:noFill/>
+          </p:spPr>
+          <p:txBody>
+            <a:bodyPr wrap="none" rtlCol="0">
+              <a:spAutoFit/>
+            </a:bodyPr>
+            <a:lstStyle/>
+            <a:p>
+              <a:r>
+                <a:rPr lang="en-US" sz="2800" dirty="0" smtClean="0">
+                  <a:solidFill>
+                    <a:srgbClr val="FF0000"/>
+                  </a:solidFill>
+                </a:rPr>
+                <a:t>- OH</a:t>
+              </a:r>
+              <a:endParaRPr lang="en-US" sz="2800" dirty="0">
+                <a:solidFill>
+                  <a:srgbClr val="FF0000"/>
+                </a:solidFill>
+              </a:endParaRPr>
+            </a:p>
+          </p:txBody>
+        </p:sp>
+        <p:sp>
+          <p:nvSpPr>
+            <p:cNvPr id="44" name="TextBox 43"/>
+            <p:cNvSpPr txBox="1"/>
+            <p:nvPr/>
+          </p:nvSpPr>
+          <p:spPr>
+            <a:xfrm>
+              <a:off x="3922931" y="1114519"/>
+              <a:ext cx="838691" cy="523220"/>
+            </a:xfrm>
+            <a:prstGeom prst="rect">
+              <a:avLst/>
+            </a:prstGeom>
+            <a:noFill/>
+          </p:spPr>
+          <p:txBody>
+            <a:bodyPr wrap="none" rtlCol="0">
+              <a:spAutoFit/>
+            </a:bodyPr>
+            <a:lstStyle/>
+            <a:p>
+              <a:r>
+                <a:rPr lang="en-US" sz="2800" dirty="0" smtClean="0">
+                  <a:solidFill>
+                    <a:srgbClr val="FF0000"/>
+                  </a:solidFill>
+                </a:rPr>
+                <a:t>- OH</a:t>
+              </a:r>
+              <a:endParaRPr lang="en-US" sz="2800" dirty="0">
+                <a:solidFill>
+                  <a:srgbClr val="FF0000"/>
+                </a:solidFill>
+              </a:endParaRPr>
+            </a:p>
+          </p:txBody>
+        </p:sp>
+        <p:sp>
+          <p:nvSpPr>
+            <p:cNvPr id="46" name="TextBox 45"/>
+            <p:cNvSpPr txBox="1"/>
+            <p:nvPr/>
+          </p:nvSpPr>
+          <p:spPr>
+            <a:xfrm>
+              <a:off x="4761622" y="1111310"/>
+              <a:ext cx="838691" cy="523220"/>
+            </a:xfrm>
+            <a:prstGeom prst="rect">
+              <a:avLst/>
+            </a:prstGeom>
+            <a:noFill/>
+          </p:spPr>
+          <p:txBody>
+            <a:bodyPr wrap="none" rtlCol="0">
+              <a:spAutoFit/>
+            </a:bodyPr>
+            <a:lstStyle/>
+            <a:p>
+              <a:r>
+                <a:rPr lang="en-US" sz="2800" dirty="0" smtClean="0">
+                  <a:solidFill>
+                    <a:srgbClr val="FF0000"/>
+                  </a:solidFill>
+                </a:rPr>
+                <a:t>- OH</a:t>
+              </a:r>
+              <a:endParaRPr lang="en-US" sz="2800" dirty="0">
+                <a:solidFill>
+                  <a:srgbClr val="FF0000"/>
+                </a:solidFill>
+              </a:endParaRPr>
+            </a:p>
+          </p:txBody>
+        </p:sp>
+        <p:sp>
+          <p:nvSpPr>
+            <p:cNvPr id="48" name="TextBox 47"/>
+            <p:cNvSpPr txBox="1"/>
+            <p:nvPr/>
+          </p:nvSpPr>
+          <p:spPr>
+            <a:xfrm>
+              <a:off x="6285111" y="4158655"/>
+              <a:ext cx="838691" cy="523220"/>
+            </a:xfrm>
+            <a:prstGeom prst="rect">
+              <a:avLst/>
+            </a:prstGeom>
+            <a:noFill/>
+          </p:spPr>
+          <p:txBody>
+            <a:bodyPr wrap="none" rtlCol="0">
+              <a:spAutoFit/>
+            </a:bodyPr>
+            <a:lstStyle/>
+            <a:p>
+              <a:r>
+                <a:rPr lang="en-US" sz="2800" dirty="0" smtClean="0">
+                  <a:solidFill>
+                    <a:srgbClr val="FF0000"/>
+                  </a:solidFill>
+                </a:rPr>
+                <a:t>- OH</a:t>
+              </a:r>
+              <a:endParaRPr lang="en-US" sz="2800" dirty="0">
+                <a:solidFill>
+                  <a:srgbClr val="FF0000"/>
+                </a:solidFill>
+              </a:endParaRPr>
+            </a:p>
+          </p:txBody>
+        </p:sp>
+        <p:sp>
+          <p:nvSpPr>
+            <p:cNvPr id="50" name="TextBox 49"/>
+            <p:cNvSpPr txBox="1"/>
+            <p:nvPr/>
+          </p:nvSpPr>
+          <p:spPr>
+            <a:xfrm>
+              <a:off x="8369229" y="2075684"/>
+              <a:ext cx="838691" cy="523220"/>
+            </a:xfrm>
+            <a:prstGeom prst="rect">
+              <a:avLst/>
+            </a:prstGeom>
+            <a:noFill/>
+          </p:spPr>
+          <p:txBody>
+            <a:bodyPr wrap="none" rtlCol="0">
+              <a:spAutoFit/>
+            </a:bodyPr>
+            <a:lstStyle/>
+            <a:p>
+              <a:r>
+                <a:rPr lang="en-US" sz="2800" dirty="0" smtClean="0">
+                  <a:solidFill>
+                    <a:srgbClr val="FF0000"/>
+                  </a:solidFill>
+                </a:rPr>
+                <a:t>- OH</a:t>
+              </a:r>
+              <a:endParaRPr lang="en-US" sz="2800" dirty="0">
+                <a:solidFill>
+                  <a:srgbClr val="FF0000"/>
+                </a:solidFill>
+              </a:endParaRPr>
+            </a:p>
+          </p:txBody>
+        </p:sp>
+      </p:grpSp>
+    </p:spTree>
+    <p:extLst>
+      <p:ext uri="{BB962C8B-B14F-4D97-AF65-F5344CB8AC3E}">
+        <p14:creationId xmlns:p14="http://schemas.microsoft.com/office/powerpoint/2010/main" val="2171033985"/>
+      </p:ext>
+    </p:extLst>
+  </p:cSld>
+  <p:clrMapOvr>
+    <a:masterClrMapping/>
+  </p:clrMapOvr>
+</p:sld>
+</file>
+
+<file path=ppt/slides/slide6.xml><?xml version="1.0" encoding="utf-8"?>
+<p:sld xmlns:a="http://schemas.openxmlformats.org/drawingml/2006/main" xmlns:r="http://schemas.openxmlformats.org/officeDocument/2006/relationships" xmlns:p="http://schemas.openxmlformats.org/presentationml/2006/main">
+  <p:cSld>
+    <p:spTree>
+      <p:nvGrpSpPr>
+        <p:cNvPr id="1" name=""/>
+        <p:cNvGrpSpPr/>
+        <p:nvPr/>
+      </p:nvGrpSpPr>
+      <p:grpSpPr>
+        <a:xfrm>
+          <a:off x="0" y="0"/>
+          <a:ext cx="0" cy="0"/>
+          <a:chOff x="0" y="0"/>
+          <a:chExt cx="0" cy="0"/>
+        </a:xfrm>
+      </p:grpSpPr>
+      <p:sp>
+        <p:nvSpPr>
+          <p:cNvPr id="16" name="Rounded Rectangle 15"/>
+          <p:cNvSpPr/>
+          <p:nvPr/>
+        </p:nvSpPr>
+        <p:spPr>
+          <a:xfrm>
+            <a:off x="4052266" y="3508858"/>
+            <a:ext cx="600075" cy="395133"/>
+          </a:xfrm>
+          <a:prstGeom prst="roundRect">
+            <a:avLst/>
+          </a:prstGeom>
+        </p:spPr>
+        <p:style>
+          <a:lnRef idx="2">
+            <a:schemeClr val="accent1">
+              <a:shade val="50000"/>
+            </a:schemeClr>
+          </a:lnRef>
+          <a:fillRef idx="1">
+            <a:schemeClr val="accent1"/>
+          </a:fillRef>
+          <a:effectRef idx="0">
+            <a:schemeClr val="accent1"/>
+          </a:effectRef>
+          <a:fontRef idx="minor">
+            <a:schemeClr val="lt1"/>
+          </a:fontRef>
+        </p:style>
+        <p:txBody>
+          <a:bodyPr rtlCol="0" anchor="ctr"/>
+          <a:lstStyle/>
+          <a:p>
+            <a:pPr algn="ctr"/>
+            <a:r>
+              <a:rPr lang="en-US" sz="1000" dirty="0" smtClean="0"/>
+              <a:t>prod_1</a:t>
+            </a:r>
+            <a:endParaRPr lang="en-US" sz="1000" dirty="0"/>
+          </a:p>
+        </p:txBody>
+      </p:sp>
+      <p:sp>
+        <p:nvSpPr>
+          <p:cNvPr id="17" name="Rounded Rectangle 16"/>
+          <p:cNvSpPr/>
+          <p:nvPr/>
+        </p:nvSpPr>
+        <p:spPr>
+          <a:xfrm>
+            <a:off x="4052267" y="2576946"/>
+            <a:ext cx="600075" cy="395133"/>
+          </a:xfrm>
+          <a:prstGeom prst="roundRect">
+            <a:avLst/>
+          </a:prstGeom>
+        </p:spPr>
+        <p:style>
+          <a:lnRef idx="2">
+            <a:schemeClr val="accent1">
+              <a:shade val="50000"/>
+            </a:schemeClr>
+          </a:lnRef>
+          <a:fillRef idx="1">
+            <a:schemeClr val="accent1"/>
+          </a:fillRef>
+          <a:effectRef idx="0">
+            <a:schemeClr val="accent1"/>
+          </a:effectRef>
+          <a:fontRef idx="minor">
+            <a:schemeClr val="lt1"/>
+          </a:fontRef>
+        </p:style>
+        <p:txBody>
+          <a:bodyPr rtlCol="0" anchor="ctr"/>
+          <a:lstStyle/>
+          <a:p>
+            <a:pPr algn="ctr"/>
+            <a:r>
+              <a:rPr lang="en-US" sz="1000" dirty="0" smtClean="0"/>
+              <a:t>frag_1</a:t>
+            </a:r>
+            <a:endParaRPr lang="en-US" sz="1000" dirty="0"/>
+          </a:p>
+        </p:txBody>
+      </p:sp>
+      <p:sp>
+        <p:nvSpPr>
+          <p:cNvPr id="18" name="Rounded Rectangle 17"/>
+          <p:cNvSpPr/>
+          <p:nvPr/>
+        </p:nvSpPr>
+        <p:spPr>
+          <a:xfrm>
+            <a:off x="4052266" y="1676346"/>
+            <a:ext cx="600075" cy="395133"/>
+          </a:xfrm>
+          <a:prstGeom prst="roundRect">
+            <a:avLst/>
+          </a:prstGeom>
+        </p:spPr>
+        <p:style>
+          <a:lnRef idx="2">
+            <a:schemeClr val="accent1">
+              <a:shade val="50000"/>
+            </a:schemeClr>
+          </a:lnRef>
+          <a:fillRef idx="1">
+            <a:schemeClr val="accent1"/>
+          </a:fillRef>
+          <a:effectRef idx="0">
+            <a:schemeClr val="accent1"/>
+          </a:effectRef>
+          <a:fontRef idx="minor">
+            <a:schemeClr val="lt1"/>
+          </a:fontRef>
+        </p:style>
+        <p:txBody>
+          <a:bodyPr rtlCol="0" anchor="ctr"/>
+          <a:lstStyle/>
+          <a:p>
+            <a:pPr algn="ctr"/>
+            <a:r>
+              <a:rPr lang="en-US" sz="1000" dirty="0" err="1" smtClean="0"/>
+              <a:t>vinoxy</a:t>
+            </a:r>
+            <a:endParaRPr lang="en-US" sz="1000" dirty="0"/>
+          </a:p>
+        </p:txBody>
+      </p:sp>
+      <p:sp>
+        <p:nvSpPr>
+          <p:cNvPr id="19" name="Rounded Rectangle 18"/>
+          <p:cNvSpPr/>
+          <p:nvPr/>
+        </p:nvSpPr>
+        <p:spPr>
+          <a:xfrm>
+            <a:off x="6415456" y="683063"/>
+            <a:ext cx="600075" cy="395133"/>
+          </a:xfrm>
+          <a:prstGeom prst="roundRect">
+            <a:avLst/>
+          </a:prstGeom>
+        </p:spPr>
+        <p:style>
+          <a:lnRef idx="2">
+            <a:schemeClr val="accent1">
+              <a:shade val="50000"/>
+            </a:schemeClr>
+          </a:lnRef>
+          <a:fillRef idx="1">
+            <a:schemeClr val="accent1"/>
+          </a:fillRef>
+          <a:effectRef idx="0">
+            <a:schemeClr val="accent1"/>
+          </a:effectRef>
+          <a:fontRef idx="minor">
+            <a:schemeClr val="lt1"/>
+          </a:fontRef>
+        </p:style>
+        <p:txBody>
+          <a:bodyPr rtlCol="0" anchor="ctr"/>
+          <a:lstStyle/>
+          <a:p>
+            <a:pPr algn="ctr"/>
+            <a:r>
+              <a:rPr lang="en-US" sz="1000" dirty="0" smtClean="0"/>
+              <a:t>CH</a:t>
+            </a:r>
+            <a:r>
+              <a:rPr lang="en-US" sz="1000" baseline="-25000" dirty="0" smtClean="0"/>
+              <a:t>2</a:t>
+            </a:r>
+            <a:r>
+              <a:rPr lang="en-US" sz="1000" dirty="0" smtClean="0"/>
+              <a:t>O</a:t>
+            </a:r>
+            <a:endParaRPr lang="en-US" sz="1000" dirty="0"/>
+          </a:p>
+        </p:txBody>
+      </p:sp>
+      <p:sp>
+        <p:nvSpPr>
+          <p:cNvPr id="20" name="Rounded Rectangle 19"/>
+          <p:cNvSpPr/>
+          <p:nvPr/>
+        </p:nvSpPr>
+        <p:spPr>
+          <a:xfrm>
+            <a:off x="3009347" y="685522"/>
+            <a:ext cx="600075" cy="395133"/>
+          </a:xfrm>
+          <a:prstGeom prst="roundRect">
+            <a:avLst/>
+          </a:prstGeom>
+        </p:spPr>
+        <p:style>
+          <a:lnRef idx="2">
+            <a:schemeClr val="accent1">
+              <a:shade val="50000"/>
+            </a:schemeClr>
+          </a:lnRef>
+          <a:fillRef idx="1">
+            <a:schemeClr val="accent1"/>
+          </a:fillRef>
+          <a:effectRef idx="0">
+            <a:schemeClr val="accent1"/>
+          </a:effectRef>
+          <a:fontRef idx="minor">
+            <a:schemeClr val="lt1"/>
+          </a:fontRef>
+        </p:style>
+        <p:txBody>
+          <a:bodyPr rtlCol="0" anchor="ctr"/>
+          <a:lstStyle/>
+          <a:p>
+            <a:pPr algn="ctr"/>
+            <a:r>
+              <a:rPr lang="en-US" sz="1000" dirty="0" smtClean="0"/>
+              <a:t>CO</a:t>
+            </a:r>
+            <a:endParaRPr lang="en-US" sz="1000" dirty="0"/>
+          </a:p>
+        </p:txBody>
+      </p:sp>
+      <p:sp>
+        <p:nvSpPr>
+          <p:cNvPr id="21" name="Rounded Rectangle 20"/>
+          <p:cNvSpPr/>
+          <p:nvPr/>
+        </p:nvSpPr>
+        <p:spPr>
+          <a:xfrm>
+            <a:off x="6415456" y="3508858"/>
+            <a:ext cx="600075" cy="395133"/>
+          </a:xfrm>
+          <a:prstGeom prst="roundRect">
+            <a:avLst/>
+          </a:prstGeom>
+        </p:spPr>
+        <p:style>
+          <a:lnRef idx="2">
+            <a:schemeClr val="accent1">
+              <a:shade val="50000"/>
+            </a:schemeClr>
+          </a:lnRef>
+          <a:fillRef idx="1">
+            <a:schemeClr val="accent1"/>
+          </a:fillRef>
+          <a:effectRef idx="0">
+            <a:schemeClr val="accent1"/>
+          </a:effectRef>
+          <a:fontRef idx="minor">
+            <a:schemeClr val="lt1"/>
+          </a:fontRef>
+        </p:style>
+        <p:txBody>
+          <a:bodyPr rtlCol="0" anchor="ctr"/>
+          <a:lstStyle/>
+          <a:p>
+            <a:pPr algn="ctr"/>
+            <a:r>
+              <a:rPr lang="en-US" sz="1000" dirty="0"/>
+              <a:t>w</a:t>
+            </a:r>
+            <a:r>
+              <a:rPr lang="en-US" sz="1000" dirty="0" smtClean="0"/>
+              <a:t>ell_1</a:t>
+            </a:r>
+            <a:endParaRPr lang="en-US" sz="1000" dirty="0"/>
+          </a:p>
+        </p:txBody>
+      </p:sp>
+      <p:sp>
+        <p:nvSpPr>
+          <p:cNvPr id="23" name="Rounded Rectangle 22"/>
+          <p:cNvSpPr/>
+          <p:nvPr/>
+        </p:nvSpPr>
+        <p:spPr>
+          <a:xfrm>
+            <a:off x="8469695" y="3508828"/>
+            <a:ext cx="600075" cy="395133"/>
+          </a:xfrm>
+          <a:prstGeom prst="roundRect">
+            <a:avLst/>
+          </a:prstGeom>
+        </p:spPr>
+        <p:style>
+          <a:lnRef idx="2">
+            <a:schemeClr val="accent1">
+              <a:shade val="50000"/>
+            </a:schemeClr>
+          </a:lnRef>
+          <a:fillRef idx="1">
+            <a:schemeClr val="accent1"/>
+          </a:fillRef>
+          <a:effectRef idx="0">
+            <a:schemeClr val="accent1"/>
+          </a:effectRef>
+          <a:fontRef idx="minor">
+            <a:schemeClr val="lt1"/>
+          </a:fontRef>
+        </p:style>
+        <p:txBody>
+          <a:bodyPr rtlCol="0" anchor="ctr"/>
+          <a:lstStyle/>
+          <a:p>
+            <a:pPr algn="ctr"/>
+            <a:r>
+              <a:rPr lang="en-US" sz="1000" dirty="0" err="1" smtClean="0"/>
+              <a:t>ipropyl</a:t>
+            </a:r>
+            <a:endParaRPr lang="en-US" sz="1000" dirty="0"/>
+          </a:p>
+        </p:txBody>
+      </p:sp>
+      <p:sp>
+        <p:nvSpPr>
+          <p:cNvPr id="24" name="Rounded Rectangle 23"/>
+          <p:cNvSpPr/>
+          <p:nvPr/>
+        </p:nvSpPr>
+        <p:spPr>
+          <a:xfrm>
+            <a:off x="8469886" y="5107988"/>
+            <a:ext cx="600075" cy="395133"/>
+          </a:xfrm>
+          <a:prstGeom prst="roundRect">
+            <a:avLst/>
+          </a:prstGeom>
+        </p:spPr>
+        <p:style>
+          <a:lnRef idx="2">
+            <a:schemeClr val="accent1">
+              <a:shade val="50000"/>
+            </a:schemeClr>
+          </a:lnRef>
+          <a:fillRef idx="1">
+            <a:schemeClr val="accent1"/>
+          </a:fillRef>
+          <a:effectRef idx="0">
+            <a:schemeClr val="accent1"/>
+          </a:effectRef>
+          <a:fontRef idx="minor">
+            <a:schemeClr val="lt1"/>
+          </a:fontRef>
+        </p:style>
+        <p:txBody>
+          <a:bodyPr rtlCol="0" anchor="ctr"/>
+          <a:lstStyle/>
+          <a:p>
+            <a:pPr algn="ctr"/>
+            <a:r>
+              <a:rPr lang="en-US" sz="1000" dirty="0" smtClean="0"/>
+              <a:t>C</a:t>
+            </a:r>
+            <a:r>
+              <a:rPr lang="en-US" sz="1000" baseline="-25000" dirty="0" smtClean="0"/>
+              <a:t>3</a:t>
+            </a:r>
+            <a:r>
+              <a:rPr lang="en-US" sz="1000" dirty="0" smtClean="0"/>
+              <a:t>H</a:t>
+            </a:r>
+            <a:r>
+              <a:rPr lang="en-US" sz="1000" baseline="-25000" dirty="0" smtClean="0"/>
+              <a:t>6</a:t>
+            </a:r>
+            <a:endParaRPr lang="en-US" sz="1000" baseline="-25000" dirty="0"/>
+          </a:p>
+        </p:txBody>
+      </p:sp>
+      <p:sp>
+        <p:nvSpPr>
+          <p:cNvPr id="25" name="Rounded Rectangle 24"/>
+          <p:cNvSpPr/>
+          <p:nvPr/>
+        </p:nvSpPr>
+        <p:spPr>
+          <a:xfrm>
+            <a:off x="4518273" y="5049933"/>
+            <a:ext cx="600075" cy="395133"/>
+          </a:xfrm>
+          <a:prstGeom prst="roundRect">
+            <a:avLst/>
+          </a:prstGeom>
+        </p:spPr>
+        <p:style>
+          <a:lnRef idx="2">
+            <a:schemeClr val="accent1">
+              <a:shade val="50000"/>
+            </a:schemeClr>
+          </a:lnRef>
+          <a:fillRef idx="1">
+            <a:schemeClr val="accent1"/>
+          </a:fillRef>
+          <a:effectRef idx="0">
+            <a:schemeClr val="accent1"/>
+          </a:effectRef>
+          <a:fontRef idx="minor">
+            <a:schemeClr val="lt1"/>
+          </a:fontRef>
+        </p:style>
+        <p:txBody>
+          <a:bodyPr rtlCol="0" anchor="ctr"/>
+          <a:lstStyle/>
+          <a:p>
+            <a:pPr algn="ctr"/>
+            <a:r>
+              <a:rPr lang="en-US" sz="1000" dirty="0" smtClean="0"/>
+              <a:t>prod_2</a:t>
+            </a:r>
+            <a:endParaRPr lang="en-US" sz="1000" dirty="0"/>
+          </a:p>
+        </p:txBody>
+      </p:sp>
+      <p:sp>
+        <p:nvSpPr>
+          <p:cNvPr id="26" name="Rounded Rectangle 25"/>
+          <p:cNvSpPr/>
+          <p:nvPr/>
+        </p:nvSpPr>
+        <p:spPr>
+          <a:xfrm>
+            <a:off x="2816257" y="5049157"/>
+            <a:ext cx="685983" cy="395133"/>
+          </a:xfrm>
+          <a:prstGeom prst="roundRect">
+            <a:avLst/>
+          </a:prstGeom>
+        </p:spPr>
+        <p:style>
+          <a:lnRef idx="2">
+            <a:schemeClr val="accent1">
+              <a:shade val="50000"/>
+            </a:schemeClr>
+          </a:lnRef>
+          <a:fillRef idx="1">
+            <a:schemeClr val="accent1"/>
+          </a:fillRef>
+          <a:effectRef idx="0">
+            <a:schemeClr val="accent1"/>
+          </a:effectRef>
+          <a:fontRef idx="minor">
+            <a:schemeClr val="lt1"/>
+          </a:fontRef>
+        </p:style>
+        <p:txBody>
+          <a:bodyPr rtlCol="0" anchor="ctr"/>
+          <a:lstStyle/>
+          <a:p>
+            <a:pPr algn="ctr"/>
+            <a:r>
+              <a:rPr lang="en-US" sz="1000" dirty="0" err="1" smtClean="0"/>
+              <a:t>allyloxy</a:t>
+            </a:r>
+            <a:endParaRPr lang="en-US" sz="1000" dirty="0"/>
+          </a:p>
+        </p:txBody>
+      </p:sp>
+      <p:sp>
+        <p:nvSpPr>
+          <p:cNvPr id="27" name="Rounded Rectangle 26"/>
+          <p:cNvSpPr/>
+          <p:nvPr/>
+        </p:nvSpPr>
+        <p:spPr>
+          <a:xfrm>
+            <a:off x="2816257" y="5951468"/>
+            <a:ext cx="685982" cy="395133"/>
+          </a:xfrm>
+          <a:prstGeom prst="roundRect">
+            <a:avLst/>
+          </a:prstGeom>
+        </p:spPr>
+        <p:style>
+          <a:lnRef idx="2">
+            <a:schemeClr val="accent1">
+              <a:shade val="50000"/>
+            </a:schemeClr>
+          </a:lnRef>
+          <a:fillRef idx="1">
+            <a:schemeClr val="accent1"/>
+          </a:fillRef>
+          <a:effectRef idx="0">
+            <a:schemeClr val="accent1"/>
+          </a:effectRef>
+          <a:fontRef idx="minor">
+            <a:schemeClr val="lt1"/>
+          </a:fontRef>
+        </p:style>
+        <p:txBody>
+          <a:bodyPr rtlCol="0" anchor="ctr"/>
+          <a:lstStyle/>
+          <a:p>
+            <a:pPr algn="ctr"/>
+            <a:r>
+              <a:rPr lang="en-US" sz="1000" dirty="0" err="1" smtClean="0"/>
+              <a:t>acrolein</a:t>
+            </a:r>
+            <a:endParaRPr lang="en-US" sz="1000" dirty="0"/>
+          </a:p>
+        </p:txBody>
+      </p:sp>
+      <p:sp>
+        <p:nvSpPr>
+          <p:cNvPr id="30" name="Rounded Rectangle 29"/>
+          <p:cNvSpPr/>
+          <p:nvPr/>
+        </p:nvSpPr>
+        <p:spPr>
+          <a:xfrm>
+            <a:off x="6307184" y="5132043"/>
+            <a:ext cx="816618" cy="395133"/>
+          </a:xfrm>
+          <a:prstGeom prst="roundRect">
+            <a:avLst/>
+          </a:prstGeom>
+        </p:spPr>
+        <p:style>
+          <a:lnRef idx="2">
+            <a:schemeClr val="accent1">
+              <a:shade val="50000"/>
+            </a:schemeClr>
+          </a:lnRef>
+          <a:fillRef idx="1">
+            <a:schemeClr val="accent1"/>
+          </a:fillRef>
+          <a:effectRef idx="0">
+            <a:schemeClr val="accent1"/>
+          </a:effectRef>
+          <a:fontRef idx="minor">
+            <a:schemeClr val="lt1"/>
+          </a:fontRef>
+        </p:style>
+        <p:txBody>
+          <a:bodyPr rtlCol="0" anchor="ctr"/>
+          <a:lstStyle/>
+          <a:p>
+            <a:pPr algn="ctr"/>
+            <a:r>
+              <a:rPr lang="en-US" sz="1000" dirty="0" err="1" smtClean="0"/>
+              <a:t>propoxide</a:t>
+            </a:r>
+            <a:endParaRPr lang="en-US" sz="1000" baseline="-25000" dirty="0"/>
+          </a:p>
+        </p:txBody>
+      </p:sp>
+      <p:sp>
+        <p:nvSpPr>
+          <p:cNvPr id="31" name="Rounded Rectangle 30"/>
+          <p:cNvSpPr/>
+          <p:nvPr/>
+        </p:nvSpPr>
+        <p:spPr>
+          <a:xfrm>
+            <a:off x="8331925" y="2597450"/>
+            <a:ext cx="875995" cy="395133"/>
+          </a:xfrm>
+          <a:prstGeom prst="roundRect">
+            <a:avLst/>
+          </a:prstGeom>
+        </p:spPr>
+        <p:style>
+          <a:lnRef idx="2">
+            <a:schemeClr val="accent1">
+              <a:shade val="50000"/>
+            </a:schemeClr>
+          </a:lnRef>
+          <a:fillRef idx="1">
+            <a:schemeClr val="accent1"/>
+          </a:fillRef>
+          <a:effectRef idx="0">
+            <a:schemeClr val="accent1"/>
+          </a:effectRef>
+          <a:fontRef idx="minor">
+            <a:schemeClr val="lt1"/>
+          </a:fontRef>
+        </p:style>
+        <p:txBody>
+          <a:bodyPr rtlCol="0" anchor="ctr"/>
+          <a:lstStyle/>
+          <a:p>
+            <a:pPr algn="ctr"/>
+            <a:r>
+              <a:rPr lang="en-US" sz="1000" dirty="0" err="1" smtClean="0"/>
+              <a:t>npropylooh</a:t>
+            </a:r>
+            <a:endParaRPr lang="en-US" sz="1000" dirty="0"/>
+          </a:p>
+        </p:txBody>
+      </p:sp>
+      <p:sp>
+        <p:nvSpPr>
+          <p:cNvPr id="32" name="Rounded Rectangle 31"/>
+          <p:cNvSpPr/>
+          <p:nvPr/>
+        </p:nvSpPr>
+        <p:spPr>
+          <a:xfrm>
+            <a:off x="8331734" y="685522"/>
+            <a:ext cx="875995" cy="395133"/>
+          </a:xfrm>
+          <a:prstGeom prst="roundRect">
+            <a:avLst/>
+          </a:prstGeom>
+        </p:spPr>
+        <p:style>
+          <a:lnRef idx="2">
+            <a:schemeClr val="accent1">
+              <a:shade val="50000"/>
+            </a:schemeClr>
+          </a:lnRef>
+          <a:fillRef idx="1">
+            <a:schemeClr val="accent1"/>
+          </a:fillRef>
+          <a:effectRef idx="0">
+            <a:schemeClr val="accent1"/>
+          </a:effectRef>
+          <a:fontRef idx="minor">
+            <a:schemeClr val="lt1"/>
+          </a:fontRef>
+        </p:style>
+        <p:txBody>
+          <a:bodyPr rtlCol="0" anchor="ctr"/>
+          <a:lstStyle/>
+          <a:p>
+            <a:pPr algn="ctr"/>
+            <a:r>
+              <a:rPr lang="en-US" sz="1000" dirty="0" err="1" smtClean="0"/>
+              <a:t>npropyloxy</a:t>
+            </a:r>
+            <a:endParaRPr lang="en-US" sz="1000" dirty="0"/>
+          </a:p>
+        </p:txBody>
+      </p:sp>
+      <p:sp>
+        <p:nvSpPr>
+          <p:cNvPr id="22" name="Rounded Rectangle 21"/>
+          <p:cNvSpPr/>
+          <p:nvPr/>
+        </p:nvSpPr>
+        <p:spPr>
+          <a:xfrm>
+            <a:off x="6415456" y="1678590"/>
+            <a:ext cx="600075" cy="395133"/>
+          </a:xfrm>
+          <a:prstGeom prst="roundRect">
+            <a:avLst/>
+          </a:prstGeom>
+        </p:spPr>
+        <p:style>
+          <a:lnRef idx="2">
+            <a:schemeClr val="accent1">
+              <a:shade val="50000"/>
+            </a:schemeClr>
+          </a:lnRef>
+          <a:fillRef idx="1">
+            <a:schemeClr val="accent1"/>
+          </a:fillRef>
+          <a:effectRef idx="0">
+            <a:schemeClr val="accent1"/>
+          </a:effectRef>
+          <a:fontRef idx="minor">
+            <a:schemeClr val="lt1"/>
+          </a:fontRef>
+        </p:style>
+        <p:txBody>
+          <a:bodyPr rtlCol="0" anchor="ctr"/>
+          <a:lstStyle/>
+          <a:p>
+            <a:pPr algn="ctr"/>
+            <a:r>
+              <a:rPr lang="en-US" sz="1000" dirty="0" smtClean="0"/>
+              <a:t>OH</a:t>
+            </a:r>
+            <a:endParaRPr lang="en-US" sz="1000" dirty="0"/>
+          </a:p>
+        </p:txBody>
+      </p:sp>
+      <p:cxnSp>
+        <p:nvCxnSpPr>
+          <p:cNvPr id="5" name="Straight Arrow Connector 4"/>
+          <p:cNvCxnSpPr>
+            <a:stCxn id="22" idx="2"/>
+            <a:endCxn id="21" idx="0"/>
+          </p:cNvCxnSpPr>
+          <p:nvPr/>
+        </p:nvCxnSpPr>
+        <p:spPr>
+          <a:xfrm>
+            <a:off x="6715494" y="2073723"/>
+            <a:ext cx="0" cy="1435135"/>
+          </a:xfrm>
+          <a:prstGeom prst="straightConnector1">
+            <a:avLst/>
+          </a:prstGeom>
+          <a:ln>
+            <a:tailEnd type="triangle"/>
+          </a:ln>
+        </p:spPr>
+        <p:style>
+          <a:lnRef idx="1">
+            <a:schemeClr val="accent1"/>
+          </a:lnRef>
+          <a:fillRef idx="0">
+            <a:schemeClr val="accent1"/>
+          </a:fillRef>
+          <a:effectRef idx="0">
+            <a:schemeClr val="accent1"/>
+          </a:effectRef>
+          <a:fontRef idx="minor">
+            <a:schemeClr val="tx1"/>
+          </a:fontRef>
+        </p:style>
+      </p:cxnSp>
+      <p:cxnSp>
+        <p:nvCxnSpPr>
+          <p:cNvPr id="45" name="Straight Arrow Connector 44"/>
+          <p:cNvCxnSpPr>
+            <a:stCxn id="21" idx="2"/>
+            <a:endCxn id="24" idx="1"/>
+          </p:cNvCxnSpPr>
+          <p:nvPr/>
+        </p:nvCxnSpPr>
+        <p:spPr>
+          <a:xfrm>
+            <a:off x="6715494" y="3903991"/>
+            <a:ext cx="1754392" cy="1401564"/>
+          </a:xfrm>
+          <a:prstGeom prst="straightConnector1">
+            <a:avLst/>
+          </a:prstGeom>
+          <a:ln>
+            <a:tailEnd type="triangle"/>
+          </a:ln>
+        </p:spPr>
+        <p:style>
+          <a:lnRef idx="1">
+            <a:schemeClr val="accent1"/>
+          </a:lnRef>
+          <a:fillRef idx="0">
+            <a:schemeClr val="accent1"/>
+          </a:fillRef>
+          <a:effectRef idx="0">
+            <a:schemeClr val="accent1"/>
+          </a:effectRef>
+          <a:fontRef idx="minor">
+            <a:schemeClr val="tx1"/>
+          </a:fontRef>
+        </p:style>
+      </p:cxnSp>
+      <p:cxnSp>
+        <p:nvCxnSpPr>
+          <p:cNvPr id="49" name="Straight Arrow Connector 48"/>
+          <p:cNvCxnSpPr>
+            <a:stCxn id="23" idx="2"/>
+            <a:endCxn id="24" idx="0"/>
+          </p:cNvCxnSpPr>
+          <p:nvPr/>
+        </p:nvCxnSpPr>
+        <p:spPr>
+          <a:xfrm>
+            <a:off x="8769922" y="3903990"/>
+            <a:ext cx="2" cy="1203998"/>
+          </a:xfrm>
+          <a:prstGeom prst="straightConnector1">
+            <a:avLst/>
+          </a:prstGeom>
+          <a:ln>
+            <a:tailEnd type="triangle"/>
+          </a:ln>
+        </p:spPr>
+        <p:style>
+          <a:lnRef idx="1">
+            <a:schemeClr val="accent1"/>
+          </a:lnRef>
+          <a:fillRef idx="0">
+            <a:schemeClr val="accent1"/>
+          </a:fillRef>
+          <a:effectRef idx="0">
+            <a:schemeClr val="accent1"/>
+          </a:effectRef>
+          <a:fontRef idx="minor">
+            <a:schemeClr val="tx1"/>
+          </a:fontRef>
+        </p:style>
+      </p:cxnSp>
+      <p:sp>
+        <p:nvSpPr>
+          <p:cNvPr id="2" name="Oval 1"/>
+          <p:cNvSpPr/>
+          <p:nvPr/>
+        </p:nvSpPr>
+        <p:spPr>
+          <a:xfrm>
+            <a:off x="4252289" y="783075"/>
+            <a:ext cx="200025" cy="200025"/>
+          </a:xfrm>
+          <a:prstGeom prst="ellipse">
+            <a:avLst/>
+          </a:prstGeom>
+        </p:spPr>
+        <p:style>
+          <a:lnRef idx="2">
+            <a:schemeClr val="accent1">
+              <a:shade val="50000"/>
+            </a:schemeClr>
+          </a:lnRef>
+          <a:fillRef idx="1">
+            <a:schemeClr val="accent1"/>
+          </a:fillRef>
+          <a:effectRef idx="0">
+            <a:schemeClr val="accent1"/>
+          </a:effectRef>
+          <a:fontRef idx="minor">
+            <a:schemeClr val="lt1"/>
+          </a:fontRef>
+        </p:style>
+        <p:txBody>
+          <a:bodyPr rtlCol="0" anchor="ctr"/>
+          <a:lstStyle/>
+          <a:p>
+            <a:pPr algn="ctr"/>
+            <a:endParaRPr lang="en-US"/>
+          </a:p>
+        </p:txBody>
+      </p:sp>
+      <p:cxnSp>
+        <p:nvCxnSpPr>
+          <p:cNvPr id="6" name="Straight Arrow Connector 5"/>
+          <p:cNvCxnSpPr>
+            <a:stCxn id="2" idx="6"/>
+            <a:endCxn id="19" idx="1"/>
+          </p:cNvCxnSpPr>
+          <p:nvPr/>
+        </p:nvCxnSpPr>
+        <p:spPr>
+          <a:xfrm flipV="1">
+            <a:off x="4452314" y="880630"/>
+            <a:ext cx="1963142" cy="2458"/>
+          </a:xfrm>
+          <a:prstGeom prst="straightConnector1">
+            <a:avLst/>
+          </a:prstGeom>
+          <a:ln>
+            <a:tailEnd type="triangle"/>
+          </a:ln>
+        </p:spPr>
+        <p:style>
+          <a:lnRef idx="1">
+            <a:schemeClr val="accent1"/>
+          </a:lnRef>
+          <a:fillRef idx="0">
+            <a:schemeClr val="accent1"/>
+          </a:fillRef>
+          <a:effectRef idx="0">
+            <a:schemeClr val="accent1"/>
+          </a:effectRef>
+          <a:fontRef idx="minor">
+            <a:schemeClr val="tx1"/>
+          </a:fontRef>
+        </p:style>
+      </p:cxnSp>
+      <p:cxnSp>
+        <p:nvCxnSpPr>
+          <p:cNvPr id="9" name="Straight Arrow Connector 8"/>
+          <p:cNvCxnSpPr>
+            <a:stCxn id="2" idx="2"/>
+            <a:endCxn id="20" idx="3"/>
+          </p:cNvCxnSpPr>
+          <p:nvPr/>
+        </p:nvCxnSpPr>
+        <p:spPr>
+          <a:xfrm flipH="1">
+            <a:off x="3609422" y="883088"/>
+            <a:ext cx="642867" cy="1"/>
+          </a:xfrm>
+          <a:prstGeom prst="straightConnector1">
+            <a:avLst/>
+          </a:prstGeom>
+          <a:ln>
+            <a:tailEnd type="triangle"/>
+          </a:ln>
+        </p:spPr>
+        <p:style>
+          <a:lnRef idx="1">
+            <a:schemeClr val="accent1"/>
+          </a:lnRef>
+          <a:fillRef idx="0">
+            <a:schemeClr val="accent1"/>
+          </a:fillRef>
+          <a:effectRef idx="0">
+            <a:schemeClr val="accent1"/>
+          </a:effectRef>
+          <a:fontRef idx="minor">
+            <a:schemeClr val="tx1"/>
+          </a:fontRef>
+        </p:style>
+      </p:cxnSp>
+      <p:cxnSp>
+        <p:nvCxnSpPr>
+          <p:cNvPr id="11" name="Straight Arrow Connector 10"/>
+          <p:cNvCxnSpPr>
+            <a:stCxn id="18" idx="0"/>
+            <a:endCxn id="2" idx="4"/>
+          </p:cNvCxnSpPr>
+          <p:nvPr/>
+        </p:nvCxnSpPr>
+        <p:spPr>
+          <a:xfrm flipH="1" flipV="1">
+            <a:off x="4352302" y="983100"/>
+            <a:ext cx="2" cy="693246"/>
+          </a:xfrm>
+          <a:prstGeom prst="straightConnector1">
+            <a:avLst/>
+          </a:prstGeom>
+          <a:ln>
+            <a:tailEnd type="triangle"/>
+          </a:ln>
+        </p:spPr>
+        <p:style>
+          <a:lnRef idx="1">
+            <a:schemeClr val="accent1"/>
+          </a:lnRef>
+          <a:fillRef idx="0">
+            <a:schemeClr val="accent1"/>
+          </a:fillRef>
+          <a:effectRef idx="0">
+            <a:schemeClr val="accent1"/>
+          </a:effectRef>
+          <a:fontRef idx="minor">
+            <a:schemeClr val="tx1"/>
+          </a:fontRef>
+        </p:style>
+      </p:cxnSp>
+      <p:cxnSp>
+        <p:nvCxnSpPr>
+          <p:cNvPr id="13" name="Straight Arrow Connector 12"/>
+          <p:cNvCxnSpPr>
+            <a:stCxn id="2" idx="5"/>
+            <a:endCxn id="22" idx="1"/>
+          </p:cNvCxnSpPr>
+          <p:nvPr/>
+        </p:nvCxnSpPr>
+        <p:spPr>
+          <a:xfrm>
+            <a:off x="4423021" y="953807"/>
+            <a:ext cx="1992435" cy="922350"/>
+          </a:xfrm>
+          <a:prstGeom prst="straightConnector1">
+            <a:avLst/>
+          </a:prstGeom>
+          <a:ln w="38100">
+            <a:solidFill>
+              <a:srgbClr val="FF0000"/>
+            </a:solidFill>
+            <a:headEnd type="none" w="med" len="med"/>
+            <a:tailEnd type="arrow" w="med" len="med"/>
+          </a:ln>
+        </p:spPr>
+        <p:style>
+          <a:lnRef idx="3">
+            <a:schemeClr val="accent2"/>
+          </a:lnRef>
+          <a:fillRef idx="0">
+            <a:schemeClr val="accent2"/>
+          </a:fillRef>
+          <a:effectRef idx="2">
+            <a:schemeClr val="accent2"/>
+          </a:effectRef>
+          <a:fontRef idx="minor">
+            <a:schemeClr val="tx1"/>
+          </a:fontRef>
+        </p:style>
+      </p:cxnSp>
+      <p:sp>
+        <p:nvSpPr>
+          <p:cNvPr id="48" name="Oval 47"/>
+          <p:cNvSpPr/>
+          <p:nvPr/>
+        </p:nvSpPr>
+        <p:spPr>
+          <a:xfrm>
+            <a:off x="4252289" y="2221894"/>
+            <a:ext cx="200025" cy="200025"/>
+          </a:xfrm>
+          <a:prstGeom prst="ellipse">
+            <a:avLst/>
+          </a:prstGeom>
+        </p:spPr>
+        <p:style>
+          <a:lnRef idx="2">
+            <a:schemeClr val="accent1">
+              <a:shade val="50000"/>
+            </a:schemeClr>
+          </a:lnRef>
+          <a:fillRef idx="1">
+            <a:schemeClr val="accent1"/>
+          </a:fillRef>
+          <a:effectRef idx="0">
+            <a:schemeClr val="accent1"/>
+          </a:effectRef>
+          <a:fontRef idx="minor">
+            <a:schemeClr val="lt1"/>
+          </a:fontRef>
+        </p:style>
+        <p:txBody>
+          <a:bodyPr rtlCol="0" anchor="ctr"/>
+          <a:lstStyle/>
+          <a:p>
+            <a:pPr algn="ctr"/>
+            <a:endParaRPr lang="en-US"/>
+          </a:p>
+        </p:txBody>
+      </p:sp>
+      <p:cxnSp>
+        <p:nvCxnSpPr>
+          <p:cNvPr id="34" name="Straight Arrow Connector 33"/>
+          <p:cNvCxnSpPr>
+            <a:stCxn id="17" idx="0"/>
+            <a:endCxn id="48" idx="4"/>
+          </p:cNvCxnSpPr>
+          <p:nvPr/>
+        </p:nvCxnSpPr>
+        <p:spPr>
+          <a:xfrm flipH="1" flipV="1">
+            <a:off x="4352302" y="2421919"/>
+            <a:ext cx="3" cy="155027"/>
+          </a:xfrm>
+          <a:prstGeom prst="straightConnector1">
+            <a:avLst/>
+          </a:prstGeom>
+          <a:ln>
+            <a:tailEnd type="triangle"/>
+          </a:ln>
+        </p:spPr>
+        <p:style>
+          <a:lnRef idx="1">
+            <a:schemeClr val="accent1"/>
+          </a:lnRef>
+          <a:fillRef idx="0">
+            <a:schemeClr val="accent1"/>
+          </a:fillRef>
+          <a:effectRef idx="0">
+            <a:schemeClr val="accent1"/>
+          </a:effectRef>
+          <a:fontRef idx="minor">
+            <a:schemeClr val="tx1"/>
+          </a:fontRef>
+        </p:style>
+      </p:cxnSp>
+      <p:cxnSp>
+        <p:nvCxnSpPr>
+          <p:cNvPr id="36" name="Straight Arrow Connector 35"/>
+          <p:cNvCxnSpPr>
+            <a:stCxn id="48" idx="0"/>
+            <a:endCxn id="18" idx="2"/>
+          </p:cNvCxnSpPr>
+          <p:nvPr/>
+        </p:nvCxnSpPr>
+        <p:spPr>
+          <a:xfrm flipV="1">
+            <a:off x="4352302" y="2071479"/>
+            <a:ext cx="2" cy="150415"/>
+          </a:xfrm>
+          <a:prstGeom prst="straightConnector1">
+            <a:avLst/>
+          </a:prstGeom>
+          <a:ln>
+            <a:tailEnd type="triangle"/>
+          </a:ln>
+        </p:spPr>
+        <p:style>
+          <a:lnRef idx="1">
+            <a:schemeClr val="accent1"/>
+          </a:lnRef>
+          <a:fillRef idx="0">
+            <a:schemeClr val="accent1"/>
+          </a:fillRef>
+          <a:effectRef idx="0">
+            <a:schemeClr val="accent1"/>
+          </a:effectRef>
+          <a:fontRef idx="minor">
+            <a:schemeClr val="tx1"/>
+          </a:fontRef>
+        </p:style>
+      </p:cxnSp>
+      <p:cxnSp>
+        <p:nvCxnSpPr>
+          <p:cNvPr id="40" name="Straight Arrow Connector 39"/>
+          <p:cNvCxnSpPr>
+            <a:stCxn id="48" idx="6"/>
+            <a:endCxn id="19" idx="1"/>
+          </p:cNvCxnSpPr>
+          <p:nvPr/>
+        </p:nvCxnSpPr>
+        <p:spPr>
+          <a:xfrm flipV="1">
+            <a:off x="4452314" y="880630"/>
+            <a:ext cx="1963142" cy="1441277"/>
+          </a:xfrm>
+          <a:prstGeom prst="straightConnector1">
+            <a:avLst/>
+          </a:prstGeom>
+          <a:ln>
+            <a:tailEnd type="triangle"/>
+          </a:ln>
+        </p:spPr>
+        <p:style>
+          <a:lnRef idx="1">
+            <a:schemeClr val="accent1"/>
+          </a:lnRef>
+          <a:fillRef idx="0">
+            <a:schemeClr val="accent1"/>
+          </a:fillRef>
+          <a:effectRef idx="0">
+            <a:schemeClr val="accent1"/>
+          </a:effectRef>
+          <a:fontRef idx="minor">
+            <a:schemeClr val="tx1"/>
+          </a:fontRef>
+        </p:style>
+      </p:cxnSp>
+      <p:sp>
+        <p:nvSpPr>
+          <p:cNvPr id="58" name="Oval 57"/>
+          <p:cNvSpPr/>
+          <p:nvPr/>
+        </p:nvSpPr>
+        <p:spPr>
+          <a:xfrm>
+            <a:off x="4252289" y="3143152"/>
+            <a:ext cx="200025" cy="200025"/>
+          </a:xfrm>
+          <a:prstGeom prst="ellipse">
+            <a:avLst/>
+          </a:prstGeom>
+        </p:spPr>
+        <p:style>
+          <a:lnRef idx="2">
+            <a:schemeClr val="accent1">
+              <a:shade val="50000"/>
+            </a:schemeClr>
+          </a:lnRef>
+          <a:fillRef idx="1">
+            <a:schemeClr val="accent1"/>
+          </a:fillRef>
+          <a:effectRef idx="0">
+            <a:schemeClr val="accent1"/>
+          </a:effectRef>
+          <a:fontRef idx="minor">
+            <a:schemeClr val="lt1"/>
+          </a:fontRef>
+        </p:style>
+        <p:txBody>
+          <a:bodyPr rtlCol="0" anchor="ctr"/>
+          <a:lstStyle/>
+          <a:p>
+            <a:pPr algn="ctr"/>
+            <a:endParaRPr lang="en-US"/>
+          </a:p>
+        </p:txBody>
+      </p:sp>
+      <p:cxnSp>
+        <p:nvCxnSpPr>
+          <p:cNvPr id="52" name="Straight Arrow Connector 51"/>
+          <p:cNvCxnSpPr>
+            <a:stCxn id="16" idx="0"/>
+            <a:endCxn id="58" idx="4"/>
+          </p:cNvCxnSpPr>
+          <p:nvPr/>
+        </p:nvCxnSpPr>
+        <p:spPr>
+          <a:xfrm flipH="1" flipV="1">
+            <a:off x="4352302" y="3343177"/>
+            <a:ext cx="2" cy="165681"/>
+          </a:xfrm>
+          <a:prstGeom prst="straightConnector1">
+            <a:avLst/>
+          </a:prstGeom>
+          <a:ln>
+            <a:tailEnd type="triangle"/>
+          </a:ln>
+        </p:spPr>
+        <p:style>
+          <a:lnRef idx="1">
+            <a:schemeClr val="accent1"/>
+          </a:lnRef>
+          <a:fillRef idx="0">
+            <a:schemeClr val="accent1"/>
+          </a:fillRef>
+          <a:effectRef idx="0">
+            <a:schemeClr val="accent1"/>
+          </a:effectRef>
+          <a:fontRef idx="minor">
+            <a:schemeClr val="tx1"/>
+          </a:fontRef>
+        </p:style>
+      </p:cxnSp>
+      <p:cxnSp>
+        <p:nvCxnSpPr>
+          <p:cNvPr id="56" name="Straight Arrow Connector 55"/>
+          <p:cNvCxnSpPr>
+            <a:stCxn id="58" idx="0"/>
+            <a:endCxn id="17" idx="2"/>
+          </p:cNvCxnSpPr>
+          <p:nvPr/>
+        </p:nvCxnSpPr>
+        <p:spPr>
+          <a:xfrm flipV="1">
+            <a:off x="4352302" y="2972079"/>
+            <a:ext cx="3" cy="171073"/>
+          </a:xfrm>
+          <a:prstGeom prst="straightConnector1">
+            <a:avLst/>
+          </a:prstGeom>
+          <a:ln>
+            <a:tailEnd type="triangle"/>
+          </a:ln>
+        </p:spPr>
+        <p:style>
+          <a:lnRef idx="1">
+            <a:schemeClr val="accent1"/>
+          </a:lnRef>
+          <a:fillRef idx="0">
+            <a:schemeClr val="accent1"/>
+          </a:fillRef>
+          <a:effectRef idx="0">
+            <a:schemeClr val="accent1"/>
+          </a:effectRef>
+          <a:fontRef idx="minor">
+            <a:schemeClr val="tx1"/>
+          </a:fontRef>
+        </p:style>
+      </p:cxnSp>
+      <p:sp>
+        <p:nvSpPr>
+          <p:cNvPr id="73" name="Oval 72"/>
+          <p:cNvSpPr/>
+          <p:nvPr/>
+        </p:nvSpPr>
+        <p:spPr>
+          <a:xfrm>
+            <a:off x="5583904" y="3606383"/>
+            <a:ext cx="200025" cy="200025"/>
+          </a:xfrm>
+          <a:prstGeom prst="ellipse">
+            <a:avLst/>
+          </a:prstGeom>
+        </p:spPr>
+        <p:style>
+          <a:lnRef idx="2">
+            <a:schemeClr val="accent1">
+              <a:shade val="50000"/>
+            </a:schemeClr>
+          </a:lnRef>
+          <a:fillRef idx="1">
+            <a:schemeClr val="accent1"/>
+          </a:fillRef>
+          <a:effectRef idx="0">
+            <a:schemeClr val="accent1"/>
+          </a:effectRef>
+          <a:fontRef idx="minor">
+            <a:schemeClr val="lt1"/>
+          </a:fontRef>
+        </p:style>
+        <p:txBody>
+          <a:bodyPr rtlCol="0" anchor="ctr"/>
+          <a:lstStyle/>
+          <a:p>
+            <a:pPr algn="ctr"/>
+            <a:endParaRPr lang="en-US"/>
+          </a:p>
+        </p:txBody>
+      </p:sp>
+      <p:cxnSp>
+        <p:nvCxnSpPr>
+          <p:cNvPr id="75" name="Straight Arrow Connector 74"/>
+          <p:cNvCxnSpPr>
+            <a:stCxn id="21" idx="1"/>
+            <a:endCxn id="73" idx="6"/>
+          </p:cNvCxnSpPr>
+          <p:nvPr/>
+        </p:nvCxnSpPr>
+        <p:spPr>
+          <a:xfrm flipH="1" flipV="1">
+            <a:off x="5783929" y="3706396"/>
+            <a:ext cx="631527" cy="29"/>
+          </a:xfrm>
+          <a:prstGeom prst="straightConnector1">
+            <a:avLst/>
+          </a:prstGeom>
+          <a:ln>
+            <a:tailEnd type="triangle"/>
+          </a:ln>
+        </p:spPr>
+        <p:style>
+          <a:lnRef idx="1">
+            <a:schemeClr val="accent1"/>
+          </a:lnRef>
+          <a:fillRef idx="0">
+            <a:schemeClr val="accent1"/>
+          </a:fillRef>
+          <a:effectRef idx="0">
+            <a:schemeClr val="accent1"/>
+          </a:effectRef>
+          <a:fontRef idx="minor">
+            <a:schemeClr val="tx1"/>
+          </a:fontRef>
+        </p:style>
+      </p:cxnSp>
+      <p:cxnSp>
+        <p:nvCxnSpPr>
+          <p:cNvPr id="77" name="Straight Arrow Connector 76"/>
+          <p:cNvCxnSpPr>
+            <a:stCxn id="73" idx="2"/>
+            <a:endCxn id="16" idx="3"/>
+          </p:cNvCxnSpPr>
+          <p:nvPr/>
+        </p:nvCxnSpPr>
+        <p:spPr>
+          <a:xfrm flipH="1">
+            <a:off x="4652341" y="3706396"/>
+            <a:ext cx="931563" cy="29"/>
+          </a:xfrm>
+          <a:prstGeom prst="straightConnector1">
+            <a:avLst/>
+          </a:prstGeom>
+          <a:ln>
+            <a:tailEnd type="triangle"/>
+          </a:ln>
+        </p:spPr>
+        <p:style>
+          <a:lnRef idx="1">
+            <a:schemeClr val="accent1"/>
+          </a:lnRef>
+          <a:fillRef idx="0">
+            <a:schemeClr val="accent1"/>
+          </a:fillRef>
+          <a:effectRef idx="0">
+            <a:schemeClr val="accent1"/>
+          </a:effectRef>
+          <a:fontRef idx="minor">
+            <a:schemeClr val="tx1"/>
+          </a:fontRef>
+        </p:style>
+      </p:cxnSp>
+      <p:sp>
+        <p:nvSpPr>
+          <p:cNvPr id="82" name="Oval 81"/>
+          <p:cNvSpPr/>
+          <p:nvPr/>
+        </p:nvSpPr>
+        <p:spPr>
+          <a:xfrm>
+            <a:off x="7547044" y="3606383"/>
+            <a:ext cx="200025" cy="200025"/>
+          </a:xfrm>
+          <a:prstGeom prst="ellipse">
+            <a:avLst/>
+          </a:prstGeom>
+        </p:spPr>
+        <p:style>
+          <a:lnRef idx="2">
+            <a:schemeClr val="accent1">
+              <a:shade val="50000"/>
+            </a:schemeClr>
+          </a:lnRef>
+          <a:fillRef idx="1">
+            <a:schemeClr val="accent1"/>
+          </a:fillRef>
+          <a:effectRef idx="0">
+            <a:schemeClr val="accent1"/>
+          </a:effectRef>
+          <a:fontRef idx="minor">
+            <a:schemeClr val="lt1"/>
+          </a:fontRef>
+        </p:style>
+        <p:txBody>
+          <a:bodyPr rtlCol="0" anchor="ctr"/>
+          <a:lstStyle/>
+          <a:p>
+            <a:pPr algn="ctr"/>
+            <a:endParaRPr lang="en-US"/>
+          </a:p>
+        </p:txBody>
+      </p:sp>
+      <p:cxnSp>
+        <p:nvCxnSpPr>
+          <p:cNvPr id="84" name="Straight Arrow Connector 83"/>
+          <p:cNvCxnSpPr>
+            <a:stCxn id="21" idx="3"/>
+            <a:endCxn id="82" idx="2"/>
+          </p:cNvCxnSpPr>
+          <p:nvPr/>
+        </p:nvCxnSpPr>
+        <p:spPr>
+          <a:xfrm flipV="1">
+            <a:off x="7015531" y="3706396"/>
+            <a:ext cx="531513" cy="29"/>
+          </a:xfrm>
+          <a:prstGeom prst="straightConnector1">
+            <a:avLst/>
+          </a:prstGeom>
+          <a:ln>
+            <a:tailEnd type="triangle"/>
+          </a:ln>
+        </p:spPr>
+        <p:style>
+          <a:lnRef idx="1">
+            <a:schemeClr val="accent1"/>
+          </a:lnRef>
+          <a:fillRef idx="0">
+            <a:schemeClr val="accent1"/>
+          </a:fillRef>
+          <a:effectRef idx="0">
+            <a:schemeClr val="accent1"/>
+          </a:effectRef>
+          <a:fontRef idx="minor">
+            <a:schemeClr val="tx1"/>
+          </a:fontRef>
+        </p:style>
+      </p:cxnSp>
+      <p:cxnSp>
+        <p:nvCxnSpPr>
+          <p:cNvPr id="86" name="Straight Arrow Connector 85"/>
+          <p:cNvCxnSpPr>
+            <a:stCxn id="82" idx="7"/>
+            <a:endCxn id="31" idx="2"/>
+          </p:cNvCxnSpPr>
+          <p:nvPr/>
+        </p:nvCxnSpPr>
+        <p:spPr>
+          <a:xfrm flipV="1">
+            <a:off x="7717776" y="2992583"/>
+            <a:ext cx="1052147" cy="643093"/>
+          </a:xfrm>
+          <a:prstGeom prst="straightConnector1">
+            <a:avLst/>
+          </a:prstGeom>
+          <a:ln>
+            <a:tailEnd type="triangle"/>
+          </a:ln>
+        </p:spPr>
+        <p:style>
+          <a:lnRef idx="1">
+            <a:schemeClr val="accent1"/>
+          </a:lnRef>
+          <a:fillRef idx="0">
+            <a:schemeClr val="accent1"/>
+          </a:fillRef>
+          <a:effectRef idx="0">
+            <a:schemeClr val="accent1"/>
+          </a:effectRef>
+          <a:fontRef idx="minor">
+            <a:schemeClr val="tx1"/>
+          </a:fontRef>
+        </p:style>
+      </p:cxnSp>
+      <p:cxnSp>
+        <p:nvCxnSpPr>
+          <p:cNvPr id="88" name="Straight Arrow Connector 87"/>
+          <p:cNvCxnSpPr>
+            <a:stCxn id="82" idx="6"/>
+            <a:endCxn id="23" idx="1"/>
+          </p:cNvCxnSpPr>
+          <p:nvPr/>
+        </p:nvCxnSpPr>
+        <p:spPr>
+          <a:xfrm flipV="1">
+            <a:off x="7747069" y="3706395"/>
+            <a:ext cx="722626" cy="1"/>
+          </a:xfrm>
+          <a:prstGeom prst="straightConnector1">
+            <a:avLst/>
+          </a:prstGeom>
+          <a:ln>
+            <a:tailEnd type="triangle"/>
+          </a:ln>
+        </p:spPr>
+        <p:style>
+          <a:lnRef idx="1">
+            <a:schemeClr val="accent1"/>
+          </a:lnRef>
+          <a:fillRef idx="0">
+            <a:schemeClr val="accent1"/>
+          </a:fillRef>
+          <a:effectRef idx="0">
+            <a:schemeClr val="accent1"/>
+          </a:effectRef>
+          <a:fontRef idx="minor">
+            <a:schemeClr val="tx1"/>
+          </a:fontRef>
+        </p:style>
+      </p:cxnSp>
+      <p:sp>
+        <p:nvSpPr>
+          <p:cNvPr id="98" name="Oval 97"/>
+          <p:cNvSpPr/>
+          <p:nvPr/>
+        </p:nvSpPr>
+        <p:spPr>
+          <a:xfrm>
+            <a:off x="6615480" y="4398232"/>
+            <a:ext cx="200025" cy="200025"/>
+          </a:xfrm>
+          <a:prstGeom prst="ellipse">
+            <a:avLst/>
+          </a:prstGeom>
+        </p:spPr>
+        <p:style>
+          <a:lnRef idx="2">
+            <a:schemeClr val="accent1">
+              <a:shade val="50000"/>
+            </a:schemeClr>
+          </a:lnRef>
+          <a:fillRef idx="1">
+            <a:schemeClr val="accent1"/>
+          </a:fillRef>
+          <a:effectRef idx="0">
+            <a:schemeClr val="accent1"/>
+          </a:effectRef>
+          <a:fontRef idx="minor">
+            <a:schemeClr val="lt1"/>
+          </a:fontRef>
+        </p:style>
+        <p:txBody>
+          <a:bodyPr rtlCol="0" anchor="ctr"/>
+          <a:lstStyle/>
+          <a:p>
+            <a:pPr algn="ctr"/>
+            <a:endParaRPr lang="en-US"/>
+          </a:p>
+        </p:txBody>
+      </p:sp>
+      <p:cxnSp>
+        <p:nvCxnSpPr>
+          <p:cNvPr id="100" name="Straight Arrow Connector 99"/>
+          <p:cNvCxnSpPr>
+            <a:stCxn id="21" idx="2"/>
+            <a:endCxn id="98" idx="0"/>
+          </p:cNvCxnSpPr>
+          <p:nvPr/>
+        </p:nvCxnSpPr>
+        <p:spPr>
+          <a:xfrm flipH="1">
+            <a:off x="6715493" y="3903991"/>
+            <a:ext cx="1" cy="494241"/>
+          </a:xfrm>
+          <a:prstGeom prst="straightConnector1">
+            <a:avLst/>
+          </a:prstGeom>
+          <a:ln>
+            <a:tailEnd type="triangle"/>
+          </a:ln>
+        </p:spPr>
+        <p:style>
+          <a:lnRef idx="1">
+            <a:schemeClr val="accent1"/>
+          </a:lnRef>
+          <a:fillRef idx="0">
+            <a:schemeClr val="accent1"/>
+          </a:fillRef>
+          <a:effectRef idx="0">
+            <a:schemeClr val="accent1"/>
+          </a:effectRef>
+          <a:fontRef idx="minor">
+            <a:schemeClr val="tx1"/>
+          </a:fontRef>
+        </p:style>
+      </p:cxnSp>
+      <p:cxnSp>
+        <p:nvCxnSpPr>
+          <p:cNvPr id="102" name="Straight Arrow Connector 101"/>
+          <p:cNvCxnSpPr>
+            <a:stCxn id="98" idx="4"/>
+            <a:endCxn id="30" idx="0"/>
+          </p:cNvCxnSpPr>
+          <p:nvPr/>
+        </p:nvCxnSpPr>
+        <p:spPr>
+          <a:xfrm>
+            <a:off x="6715493" y="4598257"/>
+            <a:ext cx="0" cy="533786"/>
+          </a:xfrm>
+          <a:prstGeom prst="straightConnector1">
+            <a:avLst/>
+          </a:prstGeom>
+          <a:ln>
+            <a:tailEnd type="triangle"/>
+          </a:ln>
+        </p:spPr>
+        <p:style>
+          <a:lnRef idx="1">
+            <a:schemeClr val="accent1"/>
+          </a:lnRef>
+          <a:fillRef idx="0">
+            <a:schemeClr val="accent1"/>
+          </a:fillRef>
+          <a:effectRef idx="0">
+            <a:schemeClr val="accent1"/>
+          </a:effectRef>
+          <a:fontRef idx="minor">
+            <a:schemeClr val="tx1"/>
+          </a:fontRef>
+        </p:style>
+      </p:cxnSp>
+      <p:cxnSp>
+        <p:nvCxnSpPr>
+          <p:cNvPr id="109" name="Straight Arrow Connector 108"/>
+          <p:cNvCxnSpPr>
+            <a:stCxn id="21" idx="2"/>
+            <a:endCxn id="25" idx="3"/>
+          </p:cNvCxnSpPr>
+          <p:nvPr/>
+        </p:nvCxnSpPr>
+        <p:spPr>
+          <a:xfrm flipH="1">
+            <a:off x="5118348" y="3903991"/>
+            <a:ext cx="1597146" cy="1343509"/>
+          </a:xfrm>
+          <a:prstGeom prst="straightConnector1">
+            <a:avLst/>
+          </a:prstGeom>
+          <a:ln>
+            <a:tailEnd type="triangle"/>
+          </a:ln>
+        </p:spPr>
+        <p:style>
+          <a:lnRef idx="1">
+            <a:schemeClr val="accent1"/>
+          </a:lnRef>
+          <a:fillRef idx="0">
+            <a:schemeClr val="accent1"/>
+          </a:fillRef>
+          <a:effectRef idx="0">
+            <a:schemeClr val="accent1"/>
+          </a:effectRef>
+          <a:fontRef idx="minor">
+            <a:schemeClr val="tx1"/>
+          </a:fontRef>
+        </p:style>
+      </p:cxnSp>
+      <p:sp>
+        <p:nvSpPr>
+          <p:cNvPr id="112" name="Oval 111"/>
+          <p:cNvSpPr/>
+          <p:nvPr/>
+        </p:nvSpPr>
+        <p:spPr>
+          <a:xfrm>
+            <a:off x="3868234" y="5146710"/>
+            <a:ext cx="200025" cy="200025"/>
+          </a:xfrm>
+          <a:prstGeom prst="ellipse">
+            <a:avLst/>
+          </a:prstGeom>
+        </p:spPr>
+        <p:style>
+          <a:lnRef idx="2">
+            <a:schemeClr val="accent1">
+              <a:shade val="50000"/>
+            </a:schemeClr>
+          </a:lnRef>
+          <a:fillRef idx="1">
+            <a:schemeClr val="accent1"/>
+          </a:fillRef>
+          <a:effectRef idx="0">
+            <a:schemeClr val="accent1"/>
+          </a:effectRef>
+          <a:fontRef idx="minor">
+            <a:schemeClr val="lt1"/>
+          </a:fontRef>
+        </p:style>
+        <p:txBody>
+          <a:bodyPr rtlCol="0" anchor="ctr"/>
+          <a:lstStyle/>
+          <a:p>
+            <a:pPr algn="ctr"/>
+            <a:endParaRPr lang="en-US"/>
+          </a:p>
+        </p:txBody>
+      </p:sp>
+      <p:cxnSp>
+        <p:nvCxnSpPr>
+          <p:cNvPr id="114" name="Straight Arrow Connector 113"/>
+          <p:cNvCxnSpPr>
+            <a:stCxn id="25" idx="1"/>
+            <a:endCxn id="112" idx="6"/>
+          </p:cNvCxnSpPr>
+          <p:nvPr/>
+        </p:nvCxnSpPr>
+        <p:spPr>
+          <a:xfrm flipH="1" flipV="1">
+            <a:off x="4068259" y="5246723"/>
+            <a:ext cx="450014" cy="777"/>
+          </a:xfrm>
+          <a:prstGeom prst="straightConnector1">
+            <a:avLst/>
+          </a:prstGeom>
+          <a:ln>
+            <a:tailEnd type="triangle"/>
+          </a:ln>
+        </p:spPr>
+        <p:style>
+          <a:lnRef idx="1">
+            <a:schemeClr val="accent1"/>
+          </a:lnRef>
+          <a:fillRef idx="0">
+            <a:schemeClr val="accent1"/>
+          </a:fillRef>
+          <a:effectRef idx="0">
+            <a:schemeClr val="accent1"/>
+          </a:effectRef>
+          <a:fontRef idx="minor">
+            <a:schemeClr val="tx1"/>
+          </a:fontRef>
+        </p:style>
+      </p:cxnSp>
+      <p:cxnSp>
+        <p:nvCxnSpPr>
+          <p:cNvPr id="116" name="Straight Arrow Connector 115"/>
+          <p:cNvCxnSpPr>
+            <a:stCxn id="112" idx="2"/>
+            <a:endCxn id="26" idx="3"/>
+          </p:cNvCxnSpPr>
+          <p:nvPr/>
+        </p:nvCxnSpPr>
+        <p:spPr>
+          <a:xfrm flipH="1">
+            <a:off x="3502240" y="5246723"/>
+            <a:ext cx="365994" cy="1"/>
+          </a:xfrm>
+          <a:prstGeom prst="straightConnector1">
+            <a:avLst/>
+          </a:prstGeom>
+          <a:ln>
+            <a:tailEnd type="triangle"/>
+          </a:ln>
+        </p:spPr>
+        <p:style>
+          <a:lnRef idx="1">
+            <a:schemeClr val="accent1"/>
+          </a:lnRef>
+          <a:fillRef idx="0">
+            <a:schemeClr val="accent1"/>
+          </a:fillRef>
+          <a:effectRef idx="0">
+            <a:schemeClr val="accent1"/>
+          </a:effectRef>
+          <a:fontRef idx="minor">
+            <a:schemeClr val="tx1"/>
+          </a:fontRef>
+        </p:style>
+      </p:cxnSp>
+      <p:cxnSp>
+        <p:nvCxnSpPr>
+          <p:cNvPr id="118" name="Straight Arrow Connector 117"/>
+          <p:cNvCxnSpPr>
+            <a:stCxn id="26" idx="2"/>
+            <a:endCxn id="27" idx="0"/>
+          </p:cNvCxnSpPr>
+          <p:nvPr/>
+        </p:nvCxnSpPr>
+        <p:spPr>
+          <a:xfrm flipH="1">
+            <a:off x="3159248" y="5444290"/>
+            <a:ext cx="1" cy="507178"/>
+          </a:xfrm>
+          <a:prstGeom prst="straightConnector1">
+            <a:avLst/>
+          </a:prstGeom>
+          <a:ln>
+            <a:tailEnd type="triangle"/>
+          </a:ln>
+        </p:spPr>
+        <p:style>
+          <a:lnRef idx="1">
+            <a:schemeClr val="accent1"/>
+          </a:lnRef>
+          <a:fillRef idx="0">
+            <a:schemeClr val="accent1"/>
+          </a:fillRef>
+          <a:effectRef idx="0">
+            <a:schemeClr val="accent1"/>
+          </a:effectRef>
+          <a:fontRef idx="minor">
+            <a:schemeClr val="tx1"/>
+          </a:fontRef>
+        </p:style>
+      </p:cxnSp>
+      <p:cxnSp>
+        <p:nvCxnSpPr>
+          <p:cNvPr id="123" name="Straight Arrow Connector 122"/>
+          <p:cNvCxnSpPr>
+            <a:stCxn id="32" idx="1"/>
+            <a:endCxn id="19" idx="3"/>
+          </p:cNvCxnSpPr>
+          <p:nvPr/>
+        </p:nvCxnSpPr>
+        <p:spPr>
+          <a:xfrm flipH="1" flipV="1">
+            <a:off x="7015531" y="880630"/>
+            <a:ext cx="1316203" cy="2459"/>
+          </a:xfrm>
+          <a:prstGeom prst="straightConnector1">
+            <a:avLst/>
+          </a:prstGeom>
+          <a:ln>
+            <a:tailEnd type="triangle"/>
+          </a:ln>
+        </p:spPr>
+        <p:style>
+          <a:lnRef idx="1">
+            <a:schemeClr val="accent1"/>
+          </a:lnRef>
+          <a:fillRef idx="0">
+            <a:schemeClr val="accent1"/>
+          </a:fillRef>
+          <a:effectRef idx="0">
+            <a:schemeClr val="accent1"/>
+          </a:effectRef>
+          <a:fontRef idx="minor">
+            <a:schemeClr val="tx1"/>
+          </a:fontRef>
+        </p:style>
+      </p:cxnSp>
+      <p:sp>
+        <p:nvSpPr>
+          <p:cNvPr id="127" name="Oval 126"/>
+          <p:cNvSpPr/>
+          <p:nvPr/>
+        </p:nvSpPr>
+        <p:spPr>
+          <a:xfrm>
+            <a:off x="8669718" y="1773899"/>
+            <a:ext cx="200025" cy="200025"/>
+          </a:xfrm>
+          <a:prstGeom prst="ellipse">
+            <a:avLst/>
+          </a:prstGeom>
+        </p:spPr>
+        <p:style>
+          <a:lnRef idx="2">
+            <a:schemeClr val="accent1">
+              <a:shade val="50000"/>
+            </a:schemeClr>
+          </a:lnRef>
+          <a:fillRef idx="1">
+            <a:schemeClr val="accent1"/>
+          </a:fillRef>
+          <a:effectRef idx="0">
+            <a:schemeClr val="accent1"/>
+          </a:effectRef>
+          <a:fontRef idx="minor">
+            <a:schemeClr val="lt1"/>
+          </a:fontRef>
+        </p:style>
+        <p:txBody>
+          <a:bodyPr rtlCol="0" anchor="ctr"/>
+          <a:lstStyle/>
+          <a:p>
+            <a:pPr algn="ctr"/>
+            <a:endParaRPr lang="en-US"/>
+          </a:p>
+        </p:txBody>
+      </p:sp>
+      <p:cxnSp>
+        <p:nvCxnSpPr>
+          <p:cNvPr id="129" name="Straight Arrow Connector 128"/>
+          <p:cNvCxnSpPr>
+            <a:stCxn id="31" idx="0"/>
+            <a:endCxn id="127" idx="4"/>
+          </p:cNvCxnSpPr>
+          <p:nvPr/>
+        </p:nvCxnSpPr>
+        <p:spPr>
+          <a:xfrm flipH="1" flipV="1">
+            <a:off x="8769731" y="1973924"/>
+            <a:ext cx="192" cy="623526"/>
+          </a:xfrm>
+          <a:prstGeom prst="straightConnector1">
+            <a:avLst/>
+          </a:prstGeom>
+          <a:ln>
+            <a:tailEnd type="triangle"/>
+          </a:ln>
+        </p:spPr>
+        <p:style>
+          <a:lnRef idx="1">
+            <a:schemeClr val="accent1"/>
+          </a:lnRef>
+          <a:fillRef idx="0">
+            <a:schemeClr val="accent1"/>
+          </a:fillRef>
+          <a:effectRef idx="0">
+            <a:schemeClr val="accent1"/>
+          </a:effectRef>
+          <a:fontRef idx="minor">
+            <a:schemeClr val="tx1"/>
+          </a:fontRef>
+        </p:style>
+      </p:cxnSp>
+      <p:cxnSp>
+        <p:nvCxnSpPr>
+          <p:cNvPr id="131" name="Straight Arrow Connector 130"/>
+          <p:cNvCxnSpPr>
+            <a:stCxn id="127" idx="0"/>
+            <a:endCxn id="32" idx="2"/>
+          </p:cNvCxnSpPr>
+          <p:nvPr/>
+        </p:nvCxnSpPr>
+        <p:spPr>
+          <a:xfrm flipV="1">
+            <a:off x="8769731" y="1080655"/>
+            <a:ext cx="1" cy="693244"/>
+          </a:xfrm>
+          <a:prstGeom prst="straightConnector1">
+            <a:avLst/>
+          </a:prstGeom>
+          <a:ln>
+            <a:tailEnd type="triangle"/>
+          </a:ln>
+        </p:spPr>
+        <p:style>
+          <a:lnRef idx="1">
+            <a:schemeClr val="accent1"/>
+          </a:lnRef>
+          <a:fillRef idx="0">
+            <a:schemeClr val="accent1"/>
+          </a:fillRef>
+          <a:effectRef idx="0">
+            <a:schemeClr val="accent1"/>
+          </a:effectRef>
+          <a:fontRef idx="minor">
+            <a:schemeClr val="tx1"/>
+          </a:fontRef>
+        </p:style>
+      </p:cxnSp>
+      <p:cxnSp>
+        <p:nvCxnSpPr>
+          <p:cNvPr id="138" name="Straight Arrow Connector 137"/>
+          <p:cNvCxnSpPr>
+            <a:stCxn id="127" idx="2"/>
+            <a:endCxn id="22" idx="3"/>
+          </p:cNvCxnSpPr>
+          <p:nvPr/>
+        </p:nvCxnSpPr>
+        <p:spPr>
+          <a:xfrm flipH="1">
+            <a:off x="7015531" y="1873912"/>
+            <a:ext cx="1654187" cy="2245"/>
+          </a:xfrm>
+          <a:prstGeom prst="straightConnector1">
+            <a:avLst/>
+          </a:prstGeom>
+          <a:ln w="38100">
+            <a:solidFill>
+              <a:srgbClr val="FF0000"/>
+            </a:solidFill>
+            <a:headEnd type="none" w="med" len="med"/>
+            <a:tailEnd type="arrow" w="med" len="med"/>
+          </a:ln>
+        </p:spPr>
+        <p:style>
+          <a:lnRef idx="3">
+            <a:schemeClr val="accent2"/>
+          </a:lnRef>
+          <a:fillRef idx="0">
+            <a:schemeClr val="accent2"/>
+          </a:fillRef>
+          <a:effectRef idx="2">
+            <a:schemeClr val="accent2"/>
+          </a:effectRef>
+          <a:fontRef idx="minor">
+            <a:schemeClr val="tx1"/>
+          </a:fontRef>
+        </p:style>
+      </p:cxnSp>
+      <p:cxnSp>
+        <p:nvCxnSpPr>
+          <p:cNvPr id="141" name="Straight Arrow Connector 140"/>
+          <p:cNvCxnSpPr>
+            <a:stCxn id="73" idx="0"/>
+            <a:endCxn id="22" idx="1"/>
+          </p:cNvCxnSpPr>
+          <p:nvPr/>
+        </p:nvCxnSpPr>
+        <p:spPr>
+          <a:xfrm flipV="1">
+            <a:off x="5683917" y="1876157"/>
+            <a:ext cx="731539" cy="1730226"/>
+          </a:xfrm>
+          <a:prstGeom prst="straightConnector1">
+            <a:avLst/>
+          </a:prstGeom>
+          <a:ln w="38100">
+            <a:solidFill>
+              <a:srgbClr val="FF0000"/>
+            </a:solidFill>
+            <a:headEnd type="none" w="med" len="med"/>
+            <a:tailEnd type="arrow" w="med" len="med"/>
+          </a:ln>
+        </p:spPr>
+        <p:style>
+          <a:lnRef idx="3">
+            <a:schemeClr val="accent2"/>
+          </a:lnRef>
+          <a:fillRef idx="0">
+            <a:schemeClr val="accent2"/>
+          </a:fillRef>
+          <a:effectRef idx="2">
+            <a:schemeClr val="accent2"/>
+          </a:effectRef>
+          <a:fontRef idx="minor">
+            <a:schemeClr val="tx1"/>
+          </a:fontRef>
+        </p:style>
+      </p:cxnSp>
+      <p:cxnSp>
+        <p:nvCxnSpPr>
+          <p:cNvPr id="144" name="Straight Arrow Connector 143"/>
+          <p:cNvCxnSpPr>
+            <a:stCxn id="58" idx="6"/>
+            <a:endCxn id="22" idx="1"/>
+          </p:cNvCxnSpPr>
+          <p:nvPr/>
+        </p:nvCxnSpPr>
+        <p:spPr>
+          <a:xfrm flipV="1">
+            <a:off x="4452314" y="1876157"/>
+            <a:ext cx="1963142" cy="1367008"/>
+          </a:xfrm>
+          <a:prstGeom prst="straightConnector1">
+            <a:avLst/>
+          </a:prstGeom>
+          <a:ln w="38100">
+            <a:solidFill>
+              <a:srgbClr val="FF0000"/>
+            </a:solidFill>
+            <a:headEnd type="none" w="med" len="med"/>
+            <a:tailEnd type="arrow" w="med" len="med"/>
+          </a:ln>
+        </p:spPr>
+        <p:style>
+          <a:lnRef idx="3">
+            <a:schemeClr val="accent2"/>
+          </a:lnRef>
+          <a:fillRef idx="0">
+            <a:schemeClr val="accent2"/>
+          </a:fillRef>
+          <a:effectRef idx="2">
+            <a:schemeClr val="accent2"/>
+          </a:effectRef>
+          <a:fontRef idx="minor">
+            <a:schemeClr val="tx1"/>
+          </a:fontRef>
+        </p:style>
+      </p:cxnSp>
+      <p:cxnSp>
+        <p:nvCxnSpPr>
+          <p:cNvPr id="148" name="Straight Arrow Connector 147"/>
+          <p:cNvCxnSpPr>
+            <a:stCxn id="112" idx="7"/>
+            <a:endCxn id="22" idx="1"/>
+          </p:cNvCxnSpPr>
+          <p:nvPr/>
+        </p:nvCxnSpPr>
+        <p:spPr>
+          <a:xfrm flipV="1">
+            <a:off x="4038966" y="1876157"/>
+            <a:ext cx="2376490" cy="3299846"/>
+          </a:xfrm>
+          <a:prstGeom prst="straightConnector1">
+            <a:avLst/>
+          </a:prstGeom>
+          <a:ln w="38100">
+            <a:solidFill>
+              <a:srgbClr val="FF0000"/>
+            </a:solidFill>
+            <a:headEnd type="none" w="med" len="med"/>
+            <a:tailEnd type="arrow" w="med" len="med"/>
+          </a:ln>
+        </p:spPr>
+        <p:style>
+          <a:lnRef idx="3">
+            <a:schemeClr val="accent2"/>
+          </a:lnRef>
+          <a:fillRef idx="0">
+            <a:schemeClr val="accent2"/>
+          </a:fillRef>
+          <a:effectRef idx="2">
+            <a:schemeClr val="accent2"/>
+          </a:effectRef>
+          <a:fontRef idx="minor">
+            <a:schemeClr val="tx1"/>
+          </a:fontRef>
+        </p:style>
+      </p:cxnSp>
+      <p:cxnSp>
+        <p:nvCxnSpPr>
+          <p:cNvPr id="162" name="Curved Connector 161"/>
+          <p:cNvCxnSpPr>
+            <a:stCxn id="98" idx="6"/>
+            <a:endCxn id="22" idx="3"/>
+          </p:cNvCxnSpPr>
+          <p:nvPr/>
+        </p:nvCxnSpPr>
+        <p:spPr>
+          <a:xfrm flipV="1">
+            <a:off x="6815505" y="1876157"/>
+            <a:ext cx="200026" cy="2622088"/>
+          </a:xfrm>
+          <a:prstGeom prst="curvedConnector3">
+            <a:avLst>
+              <a:gd name="adj1" fmla="val 281388"/>
+            </a:avLst>
+          </a:prstGeom>
+          <a:ln w="38100">
+            <a:solidFill>
+              <a:srgbClr val="FF0000"/>
+            </a:solidFill>
+            <a:headEnd type="none" w="med" len="med"/>
+            <a:tailEnd type="arrow" w="med" len="med"/>
+          </a:ln>
+        </p:spPr>
+        <p:style>
+          <a:lnRef idx="1">
+            <a:schemeClr val="accent1"/>
+          </a:lnRef>
+          <a:fillRef idx="0">
+            <a:schemeClr val="accent1"/>
+          </a:fillRef>
+          <a:effectRef idx="0">
+            <a:schemeClr val="accent1"/>
+          </a:effectRef>
+          <a:fontRef idx="minor">
+            <a:schemeClr val="tx1"/>
+          </a:fontRef>
+        </p:style>
+      </p:cxnSp>
+    </p:spTree>
+    <p:extLst>
+      <p:ext uri="{BB962C8B-B14F-4D97-AF65-F5344CB8AC3E}">
+        <p14:creationId xmlns:p14="http://schemas.microsoft.com/office/powerpoint/2010/main" val="912545592"/>
+      </p:ext>
+    </p:extLst>
+  </p:cSld>
+  <p:clrMapOvr>
+    <a:masterClrMapping/>
+  </p:clrMapOvr>
+</p:sld>
+</file>
+
+<file path=ppt/slides/slide7.xml><?xml version="1.0" encoding="utf-8"?>
+<p:sld xmlns:a="http://schemas.openxmlformats.org/drawingml/2006/main" xmlns:r="http://schemas.openxmlformats.org/officeDocument/2006/relationships" xmlns:p="http://schemas.openxmlformats.org/presentationml/2006/main">
+  <p:cSld>
+    <p:spTree>
+      <p:nvGrpSpPr>
+        <p:cNvPr id="1" name=""/>
+        <p:cNvGrpSpPr/>
+        <p:nvPr/>
+      </p:nvGrpSpPr>
+      <p:grpSpPr>
+        <a:xfrm>
+          <a:off x="0" y="0"/>
+          <a:ext cx="0" cy="0"/>
+          <a:chOff x="0" y="0"/>
+          <a:chExt cx="0" cy="0"/>
+        </a:xfrm>
+      </p:grpSpPr>
+      <p:grpSp>
+        <p:nvGrpSpPr>
+          <p:cNvPr id="4" name="Group 3"/>
+          <p:cNvGrpSpPr/>
+          <p:nvPr/>
+        </p:nvGrpSpPr>
+        <p:grpSpPr>
+          <a:xfrm>
+            <a:off x="2189527" y="385894"/>
+            <a:ext cx="7692704" cy="6283354"/>
+            <a:chOff x="2189527" y="385894"/>
+            <a:chExt cx="7692704" cy="6283354"/>
+          </a:xfrm>
+        </p:grpSpPr>
+        <p:sp>
+          <p:nvSpPr>
+            <p:cNvPr id="3" name="Rectangle 2"/>
+            <p:cNvSpPr/>
+            <p:nvPr/>
+          </p:nvSpPr>
+          <p:spPr>
+            <a:xfrm>
+              <a:off x="2189527" y="385894"/>
+              <a:ext cx="7692704" cy="6283354"/>
+            </a:xfrm>
+            <a:prstGeom prst="rect">
+              <a:avLst/>
+            </a:prstGeom>
+            <a:solidFill>
+              <a:schemeClr val="bg1"/>
+            </a:solidFill>
+            <a:ln>
+              <a:solidFill>
+                <a:srgbClr val="00B050"/>
+              </a:solidFill>
+            </a:ln>
+          </p:spPr>
+          <p:style>
+            <a:lnRef idx="2">
+              <a:schemeClr val="accent1">
+                <a:shade val="50000"/>
+              </a:schemeClr>
+            </a:lnRef>
+            <a:fillRef idx="1">
+              <a:schemeClr val="accent1"/>
+            </a:fillRef>
+            <a:effectRef idx="0">
+              <a:schemeClr val="accent1"/>
+            </a:effectRef>
+            <a:fontRef idx="minor">
+              <a:schemeClr val="lt1"/>
+            </a:fontRef>
+          </p:style>
+          <p:txBody>
+            <a:bodyPr rtlCol="0" anchor="ctr"/>
+            <a:lstStyle/>
+            <a:p>
+              <a:pPr algn="ctr"/>
+              <a:endParaRPr lang="en-US"/>
+            </a:p>
+          </p:txBody>
+        </p:sp>
+        <p:sp>
+          <p:nvSpPr>
+            <p:cNvPr id="16" name="Rounded Rectangle 15"/>
+            <p:cNvSpPr/>
+            <p:nvPr/>
+          </p:nvSpPr>
+          <p:spPr>
+            <a:xfrm>
+              <a:off x="4052266" y="3508858"/>
+              <a:ext cx="600075" cy="395133"/>
+            </a:xfrm>
+            <a:prstGeom prst="roundRect">
+              <a:avLst/>
+            </a:prstGeom>
+          </p:spPr>
+          <p:style>
+            <a:lnRef idx="2">
+              <a:schemeClr val="accent1">
+                <a:shade val="50000"/>
+              </a:schemeClr>
+            </a:lnRef>
+            <a:fillRef idx="1">
+              <a:schemeClr val="accent1"/>
+            </a:fillRef>
+            <a:effectRef idx="0">
+              <a:schemeClr val="accent1"/>
+            </a:effectRef>
+            <a:fontRef idx="minor">
+              <a:schemeClr val="lt1"/>
+            </a:fontRef>
+          </p:style>
+          <p:txBody>
+            <a:bodyPr rtlCol="0" anchor="ctr"/>
+            <a:lstStyle/>
+            <a:p>
+              <a:pPr algn="ctr"/>
+              <a:r>
+                <a:rPr lang="en-US" sz="1000" dirty="0" smtClean="0"/>
+                <a:t>prod_1</a:t>
+              </a:r>
+              <a:endParaRPr lang="en-US" sz="1000" dirty="0"/>
+            </a:p>
+          </p:txBody>
+        </p:sp>
+        <p:sp>
+          <p:nvSpPr>
+            <p:cNvPr id="17" name="Rounded Rectangle 16"/>
+            <p:cNvSpPr/>
+            <p:nvPr/>
+          </p:nvSpPr>
+          <p:spPr>
+            <a:xfrm>
+              <a:off x="4052267" y="2576946"/>
+              <a:ext cx="600075" cy="395133"/>
+            </a:xfrm>
+            <a:prstGeom prst="roundRect">
+              <a:avLst/>
+            </a:prstGeom>
+          </p:spPr>
+          <p:style>
+            <a:lnRef idx="2">
+              <a:schemeClr val="accent1">
+                <a:shade val="50000"/>
+              </a:schemeClr>
+            </a:lnRef>
+            <a:fillRef idx="1">
+              <a:schemeClr val="accent1"/>
+            </a:fillRef>
+            <a:effectRef idx="0">
+              <a:schemeClr val="accent1"/>
+            </a:effectRef>
+            <a:fontRef idx="minor">
+              <a:schemeClr val="lt1"/>
+            </a:fontRef>
+          </p:style>
+          <p:txBody>
+            <a:bodyPr rtlCol="0" anchor="ctr"/>
+            <a:lstStyle/>
+            <a:p>
+              <a:pPr algn="ctr"/>
+              <a:r>
+                <a:rPr lang="en-US" sz="1000" dirty="0" smtClean="0"/>
+                <a:t>frag_1</a:t>
+              </a:r>
+              <a:endParaRPr lang="en-US" sz="1000" dirty="0"/>
+            </a:p>
+          </p:txBody>
+        </p:sp>
+        <p:sp>
+          <p:nvSpPr>
+            <p:cNvPr id="18" name="Rounded Rectangle 17"/>
+            <p:cNvSpPr/>
+            <p:nvPr/>
+          </p:nvSpPr>
+          <p:spPr>
+            <a:xfrm>
+              <a:off x="4052266" y="1676346"/>
+              <a:ext cx="600075" cy="395133"/>
+            </a:xfrm>
+            <a:prstGeom prst="roundRect">
+              <a:avLst/>
+            </a:prstGeom>
+          </p:spPr>
+          <p:style>
+            <a:lnRef idx="2">
+              <a:schemeClr val="accent1">
+                <a:shade val="50000"/>
+              </a:schemeClr>
+            </a:lnRef>
+            <a:fillRef idx="1">
+              <a:schemeClr val="accent1"/>
+            </a:fillRef>
+            <a:effectRef idx="0">
+              <a:schemeClr val="accent1"/>
+            </a:effectRef>
+            <a:fontRef idx="minor">
+              <a:schemeClr val="lt1"/>
+            </a:fontRef>
+          </p:style>
+          <p:txBody>
+            <a:bodyPr rtlCol="0" anchor="ctr"/>
+            <a:lstStyle/>
+            <a:p>
+              <a:pPr algn="ctr"/>
+              <a:r>
+                <a:rPr lang="en-US" sz="1000" dirty="0" err="1" smtClean="0"/>
+                <a:t>vinoxy</a:t>
+              </a:r>
+              <a:endParaRPr lang="en-US" sz="1000" dirty="0"/>
+            </a:p>
+          </p:txBody>
+        </p:sp>
+        <p:sp>
+          <p:nvSpPr>
+            <p:cNvPr id="19" name="Rounded Rectangle 18"/>
+            <p:cNvSpPr/>
+            <p:nvPr/>
+          </p:nvSpPr>
+          <p:spPr>
+            <a:xfrm>
+              <a:off x="6415456" y="683063"/>
+              <a:ext cx="600075" cy="395133"/>
+            </a:xfrm>
+            <a:prstGeom prst="roundRect">
+              <a:avLst/>
+            </a:prstGeom>
+          </p:spPr>
+          <p:style>
+            <a:lnRef idx="2">
+              <a:schemeClr val="accent1">
+                <a:shade val="50000"/>
+              </a:schemeClr>
+            </a:lnRef>
+            <a:fillRef idx="1">
+              <a:schemeClr val="accent1"/>
+            </a:fillRef>
+            <a:effectRef idx="0">
+              <a:schemeClr val="accent1"/>
+            </a:effectRef>
+            <a:fontRef idx="minor">
+              <a:schemeClr val="lt1"/>
+            </a:fontRef>
+          </p:style>
+          <p:txBody>
+            <a:bodyPr rtlCol="0" anchor="ctr"/>
+            <a:lstStyle/>
+            <a:p>
+              <a:pPr algn="ctr"/>
+              <a:r>
+                <a:rPr lang="en-US" sz="1000" dirty="0" smtClean="0"/>
+                <a:t>CH</a:t>
+              </a:r>
+              <a:r>
+                <a:rPr lang="en-US" sz="1000" baseline="-25000" dirty="0" smtClean="0"/>
+                <a:t>2</a:t>
+              </a:r>
+              <a:r>
+                <a:rPr lang="en-US" sz="1000" dirty="0" smtClean="0"/>
+                <a:t>O</a:t>
+              </a:r>
+              <a:endParaRPr lang="en-US" sz="1000" dirty="0"/>
+            </a:p>
+          </p:txBody>
+        </p:sp>
+        <p:sp>
+          <p:nvSpPr>
+            <p:cNvPr id="20" name="Rounded Rectangle 19"/>
+            <p:cNvSpPr/>
+            <p:nvPr/>
+          </p:nvSpPr>
+          <p:spPr>
+            <a:xfrm>
+              <a:off x="3009347" y="685522"/>
+              <a:ext cx="600075" cy="395133"/>
+            </a:xfrm>
+            <a:prstGeom prst="roundRect">
+              <a:avLst/>
+            </a:prstGeom>
+          </p:spPr>
+          <p:style>
+            <a:lnRef idx="2">
+              <a:schemeClr val="accent1">
+                <a:shade val="50000"/>
+              </a:schemeClr>
+            </a:lnRef>
+            <a:fillRef idx="1">
+              <a:schemeClr val="accent1"/>
+            </a:fillRef>
+            <a:effectRef idx="0">
+              <a:schemeClr val="accent1"/>
+            </a:effectRef>
+            <a:fontRef idx="minor">
+              <a:schemeClr val="lt1"/>
+            </a:fontRef>
+          </p:style>
+          <p:txBody>
+            <a:bodyPr rtlCol="0" anchor="ctr"/>
+            <a:lstStyle/>
+            <a:p>
+              <a:pPr algn="ctr"/>
+              <a:r>
+                <a:rPr lang="en-US" sz="1000" dirty="0" smtClean="0"/>
+                <a:t>CO</a:t>
+              </a:r>
+              <a:endParaRPr lang="en-US" sz="1000" dirty="0"/>
+            </a:p>
+          </p:txBody>
+        </p:sp>
+        <p:sp>
+          <p:nvSpPr>
+            <p:cNvPr id="21" name="Rounded Rectangle 20"/>
+            <p:cNvSpPr/>
+            <p:nvPr/>
+          </p:nvSpPr>
+          <p:spPr>
+            <a:xfrm>
+              <a:off x="6415456" y="3508858"/>
+              <a:ext cx="600075" cy="395133"/>
+            </a:xfrm>
+            <a:prstGeom prst="roundRect">
+              <a:avLst/>
+            </a:prstGeom>
+          </p:spPr>
+          <p:style>
+            <a:lnRef idx="2">
+              <a:schemeClr val="accent1">
+                <a:shade val="50000"/>
+              </a:schemeClr>
+            </a:lnRef>
+            <a:fillRef idx="1">
+              <a:schemeClr val="accent1"/>
+            </a:fillRef>
+            <a:effectRef idx="0">
+              <a:schemeClr val="accent1"/>
+            </a:effectRef>
+            <a:fontRef idx="minor">
+              <a:schemeClr val="lt1"/>
+            </a:fontRef>
+          </p:style>
+          <p:txBody>
+            <a:bodyPr rtlCol="0" anchor="ctr"/>
+            <a:lstStyle/>
+            <a:p>
+              <a:pPr algn="ctr"/>
+              <a:r>
+                <a:rPr lang="en-US" sz="1000" dirty="0"/>
+                <a:t>w</a:t>
+              </a:r>
+              <a:r>
+                <a:rPr lang="en-US" sz="1000" dirty="0" smtClean="0"/>
+                <a:t>ell_1</a:t>
+              </a:r>
+              <a:endParaRPr lang="en-US" sz="1000" dirty="0"/>
+            </a:p>
+          </p:txBody>
+        </p:sp>
+        <p:sp>
+          <p:nvSpPr>
+            <p:cNvPr id="23" name="Rounded Rectangle 22"/>
+            <p:cNvSpPr/>
+            <p:nvPr/>
+          </p:nvSpPr>
+          <p:spPr>
+            <a:xfrm>
+              <a:off x="8469695" y="3508828"/>
+              <a:ext cx="600075" cy="395133"/>
+            </a:xfrm>
+            <a:prstGeom prst="roundRect">
+              <a:avLst/>
+            </a:prstGeom>
+          </p:spPr>
+          <p:style>
+            <a:lnRef idx="2">
+              <a:schemeClr val="accent1">
+                <a:shade val="50000"/>
+              </a:schemeClr>
+            </a:lnRef>
+            <a:fillRef idx="1">
+              <a:schemeClr val="accent1"/>
+            </a:fillRef>
+            <a:effectRef idx="0">
+              <a:schemeClr val="accent1"/>
+            </a:effectRef>
+            <a:fontRef idx="minor">
+              <a:schemeClr val="lt1"/>
+            </a:fontRef>
+          </p:style>
+          <p:txBody>
+            <a:bodyPr rtlCol="0" anchor="ctr"/>
+            <a:lstStyle/>
+            <a:p>
+              <a:pPr algn="ctr"/>
+              <a:r>
+                <a:rPr lang="en-US" sz="1000" dirty="0" err="1" smtClean="0"/>
+                <a:t>ipropyl</a:t>
+              </a:r>
+              <a:endParaRPr lang="en-US" sz="1000" dirty="0"/>
+            </a:p>
+          </p:txBody>
+        </p:sp>
+        <p:sp>
+          <p:nvSpPr>
+            <p:cNvPr id="24" name="Rounded Rectangle 23"/>
+            <p:cNvSpPr/>
+            <p:nvPr/>
+          </p:nvSpPr>
+          <p:spPr>
+            <a:xfrm>
+              <a:off x="8469886" y="5107988"/>
+              <a:ext cx="600075" cy="395133"/>
+            </a:xfrm>
+            <a:prstGeom prst="roundRect">
+              <a:avLst/>
+            </a:prstGeom>
+          </p:spPr>
+          <p:style>
+            <a:lnRef idx="2">
+              <a:schemeClr val="accent1">
+                <a:shade val="50000"/>
+              </a:schemeClr>
+            </a:lnRef>
+            <a:fillRef idx="1">
+              <a:schemeClr val="accent1"/>
+            </a:fillRef>
+            <a:effectRef idx="0">
+              <a:schemeClr val="accent1"/>
+            </a:effectRef>
+            <a:fontRef idx="minor">
+              <a:schemeClr val="lt1"/>
+            </a:fontRef>
+          </p:style>
+          <p:txBody>
+            <a:bodyPr rtlCol="0" anchor="ctr"/>
+            <a:lstStyle/>
+            <a:p>
+              <a:pPr algn="ctr"/>
+              <a:r>
+                <a:rPr lang="en-US" sz="1000" dirty="0" smtClean="0"/>
+                <a:t>C</a:t>
+              </a:r>
+              <a:r>
+                <a:rPr lang="en-US" sz="1000" baseline="-25000" dirty="0" smtClean="0"/>
+                <a:t>3</a:t>
+              </a:r>
+              <a:r>
+                <a:rPr lang="en-US" sz="1000" dirty="0" smtClean="0"/>
+                <a:t>H</a:t>
+              </a:r>
+              <a:r>
+                <a:rPr lang="en-US" sz="1000" baseline="-25000" dirty="0" smtClean="0"/>
+                <a:t>6</a:t>
+              </a:r>
+              <a:endParaRPr lang="en-US" sz="1000" baseline="-25000" dirty="0"/>
+            </a:p>
+          </p:txBody>
+        </p:sp>
+        <p:sp>
+          <p:nvSpPr>
+            <p:cNvPr id="25" name="Rounded Rectangle 24"/>
+            <p:cNvSpPr/>
+            <p:nvPr/>
+          </p:nvSpPr>
+          <p:spPr>
+            <a:xfrm>
+              <a:off x="4518273" y="5049933"/>
+              <a:ext cx="600075" cy="395133"/>
+            </a:xfrm>
+            <a:prstGeom prst="roundRect">
+              <a:avLst/>
+            </a:prstGeom>
+          </p:spPr>
+          <p:style>
+            <a:lnRef idx="2">
+              <a:schemeClr val="accent1">
+                <a:shade val="50000"/>
+              </a:schemeClr>
+            </a:lnRef>
+            <a:fillRef idx="1">
+              <a:schemeClr val="accent1"/>
+            </a:fillRef>
+            <a:effectRef idx="0">
+              <a:schemeClr val="accent1"/>
+            </a:effectRef>
+            <a:fontRef idx="minor">
+              <a:schemeClr val="lt1"/>
+            </a:fontRef>
+          </p:style>
+          <p:txBody>
+            <a:bodyPr rtlCol="0" anchor="ctr"/>
+            <a:lstStyle/>
+            <a:p>
+              <a:pPr algn="ctr"/>
+              <a:r>
+                <a:rPr lang="en-US" sz="1000" dirty="0" smtClean="0"/>
+                <a:t>prod_2</a:t>
+              </a:r>
+              <a:endParaRPr lang="en-US" sz="1000" dirty="0"/>
+            </a:p>
+          </p:txBody>
+        </p:sp>
+        <p:sp>
+          <p:nvSpPr>
+            <p:cNvPr id="26" name="Rounded Rectangle 25"/>
+            <p:cNvSpPr/>
+            <p:nvPr/>
+          </p:nvSpPr>
+          <p:spPr>
+            <a:xfrm>
+              <a:off x="2816257" y="5049157"/>
+              <a:ext cx="685983" cy="395133"/>
+            </a:xfrm>
+            <a:prstGeom prst="roundRect">
+              <a:avLst/>
+            </a:prstGeom>
+          </p:spPr>
+          <p:style>
+            <a:lnRef idx="2">
+              <a:schemeClr val="accent1">
+                <a:shade val="50000"/>
+              </a:schemeClr>
+            </a:lnRef>
+            <a:fillRef idx="1">
+              <a:schemeClr val="accent1"/>
+            </a:fillRef>
+            <a:effectRef idx="0">
+              <a:schemeClr val="accent1"/>
+            </a:effectRef>
+            <a:fontRef idx="minor">
+              <a:schemeClr val="lt1"/>
+            </a:fontRef>
+          </p:style>
+          <p:txBody>
+            <a:bodyPr rtlCol="0" anchor="ctr"/>
+            <a:lstStyle/>
+            <a:p>
+              <a:pPr algn="ctr"/>
+              <a:r>
+                <a:rPr lang="en-US" sz="1000" dirty="0" err="1" smtClean="0"/>
+                <a:t>allyloxy</a:t>
+              </a:r>
+              <a:endParaRPr lang="en-US" sz="1000" dirty="0"/>
+            </a:p>
+          </p:txBody>
+        </p:sp>
+        <p:sp>
+          <p:nvSpPr>
+            <p:cNvPr id="27" name="Rounded Rectangle 26"/>
+            <p:cNvSpPr/>
+            <p:nvPr/>
+          </p:nvSpPr>
+          <p:spPr>
+            <a:xfrm>
+              <a:off x="2816257" y="5951468"/>
+              <a:ext cx="685982" cy="395133"/>
+            </a:xfrm>
+            <a:prstGeom prst="roundRect">
+              <a:avLst/>
+            </a:prstGeom>
+          </p:spPr>
+          <p:style>
+            <a:lnRef idx="2">
+              <a:schemeClr val="accent1">
+                <a:shade val="50000"/>
+              </a:schemeClr>
+            </a:lnRef>
+            <a:fillRef idx="1">
+              <a:schemeClr val="accent1"/>
+            </a:fillRef>
+            <a:effectRef idx="0">
+              <a:schemeClr val="accent1"/>
+            </a:effectRef>
+            <a:fontRef idx="minor">
+              <a:schemeClr val="lt1"/>
+            </a:fontRef>
+          </p:style>
+          <p:txBody>
+            <a:bodyPr rtlCol="0" anchor="ctr"/>
+            <a:lstStyle/>
+            <a:p>
+              <a:pPr algn="ctr"/>
+              <a:r>
+                <a:rPr lang="en-US" sz="1000" dirty="0" err="1" smtClean="0"/>
+                <a:t>acrolein</a:t>
+              </a:r>
+              <a:endParaRPr lang="en-US" sz="1000" dirty="0"/>
+            </a:p>
+          </p:txBody>
+        </p:sp>
+        <p:sp>
+          <p:nvSpPr>
+            <p:cNvPr id="30" name="Rounded Rectangle 29"/>
+            <p:cNvSpPr/>
+            <p:nvPr/>
+          </p:nvSpPr>
+          <p:spPr>
+            <a:xfrm>
+              <a:off x="6307184" y="5132043"/>
+              <a:ext cx="816618" cy="395133"/>
+            </a:xfrm>
+            <a:prstGeom prst="roundRect">
+              <a:avLst/>
+            </a:prstGeom>
+          </p:spPr>
+          <p:style>
+            <a:lnRef idx="2">
+              <a:schemeClr val="accent1">
+                <a:shade val="50000"/>
+              </a:schemeClr>
+            </a:lnRef>
+            <a:fillRef idx="1">
+              <a:schemeClr val="accent1"/>
+            </a:fillRef>
+            <a:effectRef idx="0">
+              <a:schemeClr val="accent1"/>
+            </a:effectRef>
+            <a:fontRef idx="minor">
+              <a:schemeClr val="lt1"/>
+            </a:fontRef>
+          </p:style>
+          <p:txBody>
+            <a:bodyPr rtlCol="0" anchor="ctr"/>
+            <a:lstStyle/>
+            <a:p>
+              <a:pPr algn="ctr"/>
+              <a:r>
+                <a:rPr lang="en-US" sz="1000" dirty="0" err="1" smtClean="0"/>
+                <a:t>propoxide</a:t>
+              </a:r>
+              <a:endParaRPr lang="en-US" sz="1000" baseline="-25000" dirty="0"/>
+            </a:p>
+          </p:txBody>
+        </p:sp>
+        <p:sp>
+          <p:nvSpPr>
+            <p:cNvPr id="31" name="Rounded Rectangle 30"/>
+            <p:cNvSpPr/>
+            <p:nvPr/>
+          </p:nvSpPr>
+          <p:spPr>
+            <a:xfrm>
+              <a:off x="8331925" y="2597450"/>
+              <a:ext cx="875995" cy="395133"/>
+            </a:xfrm>
+            <a:prstGeom prst="roundRect">
+              <a:avLst/>
+            </a:prstGeom>
+          </p:spPr>
+          <p:style>
+            <a:lnRef idx="2">
+              <a:schemeClr val="accent1">
+                <a:shade val="50000"/>
+              </a:schemeClr>
+            </a:lnRef>
+            <a:fillRef idx="1">
+              <a:schemeClr val="accent1"/>
+            </a:fillRef>
+            <a:effectRef idx="0">
+              <a:schemeClr val="accent1"/>
+            </a:effectRef>
+            <a:fontRef idx="minor">
+              <a:schemeClr val="lt1"/>
+            </a:fontRef>
+          </p:style>
+          <p:txBody>
+            <a:bodyPr rtlCol="0" anchor="ctr"/>
+            <a:lstStyle/>
+            <a:p>
+              <a:pPr algn="ctr"/>
+              <a:r>
+                <a:rPr lang="en-US" sz="1000" dirty="0" err="1" smtClean="0"/>
+                <a:t>npropylooh</a:t>
+              </a:r>
+              <a:endParaRPr lang="en-US" sz="1000" dirty="0"/>
+            </a:p>
+          </p:txBody>
+        </p:sp>
+        <p:sp>
+          <p:nvSpPr>
+            <p:cNvPr id="32" name="Rounded Rectangle 31"/>
+            <p:cNvSpPr/>
+            <p:nvPr/>
+          </p:nvSpPr>
+          <p:spPr>
+            <a:xfrm>
+              <a:off x="8331734" y="685522"/>
+              <a:ext cx="875995" cy="395133"/>
+            </a:xfrm>
+            <a:prstGeom prst="roundRect">
+              <a:avLst/>
+            </a:prstGeom>
+          </p:spPr>
+          <p:style>
+            <a:lnRef idx="2">
+              <a:schemeClr val="accent1">
+                <a:shade val="50000"/>
+              </a:schemeClr>
+            </a:lnRef>
+            <a:fillRef idx="1">
+              <a:schemeClr val="accent1"/>
+            </a:fillRef>
+            <a:effectRef idx="0">
+              <a:schemeClr val="accent1"/>
+            </a:effectRef>
+            <a:fontRef idx="minor">
+              <a:schemeClr val="lt1"/>
+            </a:fontRef>
+          </p:style>
+          <p:txBody>
+            <a:bodyPr rtlCol="0" anchor="ctr"/>
+            <a:lstStyle/>
+            <a:p>
+              <a:pPr algn="ctr"/>
+              <a:r>
+                <a:rPr lang="en-US" sz="1000" dirty="0" err="1" smtClean="0"/>
+                <a:t>npropyloxy</a:t>
+              </a:r>
+              <a:endParaRPr lang="en-US" sz="1000" dirty="0"/>
+            </a:p>
+          </p:txBody>
+        </p:sp>
+        <p:sp>
+          <p:nvSpPr>
+            <p:cNvPr id="22" name="Rounded Rectangle 21"/>
+            <p:cNvSpPr/>
+            <p:nvPr/>
+          </p:nvSpPr>
+          <p:spPr>
+            <a:xfrm>
+              <a:off x="6415456" y="1678590"/>
+              <a:ext cx="600075" cy="395133"/>
+            </a:xfrm>
+            <a:prstGeom prst="roundRect">
+              <a:avLst/>
+            </a:prstGeom>
+          </p:spPr>
+          <p:style>
+            <a:lnRef idx="2">
+              <a:schemeClr val="accent1">
+                <a:shade val="50000"/>
+              </a:schemeClr>
+            </a:lnRef>
+            <a:fillRef idx="1">
+              <a:schemeClr val="accent1"/>
+            </a:fillRef>
+            <a:effectRef idx="0">
+              <a:schemeClr val="accent1"/>
+            </a:effectRef>
+            <a:fontRef idx="minor">
+              <a:schemeClr val="lt1"/>
+            </a:fontRef>
+          </p:style>
+          <p:txBody>
+            <a:bodyPr rtlCol="0" anchor="ctr"/>
+            <a:lstStyle/>
+            <a:p>
+              <a:pPr algn="ctr"/>
+              <a:r>
+                <a:rPr lang="en-US" sz="1000" dirty="0" smtClean="0"/>
+                <a:t>OH</a:t>
+              </a:r>
+              <a:endParaRPr lang="en-US" sz="1000" dirty="0"/>
+            </a:p>
+          </p:txBody>
+        </p:sp>
+        <p:cxnSp>
+          <p:nvCxnSpPr>
+            <p:cNvPr id="5" name="Straight Arrow Connector 4"/>
+            <p:cNvCxnSpPr>
+              <a:stCxn id="22" idx="2"/>
+              <a:endCxn id="21" idx="0"/>
+            </p:cNvCxnSpPr>
+            <p:nvPr/>
+          </p:nvCxnSpPr>
+          <p:spPr>
+            <a:xfrm>
+              <a:off x="6715494" y="2073723"/>
+              <a:ext cx="0" cy="1435135"/>
+            </a:xfrm>
+            <a:prstGeom prst="straightConnector1">
+              <a:avLst/>
+            </a:prstGeom>
+            <a:ln>
+              <a:tailEnd type="triangle"/>
+            </a:ln>
+          </p:spPr>
+          <p:style>
+            <a:lnRef idx="1">
+              <a:schemeClr val="accent1"/>
+            </a:lnRef>
+            <a:fillRef idx="0">
+              <a:schemeClr val="accent1"/>
+            </a:fillRef>
+            <a:effectRef idx="0">
+              <a:schemeClr val="accent1"/>
+            </a:effectRef>
+            <a:fontRef idx="minor">
+              <a:schemeClr val="tx1"/>
+            </a:fontRef>
+          </p:style>
+        </p:cxnSp>
+        <p:cxnSp>
+          <p:nvCxnSpPr>
+            <p:cNvPr id="45" name="Straight Arrow Connector 44"/>
+            <p:cNvCxnSpPr>
+              <a:stCxn id="21" idx="2"/>
+              <a:endCxn id="24" idx="1"/>
+            </p:cNvCxnSpPr>
+            <p:nvPr/>
+          </p:nvCxnSpPr>
+          <p:spPr>
+            <a:xfrm>
+              <a:off x="6715494" y="3903991"/>
+              <a:ext cx="1754392" cy="1401564"/>
+            </a:xfrm>
+            <a:prstGeom prst="straightConnector1">
+              <a:avLst/>
+            </a:prstGeom>
+            <a:ln>
+              <a:tailEnd type="triangle"/>
+            </a:ln>
+          </p:spPr>
+          <p:style>
+            <a:lnRef idx="1">
+              <a:schemeClr val="accent1"/>
+            </a:lnRef>
+            <a:fillRef idx="0">
+              <a:schemeClr val="accent1"/>
+            </a:fillRef>
+            <a:effectRef idx="0">
+              <a:schemeClr val="accent1"/>
+            </a:effectRef>
+            <a:fontRef idx="minor">
+              <a:schemeClr val="tx1"/>
+            </a:fontRef>
+          </p:style>
+        </p:cxnSp>
+        <p:cxnSp>
+          <p:nvCxnSpPr>
+            <p:cNvPr id="49" name="Straight Arrow Connector 48"/>
+            <p:cNvCxnSpPr>
+              <a:stCxn id="23" idx="2"/>
+              <a:endCxn id="24" idx="0"/>
+            </p:cNvCxnSpPr>
+            <p:nvPr/>
+          </p:nvCxnSpPr>
+          <p:spPr>
+            <a:xfrm>
+              <a:off x="8769922" y="3903990"/>
+              <a:ext cx="2" cy="1203998"/>
+            </a:xfrm>
+            <a:prstGeom prst="straightConnector1">
+              <a:avLst/>
+            </a:prstGeom>
+            <a:ln>
+              <a:tailEnd type="triangle"/>
+            </a:ln>
+          </p:spPr>
+          <p:style>
+            <a:lnRef idx="1">
+              <a:schemeClr val="accent1"/>
+            </a:lnRef>
+            <a:fillRef idx="0">
+              <a:schemeClr val="accent1"/>
+            </a:fillRef>
+            <a:effectRef idx="0">
+              <a:schemeClr val="accent1"/>
+            </a:effectRef>
+            <a:fontRef idx="minor">
+              <a:schemeClr val="tx1"/>
+            </a:fontRef>
+          </p:style>
+        </p:cxnSp>
+        <p:sp>
+          <p:nvSpPr>
+            <p:cNvPr id="2" name="Oval 1"/>
+            <p:cNvSpPr/>
+            <p:nvPr/>
+          </p:nvSpPr>
+          <p:spPr>
+            <a:xfrm>
+              <a:off x="4252289" y="783075"/>
+              <a:ext cx="200025" cy="200025"/>
+            </a:xfrm>
+            <a:prstGeom prst="ellipse">
+              <a:avLst/>
+            </a:prstGeom>
+          </p:spPr>
+          <p:style>
+            <a:lnRef idx="2">
+              <a:schemeClr val="accent1">
+                <a:shade val="50000"/>
+              </a:schemeClr>
+            </a:lnRef>
+            <a:fillRef idx="1">
+              <a:schemeClr val="accent1"/>
+            </a:fillRef>
+            <a:effectRef idx="0">
+              <a:schemeClr val="accent1"/>
+            </a:effectRef>
+            <a:fontRef idx="minor">
+              <a:schemeClr val="lt1"/>
+            </a:fontRef>
+          </p:style>
+          <p:txBody>
+            <a:bodyPr rtlCol="0" anchor="ctr"/>
+            <a:lstStyle/>
+            <a:p>
+              <a:pPr algn="ctr"/>
+              <a:endParaRPr lang="en-US"/>
+            </a:p>
+          </p:txBody>
+        </p:sp>
+        <p:cxnSp>
+          <p:nvCxnSpPr>
+            <p:cNvPr id="6" name="Straight Arrow Connector 5"/>
+            <p:cNvCxnSpPr>
+              <a:stCxn id="2" idx="6"/>
+              <a:endCxn id="19" idx="1"/>
+            </p:cNvCxnSpPr>
+            <p:nvPr/>
+          </p:nvCxnSpPr>
+          <p:spPr>
+            <a:xfrm flipV="1">
+              <a:off x="4452314" y="880630"/>
+              <a:ext cx="1963142" cy="2458"/>
+            </a:xfrm>
+            <a:prstGeom prst="straightConnector1">
+              <a:avLst/>
+            </a:prstGeom>
+            <a:ln>
+              <a:tailEnd type="triangle"/>
+            </a:ln>
+          </p:spPr>
+          <p:style>
+            <a:lnRef idx="1">
+              <a:schemeClr val="accent1"/>
+            </a:lnRef>
+            <a:fillRef idx="0">
+              <a:schemeClr val="accent1"/>
+            </a:fillRef>
+            <a:effectRef idx="0">
+              <a:schemeClr val="accent1"/>
+            </a:effectRef>
+            <a:fontRef idx="minor">
+              <a:schemeClr val="tx1"/>
+            </a:fontRef>
+          </p:style>
+        </p:cxnSp>
+        <p:cxnSp>
+          <p:nvCxnSpPr>
+            <p:cNvPr id="9" name="Straight Arrow Connector 8"/>
+            <p:cNvCxnSpPr>
+              <a:stCxn id="2" idx="2"/>
+              <a:endCxn id="20" idx="3"/>
+            </p:cNvCxnSpPr>
+            <p:nvPr/>
+          </p:nvCxnSpPr>
+          <p:spPr>
+            <a:xfrm flipH="1">
+              <a:off x="3609422" y="883088"/>
+              <a:ext cx="642867" cy="1"/>
+            </a:xfrm>
+            <a:prstGeom prst="straightConnector1">
+              <a:avLst/>
+            </a:prstGeom>
+            <a:ln>
+              <a:tailEnd type="triangle"/>
+            </a:ln>
+          </p:spPr>
+          <p:style>
+            <a:lnRef idx="1">
+              <a:schemeClr val="accent1"/>
+            </a:lnRef>
+            <a:fillRef idx="0">
+              <a:schemeClr val="accent1"/>
+            </a:fillRef>
+            <a:effectRef idx="0">
+              <a:schemeClr val="accent1"/>
+            </a:effectRef>
+            <a:fontRef idx="minor">
+              <a:schemeClr val="tx1"/>
+            </a:fontRef>
+          </p:style>
+        </p:cxnSp>
+        <p:cxnSp>
+          <p:nvCxnSpPr>
+            <p:cNvPr id="11" name="Straight Arrow Connector 10"/>
+            <p:cNvCxnSpPr>
+              <a:stCxn id="18" idx="0"/>
+              <a:endCxn id="2" idx="4"/>
+            </p:cNvCxnSpPr>
+            <p:nvPr/>
+          </p:nvCxnSpPr>
+          <p:spPr>
+            <a:xfrm flipH="1" flipV="1">
+              <a:off x="4352302" y="983100"/>
+              <a:ext cx="2" cy="693246"/>
+            </a:xfrm>
+            <a:prstGeom prst="straightConnector1">
+              <a:avLst/>
+            </a:prstGeom>
+            <a:ln>
+              <a:tailEnd type="triangle"/>
+            </a:ln>
+          </p:spPr>
+          <p:style>
+            <a:lnRef idx="1">
+              <a:schemeClr val="accent1"/>
+            </a:lnRef>
+            <a:fillRef idx="0">
+              <a:schemeClr val="accent1"/>
+            </a:fillRef>
+            <a:effectRef idx="0">
+              <a:schemeClr val="accent1"/>
+            </a:effectRef>
+            <a:fontRef idx="minor">
+              <a:schemeClr val="tx1"/>
+            </a:fontRef>
+          </p:style>
+        </p:cxnSp>
+        <p:cxnSp>
+          <p:nvCxnSpPr>
+            <p:cNvPr id="13" name="Straight Arrow Connector 12"/>
+            <p:cNvCxnSpPr>
+              <a:stCxn id="2" idx="5"/>
+              <a:endCxn id="22" idx="1"/>
+            </p:cNvCxnSpPr>
+            <p:nvPr/>
+          </p:nvCxnSpPr>
+          <p:spPr>
+            <a:xfrm>
+              <a:off x="4423021" y="953807"/>
+              <a:ext cx="1992435" cy="922350"/>
+            </a:xfrm>
+            <a:prstGeom prst="straightConnector1">
+              <a:avLst/>
+            </a:prstGeom>
+            <a:ln w="38100">
+              <a:solidFill>
+                <a:srgbClr val="FF0000"/>
+              </a:solidFill>
+              <a:headEnd type="none" w="med" len="med"/>
+              <a:tailEnd type="arrow" w="med" len="med"/>
+            </a:ln>
+          </p:spPr>
+          <p:style>
+            <a:lnRef idx="3">
+              <a:schemeClr val="accent2"/>
+            </a:lnRef>
+            <a:fillRef idx="0">
+              <a:schemeClr val="accent2"/>
+            </a:fillRef>
+            <a:effectRef idx="2">
+              <a:schemeClr val="accent2"/>
+            </a:effectRef>
+            <a:fontRef idx="minor">
+              <a:schemeClr val="tx1"/>
+            </a:fontRef>
+          </p:style>
+        </p:cxnSp>
+        <p:sp>
+          <p:nvSpPr>
+            <p:cNvPr id="48" name="Oval 47"/>
+            <p:cNvSpPr/>
+            <p:nvPr/>
+          </p:nvSpPr>
+          <p:spPr>
+            <a:xfrm>
+              <a:off x="4252289" y="2221894"/>
+              <a:ext cx="200025" cy="200025"/>
+            </a:xfrm>
+            <a:prstGeom prst="ellipse">
+              <a:avLst/>
+            </a:prstGeom>
+          </p:spPr>
+          <p:style>
+            <a:lnRef idx="2">
+              <a:schemeClr val="accent1">
+                <a:shade val="50000"/>
+              </a:schemeClr>
+            </a:lnRef>
+            <a:fillRef idx="1">
+              <a:schemeClr val="accent1"/>
+            </a:fillRef>
+            <a:effectRef idx="0">
+              <a:schemeClr val="accent1"/>
+            </a:effectRef>
+            <a:fontRef idx="minor">
+              <a:schemeClr val="lt1"/>
+            </a:fontRef>
+          </p:style>
+          <p:txBody>
+            <a:bodyPr rtlCol="0" anchor="ctr"/>
+            <a:lstStyle/>
+            <a:p>
+              <a:pPr algn="ctr"/>
+              <a:endParaRPr lang="en-US"/>
+            </a:p>
+          </p:txBody>
+        </p:sp>
+        <p:cxnSp>
+          <p:nvCxnSpPr>
+            <p:cNvPr id="34" name="Straight Arrow Connector 33"/>
+            <p:cNvCxnSpPr>
+              <a:stCxn id="17" idx="0"/>
+              <a:endCxn id="48" idx="4"/>
+            </p:cNvCxnSpPr>
+            <p:nvPr/>
+          </p:nvCxnSpPr>
+          <p:spPr>
+            <a:xfrm flipH="1" flipV="1">
+              <a:off x="4352302" y="2421919"/>
+              <a:ext cx="3" cy="155027"/>
+            </a:xfrm>
+            <a:prstGeom prst="straightConnector1">
+              <a:avLst/>
+            </a:prstGeom>
+            <a:ln>
+              <a:tailEnd type="triangle"/>
+            </a:ln>
+          </p:spPr>
+          <p:style>
+            <a:lnRef idx="1">
+              <a:schemeClr val="accent1"/>
+            </a:lnRef>
+            <a:fillRef idx="0">
+              <a:schemeClr val="accent1"/>
+            </a:fillRef>
+            <a:effectRef idx="0">
+              <a:schemeClr val="accent1"/>
+            </a:effectRef>
+            <a:fontRef idx="minor">
+              <a:schemeClr val="tx1"/>
+            </a:fontRef>
+          </p:style>
+        </p:cxnSp>
+        <p:cxnSp>
+          <p:nvCxnSpPr>
+            <p:cNvPr id="36" name="Straight Arrow Connector 35"/>
+            <p:cNvCxnSpPr>
+              <a:stCxn id="48" idx="0"/>
+              <a:endCxn id="18" idx="2"/>
+            </p:cNvCxnSpPr>
+            <p:nvPr/>
+          </p:nvCxnSpPr>
+          <p:spPr>
+            <a:xfrm flipV="1">
+              <a:off x="4352302" y="2071479"/>
+              <a:ext cx="2" cy="150415"/>
+            </a:xfrm>
+            <a:prstGeom prst="straightConnector1">
+              <a:avLst/>
+            </a:prstGeom>
+            <a:ln>
+              <a:tailEnd type="triangle"/>
+            </a:ln>
+          </p:spPr>
+          <p:style>
+            <a:lnRef idx="1">
+              <a:schemeClr val="accent1"/>
+            </a:lnRef>
+            <a:fillRef idx="0">
+              <a:schemeClr val="accent1"/>
+            </a:fillRef>
+            <a:effectRef idx="0">
+              <a:schemeClr val="accent1"/>
+            </a:effectRef>
+            <a:fontRef idx="minor">
+              <a:schemeClr val="tx1"/>
+            </a:fontRef>
+          </p:style>
+        </p:cxnSp>
+        <p:cxnSp>
+          <p:nvCxnSpPr>
+            <p:cNvPr id="40" name="Straight Arrow Connector 39"/>
+            <p:cNvCxnSpPr>
+              <a:stCxn id="48" idx="6"/>
+              <a:endCxn id="19" idx="1"/>
+            </p:cNvCxnSpPr>
+            <p:nvPr/>
+          </p:nvCxnSpPr>
+          <p:spPr>
+            <a:xfrm flipV="1">
+              <a:off x="4452314" y="880630"/>
+              <a:ext cx="1963142" cy="1441277"/>
+            </a:xfrm>
+            <a:prstGeom prst="straightConnector1">
+              <a:avLst/>
+            </a:prstGeom>
+            <a:ln>
+              <a:tailEnd type="triangle"/>
+            </a:ln>
+          </p:spPr>
+          <p:style>
+            <a:lnRef idx="1">
+              <a:schemeClr val="accent1"/>
+            </a:lnRef>
+            <a:fillRef idx="0">
+              <a:schemeClr val="accent1"/>
+            </a:fillRef>
+            <a:effectRef idx="0">
+              <a:schemeClr val="accent1"/>
+            </a:effectRef>
+            <a:fontRef idx="minor">
+              <a:schemeClr val="tx1"/>
+            </a:fontRef>
+          </p:style>
+        </p:cxnSp>
+        <p:sp>
+          <p:nvSpPr>
+            <p:cNvPr id="58" name="Oval 57"/>
+            <p:cNvSpPr/>
+            <p:nvPr/>
+          </p:nvSpPr>
+          <p:spPr>
+            <a:xfrm>
+              <a:off x="4252289" y="3143152"/>
+              <a:ext cx="200025" cy="200025"/>
+            </a:xfrm>
+            <a:prstGeom prst="ellipse">
+              <a:avLst/>
+            </a:prstGeom>
+          </p:spPr>
+          <p:style>
+            <a:lnRef idx="2">
+              <a:schemeClr val="accent1">
+                <a:shade val="50000"/>
+              </a:schemeClr>
+            </a:lnRef>
+            <a:fillRef idx="1">
+              <a:schemeClr val="accent1"/>
+            </a:fillRef>
+            <a:effectRef idx="0">
+              <a:schemeClr val="accent1"/>
+            </a:effectRef>
+            <a:fontRef idx="minor">
+              <a:schemeClr val="lt1"/>
+            </a:fontRef>
+          </p:style>
+          <p:txBody>
+            <a:bodyPr rtlCol="0" anchor="ctr"/>
+            <a:lstStyle/>
+            <a:p>
+              <a:pPr algn="ctr"/>
+              <a:endParaRPr lang="en-US"/>
+            </a:p>
+          </p:txBody>
+        </p:sp>
+        <p:cxnSp>
+          <p:nvCxnSpPr>
+            <p:cNvPr id="52" name="Straight Arrow Connector 51"/>
+            <p:cNvCxnSpPr>
+              <a:stCxn id="16" idx="0"/>
+              <a:endCxn id="58" idx="4"/>
+            </p:cNvCxnSpPr>
+            <p:nvPr/>
+          </p:nvCxnSpPr>
+          <p:spPr>
+            <a:xfrm flipH="1" flipV="1">
+              <a:off x="4352302" y="3343177"/>
+              <a:ext cx="2" cy="165681"/>
+            </a:xfrm>
+            <a:prstGeom prst="straightConnector1">
+              <a:avLst/>
+            </a:prstGeom>
+            <a:ln>
+              <a:tailEnd type="triangle"/>
+            </a:ln>
+          </p:spPr>
+          <p:style>
+            <a:lnRef idx="1">
+              <a:schemeClr val="accent1"/>
+            </a:lnRef>
+            <a:fillRef idx="0">
+              <a:schemeClr val="accent1"/>
+            </a:fillRef>
+            <a:effectRef idx="0">
+              <a:schemeClr val="accent1"/>
+            </a:effectRef>
+            <a:fontRef idx="minor">
+              <a:schemeClr val="tx1"/>
+            </a:fontRef>
+          </p:style>
+        </p:cxnSp>
+        <p:cxnSp>
+          <p:nvCxnSpPr>
+            <p:cNvPr id="56" name="Straight Arrow Connector 55"/>
+            <p:cNvCxnSpPr>
+              <a:stCxn id="58" idx="0"/>
+              <a:endCxn id="17" idx="2"/>
+            </p:cNvCxnSpPr>
+            <p:nvPr/>
+          </p:nvCxnSpPr>
+          <p:spPr>
+            <a:xfrm flipV="1">
+              <a:off x="4352302" y="2972079"/>
+              <a:ext cx="3" cy="171073"/>
+            </a:xfrm>
+            <a:prstGeom prst="straightConnector1">
+              <a:avLst/>
+            </a:prstGeom>
+            <a:ln>
+              <a:tailEnd type="triangle"/>
+            </a:ln>
+          </p:spPr>
+          <p:style>
+            <a:lnRef idx="1">
+              <a:schemeClr val="accent1"/>
+            </a:lnRef>
+            <a:fillRef idx="0">
+              <a:schemeClr val="accent1"/>
+            </a:fillRef>
+            <a:effectRef idx="0">
+              <a:schemeClr val="accent1"/>
+            </a:effectRef>
+            <a:fontRef idx="minor">
+              <a:schemeClr val="tx1"/>
+            </a:fontRef>
+          </p:style>
+        </p:cxnSp>
+        <p:sp>
+          <p:nvSpPr>
+            <p:cNvPr id="73" name="Oval 72"/>
+            <p:cNvSpPr/>
+            <p:nvPr/>
+          </p:nvSpPr>
+          <p:spPr>
+            <a:xfrm>
+              <a:off x="5583904" y="3606383"/>
+              <a:ext cx="200025" cy="200025"/>
+            </a:xfrm>
+            <a:prstGeom prst="ellipse">
+              <a:avLst/>
+            </a:prstGeom>
+          </p:spPr>
+          <p:style>
+            <a:lnRef idx="2">
+              <a:schemeClr val="accent1">
+                <a:shade val="50000"/>
+              </a:schemeClr>
+            </a:lnRef>
+            <a:fillRef idx="1">
+              <a:schemeClr val="accent1"/>
+            </a:fillRef>
+            <a:effectRef idx="0">
+              <a:schemeClr val="accent1"/>
+            </a:effectRef>
+            <a:fontRef idx="minor">
+              <a:schemeClr val="lt1"/>
+            </a:fontRef>
+          </p:style>
+          <p:txBody>
+            <a:bodyPr rtlCol="0" anchor="ctr"/>
+            <a:lstStyle/>
+            <a:p>
+              <a:pPr algn="ctr"/>
+              <a:endParaRPr lang="en-US"/>
+            </a:p>
+          </p:txBody>
+        </p:sp>
+        <p:cxnSp>
+          <p:nvCxnSpPr>
+            <p:cNvPr id="75" name="Straight Arrow Connector 74"/>
+            <p:cNvCxnSpPr>
+              <a:stCxn id="21" idx="1"/>
+              <a:endCxn id="73" idx="6"/>
+            </p:cNvCxnSpPr>
+            <p:nvPr/>
+          </p:nvCxnSpPr>
+          <p:spPr>
+            <a:xfrm flipH="1" flipV="1">
+              <a:off x="5783929" y="3706396"/>
+              <a:ext cx="631527" cy="29"/>
+            </a:xfrm>
+            <a:prstGeom prst="straightConnector1">
+              <a:avLst/>
+            </a:prstGeom>
+            <a:ln>
+              <a:tailEnd type="triangle"/>
+            </a:ln>
+          </p:spPr>
+          <p:style>
+            <a:lnRef idx="1">
+              <a:schemeClr val="accent1"/>
+            </a:lnRef>
+            <a:fillRef idx="0">
+              <a:schemeClr val="accent1"/>
+            </a:fillRef>
+            <a:effectRef idx="0">
+              <a:schemeClr val="accent1"/>
+            </a:effectRef>
+            <a:fontRef idx="minor">
+              <a:schemeClr val="tx1"/>
+            </a:fontRef>
+          </p:style>
+        </p:cxnSp>
+        <p:cxnSp>
+          <p:nvCxnSpPr>
+            <p:cNvPr id="77" name="Straight Arrow Connector 76"/>
+            <p:cNvCxnSpPr>
+              <a:stCxn id="73" idx="2"/>
+              <a:endCxn id="16" idx="3"/>
+            </p:cNvCxnSpPr>
+            <p:nvPr/>
+          </p:nvCxnSpPr>
+          <p:spPr>
+            <a:xfrm flipH="1">
+              <a:off x="4652341" y="3706396"/>
+              <a:ext cx="931563" cy="29"/>
+            </a:xfrm>
+            <a:prstGeom prst="straightConnector1">
+              <a:avLst/>
+            </a:prstGeom>
+            <a:ln>
+              <a:tailEnd type="triangle"/>
+            </a:ln>
+          </p:spPr>
+          <p:style>
+            <a:lnRef idx="1">
+              <a:schemeClr val="accent1"/>
+            </a:lnRef>
+            <a:fillRef idx="0">
+              <a:schemeClr val="accent1"/>
+            </a:fillRef>
+            <a:effectRef idx="0">
+              <a:schemeClr val="accent1"/>
+            </a:effectRef>
+            <a:fontRef idx="minor">
+              <a:schemeClr val="tx1"/>
+            </a:fontRef>
+          </p:style>
+        </p:cxnSp>
+        <p:sp>
+          <p:nvSpPr>
+            <p:cNvPr id="82" name="Oval 81"/>
+            <p:cNvSpPr/>
+            <p:nvPr/>
+          </p:nvSpPr>
+          <p:spPr>
+            <a:xfrm>
+              <a:off x="7547044" y="3606383"/>
+              <a:ext cx="200025" cy="200025"/>
+            </a:xfrm>
+            <a:prstGeom prst="ellipse">
+              <a:avLst/>
+            </a:prstGeom>
+          </p:spPr>
+          <p:style>
+            <a:lnRef idx="2">
+              <a:schemeClr val="accent1">
+                <a:shade val="50000"/>
+              </a:schemeClr>
+            </a:lnRef>
+            <a:fillRef idx="1">
+              <a:schemeClr val="accent1"/>
+            </a:fillRef>
+            <a:effectRef idx="0">
+              <a:schemeClr val="accent1"/>
+            </a:effectRef>
+            <a:fontRef idx="minor">
+              <a:schemeClr val="lt1"/>
+            </a:fontRef>
+          </p:style>
+          <p:txBody>
+            <a:bodyPr rtlCol="0" anchor="ctr"/>
+            <a:lstStyle/>
+            <a:p>
+              <a:pPr algn="ctr"/>
+              <a:endParaRPr lang="en-US"/>
+            </a:p>
+          </p:txBody>
+        </p:sp>
+        <p:cxnSp>
+          <p:nvCxnSpPr>
+            <p:cNvPr id="84" name="Straight Arrow Connector 83"/>
+            <p:cNvCxnSpPr>
+              <a:stCxn id="21" idx="3"/>
+              <a:endCxn id="82" idx="2"/>
+            </p:cNvCxnSpPr>
+            <p:nvPr/>
+          </p:nvCxnSpPr>
+          <p:spPr>
+            <a:xfrm flipV="1">
+              <a:off x="7015531" y="3706396"/>
+              <a:ext cx="531513" cy="29"/>
+            </a:xfrm>
+            <a:prstGeom prst="straightConnector1">
+              <a:avLst/>
+            </a:prstGeom>
+            <a:ln>
+              <a:tailEnd type="triangle"/>
+            </a:ln>
+          </p:spPr>
+          <p:style>
+            <a:lnRef idx="1">
+              <a:schemeClr val="accent1"/>
+            </a:lnRef>
+            <a:fillRef idx="0">
+              <a:schemeClr val="accent1"/>
+            </a:fillRef>
+            <a:effectRef idx="0">
+              <a:schemeClr val="accent1"/>
+            </a:effectRef>
+            <a:fontRef idx="minor">
+              <a:schemeClr val="tx1"/>
+            </a:fontRef>
+          </p:style>
+        </p:cxnSp>
+        <p:cxnSp>
+          <p:nvCxnSpPr>
+            <p:cNvPr id="86" name="Straight Arrow Connector 85"/>
+            <p:cNvCxnSpPr>
+              <a:stCxn id="82" idx="7"/>
+              <a:endCxn id="31" idx="2"/>
+            </p:cNvCxnSpPr>
+            <p:nvPr/>
+          </p:nvCxnSpPr>
+          <p:spPr>
+            <a:xfrm flipV="1">
+              <a:off x="7717776" y="2992583"/>
+              <a:ext cx="1052147" cy="643093"/>
+            </a:xfrm>
+            <a:prstGeom prst="straightConnector1">
+              <a:avLst/>
+            </a:prstGeom>
+            <a:ln>
+              <a:tailEnd type="triangle"/>
+            </a:ln>
+          </p:spPr>
+          <p:style>
+            <a:lnRef idx="1">
+              <a:schemeClr val="accent1"/>
+            </a:lnRef>
+            <a:fillRef idx="0">
+              <a:schemeClr val="accent1"/>
+            </a:fillRef>
+            <a:effectRef idx="0">
+              <a:schemeClr val="accent1"/>
+            </a:effectRef>
+            <a:fontRef idx="minor">
+              <a:schemeClr val="tx1"/>
+            </a:fontRef>
+          </p:style>
+        </p:cxnSp>
+        <p:cxnSp>
+          <p:nvCxnSpPr>
+            <p:cNvPr id="88" name="Straight Arrow Connector 87"/>
+            <p:cNvCxnSpPr>
+              <a:stCxn id="82" idx="6"/>
+              <a:endCxn id="23" idx="1"/>
+            </p:cNvCxnSpPr>
+            <p:nvPr/>
+          </p:nvCxnSpPr>
+          <p:spPr>
+            <a:xfrm flipV="1">
+              <a:off x="7747069" y="3706395"/>
+              <a:ext cx="722626" cy="1"/>
+            </a:xfrm>
+            <a:prstGeom prst="straightConnector1">
+              <a:avLst/>
+            </a:prstGeom>
+            <a:ln>
+              <a:tailEnd type="triangle"/>
+            </a:ln>
+          </p:spPr>
+          <p:style>
+            <a:lnRef idx="1">
+              <a:schemeClr val="accent1"/>
+            </a:lnRef>
+            <a:fillRef idx="0">
+              <a:schemeClr val="accent1"/>
+            </a:fillRef>
+            <a:effectRef idx="0">
+              <a:schemeClr val="accent1"/>
+            </a:effectRef>
+            <a:fontRef idx="minor">
+              <a:schemeClr val="tx1"/>
+            </a:fontRef>
+          </p:style>
+        </p:cxnSp>
+        <p:sp>
+          <p:nvSpPr>
+            <p:cNvPr id="98" name="Oval 97"/>
+            <p:cNvSpPr/>
+            <p:nvPr/>
+          </p:nvSpPr>
+          <p:spPr>
+            <a:xfrm>
+              <a:off x="6615480" y="4398232"/>
+              <a:ext cx="200025" cy="200025"/>
+            </a:xfrm>
+            <a:prstGeom prst="ellipse">
+              <a:avLst/>
+            </a:prstGeom>
+          </p:spPr>
+          <p:style>
+            <a:lnRef idx="2">
+              <a:schemeClr val="accent1">
+                <a:shade val="50000"/>
+              </a:schemeClr>
+            </a:lnRef>
+            <a:fillRef idx="1">
+              <a:schemeClr val="accent1"/>
+            </a:fillRef>
+            <a:effectRef idx="0">
+              <a:schemeClr val="accent1"/>
+            </a:effectRef>
+            <a:fontRef idx="minor">
+              <a:schemeClr val="lt1"/>
+            </a:fontRef>
+          </p:style>
+          <p:txBody>
+            <a:bodyPr rtlCol="0" anchor="ctr"/>
+            <a:lstStyle/>
+            <a:p>
+              <a:pPr algn="ctr"/>
+              <a:endParaRPr lang="en-US"/>
+            </a:p>
+          </p:txBody>
+        </p:sp>
+        <p:cxnSp>
+          <p:nvCxnSpPr>
+            <p:cNvPr id="100" name="Straight Arrow Connector 99"/>
+            <p:cNvCxnSpPr>
+              <a:stCxn id="21" idx="2"/>
+              <a:endCxn id="98" idx="0"/>
+            </p:cNvCxnSpPr>
+            <p:nvPr/>
+          </p:nvCxnSpPr>
+          <p:spPr>
+            <a:xfrm flipH="1">
+              <a:off x="6715493" y="3903991"/>
+              <a:ext cx="1" cy="494241"/>
+            </a:xfrm>
+            <a:prstGeom prst="straightConnector1">
+              <a:avLst/>
+            </a:prstGeom>
+            <a:ln>
+              <a:tailEnd type="triangle"/>
+            </a:ln>
+          </p:spPr>
+          <p:style>
+            <a:lnRef idx="1">
+              <a:schemeClr val="accent1"/>
+            </a:lnRef>
+            <a:fillRef idx="0">
+              <a:schemeClr val="accent1"/>
+            </a:fillRef>
+            <a:effectRef idx="0">
+              <a:schemeClr val="accent1"/>
+            </a:effectRef>
+            <a:fontRef idx="minor">
+              <a:schemeClr val="tx1"/>
+            </a:fontRef>
+          </p:style>
+        </p:cxnSp>
+        <p:cxnSp>
+          <p:nvCxnSpPr>
+            <p:cNvPr id="102" name="Straight Arrow Connector 101"/>
+            <p:cNvCxnSpPr>
+              <a:stCxn id="98" idx="4"/>
+              <a:endCxn id="30" idx="0"/>
+            </p:cNvCxnSpPr>
+            <p:nvPr/>
+          </p:nvCxnSpPr>
+          <p:spPr>
+            <a:xfrm>
+              <a:off x="6715493" y="4598257"/>
+              <a:ext cx="0" cy="533786"/>
+            </a:xfrm>
+            <a:prstGeom prst="straightConnector1">
+              <a:avLst/>
+            </a:prstGeom>
+            <a:ln>
+              <a:tailEnd type="triangle"/>
+            </a:ln>
+          </p:spPr>
+          <p:style>
+            <a:lnRef idx="1">
+              <a:schemeClr val="accent1"/>
+            </a:lnRef>
+            <a:fillRef idx="0">
+              <a:schemeClr val="accent1"/>
+            </a:fillRef>
+            <a:effectRef idx="0">
+              <a:schemeClr val="accent1"/>
+            </a:effectRef>
+            <a:fontRef idx="minor">
+              <a:schemeClr val="tx1"/>
+            </a:fontRef>
+          </p:style>
+        </p:cxnSp>
+        <p:cxnSp>
+          <p:nvCxnSpPr>
+            <p:cNvPr id="109" name="Straight Arrow Connector 108"/>
+            <p:cNvCxnSpPr>
+              <a:stCxn id="21" idx="2"/>
+              <a:endCxn id="25" idx="3"/>
+            </p:cNvCxnSpPr>
+            <p:nvPr/>
+          </p:nvCxnSpPr>
+          <p:spPr>
+            <a:xfrm flipH="1">
+              <a:off x="5118348" y="3903991"/>
+              <a:ext cx="1597146" cy="1343509"/>
+            </a:xfrm>
+            <a:prstGeom prst="straightConnector1">
+              <a:avLst/>
+            </a:prstGeom>
+            <a:ln>
+              <a:tailEnd type="triangle"/>
+            </a:ln>
+          </p:spPr>
+          <p:style>
+            <a:lnRef idx="1">
+              <a:schemeClr val="accent1"/>
+            </a:lnRef>
+            <a:fillRef idx="0">
+              <a:schemeClr val="accent1"/>
+            </a:fillRef>
+            <a:effectRef idx="0">
+              <a:schemeClr val="accent1"/>
+            </a:effectRef>
+            <a:fontRef idx="minor">
+              <a:schemeClr val="tx1"/>
+            </a:fontRef>
+          </p:style>
+        </p:cxnSp>
+        <p:sp>
+          <p:nvSpPr>
+            <p:cNvPr id="112" name="Oval 111"/>
+            <p:cNvSpPr/>
+            <p:nvPr/>
+          </p:nvSpPr>
+          <p:spPr>
+            <a:xfrm>
+              <a:off x="3868234" y="5146710"/>
+              <a:ext cx="200025" cy="200025"/>
+            </a:xfrm>
+            <a:prstGeom prst="ellipse">
+              <a:avLst/>
+            </a:prstGeom>
+          </p:spPr>
+          <p:style>
+            <a:lnRef idx="2">
+              <a:schemeClr val="accent1">
+                <a:shade val="50000"/>
+              </a:schemeClr>
+            </a:lnRef>
+            <a:fillRef idx="1">
+              <a:schemeClr val="accent1"/>
+            </a:fillRef>
+            <a:effectRef idx="0">
+              <a:schemeClr val="accent1"/>
+            </a:effectRef>
+            <a:fontRef idx="minor">
+              <a:schemeClr val="lt1"/>
+            </a:fontRef>
+          </p:style>
+          <p:txBody>
+            <a:bodyPr rtlCol="0" anchor="ctr"/>
+            <a:lstStyle/>
+            <a:p>
+              <a:pPr algn="ctr"/>
+              <a:endParaRPr lang="en-US"/>
+            </a:p>
+          </p:txBody>
+        </p:sp>
+        <p:cxnSp>
+          <p:nvCxnSpPr>
+            <p:cNvPr id="114" name="Straight Arrow Connector 113"/>
+            <p:cNvCxnSpPr>
+              <a:stCxn id="25" idx="1"/>
+              <a:endCxn id="112" idx="6"/>
+            </p:cNvCxnSpPr>
+            <p:nvPr/>
+          </p:nvCxnSpPr>
+          <p:spPr>
+            <a:xfrm flipH="1" flipV="1">
+              <a:off x="4068259" y="5246723"/>
+              <a:ext cx="450014" cy="777"/>
+            </a:xfrm>
+            <a:prstGeom prst="straightConnector1">
+              <a:avLst/>
+            </a:prstGeom>
+            <a:ln>
+              <a:tailEnd type="triangle"/>
+            </a:ln>
+          </p:spPr>
+          <p:style>
+            <a:lnRef idx="1">
+              <a:schemeClr val="accent1"/>
+            </a:lnRef>
+            <a:fillRef idx="0">
+              <a:schemeClr val="accent1"/>
+            </a:fillRef>
+            <a:effectRef idx="0">
+              <a:schemeClr val="accent1"/>
+            </a:effectRef>
+            <a:fontRef idx="minor">
+              <a:schemeClr val="tx1"/>
+            </a:fontRef>
+          </p:style>
+        </p:cxnSp>
+        <p:cxnSp>
+          <p:nvCxnSpPr>
+            <p:cNvPr id="116" name="Straight Arrow Connector 115"/>
+            <p:cNvCxnSpPr>
+              <a:stCxn id="112" idx="2"/>
+              <a:endCxn id="26" idx="3"/>
+            </p:cNvCxnSpPr>
+            <p:nvPr/>
+          </p:nvCxnSpPr>
+          <p:spPr>
+            <a:xfrm flipH="1">
+              <a:off x="3502240" y="5246723"/>
+              <a:ext cx="365994" cy="1"/>
+            </a:xfrm>
+            <a:prstGeom prst="straightConnector1">
+              <a:avLst/>
+            </a:prstGeom>
+            <a:ln>
+              <a:tailEnd type="triangle"/>
+            </a:ln>
+          </p:spPr>
+          <p:style>
+            <a:lnRef idx="1">
+              <a:schemeClr val="accent1"/>
+            </a:lnRef>
+            <a:fillRef idx="0">
+              <a:schemeClr val="accent1"/>
+            </a:fillRef>
+            <a:effectRef idx="0">
+              <a:schemeClr val="accent1"/>
+            </a:effectRef>
+            <a:fontRef idx="minor">
+              <a:schemeClr val="tx1"/>
+            </a:fontRef>
+          </p:style>
+        </p:cxnSp>
+        <p:cxnSp>
+          <p:nvCxnSpPr>
+            <p:cNvPr id="118" name="Straight Arrow Connector 117"/>
+            <p:cNvCxnSpPr>
+              <a:stCxn id="26" idx="2"/>
+              <a:endCxn id="27" idx="0"/>
+            </p:cNvCxnSpPr>
+            <p:nvPr/>
+          </p:nvCxnSpPr>
+          <p:spPr>
+            <a:xfrm flipH="1">
+              <a:off x="3159248" y="5444290"/>
+              <a:ext cx="1" cy="507178"/>
+            </a:xfrm>
+            <a:prstGeom prst="straightConnector1">
+              <a:avLst/>
+            </a:prstGeom>
+            <a:ln>
+              <a:tailEnd type="triangle"/>
+            </a:ln>
+          </p:spPr>
+          <p:style>
+            <a:lnRef idx="1">
+              <a:schemeClr val="accent1"/>
+            </a:lnRef>
+            <a:fillRef idx="0">
+              <a:schemeClr val="accent1"/>
+            </a:fillRef>
+            <a:effectRef idx="0">
+              <a:schemeClr val="accent1"/>
+            </a:effectRef>
+            <a:fontRef idx="minor">
+              <a:schemeClr val="tx1"/>
+            </a:fontRef>
+          </p:style>
+        </p:cxnSp>
+        <p:cxnSp>
+          <p:nvCxnSpPr>
+            <p:cNvPr id="123" name="Straight Arrow Connector 122"/>
+            <p:cNvCxnSpPr>
+              <a:stCxn id="32" idx="1"/>
+              <a:endCxn id="19" idx="3"/>
+            </p:cNvCxnSpPr>
+            <p:nvPr/>
+          </p:nvCxnSpPr>
+          <p:spPr>
+            <a:xfrm flipH="1" flipV="1">
+              <a:off x="7015531" y="880630"/>
+              <a:ext cx="1316203" cy="2459"/>
+            </a:xfrm>
+            <a:prstGeom prst="straightConnector1">
+              <a:avLst/>
+            </a:prstGeom>
+            <a:ln>
+              <a:tailEnd type="triangle"/>
+            </a:ln>
+          </p:spPr>
+          <p:style>
+            <a:lnRef idx="1">
+              <a:schemeClr val="accent1"/>
+            </a:lnRef>
+            <a:fillRef idx="0">
+              <a:schemeClr val="accent1"/>
+            </a:fillRef>
+            <a:effectRef idx="0">
+              <a:schemeClr val="accent1"/>
+            </a:effectRef>
+            <a:fontRef idx="minor">
+              <a:schemeClr val="tx1"/>
+            </a:fontRef>
+          </p:style>
+        </p:cxnSp>
+        <p:sp>
+          <p:nvSpPr>
+            <p:cNvPr id="127" name="Oval 126"/>
+            <p:cNvSpPr/>
+            <p:nvPr/>
+          </p:nvSpPr>
+          <p:spPr>
+            <a:xfrm>
+              <a:off x="8669718" y="1773899"/>
+              <a:ext cx="200025" cy="200025"/>
+            </a:xfrm>
+            <a:prstGeom prst="ellipse">
+              <a:avLst/>
+            </a:prstGeom>
+          </p:spPr>
+          <p:style>
+            <a:lnRef idx="2">
+              <a:schemeClr val="accent1">
+                <a:shade val="50000"/>
+              </a:schemeClr>
+            </a:lnRef>
+            <a:fillRef idx="1">
+              <a:schemeClr val="accent1"/>
+            </a:fillRef>
+            <a:effectRef idx="0">
+              <a:schemeClr val="accent1"/>
+            </a:effectRef>
+            <a:fontRef idx="minor">
+              <a:schemeClr val="lt1"/>
+            </a:fontRef>
+          </p:style>
+          <p:txBody>
+            <a:bodyPr rtlCol="0" anchor="ctr"/>
+            <a:lstStyle/>
+            <a:p>
+              <a:pPr algn="ctr"/>
+              <a:endParaRPr lang="en-US"/>
+            </a:p>
+          </p:txBody>
+        </p:sp>
+        <p:cxnSp>
+          <p:nvCxnSpPr>
+            <p:cNvPr id="129" name="Straight Arrow Connector 128"/>
+            <p:cNvCxnSpPr>
+              <a:stCxn id="31" idx="0"/>
+              <a:endCxn id="127" idx="4"/>
+            </p:cNvCxnSpPr>
+            <p:nvPr/>
+          </p:nvCxnSpPr>
+          <p:spPr>
+            <a:xfrm flipH="1" flipV="1">
+              <a:off x="8769731" y="1973924"/>
+              <a:ext cx="192" cy="623526"/>
+            </a:xfrm>
+            <a:prstGeom prst="straightConnector1">
+              <a:avLst/>
+            </a:prstGeom>
+            <a:ln>
+              <a:tailEnd type="triangle"/>
+            </a:ln>
+          </p:spPr>
+          <p:style>
+            <a:lnRef idx="1">
+              <a:schemeClr val="accent1"/>
+            </a:lnRef>
+            <a:fillRef idx="0">
+              <a:schemeClr val="accent1"/>
+            </a:fillRef>
+            <a:effectRef idx="0">
+              <a:schemeClr val="accent1"/>
+            </a:effectRef>
+            <a:fontRef idx="minor">
+              <a:schemeClr val="tx1"/>
+            </a:fontRef>
+          </p:style>
+        </p:cxnSp>
+        <p:cxnSp>
+          <p:nvCxnSpPr>
+            <p:cNvPr id="131" name="Straight Arrow Connector 130"/>
+            <p:cNvCxnSpPr>
+              <a:stCxn id="127" idx="0"/>
+              <a:endCxn id="32" idx="2"/>
+            </p:cNvCxnSpPr>
+            <p:nvPr/>
+          </p:nvCxnSpPr>
+          <p:spPr>
+            <a:xfrm flipV="1">
+              <a:off x="8769731" y="1080655"/>
+              <a:ext cx="1" cy="693244"/>
+            </a:xfrm>
+            <a:prstGeom prst="straightConnector1">
+              <a:avLst/>
+            </a:prstGeom>
+            <a:ln>
+              <a:tailEnd type="triangle"/>
+            </a:ln>
+          </p:spPr>
+          <p:style>
+            <a:lnRef idx="1">
+              <a:schemeClr val="accent1"/>
+            </a:lnRef>
+            <a:fillRef idx="0">
+              <a:schemeClr val="accent1"/>
+            </a:fillRef>
+            <a:effectRef idx="0">
+              <a:schemeClr val="accent1"/>
+            </a:effectRef>
+            <a:fontRef idx="minor">
+              <a:schemeClr val="tx1"/>
+            </a:fontRef>
+          </p:style>
+        </p:cxnSp>
+        <p:cxnSp>
+          <p:nvCxnSpPr>
+            <p:cNvPr id="138" name="Straight Arrow Connector 137"/>
+            <p:cNvCxnSpPr>
+              <a:stCxn id="127" idx="2"/>
+              <a:endCxn id="22" idx="3"/>
+            </p:cNvCxnSpPr>
+            <p:nvPr/>
+          </p:nvCxnSpPr>
+          <p:spPr>
+            <a:xfrm flipH="1">
+              <a:off x="7015531" y="1873912"/>
+              <a:ext cx="1654187" cy="2245"/>
+            </a:xfrm>
+            <a:prstGeom prst="straightConnector1">
+              <a:avLst/>
+            </a:prstGeom>
+            <a:ln w="38100">
+              <a:solidFill>
+                <a:srgbClr val="FF0000"/>
+              </a:solidFill>
+              <a:headEnd type="none" w="med" len="med"/>
+              <a:tailEnd type="arrow" w="med" len="med"/>
+            </a:ln>
+          </p:spPr>
+          <p:style>
+            <a:lnRef idx="3">
+              <a:schemeClr val="accent2"/>
+            </a:lnRef>
+            <a:fillRef idx="0">
+              <a:schemeClr val="accent2"/>
+            </a:fillRef>
+            <a:effectRef idx="2">
+              <a:schemeClr val="accent2"/>
+            </a:effectRef>
+            <a:fontRef idx="minor">
+              <a:schemeClr val="tx1"/>
+            </a:fontRef>
+          </p:style>
+        </p:cxnSp>
+        <p:cxnSp>
+          <p:nvCxnSpPr>
+            <p:cNvPr id="141" name="Straight Arrow Connector 140"/>
+            <p:cNvCxnSpPr>
+              <a:stCxn id="73" idx="0"/>
+              <a:endCxn id="22" idx="1"/>
+            </p:cNvCxnSpPr>
+            <p:nvPr/>
+          </p:nvCxnSpPr>
+          <p:spPr>
+            <a:xfrm flipV="1">
+              <a:off x="5683917" y="1876157"/>
+              <a:ext cx="731539" cy="1730226"/>
+            </a:xfrm>
+            <a:prstGeom prst="straightConnector1">
+              <a:avLst/>
+            </a:prstGeom>
+            <a:ln w="38100">
+              <a:solidFill>
+                <a:srgbClr val="FF0000"/>
+              </a:solidFill>
+              <a:headEnd type="none" w="med" len="med"/>
+              <a:tailEnd type="arrow" w="med" len="med"/>
+            </a:ln>
+          </p:spPr>
+          <p:style>
+            <a:lnRef idx="3">
+              <a:schemeClr val="accent2"/>
+            </a:lnRef>
+            <a:fillRef idx="0">
+              <a:schemeClr val="accent2"/>
+            </a:fillRef>
+            <a:effectRef idx="2">
+              <a:schemeClr val="accent2"/>
+            </a:effectRef>
+            <a:fontRef idx="minor">
+              <a:schemeClr val="tx1"/>
+            </a:fontRef>
+          </p:style>
+        </p:cxnSp>
+        <p:cxnSp>
+          <p:nvCxnSpPr>
+            <p:cNvPr id="144" name="Straight Arrow Connector 143"/>
+            <p:cNvCxnSpPr>
+              <a:stCxn id="58" idx="6"/>
+              <a:endCxn id="22" idx="1"/>
+            </p:cNvCxnSpPr>
+            <p:nvPr/>
+          </p:nvCxnSpPr>
+          <p:spPr>
+            <a:xfrm flipV="1">
+              <a:off x="4452314" y="1876157"/>
+              <a:ext cx="1963142" cy="1367008"/>
+            </a:xfrm>
+            <a:prstGeom prst="straightConnector1">
+              <a:avLst/>
+            </a:prstGeom>
+            <a:ln w="38100">
+              <a:solidFill>
+                <a:srgbClr val="FF0000"/>
+              </a:solidFill>
+              <a:headEnd type="none" w="med" len="med"/>
+              <a:tailEnd type="arrow" w="med" len="med"/>
+            </a:ln>
+          </p:spPr>
+          <p:style>
+            <a:lnRef idx="3">
+              <a:schemeClr val="accent2"/>
+            </a:lnRef>
+            <a:fillRef idx="0">
+              <a:schemeClr val="accent2"/>
+            </a:fillRef>
+            <a:effectRef idx="2">
+              <a:schemeClr val="accent2"/>
+            </a:effectRef>
+            <a:fontRef idx="minor">
+              <a:schemeClr val="tx1"/>
+            </a:fontRef>
+          </p:style>
+        </p:cxnSp>
+        <p:cxnSp>
+          <p:nvCxnSpPr>
+            <p:cNvPr id="148" name="Straight Arrow Connector 147"/>
+            <p:cNvCxnSpPr>
+              <a:stCxn id="112" idx="7"/>
+              <a:endCxn id="22" idx="1"/>
+            </p:cNvCxnSpPr>
+            <p:nvPr/>
+          </p:nvCxnSpPr>
+          <p:spPr>
+            <a:xfrm flipV="1">
+              <a:off x="4038966" y="1876157"/>
+              <a:ext cx="2376490" cy="3299846"/>
+            </a:xfrm>
+            <a:prstGeom prst="straightConnector1">
+              <a:avLst/>
+            </a:prstGeom>
+            <a:ln w="38100">
+              <a:solidFill>
+                <a:srgbClr val="FF0000"/>
+              </a:solidFill>
+              <a:headEnd type="none" w="med" len="med"/>
+              <a:tailEnd type="arrow" w="med" len="med"/>
+            </a:ln>
+          </p:spPr>
+          <p:style>
+            <a:lnRef idx="3">
+              <a:schemeClr val="accent2"/>
+            </a:lnRef>
+            <a:fillRef idx="0">
+              <a:schemeClr val="accent2"/>
+            </a:fillRef>
+            <a:effectRef idx="2">
+              <a:schemeClr val="accent2"/>
+            </a:effectRef>
+            <a:fontRef idx="minor">
+              <a:schemeClr val="tx1"/>
+            </a:fontRef>
+          </p:style>
+        </p:cxnSp>
+        <p:cxnSp>
+          <p:nvCxnSpPr>
+            <p:cNvPr id="162" name="Curved Connector 161"/>
+            <p:cNvCxnSpPr>
+              <a:stCxn id="98" idx="6"/>
+              <a:endCxn id="22" idx="3"/>
+            </p:cNvCxnSpPr>
+            <p:nvPr/>
+          </p:nvCxnSpPr>
+          <p:spPr>
+            <a:xfrm flipV="1">
+              <a:off x="6815505" y="1876157"/>
+              <a:ext cx="200026" cy="2622088"/>
+            </a:xfrm>
+            <a:prstGeom prst="curvedConnector3">
+              <a:avLst>
+                <a:gd name="adj1" fmla="val 281388"/>
+              </a:avLst>
+            </a:prstGeom>
+            <a:ln w="38100">
+              <a:solidFill>
+                <a:srgbClr val="FF0000"/>
+              </a:solidFill>
+              <a:headEnd type="none" w="med" len="med"/>
+              <a:tailEnd type="arrow" w="med" len="med"/>
+            </a:ln>
+          </p:spPr>
+          <p:style>
+            <a:lnRef idx="1">
+              <a:schemeClr val="accent1"/>
+            </a:lnRef>
+            <a:fillRef idx="0">
+              <a:schemeClr val="accent1"/>
+            </a:fillRef>
+            <a:effectRef idx="0">
+              <a:schemeClr val="accent1"/>
+            </a:effectRef>
+            <a:fontRef idx="minor">
+              <a:schemeClr val="tx1"/>
+            </a:fontRef>
+          </p:style>
+        </p:cxnSp>
+      </p:grpSp>
+    </p:spTree>
+    <p:extLst>
+      <p:ext uri="{BB962C8B-B14F-4D97-AF65-F5344CB8AC3E}">
+        <p14:creationId xmlns:p14="http://schemas.microsoft.com/office/powerpoint/2010/main" val="1826111048"/>
       </p:ext>
     </p:extLst>
   </p:cSld>

--- a/theory/figures/n_propane_figures.pptx
+++ b/theory/figures/n_propane_figures.pptx
@@ -257,7 +257,7 @@
           <a:p>
             <a:fld id="{2B93A6E2-3377-42DD-97E0-D38586549EFF}" type="datetimeFigureOut">
               <a:rPr lang="en-US" smtClean="0"/>
-              <a:t>2/2/2018</a:t>
+              <a:t>2/5/2018</a:t>
             </a:fld>
             <a:endParaRPr lang="en-US"/>
           </a:p>
@@ -427,7 +427,7 @@
           <a:p>
             <a:fld id="{2B93A6E2-3377-42DD-97E0-D38586549EFF}" type="datetimeFigureOut">
               <a:rPr lang="en-US" smtClean="0"/>
-              <a:t>2/2/2018</a:t>
+              <a:t>2/5/2018</a:t>
             </a:fld>
             <a:endParaRPr lang="en-US"/>
           </a:p>
@@ -607,7 +607,7 @@
           <a:p>
             <a:fld id="{2B93A6E2-3377-42DD-97E0-D38586549EFF}" type="datetimeFigureOut">
               <a:rPr lang="en-US" smtClean="0"/>
-              <a:t>2/2/2018</a:t>
+              <a:t>2/5/2018</a:t>
             </a:fld>
             <a:endParaRPr lang="en-US"/>
           </a:p>
@@ -777,7 +777,7 @@
           <a:p>
             <a:fld id="{2B93A6E2-3377-42DD-97E0-D38586549EFF}" type="datetimeFigureOut">
               <a:rPr lang="en-US" smtClean="0"/>
-              <a:t>2/2/2018</a:t>
+              <a:t>2/5/2018</a:t>
             </a:fld>
             <a:endParaRPr lang="en-US"/>
           </a:p>
@@ -1023,7 +1023,7 @@
           <a:p>
             <a:fld id="{2B93A6E2-3377-42DD-97E0-D38586549EFF}" type="datetimeFigureOut">
               <a:rPr lang="en-US" smtClean="0"/>
-              <a:t>2/2/2018</a:t>
+              <a:t>2/5/2018</a:t>
             </a:fld>
             <a:endParaRPr lang="en-US"/>
           </a:p>
@@ -1255,7 +1255,7 @@
           <a:p>
             <a:fld id="{2B93A6E2-3377-42DD-97E0-D38586549EFF}" type="datetimeFigureOut">
               <a:rPr lang="en-US" smtClean="0"/>
-              <a:t>2/2/2018</a:t>
+              <a:t>2/5/2018</a:t>
             </a:fld>
             <a:endParaRPr lang="en-US"/>
           </a:p>
@@ -1622,7 +1622,7 @@
           <a:p>
             <a:fld id="{2B93A6E2-3377-42DD-97E0-D38586549EFF}" type="datetimeFigureOut">
               <a:rPr lang="en-US" smtClean="0"/>
-              <a:t>2/2/2018</a:t>
+              <a:t>2/5/2018</a:t>
             </a:fld>
             <a:endParaRPr lang="en-US"/>
           </a:p>
@@ -1740,7 +1740,7 @@
           <a:p>
             <a:fld id="{2B93A6E2-3377-42DD-97E0-D38586549EFF}" type="datetimeFigureOut">
               <a:rPr lang="en-US" smtClean="0"/>
-              <a:t>2/2/2018</a:t>
+              <a:t>2/5/2018</a:t>
             </a:fld>
             <a:endParaRPr lang="en-US"/>
           </a:p>
@@ -1835,7 +1835,7 @@
           <a:p>
             <a:fld id="{2B93A6E2-3377-42DD-97E0-D38586549EFF}" type="datetimeFigureOut">
               <a:rPr lang="en-US" smtClean="0"/>
-              <a:t>2/2/2018</a:t>
+              <a:t>2/5/2018</a:t>
             </a:fld>
             <a:endParaRPr lang="en-US"/>
           </a:p>
@@ -2112,7 +2112,7 @@
           <a:p>
             <a:fld id="{2B93A6E2-3377-42DD-97E0-D38586549EFF}" type="datetimeFigureOut">
               <a:rPr lang="en-US" smtClean="0"/>
-              <a:t>2/2/2018</a:t>
+              <a:t>2/5/2018</a:t>
             </a:fld>
             <a:endParaRPr lang="en-US"/>
           </a:p>
@@ -2365,7 +2365,7 @@
           <a:p>
             <a:fld id="{2B93A6E2-3377-42DD-97E0-D38586549EFF}" type="datetimeFigureOut">
               <a:rPr lang="en-US" smtClean="0"/>
-              <a:t>2/2/2018</a:t>
+              <a:t>2/5/2018</a:t>
             </a:fld>
             <a:endParaRPr lang="en-US"/>
           </a:p>
@@ -2578,7 +2578,7 @@
           <a:p>
             <a:fld id="{2B93A6E2-3377-42DD-97E0-D38586549EFF}" type="datetimeFigureOut">
               <a:rPr lang="en-US" smtClean="0"/>
-              <a:t>2/2/2018</a:t>
+              <a:t>2/5/2018</a:t>
             </a:fld>
             <a:endParaRPr lang="en-US"/>
           </a:p>
@@ -3661,7 +3661,7 @@
         </p:nvGrpSpPr>
         <p:grpSpPr>
           <a:xfrm>
-            <a:off x="2362200" y="285750"/>
+            <a:off x="2362200" y="521135"/>
             <a:ext cx="7362825" cy="6181725"/>
             <a:chOff x="2362200" y="285750"/>
             <a:chExt cx="7362825" cy="6181725"/>
@@ -5904,6 +5904,36 @@
           </p:style>
         </p:cxnSp>
       </p:grpSp>
+      <p:sp>
+        <p:nvSpPr>
+          <p:cNvPr id="59" name="TextBox 58"/>
+          <p:cNvSpPr txBox="1"/>
+          <p:nvPr/>
+        </p:nvSpPr>
+        <p:spPr>
+          <a:xfrm>
+            <a:off x="4052266" y="47084"/>
+            <a:ext cx="3545842" cy="369332"/>
+          </a:xfrm>
+          <a:prstGeom prst="rect">
+            <a:avLst/>
+          </a:prstGeom>
+          <a:noFill/>
+        </p:spPr>
+        <p:txBody>
+          <a:bodyPr wrap="none" rtlCol="0">
+            <a:spAutoFit/>
+          </a:bodyPr>
+          <a:lstStyle/>
+          <a:p>
+            <a:r>
+              <a:rPr lang="en-US" dirty="0" smtClean="0"/>
+              <a:t>All chemistry using top 10 pathways</a:t>
+            </a:r>
+            <a:endParaRPr lang="en-US" dirty="0"/>
+          </a:p>
+        </p:txBody>
+      </p:sp>
     </p:spTree>
     <p:extLst>
       <p:ext uri="{BB962C8B-B14F-4D97-AF65-F5344CB8AC3E}">
@@ -8122,6 +8152,36 @@
           </a:fontRef>
         </p:style>
       </p:cxnSp>
+      <p:sp>
+        <p:nvSpPr>
+          <p:cNvPr id="59" name="TextBox 58"/>
+          <p:cNvSpPr txBox="1"/>
+          <p:nvPr/>
+        </p:nvSpPr>
+        <p:spPr>
+          <a:xfrm>
+            <a:off x="4052266" y="47084"/>
+            <a:ext cx="3545842" cy="369332"/>
+          </a:xfrm>
+          <a:prstGeom prst="rect">
+            <a:avLst/>
+          </a:prstGeom>
+          <a:noFill/>
+        </p:spPr>
+        <p:txBody>
+          <a:bodyPr wrap="none" rtlCol="0">
+            <a:spAutoFit/>
+          </a:bodyPr>
+          <a:lstStyle/>
+          <a:p>
+            <a:r>
+              <a:rPr lang="en-US" dirty="0" smtClean="0"/>
+              <a:t>All chemistry using top 10 pathways</a:t>
+            </a:r>
+            <a:endParaRPr lang="en-US" dirty="0"/>
+          </a:p>
+        </p:txBody>
+      </p:sp>
     </p:spTree>
     <p:extLst>
       <p:ext uri="{BB962C8B-B14F-4D97-AF65-F5344CB8AC3E}">
@@ -9572,6 +9632,36 @@
           </a:fontRef>
         </p:style>
       </p:cxnSp>
+      <p:sp>
+        <p:nvSpPr>
+          <p:cNvPr id="3" name="TextBox 2"/>
+          <p:cNvSpPr txBox="1"/>
+          <p:nvPr/>
+        </p:nvSpPr>
+        <p:spPr>
+          <a:xfrm>
+            <a:off x="3775294" y="0"/>
+            <a:ext cx="4064382" cy="369332"/>
+          </a:xfrm>
+          <a:prstGeom prst="rect">
+            <a:avLst/>
+          </a:prstGeom>
+          <a:noFill/>
+        </p:spPr>
+        <p:txBody>
+          <a:bodyPr wrap="none" rtlCol="0">
+            <a:spAutoFit/>
+          </a:bodyPr>
+          <a:lstStyle/>
+          <a:p>
+            <a:r>
+              <a:rPr lang="en-US" dirty="0" smtClean="0"/>
+              <a:t>OH catalytic cycles using top 10 pathways</a:t>
+            </a:r>
+            <a:endParaRPr lang="en-US" dirty="0"/>
+          </a:p>
+        </p:txBody>
+      </p:sp>
     </p:spTree>
     <p:extLst>
       <p:ext uri="{BB962C8B-B14F-4D97-AF65-F5344CB8AC3E}">
@@ -11085,6 +11175,36 @@
           </p:style>
         </p:cxnSp>
       </p:grpSp>
+      <p:sp>
+        <p:nvSpPr>
+          <p:cNvPr id="39" name="TextBox 38"/>
+          <p:cNvSpPr txBox="1"/>
+          <p:nvPr/>
+        </p:nvSpPr>
+        <p:spPr>
+          <a:xfrm>
+            <a:off x="4052266" y="47084"/>
+            <a:ext cx="3545842" cy="369332"/>
+          </a:xfrm>
+          <a:prstGeom prst="rect">
+            <a:avLst/>
+          </a:prstGeom>
+          <a:noFill/>
+        </p:spPr>
+        <p:txBody>
+          <a:bodyPr wrap="none" rtlCol="0">
+            <a:spAutoFit/>
+          </a:bodyPr>
+          <a:lstStyle/>
+          <a:p>
+            <a:r>
+              <a:rPr lang="en-US" dirty="0" smtClean="0"/>
+              <a:t>All chemistry using top 10 pathways</a:t>
+            </a:r>
+            <a:endParaRPr lang="en-US" dirty="0"/>
+          </a:p>
+        </p:txBody>
+      </p:sp>
     </p:spTree>
     <p:extLst>
       <p:ext uri="{BB962C8B-B14F-4D97-AF65-F5344CB8AC3E}">
@@ -28858,6 +28978,36 @@
           </a:fontRef>
         </p:style>
       </p:cxnSp>
+      <p:sp>
+        <p:nvSpPr>
+          <p:cNvPr id="57" name="TextBox 56"/>
+          <p:cNvSpPr txBox="1"/>
+          <p:nvPr/>
+        </p:nvSpPr>
+        <p:spPr>
+          <a:xfrm>
+            <a:off x="4052266" y="47084"/>
+            <a:ext cx="3545842" cy="369332"/>
+          </a:xfrm>
+          <a:prstGeom prst="rect">
+            <a:avLst/>
+          </a:prstGeom>
+          <a:noFill/>
+        </p:spPr>
+        <p:txBody>
+          <a:bodyPr wrap="none" rtlCol="0">
+            <a:spAutoFit/>
+          </a:bodyPr>
+          <a:lstStyle/>
+          <a:p>
+            <a:r>
+              <a:rPr lang="en-US" dirty="0" smtClean="0"/>
+              <a:t>All chemistry using top 10 pathways</a:t>
+            </a:r>
+            <a:endParaRPr lang="en-US" dirty="0"/>
+          </a:p>
+        </p:txBody>
+      </p:sp>
     </p:spTree>
     <p:extLst>
       <p:ext uri="{BB962C8B-B14F-4D97-AF65-F5344CB8AC3E}">

--- a/theory/figures/n_propane_figures.pptx
+++ b/theory/figures/n_propane_figures.pptx
@@ -13,13 +13,13 @@
     <p:sldId id="261" r:id="rId7"/>
     <p:sldId id="262" r:id="rId8"/>
     <p:sldId id="263" r:id="rId9"/>
-    <p:sldId id="264" r:id="rId10"/>
+    <p:sldId id="265" r:id="rId10"/>
     <p:sldId id="271" r:id="rId11"/>
-    <p:sldId id="265" r:id="rId12"/>
-    <p:sldId id="267" r:id="rId13"/>
-    <p:sldId id="268" r:id="rId14"/>
-    <p:sldId id="269" r:id="rId15"/>
-    <p:sldId id="270" r:id="rId16"/>
+    <p:sldId id="267" r:id="rId12"/>
+    <p:sldId id="268" r:id="rId13"/>
+    <p:sldId id="269" r:id="rId14"/>
+    <p:sldId id="270" r:id="rId15"/>
+    <p:sldId id="272" r:id="rId16"/>
   </p:sldIdLst>
   <p:sldSz cx="12192000" cy="6858000"/>
   <p:notesSz cx="6858000" cy="9144000"/>
@@ -5913,7 +5913,7 @@
         <p:spPr>
           <a:xfrm>
             <a:off x="4052266" y="47084"/>
-            <a:ext cx="3545842" cy="369332"/>
+            <a:ext cx="3819956" cy="369332"/>
           </a:xfrm>
           <a:prstGeom prst="rect">
             <a:avLst/>
@@ -5928,7 +5928,11 @@
           <a:p>
             <a:r>
               <a:rPr lang="en-US" dirty="0" smtClean="0"/>
-              <a:t>All chemistry using top 10 pathways</a:t>
+              <a:t>All chemistry using top 10 </a:t>
+            </a:r>
+            <a:r>
+              <a:rPr lang="en-US" dirty="0" smtClean="0"/>
+              <a:t>pathways v1</a:t>
             </a:r>
             <a:endParaRPr lang="en-US" dirty="0"/>
           </a:p>
@@ -6098,2254 +6102,6 @@
       </p:sp>
       <p:sp>
         <p:nvSpPr>
-          <p:cNvPr id="19" name="Rounded Rectangle 18"/>
-          <p:cNvSpPr/>
-          <p:nvPr/>
-        </p:nvSpPr>
-        <p:spPr>
-          <a:xfrm>
-            <a:off x="6415456" y="886467"/>
-            <a:ext cx="600075" cy="395133"/>
-          </a:xfrm>
-          <a:prstGeom prst="roundRect">
-            <a:avLst/>
-          </a:prstGeom>
-        </p:spPr>
-        <p:style>
-          <a:lnRef idx="2">
-            <a:schemeClr val="accent1">
-              <a:shade val="50000"/>
-            </a:schemeClr>
-          </a:lnRef>
-          <a:fillRef idx="1">
-            <a:schemeClr val="accent1"/>
-          </a:fillRef>
-          <a:effectRef idx="0">
-            <a:schemeClr val="accent1"/>
-          </a:effectRef>
-          <a:fontRef idx="minor">
-            <a:schemeClr val="lt1"/>
-          </a:fontRef>
-        </p:style>
-        <p:txBody>
-          <a:bodyPr rtlCol="0" anchor="ctr"/>
-          <a:lstStyle/>
-          <a:p>
-            <a:pPr algn="ctr"/>
-            <a:r>
-              <a:rPr lang="en-US" sz="1000" dirty="0" smtClean="0"/>
-              <a:t>CH</a:t>
-            </a:r>
-            <a:r>
-              <a:rPr lang="en-US" sz="1000" baseline="-25000" dirty="0" smtClean="0"/>
-              <a:t>2</a:t>
-            </a:r>
-            <a:r>
-              <a:rPr lang="en-US" sz="1000" dirty="0" smtClean="0"/>
-              <a:t>O</a:t>
-            </a:r>
-            <a:endParaRPr lang="en-US" sz="1000" dirty="0"/>
-          </a:p>
-        </p:txBody>
-      </p:sp>
-      <p:sp>
-        <p:nvSpPr>
-          <p:cNvPr id="20" name="Rounded Rectangle 19"/>
-          <p:cNvSpPr/>
-          <p:nvPr/>
-        </p:nvSpPr>
-        <p:spPr>
-          <a:xfrm>
-            <a:off x="4052266" y="882961"/>
-            <a:ext cx="600075" cy="395133"/>
-          </a:xfrm>
-          <a:prstGeom prst="roundRect">
-            <a:avLst/>
-          </a:prstGeom>
-        </p:spPr>
-        <p:style>
-          <a:lnRef idx="2">
-            <a:schemeClr val="accent1">
-              <a:shade val="50000"/>
-            </a:schemeClr>
-          </a:lnRef>
-          <a:fillRef idx="1">
-            <a:schemeClr val="accent1"/>
-          </a:fillRef>
-          <a:effectRef idx="0">
-            <a:schemeClr val="accent1"/>
-          </a:effectRef>
-          <a:fontRef idx="minor">
-            <a:schemeClr val="lt1"/>
-          </a:fontRef>
-        </p:style>
-        <p:txBody>
-          <a:bodyPr rtlCol="0" anchor="ctr"/>
-          <a:lstStyle/>
-          <a:p>
-            <a:pPr algn="ctr"/>
-            <a:r>
-              <a:rPr lang="en-US" sz="1000" dirty="0" smtClean="0"/>
-              <a:t>CO</a:t>
-            </a:r>
-            <a:endParaRPr lang="en-US" sz="1000" dirty="0"/>
-          </a:p>
-        </p:txBody>
-      </p:sp>
-      <p:sp>
-        <p:nvSpPr>
-          <p:cNvPr id="21" name="Rounded Rectangle 20"/>
-          <p:cNvSpPr/>
-          <p:nvPr/>
-        </p:nvSpPr>
-        <p:spPr>
-          <a:xfrm>
-            <a:off x="6415456" y="4757362"/>
-            <a:ext cx="600075" cy="395133"/>
-          </a:xfrm>
-          <a:prstGeom prst="roundRect">
-            <a:avLst/>
-          </a:prstGeom>
-        </p:spPr>
-        <p:style>
-          <a:lnRef idx="2">
-            <a:schemeClr val="accent1">
-              <a:shade val="50000"/>
-            </a:schemeClr>
-          </a:lnRef>
-          <a:fillRef idx="1">
-            <a:schemeClr val="accent1"/>
-          </a:fillRef>
-          <a:effectRef idx="0">
-            <a:schemeClr val="accent1"/>
-          </a:effectRef>
-          <a:fontRef idx="minor">
-            <a:schemeClr val="lt1"/>
-          </a:fontRef>
-        </p:style>
-        <p:txBody>
-          <a:bodyPr rtlCol="0" anchor="ctr"/>
-          <a:lstStyle/>
-          <a:p>
-            <a:pPr algn="ctr"/>
-            <a:r>
-              <a:rPr lang="en-US" sz="1000" dirty="0"/>
-              <a:t>w</a:t>
-            </a:r>
-            <a:r>
-              <a:rPr lang="en-US" sz="1000" dirty="0" smtClean="0"/>
-              <a:t>ell_1</a:t>
-            </a:r>
-            <a:endParaRPr lang="en-US" sz="1000" dirty="0"/>
-          </a:p>
-        </p:txBody>
-      </p:sp>
-      <p:sp>
-        <p:nvSpPr>
-          <p:cNvPr id="23" name="Rounded Rectangle 22"/>
-          <p:cNvSpPr/>
-          <p:nvPr/>
-        </p:nvSpPr>
-        <p:spPr>
-          <a:xfrm>
-            <a:off x="8800026" y="5241450"/>
-            <a:ext cx="600075" cy="395133"/>
-          </a:xfrm>
-          <a:prstGeom prst="roundRect">
-            <a:avLst/>
-          </a:prstGeom>
-        </p:spPr>
-        <p:style>
-          <a:lnRef idx="2">
-            <a:schemeClr val="accent1">
-              <a:shade val="50000"/>
-            </a:schemeClr>
-          </a:lnRef>
-          <a:fillRef idx="1">
-            <a:schemeClr val="accent1"/>
-          </a:fillRef>
-          <a:effectRef idx="0">
-            <a:schemeClr val="accent1"/>
-          </a:effectRef>
-          <a:fontRef idx="minor">
-            <a:schemeClr val="lt1"/>
-          </a:fontRef>
-        </p:style>
-        <p:txBody>
-          <a:bodyPr rtlCol="0" anchor="ctr"/>
-          <a:lstStyle/>
-          <a:p>
-            <a:pPr algn="ctr"/>
-            <a:r>
-              <a:rPr lang="en-US" sz="1000" dirty="0" err="1" smtClean="0"/>
-              <a:t>ipropyl</a:t>
-            </a:r>
-            <a:endParaRPr lang="en-US" sz="1000" dirty="0"/>
-          </a:p>
-        </p:txBody>
-      </p:sp>
-      <p:sp>
-        <p:nvSpPr>
-          <p:cNvPr id="24" name="Rounded Rectangle 23"/>
-          <p:cNvSpPr/>
-          <p:nvPr/>
-        </p:nvSpPr>
-        <p:spPr>
-          <a:xfrm>
-            <a:off x="8800026" y="5823122"/>
-            <a:ext cx="600075" cy="395133"/>
-          </a:xfrm>
-          <a:prstGeom prst="roundRect">
-            <a:avLst/>
-          </a:prstGeom>
-        </p:spPr>
-        <p:style>
-          <a:lnRef idx="2">
-            <a:schemeClr val="accent1">
-              <a:shade val="50000"/>
-            </a:schemeClr>
-          </a:lnRef>
-          <a:fillRef idx="1">
-            <a:schemeClr val="accent1"/>
-          </a:fillRef>
-          <a:effectRef idx="0">
-            <a:schemeClr val="accent1"/>
-          </a:effectRef>
-          <a:fontRef idx="minor">
-            <a:schemeClr val="lt1"/>
-          </a:fontRef>
-        </p:style>
-        <p:txBody>
-          <a:bodyPr rtlCol="0" anchor="ctr"/>
-          <a:lstStyle/>
-          <a:p>
-            <a:pPr algn="ctr"/>
-            <a:r>
-              <a:rPr lang="en-US" sz="1000" dirty="0" smtClean="0"/>
-              <a:t>C</a:t>
-            </a:r>
-            <a:r>
-              <a:rPr lang="en-US" sz="1000" baseline="-25000" dirty="0" smtClean="0"/>
-              <a:t>3</a:t>
-            </a:r>
-            <a:r>
-              <a:rPr lang="en-US" sz="1000" dirty="0" smtClean="0"/>
-              <a:t>H</a:t>
-            </a:r>
-            <a:r>
-              <a:rPr lang="en-US" sz="1000" baseline="-25000" dirty="0" smtClean="0"/>
-              <a:t>6</a:t>
-            </a:r>
-            <a:endParaRPr lang="en-US" sz="1000" baseline="-25000" dirty="0"/>
-          </a:p>
-        </p:txBody>
-      </p:sp>
-      <p:sp>
-        <p:nvSpPr>
-          <p:cNvPr id="25" name="Rounded Rectangle 24"/>
-          <p:cNvSpPr/>
-          <p:nvPr/>
-        </p:nvSpPr>
-        <p:spPr>
-          <a:xfrm>
-            <a:off x="6415453" y="6140616"/>
-            <a:ext cx="600075" cy="395133"/>
-          </a:xfrm>
-          <a:prstGeom prst="roundRect">
-            <a:avLst/>
-          </a:prstGeom>
-        </p:spPr>
-        <p:style>
-          <a:lnRef idx="2">
-            <a:schemeClr val="accent1">
-              <a:shade val="50000"/>
-            </a:schemeClr>
-          </a:lnRef>
-          <a:fillRef idx="1">
-            <a:schemeClr val="accent1"/>
-          </a:fillRef>
-          <a:effectRef idx="0">
-            <a:schemeClr val="accent1"/>
-          </a:effectRef>
-          <a:fontRef idx="minor">
-            <a:schemeClr val="lt1"/>
-          </a:fontRef>
-        </p:style>
-        <p:txBody>
-          <a:bodyPr rtlCol="0" anchor="ctr"/>
-          <a:lstStyle/>
-          <a:p>
-            <a:pPr algn="ctr"/>
-            <a:r>
-              <a:rPr lang="en-US" sz="1000" dirty="0" smtClean="0"/>
-              <a:t>prod_2</a:t>
-            </a:r>
-            <a:endParaRPr lang="en-US" sz="1000" dirty="0"/>
-          </a:p>
-        </p:txBody>
-      </p:sp>
-      <p:sp>
-        <p:nvSpPr>
-          <p:cNvPr id="26" name="Rounded Rectangle 25"/>
-          <p:cNvSpPr/>
-          <p:nvPr/>
-        </p:nvSpPr>
-        <p:spPr>
-          <a:xfrm>
-            <a:off x="10080501" y="6140615"/>
-            <a:ext cx="685983" cy="395133"/>
-          </a:xfrm>
-          <a:prstGeom prst="roundRect">
-            <a:avLst/>
-          </a:prstGeom>
-        </p:spPr>
-        <p:style>
-          <a:lnRef idx="2">
-            <a:schemeClr val="accent1">
-              <a:shade val="50000"/>
-            </a:schemeClr>
-          </a:lnRef>
-          <a:fillRef idx="1">
-            <a:schemeClr val="accent1"/>
-          </a:fillRef>
-          <a:effectRef idx="0">
-            <a:schemeClr val="accent1"/>
-          </a:effectRef>
-          <a:fontRef idx="minor">
-            <a:schemeClr val="lt1"/>
-          </a:fontRef>
-        </p:style>
-        <p:txBody>
-          <a:bodyPr rtlCol="0" anchor="ctr"/>
-          <a:lstStyle/>
-          <a:p>
-            <a:pPr algn="ctr"/>
-            <a:r>
-              <a:rPr lang="en-US" sz="1000" dirty="0" err="1" smtClean="0"/>
-              <a:t>allyloxy</a:t>
-            </a:r>
-            <a:endParaRPr lang="en-US" sz="1000" dirty="0"/>
-          </a:p>
-        </p:txBody>
-      </p:sp>
-      <p:sp>
-        <p:nvSpPr>
-          <p:cNvPr id="27" name="Rounded Rectangle 26"/>
-          <p:cNvSpPr/>
-          <p:nvPr/>
-        </p:nvSpPr>
-        <p:spPr>
-          <a:xfrm>
-            <a:off x="10080501" y="5507315"/>
-            <a:ext cx="685982" cy="395133"/>
-          </a:xfrm>
-          <a:prstGeom prst="roundRect">
-            <a:avLst/>
-          </a:prstGeom>
-        </p:spPr>
-        <p:style>
-          <a:lnRef idx="2">
-            <a:schemeClr val="accent1">
-              <a:shade val="50000"/>
-            </a:schemeClr>
-          </a:lnRef>
-          <a:fillRef idx="1">
-            <a:schemeClr val="accent1"/>
-          </a:fillRef>
-          <a:effectRef idx="0">
-            <a:schemeClr val="accent1"/>
-          </a:effectRef>
-          <a:fontRef idx="minor">
-            <a:schemeClr val="lt1"/>
-          </a:fontRef>
-        </p:style>
-        <p:txBody>
-          <a:bodyPr rtlCol="0" anchor="ctr"/>
-          <a:lstStyle/>
-          <a:p>
-            <a:pPr algn="ctr"/>
-            <a:r>
-              <a:rPr lang="en-US" sz="1000" dirty="0" err="1" smtClean="0"/>
-              <a:t>acrolein</a:t>
-            </a:r>
-            <a:endParaRPr lang="en-US" sz="1000" dirty="0"/>
-          </a:p>
-        </p:txBody>
-      </p:sp>
-      <p:sp>
-        <p:nvSpPr>
-          <p:cNvPr id="30" name="Rounded Rectangle 29"/>
-          <p:cNvSpPr/>
-          <p:nvPr/>
-        </p:nvSpPr>
-        <p:spPr>
-          <a:xfrm>
-            <a:off x="8122839" y="3228774"/>
-            <a:ext cx="816618" cy="395133"/>
-          </a:xfrm>
-          <a:prstGeom prst="roundRect">
-            <a:avLst/>
-          </a:prstGeom>
-        </p:spPr>
-        <p:style>
-          <a:lnRef idx="2">
-            <a:schemeClr val="accent1">
-              <a:shade val="50000"/>
-            </a:schemeClr>
-          </a:lnRef>
-          <a:fillRef idx="1">
-            <a:schemeClr val="accent1"/>
-          </a:fillRef>
-          <a:effectRef idx="0">
-            <a:schemeClr val="accent1"/>
-          </a:effectRef>
-          <a:fontRef idx="minor">
-            <a:schemeClr val="lt1"/>
-          </a:fontRef>
-        </p:style>
-        <p:txBody>
-          <a:bodyPr rtlCol="0" anchor="ctr"/>
-          <a:lstStyle/>
-          <a:p>
-            <a:pPr algn="ctr"/>
-            <a:r>
-              <a:rPr lang="en-US" sz="1000" dirty="0" err="1" smtClean="0"/>
-              <a:t>propoxide</a:t>
-            </a:r>
-            <a:endParaRPr lang="en-US" sz="1000" baseline="-25000" dirty="0"/>
-          </a:p>
-        </p:txBody>
-      </p:sp>
-      <p:sp>
-        <p:nvSpPr>
-          <p:cNvPr id="31" name="Rounded Rectangle 30"/>
-          <p:cNvSpPr/>
-          <p:nvPr/>
-        </p:nvSpPr>
-        <p:spPr>
-          <a:xfrm>
-            <a:off x="8661874" y="2647102"/>
-            <a:ext cx="875995" cy="395133"/>
-          </a:xfrm>
-          <a:prstGeom prst="roundRect">
-            <a:avLst/>
-          </a:prstGeom>
-        </p:spPr>
-        <p:style>
-          <a:lnRef idx="2">
-            <a:schemeClr val="accent1">
-              <a:shade val="50000"/>
-            </a:schemeClr>
-          </a:lnRef>
-          <a:fillRef idx="1">
-            <a:schemeClr val="accent1"/>
-          </a:fillRef>
-          <a:effectRef idx="0">
-            <a:schemeClr val="accent1"/>
-          </a:effectRef>
-          <a:fontRef idx="minor">
-            <a:schemeClr val="lt1"/>
-          </a:fontRef>
-        </p:style>
-        <p:txBody>
-          <a:bodyPr rtlCol="0" anchor="ctr"/>
-          <a:lstStyle/>
-          <a:p>
-            <a:pPr algn="ctr"/>
-            <a:r>
-              <a:rPr lang="en-US" sz="1000" dirty="0" err="1" smtClean="0"/>
-              <a:t>npropylooh</a:t>
-            </a:r>
-            <a:endParaRPr lang="en-US" sz="1000" dirty="0"/>
-          </a:p>
-        </p:txBody>
-      </p:sp>
-      <p:sp>
-        <p:nvSpPr>
-          <p:cNvPr id="32" name="Rounded Rectangle 31"/>
-          <p:cNvSpPr/>
-          <p:nvPr/>
-        </p:nvSpPr>
-        <p:spPr>
-          <a:xfrm>
-            <a:off x="8661876" y="886467"/>
-            <a:ext cx="875995" cy="395133"/>
-          </a:xfrm>
-          <a:prstGeom prst="roundRect">
-            <a:avLst/>
-          </a:prstGeom>
-        </p:spPr>
-        <p:style>
-          <a:lnRef idx="2">
-            <a:schemeClr val="accent1">
-              <a:shade val="50000"/>
-            </a:schemeClr>
-          </a:lnRef>
-          <a:fillRef idx="1">
-            <a:schemeClr val="accent1"/>
-          </a:fillRef>
-          <a:effectRef idx="0">
-            <a:schemeClr val="accent1"/>
-          </a:effectRef>
-          <a:fontRef idx="minor">
-            <a:schemeClr val="lt1"/>
-          </a:fontRef>
-        </p:style>
-        <p:txBody>
-          <a:bodyPr rtlCol="0" anchor="ctr"/>
-          <a:lstStyle/>
-          <a:p>
-            <a:pPr algn="ctr"/>
-            <a:r>
-              <a:rPr lang="en-US" sz="1000" dirty="0" err="1" smtClean="0"/>
-              <a:t>npropyloxy</a:t>
-            </a:r>
-            <a:endParaRPr lang="en-US" sz="1000" dirty="0"/>
-          </a:p>
-        </p:txBody>
-      </p:sp>
-      <p:sp>
-        <p:nvSpPr>
-          <p:cNvPr id="22" name="Rounded Rectangle 21"/>
-          <p:cNvSpPr/>
-          <p:nvPr/>
-        </p:nvSpPr>
-        <p:spPr>
-          <a:xfrm>
-            <a:off x="6415454" y="1930790"/>
-            <a:ext cx="600075" cy="395133"/>
-          </a:xfrm>
-          <a:prstGeom prst="roundRect">
-            <a:avLst/>
-          </a:prstGeom>
-        </p:spPr>
-        <p:style>
-          <a:lnRef idx="2">
-            <a:schemeClr val="accent1">
-              <a:shade val="50000"/>
-            </a:schemeClr>
-          </a:lnRef>
-          <a:fillRef idx="1">
-            <a:schemeClr val="accent1"/>
-          </a:fillRef>
-          <a:effectRef idx="0">
-            <a:schemeClr val="accent1"/>
-          </a:effectRef>
-          <a:fontRef idx="minor">
-            <a:schemeClr val="lt1"/>
-          </a:fontRef>
-        </p:style>
-        <p:txBody>
-          <a:bodyPr rtlCol="0" anchor="ctr"/>
-          <a:lstStyle/>
-          <a:p>
-            <a:pPr algn="ctr"/>
-            <a:r>
-              <a:rPr lang="en-US" sz="1000" dirty="0" smtClean="0"/>
-              <a:t>OH</a:t>
-            </a:r>
-            <a:endParaRPr lang="en-US" sz="1000" dirty="0"/>
-          </a:p>
-        </p:txBody>
-      </p:sp>
-      <p:cxnSp>
-        <p:nvCxnSpPr>
-          <p:cNvPr id="5" name="Straight Arrow Connector 4"/>
-          <p:cNvCxnSpPr>
-            <a:stCxn id="22" idx="2"/>
-            <a:endCxn id="21" idx="0"/>
-          </p:cNvCxnSpPr>
-          <p:nvPr/>
-        </p:nvCxnSpPr>
-        <p:spPr>
-          <a:xfrm>
-            <a:off x="6715492" y="2325923"/>
-            <a:ext cx="2" cy="2431439"/>
-          </a:xfrm>
-          <a:prstGeom prst="straightConnector1">
-            <a:avLst/>
-          </a:prstGeom>
-          <a:ln>
-            <a:solidFill>
-              <a:srgbClr val="C00000"/>
-            </a:solidFill>
-            <a:tailEnd type="triangle"/>
-          </a:ln>
-        </p:spPr>
-        <p:style>
-          <a:lnRef idx="1">
-            <a:schemeClr val="accent1"/>
-          </a:lnRef>
-          <a:fillRef idx="0">
-            <a:schemeClr val="accent1"/>
-          </a:fillRef>
-          <a:effectRef idx="0">
-            <a:schemeClr val="accent1"/>
-          </a:effectRef>
-          <a:fontRef idx="minor">
-            <a:schemeClr val="tx1"/>
-          </a:fontRef>
-        </p:style>
-      </p:cxnSp>
-      <p:cxnSp>
-        <p:nvCxnSpPr>
-          <p:cNvPr id="45" name="Straight Arrow Connector 44"/>
-          <p:cNvCxnSpPr>
-            <a:stCxn id="21" idx="2"/>
-            <a:endCxn id="24" idx="1"/>
-          </p:cNvCxnSpPr>
-          <p:nvPr/>
-        </p:nvCxnSpPr>
-        <p:spPr>
-          <a:xfrm>
-            <a:off x="6715494" y="5152495"/>
-            <a:ext cx="2084532" cy="868194"/>
-          </a:xfrm>
-          <a:prstGeom prst="straightConnector1">
-            <a:avLst/>
-          </a:prstGeom>
-          <a:ln>
-            <a:tailEnd type="triangle"/>
-          </a:ln>
-        </p:spPr>
-        <p:style>
-          <a:lnRef idx="1">
-            <a:schemeClr val="accent1"/>
-          </a:lnRef>
-          <a:fillRef idx="0">
-            <a:schemeClr val="accent1"/>
-          </a:fillRef>
-          <a:effectRef idx="0">
-            <a:schemeClr val="accent1"/>
-          </a:effectRef>
-          <a:fontRef idx="minor">
-            <a:schemeClr val="tx1"/>
-          </a:fontRef>
-        </p:style>
-      </p:cxnSp>
-      <p:cxnSp>
-        <p:nvCxnSpPr>
-          <p:cNvPr id="49" name="Straight Arrow Connector 48"/>
-          <p:cNvCxnSpPr>
-            <a:stCxn id="23" idx="2"/>
-            <a:endCxn id="24" idx="0"/>
-          </p:cNvCxnSpPr>
-          <p:nvPr/>
-        </p:nvCxnSpPr>
-        <p:spPr>
-          <a:xfrm>
-            <a:off x="9100064" y="5636583"/>
-            <a:ext cx="0" cy="186539"/>
-          </a:xfrm>
-          <a:prstGeom prst="straightConnector1">
-            <a:avLst/>
-          </a:prstGeom>
-          <a:ln>
-            <a:tailEnd type="triangle"/>
-          </a:ln>
-        </p:spPr>
-        <p:style>
-          <a:lnRef idx="1">
-            <a:schemeClr val="accent1"/>
-          </a:lnRef>
-          <a:fillRef idx="0">
-            <a:schemeClr val="accent1"/>
-          </a:fillRef>
-          <a:effectRef idx="0">
-            <a:schemeClr val="accent1"/>
-          </a:effectRef>
-          <a:fontRef idx="minor">
-            <a:schemeClr val="tx1"/>
-          </a:fontRef>
-        </p:style>
-      </p:cxnSp>
-      <p:sp>
-        <p:nvSpPr>
-          <p:cNvPr id="2" name="Oval 1"/>
-          <p:cNvSpPr/>
-          <p:nvPr/>
-        </p:nvSpPr>
-        <p:spPr>
-          <a:xfrm>
-            <a:off x="4252289" y="2024837"/>
-            <a:ext cx="200025" cy="200025"/>
-          </a:xfrm>
-          <a:prstGeom prst="ellipse">
-            <a:avLst/>
-          </a:prstGeom>
-        </p:spPr>
-        <p:style>
-          <a:lnRef idx="2">
-            <a:schemeClr val="accent1">
-              <a:shade val="50000"/>
-            </a:schemeClr>
-          </a:lnRef>
-          <a:fillRef idx="1">
-            <a:schemeClr val="accent1"/>
-          </a:fillRef>
-          <a:effectRef idx="0">
-            <a:schemeClr val="accent1"/>
-          </a:effectRef>
-          <a:fontRef idx="minor">
-            <a:schemeClr val="lt1"/>
-          </a:fontRef>
-        </p:style>
-        <p:txBody>
-          <a:bodyPr rtlCol="0" anchor="ctr"/>
-          <a:lstStyle/>
-          <a:p>
-            <a:pPr algn="ctr"/>
-            <a:endParaRPr lang="en-US"/>
-          </a:p>
-        </p:txBody>
-      </p:sp>
-      <p:cxnSp>
-        <p:nvCxnSpPr>
-          <p:cNvPr id="6" name="Straight Arrow Connector 5"/>
-          <p:cNvCxnSpPr>
-            <a:stCxn id="2" idx="6"/>
-            <a:endCxn id="19" idx="1"/>
-          </p:cNvCxnSpPr>
-          <p:nvPr/>
-        </p:nvCxnSpPr>
-        <p:spPr>
-          <a:xfrm flipV="1">
-            <a:off x="4452314" y="1084034"/>
-            <a:ext cx="1963142" cy="1040816"/>
-          </a:xfrm>
-          <a:prstGeom prst="straightConnector1">
-            <a:avLst/>
-          </a:prstGeom>
-          <a:ln>
-            <a:tailEnd type="triangle"/>
-          </a:ln>
-        </p:spPr>
-        <p:style>
-          <a:lnRef idx="1">
-            <a:schemeClr val="accent1"/>
-          </a:lnRef>
-          <a:fillRef idx="0">
-            <a:schemeClr val="accent1"/>
-          </a:fillRef>
-          <a:effectRef idx="0">
-            <a:schemeClr val="accent1"/>
-          </a:effectRef>
-          <a:fontRef idx="minor">
-            <a:schemeClr val="tx1"/>
-          </a:fontRef>
-        </p:style>
-      </p:cxnSp>
-      <p:cxnSp>
-        <p:nvCxnSpPr>
-          <p:cNvPr id="9" name="Straight Arrow Connector 8"/>
-          <p:cNvCxnSpPr>
-            <a:stCxn id="2" idx="0"/>
-            <a:endCxn id="20" idx="2"/>
-          </p:cNvCxnSpPr>
-          <p:nvPr/>
-        </p:nvCxnSpPr>
-        <p:spPr>
-          <a:xfrm flipV="1">
-            <a:off x="4352302" y="1278094"/>
-            <a:ext cx="2" cy="746743"/>
-          </a:xfrm>
-          <a:prstGeom prst="straightConnector1">
-            <a:avLst/>
-          </a:prstGeom>
-          <a:ln>
-            <a:tailEnd type="triangle"/>
-          </a:ln>
-        </p:spPr>
-        <p:style>
-          <a:lnRef idx="1">
-            <a:schemeClr val="accent1"/>
-          </a:lnRef>
-          <a:fillRef idx="0">
-            <a:schemeClr val="accent1"/>
-          </a:fillRef>
-          <a:effectRef idx="0">
-            <a:schemeClr val="accent1"/>
-          </a:effectRef>
-          <a:fontRef idx="minor">
-            <a:schemeClr val="tx1"/>
-          </a:fontRef>
-        </p:style>
-      </p:cxnSp>
-      <p:cxnSp>
-        <p:nvCxnSpPr>
-          <p:cNvPr id="11" name="Straight Arrow Connector 10"/>
-          <p:cNvCxnSpPr>
-            <a:stCxn id="18" idx="0"/>
-            <a:endCxn id="2" idx="4"/>
-          </p:cNvCxnSpPr>
-          <p:nvPr/>
-        </p:nvCxnSpPr>
-        <p:spPr>
-          <a:xfrm flipH="1" flipV="1">
-            <a:off x="4352302" y="2224862"/>
-            <a:ext cx="2" cy="427826"/>
-          </a:xfrm>
-          <a:prstGeom prst="straightConnector1">
-            <a:avLst/>
-          </a:prstGeom>
-          <a:ln>
-            <a:solidFill>
-              <a:srgbClr val="FF0000"/>
-            </a:solidFill>
-            <a:tailEnd type="triangle"/>
-          </a:ln>
-        </p:spPr>
-        <p:style>
-          <a:lnRef idx="1">
-            <a:schemeClr val="accent1"/>
-          </a:lnRef>
-          <a:fillRef idx="0">
-            <a:schemeClr val="accent1"/>
-          </a:fillRef>
-          <a:effectRef idx="0">
-            <a:schemeClr val="accent1"/>
-          </a:effectRef>
-          <a:fontRef idx="minor">
-            <a:schemeClr val="tx1"/>
-          </a:fontRef>
-        </p:style>
-      </p:cxnSp>
-      <p:cxnSp>
-        <p:nvCxnSpPr>
-          <p:cNvPr id="13" name="Straight Arrow Connector 12"/>
-          <p:cNvCxnSpPr>
-            <a:stCxn id="2" idx="6"/>
-            <a:endCxn id="22" idx="1"/>
-          </p:cNvCxnSpPr>
-          <p:nvPr/>
-        </p:nvCxnSpPr>
-        <p:spPr>
-          <a:xfrm>
-            <a:off x="4452314" y="2124850"/>
-            <a:ext cx="1963140" cy="3507"/>
-          </a:xfrm>
-          <a:prstGeom prst="straightConnector1">
-            <a:avLst/>
-          </a:prstGeom>
-          <a:ln w="38100">
-            <a:solidFill>
-              <a:srgbClr val="FF0000"/>
-            </a:solidFill>
-            <a:headEnd type="none" w="med" len="med"/>
-            <a:tailEnd type="arrow" w="med" len="med"/>
-          </a:ln>
-        </p:spPr>
-        <p:style>
-          <a:lnRef idx="3">
-            <a:schemeClr val="accent2"/>
-          </a:lnRef>
-          <a:fillRef idx="0">
-            <a:schemeClr val="accent2"/>
-          </a:fillRef>
-          <a:effectRef idx="2">
-            <a:schemeClr val="accent2"/>
-          </a:effectRef>
-          <a:fontRef idx="minor">
-            <a:schemeClr val="tx1"/>
-          </a:fontRef>
-        </p:style>
-      </p:cxnSp>
-      <p:sp>
-        <p:nvSpPr>
-          <p:cNvPr id="48" name="Oval 47"/>
-          <p:cNvSpPr/>
-          <p:nvPr/>
-        </p:nvSpPr>
-        <p:spPr>
-          <a:xfrm>
-            <a:off x="4252289" y="3285080"/>
-            <a:ext cx="200025" cy="200025"/>
-          </a:xfrm>
-          <a:prstGeom prst="ellipse">
-            <a:avLst/>
-          </a:prstGeom>
-        </p:spPr>
-        <p:style>
-          <a:lnRef idx="2">
-            <a:schemeClr val="accent1">
-              <a:shade val="50000"/>
-            </a:schemeClr>
-          </a:lnRef>
-          <a:fillRef idx="1">
-            <a:schemeClr val="accent1"/>
-          </a:fillRef>
-          <a:effectRef idx="0">
-            <a:schemeClr val="accent1"/>
-          </a:effectRef>
-          <a:fontRef idx="minor">
-            <a:schemeClr val="lt1"/>
-          </a:fontRef>
-        </p:style>
-        <p:txBody>
-          <a:bodyPr rtlCol="0" anchor="ctr"/>
-          <a:lstStyle/>
-          <a:p>
-            <a:pPr algn="ctr"/>
-            <a:endParaRPr lang="en-US"/>
-          </a:p>
-        </p:txBody>
-      </p:sp>
-      <p:cxnSp>
-        <p:nvCxnSpPr>
-          <p:cNvPr id="34" name="Straight Arrow Connector 33"/>
-          <p:cNvCxnSpPr>
-            <a:stCxn id="17" idx="0"/>
-            <a:endCxn id="48" idx="4"/>
-          </p:cNvCxnSpPr>
-          <p:nvPr/>
-        </p:nvCxnSpPr>
-        <p:spPr>
-          <a:xfrm flipH="1" flipV="1">
-            <a:off x="4352302" y="3485105"/>
-            <a:ext cx="2" cy="226751"/>
-          </a:xfrm>
-          <a:prstGeom prst="straightConnector1">
-            <a:avLst/>
-          </a:prstGeom>
-          <a:ln>
-            <a:solidFill>
-              <a:srgbClr val="FF0000"/>
-            </a:solidFill>
-            <a:tailEnd type="triangle"/>
-          </a:ln>
-        </p:spPr>
-        <p:style>
-          <a:lnRef idx="1">
-            <a:schemeClr val="accent1"/>
-          </a:lnRef>
-          <a:fillRef idx="0">
-            <a:schemeClr val="accent1"/>
-          </a:fillRef>
-          <a:effectRef idx="0">
-            <a:schemeClr val="accent1"/>
-          </a:effectRef>
-          <a:fontRef idx="minor">
-            <a:schemeClr val="tx1"/>
-          </a:fontRef>
-        </p:style>
-      </p:cxnSp>
-      <p:cxnSp>
-        <p:nvCxnSpPr>
-          <p:cNvPr id="36" name="Straight Arrow Connector 35"/>
-          <p:cNvCxnSpPr>
-            <a:stCxn id="48" idx="0"/>
-            <a:endCxn id="18" idx="2"/>
-          </p:cNvCxnSpPr>
-          <p:nvPr/>
-        </p:nvCxnSpPr>
-        <p:spPr>
-          <a:xfrm flipV="1">
-            <a:off x="4352302" y="3047821"/>
-            <a:ext cx="2" cy="237259"/>
-          </a:xfrm>
-          <a:prstGeom prst="straightConnector1">
-            <a:avLst/>
-          </a:prstGeom>
-          <a:ln>
-            <a:solidFill>
-              <a:srgbClr val="FF0000"/>
-            </a:solidFill>
-            <a:tailEnd type="triangle"/>
-          </a:ln>
-        </p:spPr>
-        <p:style>
-          <a:lnRef idx="1">
-            <a:schemeClr val="accent1"/>
-          </a:lnRef>
-          <a:fillRef idx="0">
-            <a:schemeClr val="accent1"/>
-          </a:fillRef>
-          <a:effectRef idx="0">
-            <a:schemeClr val="accent1"/>
-          </a:effectRef>
-          <a:fontRef idx="minor">
-            <a:schemeClr val="tx1"/>
-          </a:fontRef>
-        </p:style>
-      </p:cxnSp>
-      <p:cxnSp>
-        <p:nvCxnSpPr>
-          <p:cNvPr id="40" name="Straight Arrow Connector 39"/>
-          <p:cNvCxnSpPr>
-            <a:stCxn id="48" idx="6"/>
-            <a:endCxn id="19" idx="1"/>
-          </p:cNvCxnSpPr>
-          <p:nvPr/>
-        </p:nvCxnSpPr>
-        <p:spPr>
-          <a:xfrm flipV="1">
-            <a:off x="4452314" y="1084034"/>
-            <a:ext cx="1963142" cy="2301059"/>
-          </a:xfrm>
-          <a:prstGeom prst="straightConnector1">
-            <a:avLst/>
-          </a:prstGeom>
-          <a:ln>
-            <a:tailEnd type="triangle"/>
-          </a:ln>
-        </p:spPr>
-        <p:style>
-          <a:lnRef idx="1">
-            <a:schemeClr val="accent1"/>
-          </a:lnRef>
-          <a:fillRef idx="0">
-            <a:schemeClr val="accent1"/>
-          </a:fillRef>
-          <a:effectRef idx="0">
-            <a:schemeClr val="accent1"/>
-          </a:effectRef>
-          <a:fontRef idx="minor">
-            <a:schemeClr val="tx1"/>
-          </a:fontRef>
-        </p:style>
-      </p:cxnSp>
-      <p:sp>
-        <p:nvSpPr>
-          <p:cNvPr id="58" name="Oval 57"/>
-          <p:cNvSpPr/>
-          <p:nvPr/>
-        </p:nvSpPr>
-        <p:spPr>
-          <a:xfrm>
-            <a:off x="4252289" y="4283471"/>
-            <a:ext cx="200025" cy="200025"/>
-          </a:xfrm>
-          <a:prstGeom prst="ellipse">
-            <a:avLst/>
-          </a:prstGeom>
-        </p:spPr>
-        <p:style>
-          <a:lnRef idx="2">
-            <a:schemeClr val="accent1">
-              <a:shade val="50000"/>
-            </a:schemeClr>
-          </a:lnRef>
-          <a:fillRef idx="1">
-            <a:schemeClr val="accent1"/>
-          </a:fillRef>
-          <a:effectRef idx="0">
-            <a:schemeClr val="accent1"/>
-          </a:effectRef>
-          <a:fontRef idx="minor">
-            <a:schemeClr val="lt1"/>
-          </a:fontRef>
-        </p:style>
-        <p:txBody>
-          <a:bodyPr rtlCol="0" anchor="ctr"/>
-          <a:lstStyle/>
-          <a:p>
-            <a:pPr algn="ctr"/>
-            <a:endParaRPr lang="en-US"/>
-          </a:p>
-        </p:txBody>
-      </p:sp>
-      <p:cxnSp>
-        <p:nvCxnSpPr>
-          <p:cNvPr id="52" name="Straight Arrow Connector 51"/>
-          <p:cNvCxnSpPr>
-            <a:stCxn id="16" idx="0"/>
-            <a:endCxn id="58" idx="4"/>
-          </p:cNvCxnSpPr>
-          <p:nvPr/>
-        </p:nvCxnSpPr>
-        <p:spPr>
-          <a:xfrm flipH="1" flipV="1">
-            <a:off x="4352302" y="4483496"/>
-            <a:ext cx="2" cy="273866"/>
-          </a:xfrm>
-          <a:prstGeom prst="straightConnector1">
-            <a:avLst/>
-          </a:prstGeom>
-          <a:ln>
-            <a:solidFill>
-              <a:srgbClr val="FF0000"/>
-            </a:solidFill>
-            <a:tailEnd type="triangle"/>
-          </a:ln>
-        </p:spPr>
-        <p:style>
-          <a:lnRef idx="1">
-            <a:schemeClr val="accent1"/>
-          </a:lnRef>
-          <a:fillRef idx="0">
-            <a:schemeClr val="accent1"/>
-          </a:fillRef>
-          <a:effectRef idx="0">
-            <a:schemeClr val="accent1"/>
-          </a:effectRef>
-          <a:fontRef idx="minor">
-            <a:schemeClr val="tx1"/>
-          </a:fontRef>
-        </p:style>
-      </p:cxnSp>
-      <p:cxnSp>
-        <p:nvCxnSpPr>
-          <p:cNvPr id="56" name="Straight Arrow Connector 55"/>
-          <p:cNvCxnSpPr>
-            <a:stCxn id="58" idx="0"/>
-            <a:endCxn id="17" idx="2"/>
-          </p:cNvCxnSpPr>
-          <p:nvPr/>
-        </p:nvCxnSpPr>
-        <p:spPr>
-          <a:xfrm flipV="1">
-            <a:off x="4352302" y="4106989"/>
-            <a:ext cx="2" cy="176482"/>
-          </a:xfrm>
-          <a:prstGeom prst="straightConnector1">
-            <a:avLst/>
-          </a:prstGeom>
-          <a:ln>
-            <a:solidFill>
-              <a:srgbClr val="FF0000"/>
-            </a:solidFill>
-            <a:tailEnd type="triangle"/>
-          </a:ln>
-        </p:spPr>
-        <p:style>
-          <a:lnRef idx="1">
-            <a:schemeClr val="accent1"/>
-          </a:lnRef>
-          <a:fillRef idx="0">
-            <a:schemeClr val="accent1"/>
-          </a:fillRef>
-          <a:effectRef idx="0">
-            <a:schemeClr val="accent1"/>
-          </a:effectRef>
-          <a:fontRef idx="minor">
-            <a:schemeClr val="tx1"/>
-          </a:fontRef>
-        </p:style>
-      </p:cxnSp>
-      <p:sp>
-        <p:nvSpPr>
-          <p:cNvPr id="73" name="Oval 72"/>
-          <p:cNvSpPr/>
-          <p:nvPr/>
-        </p:nvSpPr>
-        <p:spPr>
-          <a:xfrm>
-            <a:off x="5469608" y="4854887"/>
-            <a:ext cx="200025" cy="200025"/>
-          </a:xfrm>
-          <a:prstGeom prst="ellipse">
-            <a:avLst/>
-          </a:prstGeom>
-        </p:spPr>
-        <p:style>
-          <a:lnRef idx="2">
-            <a:schemeClr val="accent1">
-              <a:shade val="50000"/>
-            </a:schemeClr>
-          </a:lnRef>
-          <a:fillRef idx="1">
-            <a:schemeClr val="accent1"/>
-          </a:fillRef>
-          <a:effectRef idx="0">
-            <a:schemeClr val="accent1"/>
-          </a:effectRef>
-          <a:fontRef idx="minor">
-            <a:schemeClr val="lt1"/>
-          </a:fontRef>
-        </p:style>
-        <p:txBody>
-          <a:bodyPr rtlCol="0" anchor="ctr"/>
-          <a:lstStyle/>
-          <a:p>
-            <a:pPr algn="ctr"/>
-            <a:endParaRPr lang="en-US"/>
-          </a:p>
-        </p:txBody>
-      </p:sp>
-      <p:cxnSp>
-        <p:nvCxnSpPr>
-          <p:cNvPr id="75" name="Straight Arrow Connector 74"/>
-          <p:cNvCxnSpPr>
-            <a:stCxn id="21" idx="1"/>
-            <a:endCxn id="73" idx="6"/>
-          </p:cNvCxnSpPr>
-          <p:nvPr/>
-        </p:nvCxnSpPr>
-        <p:spPr>
-          <a:xfrm flipH="1" flipV="1">
-            <a:off x="5669633" y="4954900"/>
-            <a:ext cx="745823" cy="29"/>
-          </a:xfrm>
-          <a:prstGeom prst="straightConnector1">
-            <a:avLst/>
-          </a:prstGeom>
-          <a:ln>
-            <a:solidFill>
-              <a:srgbClr val="FF0000"/>
-            </a:solidFill>
-            <a:tailEnd type="triangle"/>
-          </a:ln>
-        </p:spPr>
-        <p:style>
-          <a:lnRef idx="1">
-            <a:schemeClr val="accent1"/>
-          </a:lnRef>
-          <a:fillRef idx="0">
-            <a:schemeClr val="accent1"/>
-          </a:fillRef>
-          <a:effectRef idx="0">
-            <a:schemeClr val="accent1"/>
-          </a:effectRef>
-          <a:fontRef idx="minor">
-            <a:schemeClr val="tx1"/>
-          </a:fontRef>
-        </p:style>
-      </p:cxnSp>
-      <p:cxnSp>
-        <p:nvCxnSpPr>
-          <p:cNvPr id="77" name="Straight Arrow Connector 76"/>
-          <p:cNvCxnSpPr>
-            <a:stCxn id="73" idx="2"/>
-            <a:endCxn id="16" idx="3"/>
-          </p:cNvCxnSpPr>
-          <p:nvPr/>
-        </p:nvCxnSpPr>
-        <p:spPr>
-          <a:xfrm flipH="1">
-            <a:off x="4652341" y="4954900"/>
-            <a:ext cx="817267" cy="29"/>
-          </a:xfrm>
-          <a:prstGeom prst="straightConnector1">
-            <a:avLst/>
-          </a:prstGeom>
-          <a:ln>
-            <a:solidFill>
-              <a:srgbClr val="FF0000"/>
-            </a:solidFill>
-            <a:tailEnd type="triangle"/>
-          </a:ln>
-        </p:spPr>
-        <p:style>
-          <a:lnRef idx="1">
-            <a:schemeClr val="accent1"/>
-          </a:lnRef>
-          <a:fillRef idx="0">
-            <a:schemeClr val="accent1"/>
-          </a:fillRef>
-          <a:effectRef idx="0">
-            <a:schemeClr val="accent1"/>
-          </a:effectRef>
-          <a:fontRef idx="minor">
-            <a:schemeClr val="tx1"/>
-          </a:fontRef>
-        </p:style>
-      </p:cxnSp>
-      <p:sp>
-        <p:nvSpPr>
-          <p:cNvPr id="82" name="Oval 81"/>
-          <p:cNvSpPr/>
-          <p:nvPr/>
-        </p:nvSpPr>
-        <p:spPr>
-          <a:xfrm>
-            <a:off x="9000049" y="4854886"/>
-            <a:ext cx="200025" cy="200025"/>
-          </a:xfrm>
-          <a:prstGeom prst="ellipse">
-            <a:avLst/>
-          </a:prstGeom>
-        </p:spPr>
-        <p:style>
-          <a:lnRef idx="2">
-            <a:schemeClr val="accent1">
-              <a:shade val="50000"/>
-            </a:schemeClr>
-          </a:lnRef>
-          <a:fillRef idx="1">
-            <a:schemeClr val="accent1"/>
-          </a:fillRef>
-          <a:effectRef idx="0">
-            <a:schemeClr val="accent1"/>
-          </a:effectRef>
-          <a:fontRef idx="minor">
-            <a:schemeClr val="lt1"/>
-          </a:fontRef>
-        </p:style>
-        <p:txBody>
-          <a:bodyPr rtlCol="0" anchor="ctr"/>
-          <a:lstStyle/>
-          <a:p>
-            <a:pPr algn="ctr"/>
-            <a:endParaRPr lang="en-US"/>
-          </a:p>
-        </p:txBody>
-      </p:sp>
-      <p:cxnSp>
-        <p:nvCxnSpPr>
-          <p:cNvPr id="84" name="Straight Arrow Connector 83"/>
-          <p:cNvCxnSpPr>
-            <a:stCxn id="21" idx="3"/>
-            <a:endCxn id="82" idx="2"/>
-          </p:cNvCxnSpPr>
-          <p:nvPr/>
-        </p:nvCxnSpPr>
-        <p:spPr>
-          <a:xfrm flipV="1">
-            <a:off x="7015531" y="4954899"/>
-            <a:ext cx="1984518" cy="30"/>
-          </a:xfrm>
-          <a:prstGeom prst="straightConnector1">
-            <a:avLst/>
-          </a:prstGeom>
-          <a:ln>
-            <a:solidFill>
-              <a:srgbClr val="00B050"/>
-            </a:solidFill>
-            <a:tailEnd type="triangle"/>
-          </a:ln>
-        </p:spPr>
-        <p:style>
-          <a:lnRef idx="1">
-            <a:schemeClr val="accent1"/>
-          </a:lnRef>
-          <a:fillRef idx="0">
-            <a:schemeClr val="accent1"/>
-          </a:fillRef>
-          <a:effectRef idx="0">
-            <a:schemeClr val="accent1"/>
-          </a:effectRef>
-          <a:fontRef idx="minor">
-            <a:schemeClr val="tx1"/>
-          </a:fontRef>
-        </p:style>
-      </p:cxnSp>
-      <p:cxnSp>
-        <p:nvCxnSpPr>
-          <p:cNvPr id="86" name="Straight Arrow Connector 85"/>
-          <p:cNvCxnSpPr>
-            <a:stCxn id="82" idx="0"/>
-            <a:endCxn id="31" idx="2"/>
-          </p:cNvCxnSpPr>
-          <p:nvPr/>
-        </p:nvCxnSpPr>
-        <p:spPr>
-          <a:xfrm flipH="1" flipV="1">
-            <a:off x="9099872" y="3042235"/>
-            <a:ext cx="190" cy="1812651"/>
-          </a:xfrm>
-          <a:prstGeom prst="straightConnector1">
-            <a:avLst/>
-          </a:prstGeom>
-          <a:ln>
-            <a:solidFill>
-              <a:srgbClr val="00B050"/>
-            </a:solidFill>
-            <a:tailEnd type="triangle"/>
-          </a:ln>
-        </p:spPr>
-        <p:style>
-          <a:lnRef idx="1">
-            <a:schemeClr val="accent1"/>
-          </a:lnRef>
-          <a:fillRef idx="0">
-            <a:schemeClr val="accent1"/>
-          </a:fillRef>
-          <a:effectRef idx="0">
-            <a:schemeClr val="accent1"/>
-          </a:effectRef>
-          <a:fontRef idx="minor">
-            <a:schemeClr val="tx1"/>
-          </a:fontRef>
-        </p:style>
-      </p:cxnSp>
-      <p:cxnSp>
-        <p:nvCxnSpPr>
-          <p:cNvPr id="88" name="Straight Arrow Connector 87"/>
-          <p:cNvCxnSpPr>
-            <a:stCxn id="82" idx="4"/>
-            <a:endCxn id="23" idx="0"/>
-          </p:cNvCxnSpPr>
-          <p:nvPr/>
-        </p:nvCxnSpPr>
-        <p:spPr>
-          <a:xfrm>
-            <a:off x="9100062" y="5054911"/>
-            <a:ext cx="2" cy="186539"/>
-          </a:xfrm>
-          <a:prstGeom prst="straightConnector1">
-            <a:avLst/>
-          </a:prstGeom>
-          <a:ln>
-            <a:tailEnd type="triangle"/>
-          </a:ln>
-        </p:spPr>
-        <p:style>
-          <a:lnRef idx="1">
-            <a:schemeClr val="accent1"/>
-          </a:lnRef>
-          <a:fillRef idx="0">
-            <a:schemeClr val="accent1"/>
-          </a:fillRef>
-          <a:effectRef idx="0">
-            <a:schemeClr val="accent1"/>
-          </a:effectRef>
-          <a:fontRef idx="minor">
-            <a:schemeClr val="tx1"/>
-          </a:fontRef>
-        </p:style>
-      </p:cxnSp>
-      <p:sp>
-        <p:nvSpPr>
-          <p:cNvPr id="98" name="Oval 97"/>
-          <p:cNvSpPr/>
-          <p:nvPr/>
-        </p:nvSpPr>
-        <p:spPr>
-          <a:xfrm>
-            <a:off x="7701616" y="3326327"/>
-            <a:ext cx="200025" cy="200025"/>
-          </a:xfrm>
-          <a:prstGeom prst="ellipse">
-            <a:avLst/>
-          </a:prstGeom>
-        </p:spPr>
-        <p:style>
-          <a:lnRef idx="2">
-            <a:schemeClr val="accent1">
-              <a:shade val="50000"/>
-            </a:schemeClr>
-          </a:lnRef>
-          <a:fillRef idx="1">
-            <a:schemeClr val="accent1"/>
-          </a:fillRef>
-          <a:effectRef idx="0">
-            <a:schemeClr val="accent1"/>
-          </a:effectRef>
-          <a:fontRef idx="minor">
-            <a:schemeClr val="lt1"/>
-          </a:fontRef>
-        </p:style>
-        <p:txBody>
-          <a:bodyPr rtlCol="0" anchor="ctr"/>
-          <a:lstStyle/>
-          <a:p>
-            <a:pPr algn="ctr"/>
-            <a:endParaRPr lang="en-US"/>
-          </a:p>
-        </p:txBody>
-      </p:sp>
-      <p:cxnSp>
-        <p:nvCxnSpPr>
-          <p:cNvPr id="100" name="Straight Arrow Connector 99"/>
-          <p:cNvCxnSpPr>
-            <a:stCxn id="21" idx="3"/>
-            <a:endCxn id="98" idx="3"/>
-          </p:cNvCxnSpPr>
-          <p:nvPr/>
-        </p:nvCxnSpPr>
-        <p:spPr>
-          <a:xfrm flipV="1">
-            <a:off x="7015531" y="3497059"/>
-            <a:ext cx="715378" cy="1457870"/>
-          </a:xfrm>
-          <a:prstGeom prst="straightConnector1">
-            <a:avLst/>
-          </a:prstGeom>
-          <a:ln>
-            <a:solidFill>
-              <a:srgbClr val="FFC000"/>
-            </a:solidFill>
-            <a:tailEnd type="triangle"/>
-          </a:ln>
-        </p:spPr>
-        <p:style>
-          <a:lnRef idx="1">
-            <a:schemeClr val="accent1"/>
-          </a:lnRef>
-          <a:fillRef idx="0">
-            <a:schemeClr val="accent1"/>
-          </a:fillRef>
-          <a:effectRef idx="0">
-            <a:schemeClr val="accent1"/>
-          </a:effectRef>
-          <a:fontRef idx="minor">
-            <a:schemeClr val="tx1"/>
-          </a:fontRef>
-        </p:style>
-      </p:cxnSp>
-      <p:cxnSp>
-        <p:nvCxnSpPr>
-          <p:cNvPr id="102" name="Straight Arrow Connector 101"/>
-          <p:cNvCxnSpPr>
-            <a:stCxn id="98" idx="6"/>
-            <a:endCxn id="30" idx="1"/>
-          </p:cNvCxnSpPr>
-          <p:nvPr/>
-        </p:nvCxnSpPr>
-        <p:spPr>
-          <a:xfrm>
-            <a:off x="7901641" y="3426340"/>
-            <a:ext cx="221198" cy="1"/>
-          </a:xfrm>
-          <a:prstGeom prst="straightConnector1">
-            <a:avLst/>
-          </a:prstGeom>
-          <a:ln>
-            <a:tailEnd type="triangle"/>
-          </a:ln>
-        </p:spPr>
-        <p:style>
-          <a:lnRef idx="1">
-            <a:schemeClr val="accent1"/>
-          </a:lnRef>
-          <a:fillRef idx="0">
-            <a:schemeClr val="accent1"/>
-          </a:fillRef>
-          <a:effectRef idx="0">
-            <a:schemeClr val="accent1"/>
-          </a:effectRef>
-          <a:fontRef idx="minor">
-            <a:schemeClr val="tx1"/>
-          </a:fontRef>
-        </p:style>
-      </p:cxnSp>
-      <p:cxnSp>
-        <p:nvCxnSpPr>
-          <p:cNvPr id="109" name="Straight Arrow Connector 108"/>
-          <p:cNvCxnSpPr>
-            <a:stCxn id="21" idx="2"/>
-            <a:endCxn id="25" idx="0"/>
-          </p:cNvCxnSpPr>
-          <p:nvPr/>
-        </p:nvCxnSpPr>
-        <p:spPr>
-          <a:xfrm flipH="1">
-            <a:off x="6715491" y="5152495"/>
-            <a:ext cx="3" cy="988121"/>
-          </a:xfrm>
-          <a:prstGeom prst="straightConnector1">
-            <a:avLst/>
-          </a:prstGeom>
-          <a:ln>
-            <a:solidFill>
-              <a:srgbClr val="C00000"/>
-            </a:solidFill>
-            <a:tailEnd type="triangle"/>
-          </a:ln>
-        </p:spPr>
-        <p:style>
-          <a:lnRef idx="1">
-            <a:schemeClr val="accent1"/>
-          </a:lnRef>
-          <a:fillRef idx="0">
-            <a:schemeClr val="accent1"/>
-          </a:fillRef>
-          <a:effectRef idx="0">
-            <a:schemeClr val="accent1"/>
-          </a:effectRef>
-          <a:fontRef idx="minor">
-            <a:schemeClr val="tx1"/>
-          </a:fontRef>
-        </p:style>
-      </p:cxnSp>
-      <p:sp>
-        <p:nvSpPr>
-          <p:cNvPr id="112" name="Oval 111"/>
-          <p:cNvSpPr/>
-          <p:nvPr/>
-        </p:nvSpPr>
-        <p:spPr>
-          <a:xfrm>
-            <a:off x="9649081" y="6238168"/>
-            <a:ext cx="200025" cy="200025"/>
-          </a:xfrm>
-          <a:prstGeom prst="ellipse">
-            <a:avLst/>
-          </a:prstGeom>
-        </p:spPr>
-        <p:style>
-          <a:lnRef idx="2">
-            <a:schemeClr val="accent1">
-              <a:shade val="50000"/>
-            </a:schemeClr>
-          </a:lnRef>
-          <a:fillRef idx="1">
-            <a:schemeClr val="accent1"/>
-          </a:fillRef>
-          <a:effectRef idx="0">
-            <a:schemeClr val="accent1"/>
-          </a:effectRef>
-          <a:fontRef idx="minor">
-            <a:schemeClr val="lt1"/>
-          </a:fontRef>
-        </p:style>
-        <p:txBody>
-          <a:bodyPr rtlCol="0" anchor="ctr"/>
-          <a:lstStyle/>
-          <a:p>
-            <a:pPr algn="ctr"/>
-            <a:endParaRPr lang="en-US"/>
-          </a:p>
-        </p:txBody>
-      </p:sp>
-      <p:cxnSp>
-        <p:nvCxnSpPr>
-          <p:cNvPr id="123" name="Straight Arrow Connector 122"/>
-          <p:cNvCxnSpPr>
-            <a:stCxn id="32" idx="1"/>
-            <a:endCxn id="19" idx="3"/>
-          </p:cNvCxnSpPr>
-          <p:nvPr/>
-        </p:nvCxnSpPr>
-        <p:spPr>
-          <a:xfrm flipH="1">
-            <a:off x="7015531" y="1084034"/>
-            <a:ext cx="1646345" cy="0"/>
-          </a:xfrm>
-          <a:prstGeom prst="straightConnector1">
-            <a:avLst/>
-          </a:prstGeom>
-          <a:ln>
-            <a:tailEnd type="triangle"/>
-          </a:ln>
-        </p:spPr>
-        <p:style>
-          <a:lnRef idx="1">
-            <a:schemeClr val="accent1"/>
-          </a:lnRef>
-          <a:fillRef idx="0">
-            <a:schemeClr val="accent1"/>
-          </a:fillRef>
-          <a:effectRef idx="0">
-            <a:schemeClr val="accent1"/>
-          </a:effectRef>
-          <a:fontRef idx="minor">
-            <a:schemeClr val="tx1"/>
-          </a:fontRef>
-        </p:style>
-      </p:cxnSp>
-      <p:sp>
-        <p:nvSpPr>
-          <p:cNvPr id="127" name="Oval 126"/>
-          <p:cNvSpPr/>
-          <p:nvPr/>
-        </p:nvSpPr>
-        <p:spPr>
-          <a:xfrm>
-            <a:off x="8999860" y="2024837"/>
-            <a:ext cx="200025" cy="200025"/>
-          </a:xfrm>
-          <a:prstGeom prst="ellipse">
-            <a:avLst/>
-          </a:prstGeom>
-        </p:spPr>
-        <p:style>
-          <a:lnRef idx="2">
-            <a:schemeClr val="accent1">
-              <a:shade val="50000"/>
-            </a:schemeClr>
-          </a:lnRef>
-          <a:fillRef idx="1">
-            <a:schemeClr val="accent1"/>
-          </a:fillRef>
-          <a:effectRef idx="0">
-            <a:schemeClr val="accent1"/>
-          </a:effectRef>
-          <a:fontRef idx="minor">
-            <a:schemeClr val="lt1"/>
-          </a:fontRef>
-        </p:style>
-        <p:txBody>
-          <a:bodyPr rtlCol="0" anchor="ctr"/>
-          <a:lstStyle/>
-          <a:p>
-            <a:pPr algn="ctr"/>
-            <a:endParaRPr lang="en-US"/>
-          </a:p>
-        </p:txBody>
-      </p:sp>
-      <p:cxnSp>
-        <p:nvCxnSpPr>
-          <p:cNvPr id="129" name="Straight Arrow Connector 128"/>
-          <p:cNvCxnSpPr>
-            <a:stCxn id="31" idx="0"/>
-            <a:endCxn id="127" idx="4"/>
-          </p:cNvCxnSpPr>
-          <p:nvPr/>
-        </p:nvCxnSpPr>
-        <p:spPr>
-          <a:xfrm flipV="1">
-            <a:off x="9099872" y="2224862"/>
-            <a:ext cx="1" cy="422240"/>
-          </a:xfrm>
-          <a:prstGeom prst="straightConnector1">
-            <a:avLst/>
-          </a:prstGeom>
-          <a:ln>
-            <a:solidFill>
-              <a:srgbClr val="00B050"/>
-            </a:solidFill>
-            <a:tailEnd type="triangle"/>
-          </a:ln>
-        </p:spPr>
-        <p:style>
-          <a:lnRef idx="1">
-            <a:schemeClr val="accent1"/>
-          </a:lnRef>
-          <a:fillRef idx="0">
-            <a:schemeClr val="accent1"/>
-          </a:fillRef>
-          <a:effectRef idx="0">
-            <a:schemeClr val="accent1"/>
-          </a:effectRef>
-          <a:fontRef idx="minor">
-            <a:schemeClr val="tx1"/>
-          </a:fontRef>
-        </p:style>
-      </p:cxnSp>
-      <p:cxnSp>
-        <p:nvCxnSpPr>
-          <p:cNvPr id="131" name="Straight Arrow Connector 130"/>
-          <p:cNvCxnSpPr>
-            <a:stCxn id="127" idx="0"/>
-            <a:endCxn id="32" idx="2"/>
-          </p:cNvCxnSpPr>
-          <p:nvPr/>
-        </p:nvCxnSpPr>
-        <p:spPr>
-          <a:xfrm flipV="1">
-            <a:off x="9099873" y="1281600"/>
-            <a:ext cx="1" cy="743237"/>
-          </a:xfrm>
-          <a:prstGeom prst="straightConnector1">
-            <a:avLst/>
-          </a:prstGeom>
-          <a:ln>
-            <a:tailEnd type="triangle"/>
-          </a:ln>
-        </p:spPr>
-        <p:style>
-          <a:lnRef idx="1">
-            <a:schemeClr val="accent1"/>
-          </a:lnRef>
-          <a:fillRef idx="0">
-            <a:schemeClr val="accent1"/>
-          </a:fillRef>
-          <a:effectRef idx="0">
-            <a:schemeClr val="accent1"/>
-          </a:effectRef>
-          <a:fontRef idx="minor">
-            <a:schemeClr val="tx1"/>
-          </a:fontRef>
-        </p:style>
-      </p:cxnSp>
-      <p:cxnSp>
-        <p:nvCxnSpPr>
-          <p:cNvPr id="138" name="Straight Arrow Connector 137"/>
-          <p:cNvCxnSpPr>
-            <a:stCxn id="127" idx="2"/>
-            <a:endCxn id="22" idx="3"/>
-          </p:cNvCxnSpPr>
-          <p:nvPr/>
-        </p:nvCxnSpPr>
-        <p:spPr>
-          <a:xfrm flipH="1">
-            <a:off x="7015529" y="2124850"/>
-            <a:ext cx="1984331" cy="3507"/>
-          </a:xfrm>
-          <a:prstGeom prst="straightConnector1">
-            <a:avLst/>
-          </a:prstGeom>
-          <a:ln w="38100">
-            <a:solidFill>
-              <a:srgbClr val="00B050"/>
-            </a:solidFill>
-            <a:headEnd type="none" w="med" len="med"/>
-            <a:tailEnd type="arrow" w="med" len="med"/>
-          </a:ln>
-        </p:spPr>
-        <p:style>
-          <a:lnRef idx="3">
-            <a:schemeClr val="accent2"/>
-          </a:lnRef>
-          <a:fillRef idx="0">
-            <a:schemeClr val="accent2"/>
-          </a:fillRef>
-          <a:effectRef idx="2">
-            <a:schemeClr val="accent2"/>
-          </a:effectRef>
-          <a:fontRef idx="minor">
-            <a:schemeClr val="tx1"/>
-          </a:fontRef>
-        </p:style>
-      </p:cxnSp>
-      <p:cxnSp>
-        <p:nvCxnSpPr>
-          <p:cNvPr id="141" name="Straight Arrow Connector 140"/>
-          <p:cNvCxnSpPr>
-            <a:stCxn id="73" idx="0"/>
-            <a:endCxn id="22" idx="1"/>
-          </p:cNvCxnSpPr>
-          <p:nvPr/>
-        </p:nvCxnSpPr>
-        <p:spPr>
-          <a:xfrm flipV="1">
-            <a:off x="5569621" y="2128357"/>
-            <a:ext cx="845833" cy="2726530"/>
-          </a:xfrm>
-          <a:prstGeom prst="straightConnector1">
-            <a:avLst/>
-          </a:prstGeom>
-          <a:ln w="38100">
-            <a:solidFill>
-              <a:srgbClr val="FF0000"/>
-            </a:solidFill>
-            <a:headEnd type="none" w="med" len="med"/>
-            <a:tailEnd type="arrow" w="med" len="med"/>
-          </a:ln>
-        </p:spPr>
-        <p:style>
-          <a:lnRef idx="3">
-            <a:schemeClr val="accent2"/>
-          </a:lnRef>
-          <a:fillRef idx="0">
-            <a:schemeClr val="accent2"/>
-          </a:fillRef>
-          <a:effectRef idx="2">
-            <a:schemeClr val="accent2"/>
-          </a:effectRef>
-          <a:fontRef idx="minor">
-            <a:schemeClr val="tx1"/>
-          </a:fontRef>
-        </p:style>
-      </p:cxnSp>
-      <p:cxnSp>
-        <p:nvCxnSpPr>
-          <p:cNvPr id="144" name="Straight Arrow Connector 143"/>
-          <p:cNvCxnSpPr>
-            <a:stCxn id="58" idx="6"/>
-            <a:endCxn id="22" idx="1"/>
-          </p:cNvCxnSpPr>
-          <p:nvPr/>
-        </p:nvCxnSpPr>
-        <p:spPr>
-          <a:xfrm flipV="1">
-            <a:off x="4452314" y="2128357"/>
-            <a:ext cx="1963140" cy="2255127"/>
-          </a:xfrm>
-          <a:prstGeom prst="straightConnector1">
-            <a:avLst/>
-          </a:prstGeom>
-          <a:ln w="38100">
-            <a:solidFill>
-              <a:srgbClr val="FF0000"/>
-            </a:solidFill>
-            <a:headEnd type="none" w="med" len="med"/>
-            <a:tailEnd type="arrow" w="med" len="med"/>
-          </a:ln>
-        </p:spPr>
-        <p:style>
-          <a:lnRef idx="3">
-            <a:schemeClr val="accent2"/>
-          </a:lnRef>
-          <a:fillRef idx="0">
-            <a:schemeClr val="accent2"/>
-          </a:fillRef>
-          <a:effectRef idx="2">
-            <a:schemeClr val="accent2"/>
-          </a:effectRef>
-          <a:fontRef idx="minor">
-            <a:schemeClr val="tx1"/>
-          </a:fontRef>
-        </p:style>
-      </p:cxnSp>
-      <p:cxnSp>
-        <p:nvCxnSpPr>
-          <p:cNvPr id="14" name="Straight Arrow Connector 13"/>
-          <p:cNvCxnSpPr>
-            <a:stCxn id="25" idx="3"/>
-            <a:endCxn id="112" idx="2"/>
-          </p:cNvCxnSpPr>
-          <p:nvPr/>
-        </p:nvCxnSpPr>
-        <p:spPr>
-          <a:xfrm flipV="1">
-            <a:off x="7015528" y="6338181"/>
-            <a:ext cx="2633553" cy="2"/>
-          </a:xfrm>
-          <a:prstGeom prst="straightConnector1">
-            <a:avLst/>
-          </a:prstGeom>
-          <a:ln>
-            <a:solidFill>
-              <a:srgbClr val="C00000"/>
-            </a:solidFill>
-            <a:tailEnd type="triangle"/>
-          </a:ln>
-        </p:spPr>
-        <p:style>
-          <a:lnRef idx="1">
-            <a:schemeClr val="accent1"/>
-          </a:lnRef>
-          <a:fillRef idx="0">
-            <a:schemeClr val="accent1"/>
-          </a:fillRef>
-          <a:effectRef idx="0">
-            <a:schemeClr val="accent1"/>
-          </a:effectRef>
-          <a:fontRef idx="minor">
-            <a:schemeClr val="tx1"/>
-          </a:fontRef>
-        </p:style>
-      </p:cxnSp>
-      <p:cxnSp>
-        <p:nvCxnSpPr>
-          <p:cNvPr id="28" name="Straight Arrow Connector 27"/>
-          <p:cNvCxnSpPr>
-            <a:stCxn id="112" idx="6"/>
-            <a:endCxn id="26" idx="1"/>
-          </p:cNvCxnSpPr>
-          <p:nvPr/>
-        </p:nvCxnSpPr>
-        <p:spPr>
-          <a:xfrm>
-            <a:off x="9849106" y="6338181"/>
-            <a:ext cx="231395" cy="1"/>
-          </a:xfrm>
-          <a:prstGeom prst="straightConnector1">
-            <a:avLst/>
-          </a:prstGeom>
-          <a:ln>
-            <a:tailEnd type="triangle"/>
-          </a:ln>
-        </p:spPr>
-        <p:style>
-          <a:lnRef idx="1">
-            <a:schemeClr val="accent1"/>
-          </a:lnRef>
-          <a:fillRef idx="0">
-            <a:schemeClr val="accent1"/>
-          </a:fillRef>
-          <a:effectRef idx="0">
-            <a:schemeClr val="accent1"/>
-          </a:effectRef>
-          <a:fontRef idx="minor">
-            <a:schemeClr val="tx1"/>
-          </a:fontRef>
-        </p:style>
-      </p:cxnSp>
-      <p:cxnSp>
-        <p:nvCxnSpPr>
-          <p:cNvPr id="33" name="Straight Arrow Connector 32"/>
-          <p:cNvCxnSpPr>
-            <a:stCxn id="26" idx="0"/>
-            <a:endCxn id="27" idx="2"/>
-          </p:cNvCxnSpPr>
-          <p:nvPr/>
-        </p:nvCxnSpPr>
-        <p:spPr>
-          <a:xfrm flipH="1" flipV="1">
-            <a:off x="10423492" y="5902448"/>
-            <a:ext cx="1" cy="238167"/>
-          </a:xfrm>
-          <a:prstGeom prst="straightConnector1">
-            <a:avLst/>
-          </a:prstGeom>
-          <a:ln>
-            <a:tailEnd type="triangle"/>
-          </a:ln>
-        </p:spPr>
-        <p:style>
-          <a:lnRef idx="1">
-            <a:schemeClr val="accent1"/>
-          </a:lnRef>
-          <a:fillRef idx="0">
-            <a:schemeClr val="accent1"/>
-          </a:fillRef>
-          <a:effectRef idx="0">
-            <a:schemeClr val="accent1"/>
-          </a:effectRef>
-          <a:fontRef idx="minor">
-            <a:schemeClr val="tx1"/>
-          </a:fontRef>
-        </p:style>
-      </p:cxnSp>
-      <p:cxnSp>
-        <p:nvCxnSpPr>
-          <p:cNvPr id="223" name="Straight Arrow Connector 222"/>
-          <p:cNvCxnSpPr>
-            <a:stCxn id="98" idx="1"/>
-            <a:endCxn id="22" idx="3"/>
-          </p:cNvCxnSpPr>
-          <p:nvPr/>
-        </p:nvCxnSpPr>
-        <p:spPr>
-          <a:xfrm flipH="1" flipV="1">
-            <a:off x="7015529" y="2128357"/>
-            <a:ext cx="715380" cy="1227263"/>
-          </a:xfrm>
-          <a:prstGeom prst="straightConnector1">
-            <a:avLst/>
-          </a:prstGeom>
-          <a:ln w="38100">
-            <a:solidFill>
-              <a:srgbClr val="FFC000"/>
-            </a:solidFill>
-            <a:headEnd type="none" w="med" len="med"/>
-            <a:tailEnd type="arrow" w="med" len="med"/>
-          </a:ln>
-        </p:spPr>
-        <p:style>
-          <a:lnRef idx="1">
-            <a:schemeClr val="accent1"/>
-          </a:lnRef>
-          <a:fillRef idx="0">
-            <a:schemeClr val="accent1"/>
-          </a:fillRef>
-          <a:effectRef idx="0">
-            <a:schemeClr val="accent1"/>
-          </a:effectRef>
-          <a:fontRef idx="minor">
-            <a:schemeClr val="tx1"/>
-          </a:fontRef>
-        </p:style>
-      </p:cxnSp>
-      <p:cxnSp>
-        <p:nvCxnSpPr>
-          <p:cNvPr id="331" name="Elbow Connector 330"/>
-          <p:cNvCxnSpPr>
-            <a:stCxn id="112" idx="0"/>
-            <a:endCxn id="22" idx="0"/>
-          </p:cNvCxnSpPr>
-          <p:nvPr/>
-        </p:nvCxnSpPr>
-        <p:spPr>
-          <a:xfrm rot="16200000" flipV="1">
-            <a:off x="6078604" y="2567678"/>
-            <a:ext cx="4307378" cy="3033602"/>
-          </a:xfrm>
-          <a:prstGeom prst="bentConnector3">
-            <a:avLst>
-              <a:gd name="adj1" fmla="val 105307"/>
-            </a:avLst>
-          </a:prstGeom>
-          <a:ln w="38100">
-            <a:solidFill>
-              <a:srgbClr val="C00000"/>
-            </a:solidFill>
-            <a:headEnd type="none" w="med" len="med"/>
-            <a:tailEnd type="arrow" w="med" len="med"/>
-          </a:ln>
-        </p:spPr>
-        <p:style>
-          <a:lnRef idx="1">
-            <a:schemeClr val="accent1"/>
-          </a:lnRef>
-          <a:fillRef idx="0">
-            <a:schemeClr val="accent1"/>
-          </a:fillRef>
-          <a:effectRef idx="0">
-            <a:schemeClr val="accent1"/>
-          </a:effectRef>
-          <a:fontRef idx="minor">
-            <a:schemeClr val="tx1"/>
-          </a:fontRef>
-        </p:style>
-      </p:cxnSp>
-      <p:sp>
-        <p:nvSpPr>
-          <p:cNvPr id="59" name="TextBox 58"/>
-          <p:cNvSpPr txBox="1"/>
-          <p:nvPr/>
-        </p:nvSpPr>
-        <p:spPr>
-          <a:xfrm>
-            <a:off x="4052266" y="47084"/>
-            <a:ext cx="3545842" cy="369332"/>
-          </a:xfrm>
-          <a:prstGeom prst="rect">
-            <a:avLst/>
-          </a:prstGeom>
-          <a:noFill/>
-        </p:spPr>
-        <p:txBody>
-          <a:bodyPr wrap="none" rtlCol="0">
-            <a:spAutoFit/>
-          </a:bodyPr>
-          <a:lstStyle/>
-          <a:p>
-            <a:r>
-              <a:rPr lang="en-US" dirty="0" smtClean="0"/>
-              <a:t>All chemistry using top 10 pathways</a:t>
-            </a:r>
-            <a:endParaRPr lang="en-US" dirty="0"/>
-          </a:p>
-        </p:txBody>
-      </p:sp>
-    </p:spTree>
-    <p:extLst>
-      <p:ext uri="{BB962C8B-B14F-4D97-AF65-F5344CB8AC3E}">
-        <p14:creationId xmlns:p14="http://schemas.microsoft.com/office/powerpoint/2010/main" val="3358164873"/>
-      </p:ext>
-    </p:extLst>
-  </p:cSld>
-  <p:clrMapOvr>
-    <a:masterClrMapping/>
-  </p:clrMapOvr>
-</p:sld>
-</file>
-
-<file path=ppt/slides/slide12.xml><?xml version="1.0" encoding="utf-8"?>
-<p:sld xmlns:a="http://schemas.openxmlformats.org/drawingml/2006/main" xmlns:r="http://schemas.openxmlformats.org/officeDocument/2006/relationships" xmlns:p="http://schemas.openxmlformats.org/presentationml/2006/main">
-  <p:cSld>
-    <p:spTree>
-      <p:nvGrpSpPr>
-        <p:cNvPr id="1" name=""/>
-        <p:cNvGrpSpPr/>
-        <p:nvPr/>
-      </p:nvGrpSpPr>
-      <p:grpSpPr>
-        <a:xfrm>
-          <a:off x="0" y="0"/>
-          <a:ext cx="0" cy="0"/>
-          <a:chOff x="0" y="0"/>
-          <a:chExt cx="0" cy="0"/>
-        </a:xfrm>
-      </p:grpSpPr>
-      <p:sp>
-        <p:nvSpPr>
-          <p:cNvPr id="16" name="Rounded Rectangle 15"/>
-          <p:cNvSpPr/>
-          <p:nvPr/>
-        </p:nvSpPr>
-        <p:spPr>
-          <a:xfrm>
-            <a:off x="4052266" y="4757362"/>
-            <a:ext cx="600075" cy="395133"/>
-          </a:xfrm>
-          <a:prstGeom prst="roundRect">
-            <a:avLst/>
-          </a:prstGeom>
-        </p:spPr>
-        <p:style>
-          <a:lnRef idx="2">
-            <a:schemeClr val="accent1">
-              <a:shade val="50000"/>
-            </a:schemeClr>
-          </a:lnRef>
-          <a:fillRef idx="1">
-            <a:schemeClr val="accent1"/>
-          </a:fillRef>
-          <a:effectRef idx="0">
-            <a:schemeClr val="accent1"/>
-          </a:effectRef>
-          <a:fontRef idx="minor">
-            <a:schemeClr val="lt1"/>
-          </a:fontRef>
-        </p:style>
-        <p:txBody>
-          <a:bodyPr rtlCol="0" anchor="ctr"/>
-          <a:lstStyle/>
-          <a:p>
-            <a:pPr algn="ctr"/>
-            <a:r>
-              <a:rPr lang="en-US" sz="1000" dirty="0" smtClean="0"/>
-              <a:t>prod_1</a:t>
-            </a:r>
-            <a:endParaRPr lang="en-US" sz="1000" dirty="0"/>
-          </a:p>
-        </p:txBody>
-      </p:sp>
-      <p:sp>
-        <p:nvSpPr>
-          <p:cNvPr id="17" name="Rounded Rectangle 16"/>
-          <p:cNvSpPr/>
-          <p:nvPr/>
-        </p:nvSpPr>
-        <p:spPr>
-          <a:xfrm>
-            <a:off x="4052266" y="3711856"/>
-            <a:ext cx="600075" cy="395133"/>
-          </a:xfrm>
-          <a:prstGeom prst="roundRect">
-            <a:avLst/>
-          </a:prstGeom>
-        </p:spPr>
-        <p:style>
-          <a:lnRef idx="2">
-            <a:schemeClr val="accent1">
-              <a:shade val="50000"/>
-            </a:schemeClr>
-          </a:lnRef>
-          <a:fillRef idx="1">
-            <a:schemeClr val="accent1"/>
-          </a:fillRef>
-          <a:effectRef idx="0">
-            <a:schemeClr val="accent1"/>
-          </a:effectRef>
-          <a:fontRef idx="minor">
-            <a:schemeClr val="lt1"/>
-          </a:fontRef>
-        </p:style>
-        <p:txBody>
-          <a:bodyPr rtlCol="0" anchor="ctr"/>
-          <a:lstStyle/>
-          <a:p>
-            <a:pPr algn="ctr"/>
-            <a:r>
-              <a:rPr lang="en-US" sz="1000" dirty="0" smtClean="0"/>
-              <a:t>frag_1</a:t>
-            </a:r>
-            <a:endParaRPr lang="en-US" sz="1000" dirty="0"/>
-          </a:p>
-        </p:txBody>
-      </p:sp>
-      <p:sp>
-        <p:nvSpPr>
-          <p:cNvPr id="18" name="Rounded Rectangle 17"/>
-          <p:cNvSpPr/>
-          <p:nvPr/>
-        </p:nvSpPr>
-        <p:spPr>
-          <a:xfrm>
-            <a:off x="4052266" y="2652688"/>
-            <a:ext cx="600075" cy="395133"/>
-          </a:xfrm>
-          <a:prstGeom prst="roundRect">
-            <a:avLst/>
-          </a:prstGeom>
-        </p:spPr>
-        <p:style>
-          <a:lnRef idx="2">
-            <a:schemeClr val="accent1">
-              <a:shade val="50000"/>
-            </a:schemeClr>
-          </a:lnRef>
-          <a:fillRef idx="1">
-            <a:schemeClr val="accent1"/>
-          </a:fillRef>
-          <a:effectRef idx="0">
-            <a:schemeClr val="accent1"/>
-          </a:effectRef>
-          <a:fontRef idx="minor">
-            <a:schemeClr val="lt1"/>
-          </a:fontRef>
-        </p:style>
-        <p:txBody>
-          <a:bodyPr rtlCol="0" anchor="ctr"/>
-          <a:lstStyle/>
-          <a:p>
-            <a:pPr algn="ctr"/>
-            <a:r>
-              <a:rPr lang="en-US" sz="1000" dirty="0" err="1" smtClean="0"/>
-              <a:t>vinoxy</a:t>
-            </a:r>
-            <a:endParaRPr lang="en-US" sz="1000" dirty="0"/>
-          </a:p>
-        </p:txBody>
-      </p:sp>
-      <p:sp>
-        <p:nvSpPr>
           <p:cNvPr id="21" name="Rounded Rectangle 20"/>
           <p:cNvSpPr/>
           <p:nvPr/>
@@ -9675,7 +7431,7 @@
 </p:sld>
 </file>
 
-<file path=ppt/slides/slide13.xml><?xml version="1.0" encoding="utf-8"?>
+<file path=ppt/slides/slide12.xml><?xml version="1.0" encoding="utf-8"?>
 <p:sld xmlns:a="http://schemas.openxmlformats.org/drawingml/2006/main" xmlns:r="http://schemas.openxmlformats.org/officeDocument/2006/relationships" xmlns:p="http://schemas.openxmlformats.org/presentationml/2006/main">
   <p:cSld>
     <p:spTree>
@@ -11218,7 +8974,7 @@
 </p:sld>
 </file>
 
-<file path=ppt/slides/slide14.xml><?xml version="1.0" encoding="utf-8"?>
+<file path=ppt/slides/slide13.xml><?xml version="1.0" encoding="utf-8"?>
 <p:sld xmlns:a="http://schemas.openxmlformats.org/drawingml/2006/main" xmlns:r="http://schemas.openxmlformats.org/officeDocument/2006/relationships" xmlns:p="http://schemas.openxmlformats.org/presentationml/2006/main">
   <p:cSld>
     <p:spTree>
@@ -12719,7 +10475,7 @@
 </p:sld>
 </file>
 
-<file path=ppt/slides/slide15.xml><?xml version="1.0" encoding="utf-8"?>
+<file path=ppt/slides/slide14.xml><?xml version="1.0" encoding="utf-8"?>
 <p:sld xmlns:a="http://schemas.openxmlformats.org/drawingml/2006/main" xmlns:r="http://schemas.openxmlformats.org/officeDocument/2006/relationships" xmlns:p="http://schemas.openxmlformats.org/presentationml/2006/main">
   <p:cSld>
     <p:spTree>
@@ -14280,6 +12036,2442 @@
   <p:clrMapOvr>
     <a:masterClrMapping/>
   </p:clrMapOvr>
+  <p:timing>
+    <p:tnLst>
+      <p:par>
+        <p:cTn id="1" dur="indefinite" restart="never" nodeType="tmRoot"/>
+      </p:par>
+    </p:tnLst>
+  </p:timing>
+</p:sld>
+</file>
+
+<file path=ppt/slides/slide15.xml><?xml version="1.0" encoding="utf-8"?>
+<p:sld xmlns:a="http://schemas.openxmlformats.org/drawingml/2006/main" xmlns:r="http://schemas.openxmlformats.org/officeDocument/2006/relationships" xmlns:p="http://schemas.openxmlformats.org/presentationml/2006/main">
+  <p:cSld>
+    <p:spTree>
+      <p:nvGrpSpPr>
+        <p:cNvPr id="1" name=""/>
+        <p:cNvGrpSpPr/>
+        <p:nvPr/>
+      </p:nvGrpSpPr>
+      <p:grpSpPr>
+        <a:xfrm>
+          <a:off x="0" y="0"/>
+          <a:ext cx="0" cy="0"/>
+          <a:chOff x="0" y="0"/>
+          <a:chExt cx="0" cy="0"/>
+        </a:xfrm>
+      </p:grpSpPr>
+      <p:sp>
+        <p:nvSpPr>
+          <p:cNvPr id="16" name="Rounded Rectangle 15"/>
+          <p:cNvSpPr/>
+          <p:nvPr/>
+        </p:nvSpPr>
+        <p:spPr>
+          <a:xfrm>
+            <a:off x="4473616" y="3532355"/>
+            <a:ext cx="600075" cy="395133"/>
+          </a:xfrm>
+          <a:prstGeom prst="roundRect">
+            <a:avLst/>
+          </a:prstGeom>
+        </p:spPr>
+        <p:style>
+          <a:lnRef idx="2">
+            <a:schemeClr val="accent1">
+              <a:shade val="50000"/>
+            </a:schemeClr>
+          </a:lnRef>
+          <a:fillRef idx="1">
+            <a:schemeClr val="accent1"/>
+          </a:fillRef>
+          <a:effectRef idx="0">
+            <a:schemeClr val="accent1"/>
+          </a:effectRef>
+          <a:fontRef idx="minor">
+            <a:schemeClr val="lt1"/>
+          </a:fontRef>
+        </p:style>
+        <p:txBody>
+          <a:bodyPr rtlCol="0" anchor="ctr"/>
+          <a:lstStyle/>
+          <a:p>
+            <a:pPr algn="ctr"/>
+            <a:r>
+              <a:rPr lang="en-US" sz="1000" dirty="0" smtClean="0"/>
+              <a:t>prod_1</a:t>
+            </a:r>
+            <a:endParaRPr lang="en-US" sz="1000" dirty="0"/>
+          </a:p>
+        </p:txBody>
+      </p:sp>
+      <p:sp>
+        <p:nvSpPr>
+          <p:cNvPr id="17" name="Rounded Rectangle 16"/>
+          <p:cNvSpPr/>
+          <p:nvPr/>
+        </p:nvSpPr>
+        <p:spPr>
+          <a:xfrm>
+            <a:off x="3200828" y="3532323"/>
+            <a:ext cx="600075" cy="395133"/>
+          </a:xfrm>
+          <a:prstGeom prst="roundRect">
+            <a:avLst/>
+          </a:prstGeom>
+        </p:spPr>
+        <p:style>
+          <a:lnRef idx="2">
+            <a:schemeClr val="accent1">
+              <a:shade val="50000"/>
+            </a:schemeClr>
+          </a:lnRef>
+          <a:fillRef idx="1">
+            <a:schemeClr val="accent1"/>
+          </a:fillRef>
+          <a:effectRef idx="0">
+            <a:schemeClr val="accent1"/>
+          </a:effectRef>
+          <a:fontRef idx="minor">
+            <a:schemeClr val="lt1"/>
+          </a:fontRef>
+        </p:style>
+        <p:txBody>
+          <a:bodyPr rtlCol="0" anchor="ctr"/>
+          <a:lstStyle/>
+          <a:p>
+            <a:pPr algn="ctr"/>
+            <a:r>
+              <a:rPr lang="en-US" sz="1000" dirty="0" smtClean="0"/>
+              <a:t>frag_1</a:t>
+            </a:r>
+            <a:endParaRPr lang="en-US" sz="1000" dirty="0"/>
+          </a:p>
+        </p:txBody>
+      </p:sp>
+      <p:sp>
+        <p:nvSpPr>
+          <p:cNvPr id="18" name="Rounded Rectangle 17"/>
+          <p:cNvSpPr/>
+          <p:nvPr/>
+        </p:nvSpPr>
+        <p:spPr>
+          <a:xfrm>
+            <a:off x="1935214" y="3527625"/>
+            <a:ext cx="600075" cy="395133"/>
+          </a:xfrm>
+          <a:prstGeom prst="roundRect">
+            <a:avLst/>
+          </a:prstGeom>
+        </p:spPr>
+        <p:style>
+          <a:lnRef idx="2">
+            <a:schemeClr val="accent1">
+              <a:shade val="50000"/>
+            </a:schemeClr>
+          </a:lnRef>
+          <a:fillRef idx="1">
+            <a:schemeClr val="accent1"/>
+          </a:fillRef>
+          <a:effectRef idx="0">
+            <a:schemeClr val="accent1"/>
+          </a:effectRef>
+          <a:fontRef idx="minor">
+            <a:schemeClr val="lt1"/>
+          </a:fontRef>
+        </p:style>
+        <p:txBody>
+          <a:bodyPr rtlCol="0" anchor="ctr"/>
+          <a:lstStyle/>
+          <a:p>
+            <a:pPr algn="ctr"/>
+            <a:r>
+              <a:rPr lang="en-US" sz="1000" dirty="0" err="1" smtClean="0"/>
+              <a:t>vinoxy</a:t>
+            </a:r>
+            <a:endParaRPr lang="en-US" sz="1000" dirty="0"/>
+          </a:p>
+        </p:txBody>
+      </p:sp>
+      <p:sp>
+        <p:nvSpPr>
+          <p:cNvPr id="19" name="Rounded Rectangle 18"/>
+          <p:cNvSpPr/>
+          <p:nvPr/>
+        </p:nvSpPr>
+        <p:spPr>
+          <a:xfrm>
+            <a:off x="2564701" y="4620057"/>
+            <a:ext cx="600075" cy="395133"/>
+          </a:xfrm>
+          <a:prstGeom prst="roundRect">
+            <a:avLst/>
+          </a:prstGeom>
+        </p:spPr>
+        <p:style>
+          <a:lnRef idx="2">
+            <a:schemeClr val="accent1">
+              <a:shade val="50000"/>
+            </a:schemeClr>
+          </a:lnRef>
+          <a:fillRef idx="1">
+            <a:schemeClr val="accent1"/>
+          </a:fillRef>
+          <a:effectRef idx="0">
+            <a:schemeClr val="accent1"/>
+          </a:effectRef>
+          <a:fontRef idx="minor">
+            <a:schemeClr val="lt1"/>
+          </a:fontRef>
+        </p:style>
+        <p:txBody>
+          <a:bodyPr rtlCol="0" anchor="ctr"/>
+          <a:lstStyle/>
+          <a:p>
+            <a:pPr algn="ctr"/>
+            <a:r>
+              <a:rPr lang="en-US" sz="1000" dirty="0" smtClean="0"/>
+              <a:t>CH</a:t>
+            </a:r>
+            <a:r>
+              <a:rPr lang="en-US" sz="1000" baseline="-25000" dirty="0" smtClean="0"/>
+              <a:t>2</a:t>
+            </a:r>
+            <a:r>
+              <a:rPr lang="en-US" sz="1000" dirty="0" smtClean="0"/>
+              <a:t>O</a:t>
+            </a:r>
+            <a:endParaRPr lang="en-US" sz="1000" dirty="0"/>
+          </a:p>
+        </p:txBody>
+      </p:sp>
+      <p:sp>
+        <p:nvSpPr>
+          <p:cNvPr id="20" name="Rounded Rectangle 19"/>
+          <p:cNvSpPr/>
+          <p:nvPr/>
+        </p:nvSpPr>
+        <p:spPr>
+          <a:xfrm>
+            <a:off x="1300909" y="4620057"/>
+            <a:ext cx="600075" cy="395133"/>
+          </a:xfrm>
+          <a:prstGeom prst="roundRect">
+            <a:avLst/>
+          </a:prstGeom>
+        </p:spPr>
+        <p:style>
+          <a:lnRef idx="2">
+            <a:schemeClr val="accent1">
+              <a:shade val="50000"/>
+            </a:schemeClr>
+          </a:lnRef>
+          <a:fillRef idx="1">
+            <a:schemeClr val="accent1"/>
+          </a:fillRef>
+          <a:effectRef idx="0">
+            <a:schemeClr val="accent1"/>
+          </a:effectRef>
+          <a:fontRef idx="minor">
+            <a:schemeClr val="lt1"/>
+          </a:fontRef>
+        </p:style>
+        <p:txBody>
+          <a:bodyPr rtlCol="0" anchor="ctr"/>
+          <a:lstStyle/>
+          <a:p>
+            <a:pPr algn="ctr"/>
+            <a:r>
+              <a:rPr lang="en-US" sz="1000" dirty="0" smtClean="0"/>
+              <a:t>CO</a:t>
+            </a:r>
+            <a:endParaRPr lang="en-US" sz="1000" dirty="0"/>
+          </a:p>
+        </p:txBody>
+      </p:sp>
+      <p:sp>
+        <p:nvSpPr>
+          <p:cNvPr id="21" name="Rounded Rectangle 20"/>
+          <p:cNvSpPr/>
+          <p:nvPr/>
+        </p:nvSpPr>
+        <p:spPr>
+          <a:xfrm>
+            <a:off x="5833589" y="3532355"/>
+            <a:ext cx="600072" cy="395133"/>
+          </a:xfrm>
+          <a:prstGeom prst="roundRect">
+            <a:avLst/>
+          </a:prstGeom>
+        </p:spPr>
+        <p:style>
+          <a:lnRef idx="2">
+            <a:schemeClr val="accent1">
+              <a:shade val="50000"/>
+            </a:schemeClr>
+          </a:lnRef>
+          <a:fillRef idx="1">
+            <a:schemeClr val="accent1"/>
+          </a:fillRef>
+          <a:effectRef idx="0">
+            <a:schemeClr val="accent1"/>
+          </a:effectRef>
+          <a:fontRef idx="minor">
+            <a:schemeClr val="lt1"/>
+          </a:fontRef>
+        </p:style>
+        <p:txBody>
+          <a:bodyPr rtlCol="0" anchor="ctr"/>
+          <a:lstStyle/>
+          <a:p>
+            <a:pPr algn="ctr"/>
+            <a:r>
+              <a:rPr lang="en-US" sz="1000" dirty="0"/>
+              <a:t>w</a:t>
+            </a:r>
+            <a:r>
+              <a:rPr lang="en-US" sz="1000" dirty="0" smtClean="0"/>
+              <a:t>ell_1</a:t>
+            </a:r>
+            <a:endParaRPr lang="en-US" sz="1000" dirty="0"/>
+          </a:p>
+        </p:txBody>
+      </p:sp>
+      <p:sp>
+        <p:nvSpPr>
+          <p:cNvPr id="23" name="Rounded Rectangle 22"/>
+          <p:cNvSpPr/>
+          <p:nvPr/>
+        </p:nvSpPr>
+        <p:spPr>
+          <a:xfrm>
+            <a:off x="9622788" y="4322477"/>
+            <a:ext cx="600075" cy="395133"/>
+          </a:xfrm>
+          <a:prstGeom prst="roundRect">
+            <a:avLst/>
+          </a:prstGeom>
+        </p:spPr>
+        <p:style>
+          <a:lnRef idx="2">
+            <a:schemeClr val="accent1">
+              <a:shade val="50000"/>
+            </a:schemeClr>
+          </a:lnRef>
+          <a:fillRef idx="1">
+            <a:schemeClr val="accent1"/>
+          </a:fillRef>
+          <a:effectRef idx="0">
+            <a:schemeClr val="accent1"/>
+          </a:effectRef>
+          <a:fontRef idx="minor">
+            <a:schemeClr val="lt1"/>
+          </a:fontRef>
+        </p:style>
+        <p:txBody>
+          <a:bodyPr rtlCol="0" anchor="ctr"/>
+          <a:lstStyle/>
+          <a:p>
+            <a:pPr algn="ctr"/>
+            <a:r>
+              <a:rPr lang="en-US" sz="1000" dirty="0" err="1" smtClean="0"/>
+              <a:t>ipropyl</a:t>
+            </a:r>
+            <a:endParaRPr lang="en-US" sz="1000" dirty="0"/>
+          </a:p>
+        </p:txBody>
+      </p:sp>
+      <p:sp>
+        <p:nvSpPr>
+          <p:cNvPr id="24" name="Rounded Rectangle 23"/>
+          <p:cNvSpPr/>
+          <p:nvPr/>
+        </p:nvSpPr>
+        <p:spPr>
+          <a:xfrm>
+            <a:off x="5833589" y="4883288"/>
+            <a:ext cx="600075" cy="395133"/>
+          </a:xfrm>
+          <a:prstGeom prst="roundRect">
+            <a:avLst/>
+          </a:prstGeom>
+        </p:spPr>
+        <p:style>
+          <a:lnRef idx="2">
+            <a:schemeClr val="accent1">
+              <a:shade val="50000"/>
+            </a:schemeClr>
+          </a:lnRef>
+          <a:fillRef idx="1">
+            <a:schemeClr val="accent1"/>
+          </a:fillRef>
+          <a:effectRef idx="0">
+            <a:schemeClr val="accent1"/>
+          </a:effectRef>
+          <a:fontRef idx="minor">
+            <a:schemeClr val="lt1"/>
+          </a:fontRef>
+        </p:style>
+        <p:txBody>
+          <a:bodyPr rtlCol="0" anchor="ctr"/>
+          <a:lstStyle/>
+          <a:p>
+            <a:pPr algn="ctr"/>
+            <a:r>
+              <a:rPr lang="en-US" sz="1000" dirty="0" smtClean="0"/>
+              <a:t>C</a:t>
+            </a:r>
+            <a:r>
+              <a:rPr lang="en-US" sz="1000" baseline="-25000" dirty="0" smtClean="0"/>
+              <a:t>3</a:t>
+            </a:r>
+            <a:r>
+              <a:rPr lang="en-US" sz="1000" dirty="0" smtClean="0"/>
+              <a:t>H</a:t>
+            </a:r>
+            <a:r>
+              <a:rPr lang="en-US" sz="1000" baseline="-25000" dirty="0" smtClean="0"/>
+              <a:t>6</a:t>
+            </a:r>
+            <a:endParaRPr lang="en-US" sz="1000" baseline="-25000" dirty="0"/>
+          </a:p>
+        </p:txBody>
+      </p:sp>
+      <p:sp>
+        <p:nvSpPr>
+          <p:cNvPr id="25" name="Rounded Rectangle 24"/>
+          <p:cNvSpPr/>
+          <p:nvPr/>
+        </p:nvSpPr>
+        <p:spPr>
+          <a:xfrm>
+            <a:off x="7048702" y="3962665"/>
+            <a:ext cx="600075" cy="395133"/>
+          </a:xfrm>
+          <a:prstGeom prst="roundRect">
+            <a:avLst/>
+          </a:prstGeom>
+        </p:spPr>
+        <p:style>
+          <a:lnRef idx="2">
+            <a:schemeClr val="accent1">
+              <a:shade val="50000"/>
+            </a:schemeClr>
+          </a:lnRef>
+          <a:fillRef idx="1">
+            <a:schemeClr val="accent1"/>
+          </a:fillRef>
+          <a:effectRef idx="0">
+            <a:schemeClr val="accent1"/>
+          </a:effectRef>
+          <a:fontRef idx="minor">
+            <a:schemeClr val="lt1"/>
+          </a:fontRef>
+        </p:style>
+        <p:txBody>
+          <a:bodyPr rtlCol="0" anchor="ctr"/>
+          <a:lstStyle/>
+          <a:p>
+            <a:pPr algn="ctr"/>
+            <a:r>
+              <a:rPr lang="en-US" sz="1000" dirty="0" smtClean="0"/>
+              <a:t>prod_2</a:t>
+            </a:r>
+            <a:endParaRPr lang="en-US" sz="1000" dirty="0"/>
+          </a:p>
+        </p:txBody>
+      </p:sp>
+      <p:sp>
+        <p:nvSpPr>
+          <p:cNvPr id="26" name="Rounded Rectangle 25"/>
+          <p:cNvSpPr/>
+          <p:nvPr/>
+        </p:nvSpPr>
+        <p:spPr>
+          <a:xfrm>
+            <a:off x="7964497" y="4879340"/>
+            <a:ext cx="685983" cy="395133"/>
+          </a:xfrm>
+          <a:prstGeom prst="roundRect">
+            <a:avLst/>
+          </a:prstGeom>
+        </p:spPr>
+        <p:style>
+          <a:lnRef idx="2">
+            <a:schemeClr val="accent1">
+              <a:shade val="50000"/>
+            </a:schemeClr>
+          </a:lnRef>
+          <a:fillRef idx="1">
+            <a:schemeClr val="accent1"/>
+          </a:fillRef>
+          <a:effectRef idx="0">
+            <a:schemeClr val="accent1"/>
+          </a:effectRef>
+          <a:fontRef idx="minor">
+            <a:schemeClr val="lt1"/>
+          </a:fontRef>
+        </p:style>
+        <p:txBody>
+          <a:bodyPr rtlCol="0" anchor="ctr"/>
+          <a:lstStyle/>
+          <a:p>
+            <a:pPr algn="ctr"/>
+            <a:r>
+              <a:rPr lang="en-US" sz="1000" dirty="0" err="1" smtClean="0"/>
+              <a:t>allyloxy</a:t>
+            </a:r>
+            <a:endParaRPr lang="en-US" sz="1000" dirty="0"/>
+          </a:p>
+        </p:txBody>
+      </p:sp>
+      <p:sp>
+        <p:nvSpPr>
+          <p:cNvPr id="27" name="Rounded Rectangle 26"/>
+          <p:cNvSpPr/>
+          <p:nvPr/>
+        </p:nvSpPr>
+        <p:spPr>
+          <a:xfrm>
+            <a:off x="7964498" y="5714934"/>
+            <a:ext cx="685982" cy="395133"/>
+          </a:xfrm>
+          <a:prstGeom prst="roundRect">
+            <a:avLst/>
+          </a:prstGeom>
+        </p:spPr>
+        <p:style>
+          <a:lnRef idx="2">
+            <a:schemeClr val="accent1">
+              <a:shade val="50000"/>
+            </a:schemeClr>
+          </a:lnRef>
+          <a:fillRef idx="1">
+            <a:schemeClr val="accent1"/>
+          </a:fillRef>
+          <a:effectRef idx="0">
+            <a:schemeClr val="accent1"/>
+          </a:effectRef>
+          <a:fontRef idx="minor">
+            <a:schemeClr val="lt1"/>
+          </a:fontRef>
+        </p:style>
+        <p:txBody>
+          <a:bodyPr rtlCol="0" anchor="ctr"/>
+          <a:lstStyle/>
+          <a:p>
+            <a:pPr algn="ctr"/>
+            <a:r>
+              <a:rPr lang="en-US" sz="1000" dirty="0" err="1" smtClean="0"/>
+              <a:t>acrolein</a:t>
+            </a:r>
+            <a:endParaRPr lang="en-US" sz="1000" dirty="0"/>
+          </a:p>
+        </p:txBody>
+      </p:sp>
+      <p:sp>
+        <p:nvSpPr>
+          <p:cNvPr id="30" name="Rounded Rectangle 29"/>
+          <p:cNvSpPr/>
+          <p:nvPr/>
+        </p:nvSpPr>
+        <p:spPr>
+          <a:xfrm>
+            <a:off x="9514517" y="2580791"/>
+            <a:ext cx="816618" cy="395133"/>
+          </a:xfrm>
+          <a:prstGeom prst="roundRect">
+            <a:avLst/>
+          </a:prstGeom>
+        </p:spPr>
+        <p:style>
+          <a:lnRef idx="2">
+            <a:schemeClr val="accent1">
+              <a:shade val="50000"/>
+            </a:schemeClr>
+          </a:lnRef>
+          <a:fillRef idx="1">
+            <a:schemeClr val="accent1"/>
+          </a:fillRef>
+          <a:effectRef idx="0">
+            <a:schemeClr val="accent1"/>
+          </a:effectRef>
+          <a:fontRef idx="minor">
+            <a:schemeClr val="lt1"/>
+          </a:fontRef>
+        </p:style>
+        <p:txBody>
+          <a:bodyPr rtlCol="0" anchor="ctr"/>
+          <a:lstStyle/>
+          <a:p>
+            <a:pPr algn="ctr"/>
+            <a:r>
+              <a:rPr lang="en-US" sz="1000" dirty="0" err="1" smtClean="0"/>
+              <a:t>propoxide</a:t>
+            </a:r>
+            <a:endParaRPr lang="en-US" sz="1000" baseline="-25000" dirty="0"/>
+          </a:p>
+        </p:txBody>
+      </p:sp>
+      <p:sp>
+        <p:nvSpPr>
+          <p:cNvPr id="31" name="Rounded Rectangle 30"/>
+          <p:cNvSpPr/>
+          <p:nvPr/>
+        </p:nvSpPr>
+        <p:spPr>
+          <a:xfrm>
+            <a:off x="8695357" y="3523405"/>
+            <a:ext cx="875995" cy="395133"/>
+          </a:xfrm>
+          <a:prstGeom prst="roundRect">
+            <a:avLst/>
+          </a:prstGeom>
+        </p:spPr>
+        <p:style>
+          <a:lnRef idx="2">
+            <a:schemeClr val="accent1">
+              <a:shade val="50000"/>
+            </a:schemeClr>
+          </a:lnRef>
+          <a:fillRef idx="1">
+            <a:schemeClr val="accent1"/>
+          </a:fillRef>
+          <a:effectRef idx="0">
+            <a:schemeClr val="accent1"/>
+          </a:effectRef>
+          <a:fontRef idx="minor">
+            <a:schemeClr val="lt1"/>
+          </a:fontRef>
+        </p:style>
+        <p:txBody>
+          <a:bodyPr rtlCol="0" anchor="ctr"/>
+          <a:lstStyle/>
+          <a:p>
+            <a:pPr algn="ctr"/>
+            <a:r>
+              <a:rPr lang="en-US" sz="1000" dirty="0" err="1" smtClean="0"/>
+              <a:t>npropylooh</a:t>
+            </a:r>
+            <a:endParaRPr lang="en-US" sz="1000" dirty="0"/>
+          </a:p>
+        </p:txBody>
+      </p:sp>
+      <p:sp>
+        <p:nvSpPr>
+          <p:cNvPr id="32" name="Rounded Rectangle 31"/>
+          <p:cNvSpPr/>
+          <p:nvPr/>
+        </p:nvSpPr>
+        <p:spPr>
+          <a:xfrm>
+            <a:off x="9483384" y="1352718"/>
+            <a:ext cx="875995" cy="437913"/>
+          </a:xfrm>
+          <a:prstGeom prst="roundRect">
+            <a:avLst/>
+          </a:prstGeom>
+        </p:spPr>
+        <p:style>
+          <a:lnRef idx="2">
+            <a:schemeClr val="accent1">
+              <a:shade val="50000"/>
+            </a:schemeClr>
+          </a:lnRef>
+          <a:fillRef idx="1">
+            <a:schemeClr val="accent1"/>
+          </a:fillRef>
+          <a:effectRef idx="0">
+            <a:schemeClr val="accent1"/>
+          </a:effectRef>
+          <a:fontRef idx="minor">
+            <a:schemeClr val="lt1"/>
+          </a:fontRef>
+        </p:style>
+        <p:txBody>
+          <a:bodyPr rtlCol="0" anchor="ctr"/>
+          <a:lstStyle/>
+          <a:p>
+            <a:pPr algn="ctr"/>
+            <a:r>
+              <a:rPr lang="en-US" sz="1000" dirty="0" err="1" smtClean="0"/>
+              <a:t>npropyloxy</a:t>
+            </a:r>
+            <a:endParaRPr lang="en-US" sz="1000" dirty="0"/>
+          </a:p>
+        </p:txBody>
+      </p:sp>
+      <p:sp>
+        <p:nvSpPr>
+          <p:cNvPr id="22" name="Rounded Rectangle 21"/>
+          <p:cNvSpPr/>
+          <p:nvPr/>
+        </p:nvSpPr>
+        <p:spPr>
+          <a:xfrm>
+            <a:off x="5833589" y="1378568"/>
+            <a:ext cx="600075" cy="395133"/>
+          </a:xfrm>
+          <a:prstGeom prst="roundRect">
+            <a:avLst/>
+          </a:prstGeom>
+        </p:spPr>
+        <p:style>
+          <a:lnRef idx="2">
+            <a:schemeClr val="accent1">
+              <a:shade val="50000"/>
+            </a:schemeClr>
+          </a:lnRef>
+          <a:fillRef idx="1">
+            <a:schemeClr val="accent1"/>
+          </a:fillRef>
+          <a:effectRef idx="0">
+            <a:schemeClr val="accent1"/>
+          </a:effectRef>
+          <a:fontRef idx="minor">
+            <a:schemeClr val="lt1"/>
+          </a:fontRef>
+        </p:style>
+        <p:txBody>
+          <a:bodyPr rtlCol="0" anchor="ctr"/>
+          <a:lstStyle/>
+          <a:p>
+            <a:pPr algn="ctr"/>
+            <a:r>
+              <a:rPr lang="en-US" sz="1000" dirty="0" smtClean="0"/>
+              <a:t>OH</a:t>
+            </a:r>
+            <a:endParaRPr lang="en-US" sz="1000" dirty="0"/>
+          </a:p>
+        </p:txBody>
+      </p:sp>
+      <p:cxnSp>
+        <p:nvCxnSpPr>
+          <p:cNvPr id="5" name="Straight Arrow Connector 4"/>
+          <p:cNvCxnSpPr>
+            <a:stCxn id="150" idx="4"/>
+            <a:endCxn id="21" idx="0"/>
+          </p:cNvCxnSpPr>
+          <p:nvPr/>
+        </p:nvCxnSpPr>
+        <p:spPr>
+          <a:xfrm flipH="1">
+            <a:off x="6133625" y="2859445"/>
+            <a:ext cx="1" cy="672910"/>
+          </a:xfrm>
+          <a:prstGeom prst="straightConnector1">
+            <a:avLst/>
+          </a:prstGeom>
+          <a:ln w="38100">
+            <a:solidFill>
+              <a:srgbClr val="FF0000"/>
+            </a:solidFill>
+            <a:headEnd type="none" w="med" len="med"/>
+            <a:tailEnd type="triangle" w="med" len="med"/>
+          </a:ln>
+        </p:spPr>
+        <p:style>
+          <a:lnRef idx="1">
+            <a:schemeClr val="accent1"/>
+          </a:lnRef>
+          <a:fillRef idx="0">
+            <a:schemeClr val="accent1"/>
+          </a:fillRef>
+          <a:effectRef idx="0">
+            <a:schemeClr val="accent1"/>
+          </a:effectRef>
+          <a:fontRef idx="minor">
+            <a:schemeClr val="tx1"/>
+          </a:fontRef>
+        </p:style>
+      </p:cxnSp>
+      <p:sp>
+        <p:nvSpPr>
+          <p:cNvPr id="2" name="Oval 1"/>
+          <p:cNvSpPr/>
+          <p:nvPr/>
+        </p:nvSpPr>
+        <p:spPr>
+          <a:xfrm>
+            <a:off x="1500935" y="3629878"/>
+            <a:ext cx="200025" cy="200025"/>
+          </a:xfrm>
+          <a:prstGeom prst="ellipse">
+            <a:avLst/>
+          </a:prstGeom>
+        </p:spPr>
+        <p:style>
+          <a:lnRef idx="2">
+            <a:schemeClr val="accent1">
+              <a:shade val="50000"/>
+            </a:schemeClr>
+          </a:lnRef>
+          <a:fillRef idx="1">
+            <a:schemeClr val="accent1"/>
+          </a:fillRef>
+          <a:effectRef idx="0">
+            <a:schemeClr val="accent1"/>
+          </a:effectRef>
+          <a:fontRef idx="minor">
+            <a:schemeClr val="lt1"/>
+          </a:fontRef>
+        </p:style>
+        <p:txBody>
+          <a:bodyPr rtlCol="0" anchor="ctr"/>
+          <a:lstStyle/>
+          <a:p>
+            <a:pPr algn="ctr"/>
+            <a:endParaRPr lang="en-US"/>
+          </a:p>
+        </p:txBody>
+      </p:sp>
+      <p:cxnSp>
+        <p:nvCxnSpPr>
+          <p:cNvPr id="11" name="Straight Arrow Connector 10"/>
+          <p:cNvCxnSpPr>
+            <a:stCxn id="18" idx="1"/>
+            <a:endCxn id="2" idx="6"/>
+          </p:cNvCxnSpPr>
+          <p:nvPr/>
+        </p:nvCxnSpPr>
+        <p:spPr>
+          <a:xfrm flipH="1">
+            <a:off x="1700960" y="3725192"/>
+            <a:ext cx="234254" cy="4699"/>
+          </a:xfrm>
+          <a:prstGeom prst="straightConnector1">
+            <a:avLst/>
+          </a:prstGeom>
+          <a:ln w="38100">
+            <a:solidFill>
+              <a:srgbClr val="FF0000"/>
+            </a:solidFill>
+            <a:tailEnd type="triangle"/>
+          </a:ln>
+        </p:spPr>
+        <p:style>
+          <a:lnRef idx="1">
+            <a:schemeClr val="accent1"/>
+          </a:lnRef>
+          <a:fillRef idx="0">
+            <a:schemeClr val="accent1"/>
+          </a:fillRef>
+          <a:effectRef idx="0">
+            <a:schemeClr val="accent1"/>
+          </a:effectRef>
+          <a:fontRef idx="minor">
+            <a:schemeClr val="tx1"/>
+          </a:fontRef>
+        </p:style>
+      </p:cxnSp>
+      <p:sp>
+        <p:nvSpPr>
+          <p:cNvPr id="48" name="Oval 47"/>
+          <p:cNvSpPr/>
+          <p:nvPr/>
+        </p:nvSpPr>
+        <p:spPr>
+          <a:xfrm>
+            <a:off x="2764727" y="3629878"/>
+            <a:ext cx="200025" cy="200025"/>
+          </a:xfrm>
+          <a:prstGeom prst="ellipse">
+            <a:avLst/>
+          </a:prstGeom>
+        </p:spPr>
+        <p:style>
+          <a:lnRef idx="2">
+            <a:schemeClr val="accent1">
+              <a:shade val="50000"/>
+            </a:schemeClr>
+          </a:lnRef>
+          <a:fillRef idx="1">
+            <a:schemeClr val="accent1"/>
+          </a:fillRef>
+          <a:effectRef idx="0">
+            <a:schemeClr val="accent1"/>
+          </a:effectRef>
+          <a:fontRef idx="minor">
+            <a:schemeClr val="lt1"/>
+          </a:fontRef>
+        </p:style>
+        <p:txBody>
+          <a:bodyPr rtlCol="0" anchor="ctr"/>
+          <a:lstStyle/>
+          <a:p>
+            <a:pPr algn="ctr"/>
+            <a:endParaRPr lang="en-US"/>
+          </a:p>
+        </p:txBody>
+      </p:sp>
+      <p:cxnSp>
+        <p:nvCxnSpPr>
+          <p:cNvPr id="34" name="Straight Arrow Connector 33"/>
+          <p:cNvCxnSpPr>
+            <a:stCxn id="17" idx="1"/>
+            <a:endCxn id="48" idx="6"/>
+          </p:cNvCxnSpPr>
+          <p:nvPr/>
+        </p:nvCxnSpPr>
+        <p:spPr>
+          <a:xfrm flipH="1">
+            <a:off x="2964752" y="3729890"/>
+            <a:ext cx="236076" cy="1"/>
+          </a:xfrm>
+          <a:prstGeom prst="straightConnector1">
+            <a:avLst/>
+          </a:prstGeom>
+          <a:ln w="38100">
+            <a:solidFill>
+              <a:srgbClr val="FF0000"/>
+            </a:solidFill>
+            <a:tailEnd type="triangle"/>
+          </a:ln>
+        </p:spPr>
+        <p:style>
+          <a:lnRef idx="1">
+            <a:schemeClr val="accent1"/>
+          </a:lnRef>
+          <a:fillRef idx="0">
+            <a:schemeClr val="accent1"/>
+          </a:fillRef>
+          <a:effectRef idx="0">
+            <a:schemeClr val="accent1"/>
+          </a:effectRef>
+          <a:fontRef idx="minor">
+            <a:schemeClr val="tx1"/>
+          </a:fontRef>
+        </p:style>
+      </p:cxnSp>
+      <p:cxnSp>
+        <p:nvCxnSpPr>
+          <p:cNvPr id="36" name="Straight Arrow Connector 35"/>
+          <p:cNvCxnSpPr>
+            <a:stCxn id="48" idx="2"/>
+            <a:endCxn id="18" idx="3"/>
+          </p:cNvCxnSpPr>
+          <p:nvPr/>
+        </p:nvCxnSpPr>
+        <p:spPr>
+          <a:xfrm flipH="1" flipV="1">
+            <a:off x="2535289" y="3725192"/>
+            <a:ext cx="229438" cy="4699"/>
+          </a:xfrm>
+          <a:prstGeom prst="straightConnector1">
+            <a:avLst/>
+          </a:prstGeom>
+          <a:ln w="38100">
+            <a:solidFill>
+              <a:srgbClr val="FF0000"/>
+            </a:solidFill>
+            <a:tailEnd type="triangle"/>
+          </a:ln>
+        </p:spPr>
+        <p:style>
+          <a:lnRef idx="1">
+            <a:schemeClr val="accent1"/>
+          </a:lnRef>
+          <a:fillRef idx="0">
+            <a:schemeClr val="accent1"/>
+          </a:fillRef>
+          <a:effectRef idx="0">
+            <a:schemeClr val="accent1"/>
+          </a:effectRef>
+          <a:fontRef idx="minor">
+            <a:schemeClr val="tx1"/>
+          </a:fontRef>
+        </p:style>
+      </p:cxnSp>
+      <p:sp>
+        <p:nvSpPr>
+          <p:cNvPr id="58" name="Oval 57"/>
+          <p:cNvSpPr/>
+          <p:nvPr/>
+        </p:nvSpPr>
+        <p:spPr>
+          <a:xfrm>
+            <a:off x="4048398" y="3629878"/>
+            <a:ext cx="200025" cy="200025"/>
+          </a:xfrm>
+          <a:prstGeom prst="ellipse">
+            <a:avLst/>
+          </a:prstGeom>
+        </p:spPr>
+        <p:style>
+          <a:lnRef idx="2">
+            <a:schemeClr val="accent1">
+              <a:shade val="50000"/>
+            </a:schemeClr>
+          </a:lnRef>
+          <a:fillRef idx="1">
+            <a:schemeClr val="accent1"/>
+          </a:fillRef>
+          <a:effectRef idx="0">
+            <a:schemeClr val="accent1"/>
+          </a:effectRef>
+          <a:fontRef idx="minor">
+            <a:schemeClr val="lt1"/>
+          </a:fontRef>
+        </p:style>
+        <p:txBody>
+          <a:bodyPr rtlCol="0" anchor="ctr"/>
+          <a:lstStyle/>
+          <a:p>
+            <a:pPr algn="ctr"/>
+            <a:endParaRPr lang="en-US"/>
+          </a:p>
+        </p:txBody>
+      </p:sp>
+      <p:cxnSp>
+        <p:nvCxnSpPr>
+          <p:cNvPr id="52" name="Straight Arrow Connector 51"/>
+          <p:cNvCxnSpPr>
+            <a:stCxn id="16" idx="1"/>
+            <a:endCxn id="58" idx="6"/>
+          </p:cNvCxnSpPr>
+          <p:nvPr/>
+        </p:nvCxnSpPr>
+        <p:spPr>
+          <a:xfrm flipH="1" flipV="1">
+            <a:off x="4248423" y="3729891"/>
+            <a:ext cx="225193" cy="31"/>
+          </a:xfrm>
+          <a:prstGeom prst="straightConnector1">
+            <a:avLst/>
+          </a:prstGeom>
+          <a:ln w="38100">
+            <a:solidFill>
+              <a:srgbClr val="FF0000"/>
+            </a:solidFill>
+            <a:tailEnd type="triangle"/>
+          </a:ln>
+        </p:spPr>
+        <p:style>
+          <a:lnRef idx="1">
+            <a:schemeClr val="accent1"/>
+          </a:lnRef>
+          <a:fillRef idx="0">
+            <a:schemeClr val="accent1"/>
+          </a:fillRef>
+          <a:effectRef idx="0">
+            <a:schemeClr val="accent1"/>
+          </a:effectRef>
+          <a:fontRef idx="minor">
+            <a:schemeClr val="tx1"/>
+          </a:fontRef>
+        </p:style>
+      </p:cxnSp>
+      <p:cxnSp>
+        <p:nvCxnSpPr>
+          <p:cNvPr id="56" name="Straight Arrow Connector 55"/>
+          <p:cNvCxnSpPr>
+            <a:stCxn id="58" idx="2"/>
+            <a:endCxn id="17" idx="3"/>
+          </p:cNvCxnSpPr>
+          <p:nvPr/>
+        </p:nvCxnSpPr>
+        <p:spPr>
+          <a:xfrm flipH="1" flipV="1">
+            <a:off x="3800903" y="3729890"/>
+            <a:ext cx="247495" cy="1"/>
+          </a:xfrm>
+          <a:prstGeom prst="straightConnector1">
+            <a:avLst/>
+          </a:prstGeom>
+          <a:ln w="38100">
+            <a:solidFill>
+              <a:srgbClr val="FF0000"/>
+            </a:solidFill>
+            <a:tailEnd type="triangle"/>
+          </a:ln>
+        </p:spPr>
+        <p:style>
+          <a:lnRef idx="1">
+            <a:schemeClr val="accent1"/>
+          </a:lnRef>
+          <a:fillRef idx="0">
+            <a:schemeClr val="accent1"/>
+          </a:fillRef>
+          <a:effectRef idx="0">
+            <a:schemeClr val="accent1"/>
+          </a:effectRef>
+          <a:fontRef idx="minor">
+            <a:schemeClr val="tx1"/>
+          </a:fontRef>
+        </p:style>
+      </p:cxnSp>
+      <p:sp>
+        <p:nvSpPr>
+          <p:cNvPr id="73" name="Oval 72"/>
+          <p:cNvSpPr/>
+          <p:nvPr/>
+        </p:nvSpPr>
+        <p:spPr>
+          <a:xfrm>
+            <a:off x="5349776" y="3629878"/>
+            <a:ext cx="200025" cy="200025"/>
+          </a:xfrm>
+          <a:prstGeom prst="ellipse">
+            <a:avLst/>
+          </a:prstGeom>
+        </p:spPr>
+        <p:style>
+          <a:lnRef idx="2">
+            <a:schemeClr val="accent1">
+              <a:shade val="50000"/>
+            </a:schemeClr>
+          </a:lnRef>
+          <a:fillRef idx="1">
+            <a:schemeClr val="accent1"/>
+          </a:fillRef>
+          <a:effectRef idx="0">
+            <a:schemeClr val="accent1"/>
+          </a:effectRef>
+          <a:fontRef idx="minor">
+            <a:schemeClr val="lt1"/>
+          </a:fontRef>
+        </p:style>
+        <p:txBody>
+          <a:bodyPr rtlCol="0" anchor="ctr"/>
+          <a:lstStyle/>
+          <a:p>
+            <a:pPr algn="ctr"/>
+            <a:endParaRPr lang="en-US"/>
+          </a:p>
+        </p:txBody>
+      </p:sp>
+      <p:cxnSp>
+        <p:nvCxnSpPr>
+          <p:cNvPr id="75" name="Straight Arrow Connector 74"/>
+          <p:cNvCxnSpPr>
+            <a:stCxn id="21" idx="1"/>
+            <a:endCxn id="73" idx="6"/>
+          </p:cNvCxnSpPr>
+          <p:nvPr/>
+        </p:nvCxnSpPr>
+        <p:spPr>
+          <a:xfrm flipH="1" flipV="1">
+            <a:off x="5549801" y="3729891"/>
+            <a:ext cx="283788" cy="31"/>
+          </a:xfrm>
+          <a:prstGeom prst="straightConnector1">
+            <a:avLst/>
+          </a:prstGeom>
+          <a:ln w="38100">
+            <a:solidFill>
+              <a:srgbClr val="FF0000"/>
+            </a:solidFill>
+            <a:tailEnd type="triangle"/>
+          </a:ln>
+        </p:spPr>
+        <p:style>
+          <a:lnRef idx="1">
+            <a:schemeClr val="accent1"/>
+          </a:lnRef>
+          <a:fillRef idx="0">
+            <a:schemeClr val="accent1"/>
+          </a:fillRef>
+          <a:effectRef idx="0">
+            <a:schemeClr val="accent1"/>
+          </a:effectRef>
+          <a:fontRef idx="minor">
+            <a:schemeClr val="tx1"/>
+          </a:fontRef>
+        </p:style>
+      </p:cxnSp>
+      <p:cxnSp>
+        <p:nvCxnSpPr>
+          <p:cNvPr id="77" name="Straight Arrow Connector 76"/>
+          <p:cNvCxnSpPr>
+            <a:stCxn id="73" idx="2"/>
+            <a:endCxn id="16" idx="3"/>
+          </p:cNvCxnSpPr>
+          <p:nvPr/>
+        </p:nvCxnSpPr>
+        <p:spPr>
+          <a:xfrm flipH="1">
+            <a:off x="5073691" y="3729891"/>
+            <a:ext cx="276085" cy="31"/>
+          </a:xfrm>
+          <a:prstGeom prst="straightConnector1">
+            <a:avLst/>
+          </a:prstGeom>
+          <a:ln w="38100">
+            <a:solidFill>
+              <a:srgbClr val="FF0000"/>
+            </a:solidFill>
+            <a:tailEnd type="triangle"/>
+          </a:ln>
+        </p:spPr>
+        <p:style>
+          <a:lnRef idx="1">
+            <a:schemeClr val="accent1"/>
+          </a:lnRef>
+          <a:fillRef idx="0">
+            <a:schemeClr val="accent1"/>
+          </a:fillRef>
+          <a:effectRef idx="0">
+            <a:schemeClr val="accent1"/>
+          </a:effectRef>
+          <a:fontRef idx="minor">
+            <a:schemeClr val="tx1"/>
+          </a:fontRef>
+        </p:style>
+      </p:cxnSp>
+      <p:sp>
+        <p:nvSpPr>
+          <p:cNvPr id="82" name="Oval 81"/>
+          <p:cNvSpPr/>
+          <p:nvPr/>
+        </p:nvSpPr>
+        <p:spPr>
+          <a:xfrm>
+            <a:off x="9033343" y="4420032"/>
+            <a:ext cx="200025" cy="200025"/>
+          </a:xfrm>
+          <a:prstGeom prst="ellipse">
+            <a:avLst/>
+          </a:prstGeom>
+        </p:spPr>
+        <p:style>
+          <a:lnRef idx="2">
+            <a:schemeClr val="accent1">
+              <a:shade val="50000"/>
+            </a:schemeClr>
+          </a:lnRef>
+          <a:fillRef idx="1">
+            <a:schemeClr val="accent1"/>
+          </a:fillRef>
+          <a:effectRef idx="0">
+            <a:schemeClr val="accent1"/>
+          </a:effectRef>
+          <a:fontRef idx="minor">
+            <a:schemeClr val="lt1"/>
+          </a:fontRef>
+        </p:style>
+        <p:txBody>
+          <a:bodyPr rtlCol="0" anchor="ctr"/>
+          <a:lstStyle/>
+          <a:p>
+            <a:pPr algn="ctr"/>
+            <a:endParaRPr lang="en-US"/>
+          </a:p>
+        </p:txBody>
+      </p:sp>
+      <p:cxnSp>
+        <p:nvCxnSpPr>
+          <p:cNvPr id="86" name="Straight Arrow Connector 85"/>
+          <p:cNvCxnSpPr>
+            <a:stCxn id="82" idx="0"/>
+            <a:endCxn id="31" idx="2"/>
+          </p:cNvCxnSpPr>
+          <p:nvPr/>
+        </p:nvCxnSpPr>
+        <p:spPr>
+          <a:xfrm flipH="1" flipV="1">
+            <a:off x="9133355" y="3918538"/>
+            <a:ext cx="1" cy="501494"/>
+          </a:xfrm>
+          <a:prstGeom prst="straightConnector1">
+            <a:avLst/>
+          </a:prstGeom>
+          <a:ln w="38100">
+            <a:solidFill>
+              <a:srgbClr val="00B050"/>
+            </a:solidFill>
+            <a:tailEnd type="triangle"/>
+          </a:ln>
+        </p:spPr>
+        <p:style>
+          <a:lnRef idx="1">
+            <a:schemeClr val="accent1"/>
+          </a:lnRef>
+          <a:fillRef idx="0">
+            <a:schemeClr val="accent1"/>
+          </a:fillRef>
+          <a:effectRef idx="0">
+            <a:schemeClr val="accent1"/>
+          </a:effectRef>
+          <a:fontRef idx="minor">
+            <a:schemeClr val="tx1"/>
+          </a:fontRef>
+        </p:style>
+      </p:cxnSp>
+      <p:cxnSp>
+        <p:nvCxnSpPr>
+          <p:cNvPr id="88" name="Straight Arrow Connector 87"/>
+          <p:cNvCxnSpPr>
+            <a:stCxn id="82" idx="6"/>
+            <a:endCxn id="23" idx="1"/>
+          </p:cNvCxnSpPr>
+          <p:nvPr/>
+        </p:nvCxnSpPr>
+        <p:spPr>
+          <a:xfrm flipV="1">
+            <a:off x="9233368" y="4520044"/>
+            <a:ext cx="389420" cy="1"/>
+          </a:xfrm>
+          <a:prstGeom prst="straightConnector1">
+            <a:avLst/>
+          </a:prstGeom>
+          <a:ln>
+            <a:tailEnd type="triangle"/>
+          </a:ln>
+        </p:spPr>
+        <p:style>
+          <a:lnRef idx="1">
+            <a:schemeClr val="accent1"/>
+          </a:lnRef>
+          <a:fillRef idx="0">
+            <a:schemeClr val="accent1"/>
+          </a:fillRef>
+          <a:effectRef idx="0">
+            <a:schemeClr val="accent1"/>
+          </a:effectRef>
+          <a:fontRef idx="minor">
+            <a:schemeClr val="tx1"/>
+          </a:fontRef>
+        </p:style>
+      </p:cxnSp>
+      <p:sp>
+        <p:nvSpPr>
+          <p:cNvPr id="98" name="Oval 97"/>
+          <p:cNvSpPr/>
+          <p:nvPr/>
+        </p:nvSpPr>
+        <p:spPr>
+          <a:xfrm>
+            <a:off x="7248728" y="2678344"/>
+            <a:ext cx="200025" cy="200025"/>
+          </a:xfrm>
+          <a:prstGeom prst="ellipse">
+            <a:avLst/>
+          </a:prstGeom>
+        </p:spPr>
+        <p:style>
+          <a:lnRef idx="2">
+            <a:schemeClr val="accent1">
+              <a:shade val="50000"/>
+            </a:schemeClr>
+          </a:lnRef>
+          <a:fillRef idx="1">
+            <a:schemeClr val="accent1"/>
+          </a:fillRef>
+          <a:effectRef idx="0">
+            <a:schemeClr val="accent1"/>
+          </a:effectRef>
+          <a:fontRef idx="minor">
+            <a:schemeClr val="lt1"/>
+          </a:fontRef>
+        </p:style>
+        <p:txBody>
+          <a:bodyPr rtlCol="0" anchor="ctr"/>
+          <a:lstStyle/>
+          <a:p>
+            <a:pPr algn="ctr"/>
+            <a:endParaRPr lang="en-US"/>
+          </a:p>
+        </p:txBody>
+      </p:sp>
+      <p:cxnSp>
+        <p:nvCxnSpPr>
+          <p:cNvPr id="102" name="Straight Arrow Connector 101"/>
+          <p:cNvCxnSpPr>
+            <a:stCxn id="98" idx="6"/>
+            <a:endCxn id="30" idx="1"/>
+          </p:cNvCxnSpPr>
+          <p:nvPr/>
+        </p:nvCxnSpPr>
+        <p:spPr>
+          <a:xfrm>
+            <a:off x="7448753" y="2778357"/>
+            <a:ext cx="2065764" cy="1"/>
+          </a:xfrm>
+          <a:prstGeom prst="straightConnector1">
+            <a:avLst/>
+          </a:prstGeom>
+          <a:ln>
+            <a:tailEnd type="triangle"/>
+          </a:ln>
+        </p:spPr>
+        <p:style>
+          <a:lnRef idx="1">
+            <a:schemeClr val="accent1"/>
+          </a:lnRef>
+          <a:fillRef idx="0">
+            <a:schemeClr val="accent1"/>
+          </a:fillRef>
+          <a:effectRef idx="0">
+            <a:schemeClr val="accent1"/>
+          </a:effectRef>
+          <a:fontRef idx="minor">
+            <a:schemeClr val="tx1"/>
+          </a:fontRef>
+        </p:style>
+      </p:cxnSp>
+      <p:sp>
+        <p:nvSpPr>
+          <p:cNvPr id="112" name="Oval 111"/>
+          <p:cNvSpPr/>
+          <p:nvPr/>
+        </p:nvSpPr>
+        <p:spPr>
+          <a:xfrm>
+            <a:off x="8207477" y="4058816"/>
+            <a:ext cx="200025" cy="200025"/>
+          </a:xfrm>
+          <a:prstGeom prst="ellipse">
+            <a:avLst/>
+          </a:prstGeom>
+        </p:spPr>
+        <p:style>
+          <a:lnRef idx="2">
+            <a:schemeClr val="accent1">
+              <a:shade val="50000"/>
+            </a:schemeClr>
+          </a:lnRef>
+          <a:fillRef idx="1">
+            <a:schemeClr val="accent1"/>
+          </a:fillRef>
+          <a:effectRef idx="0">
+            <a:schemeClr val="accent1"/>
+          </a:effectRef>
+          <a:fontRef idx="minor">
+            <a:schemeClr val="lt1"/>
+          </a:fontRef>
+        </p:style>
+        <p:txBody>
+          <a:bodyPr rtlCol="0" anchor="ctr"/>
+          <a:lstStyle/>
+          <a:p>
+            <a:pPr algn="ctr"/>
+            <a:endParaRPr lang="en-US"/>
+          </a:p>
+        </p:txBody>
+      </p:sp>
+      <p:sp>
+        <p:nvSpPr>
+          <p:cNvPr id="127" name="Oval 126"/>
+          <p:cNvSpPr/>
+          <p:nvPr/>
+        </p:nvSpPr>
+        <p:spPr>
+          <a:xfrm>
+            <a:off x="9024842" y="1471663"/>
+            <a:ext cx="200025" cy="200025"/>
+          </a:xfrm>
+          <a:prstGeom prst="ellipse">
+            <a:avLst/>
+          </a:prstGeom>
+        </p:spPr>
+        <p:style>
+          <a:lnRef idx="2">
+            <a:schemeClr val="accent1">
+              <a:shade val="50000"/>
+            </a:schemeClr>
+          </a:lnRef>
+          <a:fillRef idx="1">
+            <a:schemeClr val="accent1"/>
+          </a:fillRef>
+          <a:effectRef idx="0">
+            <a:schemeClr val="accent1"/>
+          </a:effectRef>
+          <a:fontRef idx="minor">
+            <a:schemeClr val="lt1"/>
+          </a:fontRef>
+        </p:style>
+        <p:txBody>
+          <a:bodyPr rtlCol="0" anchor="ctr"/>
+          <a:lstStyle/>
+          <a:p>
+            <a:pPr algn="ctr"/>
+            <a:endParaRPr lang="en-US"/>
+          </a:p>
+        </p:txBody>
+      </p:sp>
+      <p:cxnSp>
+        <p:nvCxnSpPr>
+          <p:cNvPr id="129" name="Straight Arrow Connector 128"/>
+          <p:cNvCxnSpPr>
+            <a:stCxn id="31" idx="0"/>
+            <a:endCxn id="127" idx="4"/>
+          </p:cNvCxnSpPr>
+          <p:nvPr/>
+        </p:nvCxnSpPr>
+        <p:spPr>
+          <a:xfrm flipH="1" flipV="1">
+            <a:off x="9124855" y="1671688"/>
+            <a:ext cx="8500" cy="1851717"/>
+          </a:xfrm>
+          <a:prstGeom prst="straightConnector1">
+            <a:avLst/>
+          </a:prstGeom>
+          <a:ln w="38100">
+            <a:solidFill>
+              <a:srgbClr val="00B050"/>
+            </a:solidFill>
+            <a:tailEnd type="triangle"/>
+          </a:ln>
+        </p:spPr>
+        <p:style>
+          <a:lnRef idx="1">
+            <a:schemeClr val="accent1"/>
+          </a:lnRef>
+          <a:fillRef idx="0">
+            <a:schemeClr val="accent1"/>
+          </a:fillRef>
+          <a:effectRef idx="0">
+            <a:schemeClr val="accent1"/>
+          </a:effectRef>
+          <a:fontRef idx="minor">
+            <a:schemeClr val="tx1"/>
+          </a:fontRef>
+        </p:style>
+      </p:cxnSp>
+      <p:cxnSp>
+        <p:nvCxnSpPr>
+          <p:cNvPr id="14" name="Straight Arrow Connector 13"/>
+          <p:cNvCxnSpPr>
+            <a:stCxn id="25" idx="3"/>
+            <a:endCxn id="112" idx="2"/>
+          </p:cNvCxnSpPr>
+          <p:nvPr/>
+        </p:nvCxnSpPr>
+        <p:spPr>
+          <a:xfrm flipV="1">
+            <a:off x="7648777" y="4158829"/>
+            <a:ext cx="558700" cy="1403"/>
+          </a:xfrm>
+          <a:prstGeom prst="straightConnector1">
+            <a:avLst/>
+          </a:prstGeom>
+          <a:ln w="38100">
+            <a:solidFill>
+              <a:srgbClr val="C00000"/>
+            </a:solidFill>
+            <a:tailEnd type="triangle"/>
+          </a:ln>
+        </p:spPr>
+        <p:style>
+          <a:lnRef idx="1">
+            <a:schemeClr val="accent1"/>
+          </a:lnRef>
+          <a:fillRef idx="0">
+            <a:schemeClr val="accent1"/>
+          </a:fillRef>
+          <a:effectRef idx="0">
+            <a:schemeClr val="accent1"/>
+          </a:effectRef>
+          <a:fontRef idx="minor">
+            <a:schemeClr val="tx1"/>
+          </a:fontRef>
+        </p:style>
+      </p:cxnSp>
+      <p:cxnSp>
+        <p:nvCxnSpPr>
+          <p:cNvPr id="28" name="Straight Arrow Connector 27"/>
+          <p:cNvCxnSpPr>
+            <a:stCxn id="112" idx="4"/>
+            <a:endCxn id="26" idx="0"/>
+          </p:cNvCxnSpPr>
+          <p:nvPr/>
+        </p:nvCxnSpPr>
+        <p:spPr>
+          <a:xfrm flipH="1">
+            <a:off x="8307489" y="4258841"/>
+            <a:ext cx="1" cy="620499"/>
+          </a:xfrm>
+          <a:prstGeom prst="straightConnector1">
+            <a:avLst/>
+          </a:prstGeom>
+          <a:ln>
+            <a:tailEnd type="triangle"/>
+          </a:ln>
+        </p:spPr>
+        <p:style>
+          <a:lnRef idx="1">
+            <a:schemeClr val="accent1"/>
+          </a:lnRef>
+          <a:fillRef idx="0">
+            <a:schemeClr val="accent1"/>
+          </a:fillRef>
+          <a:effectRef idx="0">
+            <a:schemeClr val="accent1"/>
+          </a:effectRef>
+          <a:fontRef idx="minor">
+            <a:schemeClr val="tx1"/>
+          </a:fontRef>
+        </p:style>
+      </p:cxnSp>
+      <p:cxnSp>
+        <p:nvCxnSpPr>
+          <p:cNvPr id="33" name="Straight Arrow Connector 32"/>
+          <p:cNvCxnSpPr>
+            <a:stCxn id="26" idx="2"/>
+            <a:endCxn id="27" idx="0"/>
+          </p:cNvCxnSpPr>
+          <p:nvPr/>
+        </p:nvCxnSpPr>
+        <p:spPr>
+          <a:xfrm>
+            <a:off x="8307489" y="5274473"/>
+            <a:ext cx="0" cy="440461"/>
+          </a:xfrm>
+          <a:prstGeom prst="straightConnector1">
+            <a:avLst/>
+          </a:prstGeom>
+          <a:ln>
+            <a:tailEnd type="triangle"/>
+          </a:ln>
+        </p:spPr>
+        <p:style>
+          <a:lnRef idx="1">
+            <a:schemeClr val="accent1"/>
+          </a:lnRef>
+          <a:fillRef idx="0">
+            <a:schemeClr val="accent1"/>
+          </a:fillRef>
+          <a:effectRef idx="0">
+            <a:schemeClr val="accent1"/>
+          </a:effectRef>
+          <a:fontRef idx="minor">
+            <a:schemeClr val="tx1"/>
+          </a:fontRef>
+        </p:style>
+      </p:cxnSp>
+      <p:cxnSp>
+        <p:nvCxnSpPr>
+          <p:cNvPr id="331" name="Elbow Connector 330"/>
+          <p:cNvCxnSpPr>
+            <a:stCxn id="112" idx="0"/>
+            <a:endCxn id="22" idx="3"/>
+          </p:cNvCxnSpPr>
+          <p:nvPr/>
+        </p:nvCxnSpPr>
+        <p:spPr>
+          <a:xfrm rot="16200000" flipV="1">
+            <a:off x="6129237" y="1880563"/>
+            <a:ext cx="2482681" cy="1873826"/>
+          </a:xfrm>
+          <a:prstGeom prst="bentConnector2">
+            <a:avLst/>
+          </a:prstGeom>
+          <a:ln w="38100">
+            <a:solidFill>
+              <a:srgbClr val="C00000"/>
+            </a:solidFill>
+            <a:headEnd type="none" w="med" len="med"/>
+            <a:tailEnd type="triangle" w="med" len="med"/>
+          </a:ln>
+        </p:spPr>
+        <p:style>
+          <a:lnRef idx="1">
+            <a:schemeClr val="accent1"/>
+          </a:lnRef>
+          <a:fillRef idx="0">
+            <a:schemeClr val="accent1"/>
+          </a:fillRef>
+          <a:effectRef idx="0">
+            <a:schemeClr val="accent1"/>
+          </a:effectRef>
+          <a:fontRef idx="minor">
+            <a:schemeClr val="tx1"/>
+          </a:fontRef>
+        </p:style>
+      </p:cxnSp>
+      <p:sp>
+        <p:nvSpPr>
+          <p:cNvPr id="59" name="TextBox 58"/>
+          <p:cNvSpPr txBox="1"/>
+          <p:nvPr/>
+        </p:nvSpPr>
+        <p:spPr>
+          <a:xfrm>
+            <a:off x="4052266" y="47084"/>
+            <a:ext cx="3819956" cy="369332"/>
+          </a:xfrm>
+          <a:prstGeom prst="rect">
+            <a:avLst/>
+          </a:prstGeom>
+          <a:noFill/>
+        </p:spPr>
+        <p:txBody>
+          <a:bodyPr wrap="none" rtlCol="0">
+            <a:spAutoFit/>
+          </a:bodyPr>
+          <a:lstStyle/>
+          <a:p>
+            <a:r>
+              <a:rPr lang="en-US" dirty="0" smtClean="0"/>
+              <a:t>All chemistry using top 10 </a:t>
+            </a:r>
+            <a:r>
+              <a:rPr lang="en-US" dirty="0" smtClean="0"/>
+              <a:t>pathways v2</a:t>
+            </a:r>
+            <a:endParaRPr lang="en-US" dirty="0"/>
+          </a:p>
+        </p:txBody>
+      </p:sp>
+      <p:cxnSp>
+        <p:nvCxnSpPr>
+          <p:cNvPr id="118" name="Elbow Connector 117"/>
+          <p:cNvCxnSpPr>
+            <a:stCxn id="18" idx="2"/>
+            <a:endCxn id="19" idx="1"/>
+          </p:cNvCxnSpPr>
+          <p:nvPr/>
+        </p:nvCxnSpPr>
+        <p:spPr>
+          <a:xfrm rot="16200000" flipH="1">
+            <a:off x="1952543" y="4205466"/>
+            <a:ext cx="894866" cy="329449"/>
+          </a:xfrm>
+          <a:prstGeom prst="bentConnector2">
+            <a:avLst/>
+          </a:prstGeom>
+          <a:ln>
+            <a:tailEnd type="triangle"/>
+          </a:ln>
+        </p:spPr>
+        <p:style>
+          <a:lnRef idx="1">
+            <a:schemeClr val="accent1"/>
+          </a:lnRef>
+          <a:fillRef idx="0">
+            <a:schemeClr val="accent1"/>
+          </a:fillRef>
+          <a:effectRef idx="0">
+            <a:schemeClr val="accent1"/>
+          </a:effectRef>
+          <a:fontRef idx="minor">
+            <a:schemeClr val="tx1"/>
+          </a:fontRef>
+        </p:style>
+      </p:cxnSp>
+      <p:sp>
+        <p:nvSpPr>
+          <p:cNvPr id="145" name="Rounded Rectangle 144"/>
+          <p:cNvSpPr/>
+          <p:nvPr/>
+        </p:nvSpPr>
+        <p:spPr>
+          <a:xfrm>
+            <a:off x="6361287" y="778912"/>
+            <a:ext cx="600075" cy="395133"/>
+          </a:xfrm>
+          <a:prstGeom prst="roundRect">
+            <a:avLst/>
+          </a:prstGeom>
+        </p:spPr>
+        <p:style>
+          <a:lnRef idx="2">
+            <a:schemeClr val="accent1">
+              <a:shade val="50000"/>
+            </a:schemeClr>
+          </a:lnRef>
+          <a:fillRef idx="1">
+            <a:schemeClr val="accent1"/>
+          </a:fillRef>
+          <a:effectRef idx="0">
+            <a:schemeClr val="accent1"/>
+          </a:effectRef>
+          <a:fontRef idx="minor">
+            <a:schemeClr val="lt1"/>
+          </a:fontRef>
+        </p:style>
+        <p:txBody>
+          <a:bodyPr rtlCol="0" anchor="ctr"/>
+          <a:lstStyle/>
+          <a:p>
+            <a:pPr algn="ctr"/>
+            <a:r>
+              <a:rPr lang="en-US" sz="1000" dirty="0" err="1" smtClean="0"/>
+              <a:t>nR</a:t>
+            </a:r>
+            <a:endParaRPr lang="en-US" sz="1000" dirty="0"/>
+          </a:p>
+        </p:txBody>
+      </p:sp>
+      <p:sp>
+        <p:nvSpPr>
+          <p:cNvPr id="150" name="Oval 149"/>
+          <p:cNvSpPr/>
+          <p:nvPr/>
+        </p:nvSpPr>
+        <p:spPr>
+          <a:xfrm>
+            <a:off x="6033613" y="2659420"/>
+            <a:ext cx="200025" cy="200025"/>
+          </a:xfrm>
+          <a:prstGeom prst="ellipse">
+            <a:avLst/>
+          </a:prstGeom>
+        </p:spPr>
+        <p:style>
+          <a:lnRef idx="2">
+            <a:schemeClr val="accent1">
+              <a:shade val="50000"/>
+            </a:schemeClr>
+          </a:lnRef>
+          <a:fillRef idx="1">
+            <a:schemeClr val="accent1"/>
+          </a:fillRef>
+          <a:effectRef idx="0">
+            <a:schemeClr val="accent1"/>
+          </a:effectRef>
+          <a:fontRef idx="minor">
+            <a:schemeClr val="lt1"/>
+          </a:fontRef>
+        </p:style>
+        <p:txBody>
+          <a:bodyPr rtlCol="0" anchor="ctr"/>
+          <a:lstStyle/>
+          <a:p>
+            <a:pPr algn="ctr"/>
+            <a:endParaRPr lang="en-US"/>
+          </a:p>
+        </p:txBody>
+      </p:sp>
+      <p:cxnSp>
+        <p:nvCxnSpPr>
+          <p:cNvPr id="347" name="Elbow Connector 346"/>
+          <p:cNvCxnSpPr>
+            <a:stCxn id="21" idx="3"/>
+            <a:endCxn id="98" idx="4"/>
+          </p:cNvCxnSpPr>
+          <p:nvPr/>
+        </p:nvCxnSpPr>
+        <p:spPr>
+          <a:xfrm flipV="1">
+            <a:off x="6433661" y="2878369"/>
+            <a:ext cx="915080" cy="851553"/>
+          </a:xfrm>
+          <a:prstGeom prst="bentConnector2">
+            <a:avLst/>
+          </a:prstGeom>
+          <a:ln w="38100">
+            <a:solidFill>
+              <a:schemeClr val="accent4"/>
+            </a:solidFill>
+            <a:tailEnd type="triangle"/>
+          </a:ln>
+        </p:spPr>
+        <p:style>
+          <a:lnRef idx="1">
+            <a:schemeClr val="accent1"/>
+          </a:lnRef>
+          <a:fillRef idx="0">
+            <a:schemeClr val="accent1"/>
+          </a:fillRef>
+          <a:effectRef idx="0">
+            <a:schemeClr val="accent1"/>
+          </a:effectRef>
+          <a:fontRef idx="minor">
+            <a:schemeClr val="tx1"/>
+          </a:fontRef>
+        </p:style>
+      </p:cxnSp>
+      <p:cxnSp>
+        <p:nvCxnSpPr>
+          <p:cNvPr id="140" name="Elbow Connector 139"/>
+          <p:cNvCxnSpPr>
+            <a:stCxn id="73" idx="0"/>
+            <a:endCxn id="22" idx="1"/>
+          </p:cNvCxnSpPr>
+          <p:nvPr/>
+        </p:nvCxnSpPr>
+        <p:spPr>
+          <a:xfrm rot="5400000" flipH="1" flipV="1">
+            <a:off x="4614818" y="2411107"/>
+            <a:ext cx="2053743" cy="383800"/>
+          </a:xfrm>
+          <a:prstGeom prst="bentConnector2">
+            <a:avLst/>
+          </a:prstGeom>
+          <a:ln w="38100">
+            <a:solidFill>
+              <a:srgbClr val="FF0000"/>
+            </a:solidFill>
+            <a:headEnd type="none" w="med" len="med"/>
+            <a:tailEnd type="triangle" w="med" len="med"/>
+          </a:ln>
+        </p:spPr>
+        <p:style>
+          <a:lnRef idx="1">
+            <a:schemeClr val="accent1"/>
+          </a:lnRef>
+          <a:fillRef idx="0">
+            <a:schemeClr val="accent1"/>
+          </a:fillRef>
+          <a:effectRef idx="0">
+            <a:schemeClr val="accent1"/>
+          </a:effectRef>
+          <a:fontRef idx="minor">
+            <a:schemeClr val="tx1"/>
+          </a:fontRef>
+        </p:style>
+      </p:cxnSp>
+      <p:cxnSp>
+        <p:nvCxnSpPr>
+          <p:cNvPr id="149" name="Elbow Connector 148"/>
+          <p:cNvCxnSpPr>
+            <a:stCxn id="58" idx="0"/>
+            <a:endCxn id="22" idx="1"/>
+          </p:cNvCxnSpPr>
+          <p:nvPr/>
+        </p:nvCxnSpPr>
+        <p:spPr>
+          <a:xfrm rot="5400000" flipH="1" flipV="1">
+            <a:off x="3964129" y="1760418"/>
+            <a:ext cx="2053743" cy="1685178"/>
+          </a:xfrm>
+          <a:prstGeom prst="bentConnector2">
+            <a:avLst/>
+          </a:prstGeom>
+          <a:ln w="38100">
+            <a:solidFill>
+              <a:srgbClr val="FF0000"/>
+            </a:solidFill>
+            <a:headEnd type="none" w="med" len="med"/>
+            <a:tailEnd type="triangle" w="med" len="med"/>
+          </a:ln>
+        </p:spPr>
+        <p:style>
+          <a:lnRef idx="1">
+            <a:schemeClr val="accent1"/>
+          </a:lnRef>
+          <a:fillRef idx="0">
+            <a:schemeClr val="accent1"/>
+          </a:fillRef>
+          <a:effectRef idx="0">
+            <a:schemeClr val="accent1"/>
+          </a:effectRef>
+          <a:fontRef idx="minor">
+            <a:schemeClr val="tx1"/>
+          </a:fontRef>
+        </p:style>
+      </p:cxnSp>
+      <p:cxnSp>
+        <p:nvCxnSpPr>
+          <p:cNvPr id="352" name="Elbow Connector 351"/>
+          <p:cNvCxnSpPr>
+            <a:stCxn id="127" idx="2"/>
+            <a:endCxn id="22" idx="3"/>
+          </p:cNvCxnSpPr>
+          <p:nvPr/>
+        </p:nvCxnSpPr>
+        <p:spPr>
+          <a:xfrm rot="10800000" flipV="1">
+            <a:off x="6433664" y="1571675"/>
+            <a:ext cx="2591178" cy="4459"/>
+          </a:xfrm>
+          <a:prstGeom prst="bentConnector3">
+            <a:avLst>
+              <a:gd name="adj1" fmla="val 50000"/>
+            </a:avLst>
+          </a:prstGeom>
+          <a:ln w="38100">
+            <a:solidFill>
+              <a:schemeClr val="accent6"/>
+            </a:solidFill>
+            <a:headEnd type="none" w="med" len="med"/>
+            <a:tailEnd type="triangle" w="med" len="med"/>
+          </a:ln>
+        </p:spPr>
+        <p:style>
+          <a:lnRef idx="1">
+            <a:schemeClr val="accent1"/>
+          </a:lnRef>
+          <a:fillRef idx="0">
+            <a:schemeClr val="accent1"/>
+          </a:fillRef>
+          <a:effectRef idx="0">
+            <a:schemeClr val="accent1"/>
+          </a:effectRef>
+          <a:fontRef idx="minor">
+            <a:schemeClr val="tx1"/>
+          </a:fontRef>
+        </p:style>
+      </p:cxnSp>
+      <p:cxnSp>
+        <p:nvCxnSpPr>
+          <p:cNvPr id="354" name="Elbow Connector 353"/>
+          <p:cNvCxnSpPr>
+            <a:stCxn id="98" idx="0"/>
+            <a:endCxn id="22" idx="3"/>
+          </p:cNvCxnSpPr>
+          <p:nvPr/>
+        </p:nvCxnSpPr>
+        <p:spPr>
+          <a:xfrm rot="16200000" flipV="1">
+            <a:off x="6340099" y="1669701"/>
+            <a:ext cx="1102209" cy="915077"/>
+          </a:xfrm>
+          <a:prstGeom prst="bentConnector2">
+            <a:avLst/>
+          </a:prstGeom>
+          <a:ln w="38100">
+            <a:solidFill>
+              <a:schemeClr val="accent4"/>
+            </a:solidFill>
+            <a:headEnd type="none" w="med" len="med"/>
+            <a:tailEnd type="triangle" w="med" len="med"/>
+          </a:ln>
+        </p:spPr>
+        <p:style>
+          <a:lnRef idx="1">
+            <a:schemeClr val="accent1"/>
+          </a:lnRef>
+          <a:fillRef idx="0">
+            <a:schemeClr val="accent1"/>
+          </a:fillRef>
+          <a:effectRef idx="0">
+            <a:schemeClr val="accent1"/>
+          </a:effectRef>
+          <a:fontRef idx="minor">
+            <a:schemeClr val="tx1"/>
+          </a:fontRef>
+        </p:style>
+      </p:cxnSp>
+      <p:cxnSp>
+        <p:nvCxnSpPr>
+          <p:cNvPr id="365" name="Elbow Connector 364"/>
+          <p:cNvCxnSpPr>
+            <a:stCxn id="22" idx="2"/>
+            <a:endCxn id="150" idx="0"/>
+          </p:cNvCxnSpPr>
+          <p:nvPr/>
+        </p:nvCxnSpPr>
+        <p:spPr>
+          <a:xfrm rot="5400000">
+            <a:off x="5690768" y="2216560"/>
+            <a:ext cx="885719" cy="1"/>
+          </a:xfrm>
+          <a:prstGeom prst="bentConnector3">
+            <a:avLst/>
+          </a:prstGeom>
+          <a:ln w="38100">
+            <a:solidFill>
+              <a:srgbClr val="FF0000"/>
+            </a:solidFill>
+            <a:headEnd type="none" w="med" len="med"/>
+            <a:tailEnd type="triangle" w="med" len="med"/>
+          </a:ln>
+        </p:spPr>
+        <p:style>
+          <a:lnRef idx="1">
+            <a:schemeClr val="accent1"/>
+          </a:lnRef>
+          <a:fillRef idx="0">
+            <a:schemeClr val="accent1"/>
+          </a:fillRef>
+          <a:effectRef idx="0">
+            <a:schemeClr val="accent1"/>
+          </a:effectRef>
+          <a:fontRef idx="minor">
+            <a:schemeClr val="tx1"/>
+          </a:fontRef>
+        </p:style>
+      </p:cxnSp>
+      <p:cxnSp>
+        <p:nvCxnSpPr>
+          <p:cNvPr id="455" name="Elbow Connector 454"/>
+          <p:cNvCxnSpPr>
+            <a:stCxn id="2" idx="0"/>
+            <a:endCxn id="22" idx="1"/>
+          </p:cNvCxnSpPr>
+          <p:nvPr/>
+        </p:nvCxnSpPr>
+        <p:spPr>
+          <a:xfrm rot="5400000" flipH="1" flipV="1">
+            <a:off x="2690397" y="486687"/>
+            <a:ext cx="2053743" cy="4232641"/>
+          </a:xfrm>
+          <a:prstGeom prst="bentConnector2">
+            <a:avLst/>
+          </a:prstGeom>
+          <a:ln w="38100">
+            <a:solidFill>
+              <a:srgbClr val="FF0000"/>
+            </a:solidFill>
+            <a:tailEnd type="triangle"/>
+          </a:ln>
+        </p:spPr>
+        <p:style>
+          <a:lnRef idx="1">
+            <a:schemeClr val="accent1"/>
+          </a:lnRef>
+          <a:fillRef idx="0">
+            <a:schemeClr val="accent1"/>
+          </a:fillRef>
+          <a:effectRef idx="0">
+            <a:schemeClr val="accent1"/>
+          </a:effectRef>
+          <a:fontRef idx="minor">
+            <a:schemeClr val="tx1"/>
+          </a:fontRef>
+        </p:style>
+      </p:cxnSp>
+      <p:cxnSp>
+        <p:nvCxnSpPr>
+          <p:cNvPr id="463" name="Elbow Connector 462"/>
+          <p:cNvCxnSpPr>
+            <a:stCxn id="2" idx="4"/>
+            <a:endCxn id="20" idx="0"/>
+          </p:cNvCxnSpPr>
+          <p:nvPr/>
+        </p:nvCxnSpPr>
+        <p:spPr>
+          <a:xfrm rot="5400000">
+            <a:off x="1205871" y="4224980"/>
+            <a:ext cx="790154" cy="1"/>
+          </a:xfrm>
+          <a:prstGeom prst="bentConnector3">
+            <a:avLst>
+              <a:gd name="adj1" fmla="val 50000"/>
+            </a:avLst>
+          </a:prstGeom>
+          <a:ln>
+            <a:tailEnd type="triangle"/>
+          </a:ln>
+        </p:spPr>
+        <p:style>
+          <a:lnRef idx="1">
+            <a:schemeClr val="accent1"/>
+          </a:lnRef>
+          <a:fillRef idx="0">
+            <a:schemeClr val="accent1"/>
+          </a:fillRef>
+          <a:effectRef idx="0">
+            <a:schemeClr val="accent1"/>
+          </a:effectRef>
+          <a:fontRef idx="minor">
+            <a:schemeClr val="tx1"/>
+          </a:fontRef>
+        </p:style>
+      </p:cxnSp>
+      <p:cxnSp>
+        <p:nvCxnSpPr>
+          <p:cNvPr id="550" name="Elbow Connector 549"/>
+          <p:cNvCxnSpPr>
+            <a:stCxn id="145" idx="2"/>
+            <a:endCxn id="150" idx="6"/>
+          </p:cNvCxnSpPr>
+          <p:nvPr/>
+        </p:nvCxnSpPr>
+        <p:spPr>
+          <a:xfrm rot="5400000">
+            <a:off x="5654788" y="1752896"/>
+            <a:ext cx="1585388" cy="427687"/>
+          </a:xfrm>
+          <a:prstGeom prst="bentConnector2">
+            <a:avLst/>
+          </a:prstGeom>
+          <a:ln>
+            <a:tailEnd type="triangle"/>
+          </a:ln>
+        </p:spPr>
+        <p:style>
+          <a:lnRef idx="1">
+            <a:schemeClr val="accent1"/>
+          </a:lnRef>
+          <a:fillRef idx="0">
+            <a:schemeClr val="accent1"/>
+          </a:fillRef>
+          <a:effectRef idx="0">
+            <a:schemeClr val="accent1"/>
+          </a:effectRef>
+          <a:fontRef idx="minor">
+            <a:schemeClr val="tx1"/>
+          </a:fontRef>
+        </p:style>
+      </p:cxnSp>
+      <p:cxnSp>
+        <p:nvCxnSpPr>
+          <p:cNvPr id="576" name="Elbow Connector 575"/>
+          <p:cNvCxnSpPr>
+            <a:stCxn id="21" idx="2"/>
+            <a:endCxn id="82" idx="2"/>
+          </p:cNvCxnSpPr>
+          <p:nvPr/>
+        </p:nvCxnSpPr>
+        <p:spPr>
+          <a:xfrm rot="16200000" flipH="1">
+            <a:off x="7287206" y="2773907"/>
+            <a:ext cx="592557" cy="2899718"/>
+          </a:xfrm>
+          <a:prstGeom prst="bentConnector2">
+            <a:avLst/>
+          </a:prstGeom>
+          <a:ln w="38100">
+            <a:solidFill>
+              <a:srgbClr val="00B050"/>
+            </a:solidFill>
+            <a:tailEnd type="triangle"/>
+          </a:ln>
+        </p:spPr>
+        <p:style>
+          <a:lnRef idx="1">
+            <a:schemeClr val="accent1"/>
+          </a:lnRef>
+          <a:fillRef idx="0">
+            <a:schemeClr val="accent1"/>
+          </a:fillRef>
+          <a:effectRef idx="0">
+            <a:schemeClr val="accent1"/>
+          </a:effectRef>
+          <a:fontRef idx="minor">
+            <a:schemeClr val="tx1"/>
+          </a:fontRef>
+        </p:style>
+      </p:cxnSp>
+      <p:cxnSp>
+        <p:nvCxnSpPr>
+          <p:cNvPr id="588" name="Elbow Connector 587"/>
+          <p:cNvCxnSpPr>
+            <a:stCxn id="21" idx="2"/>
+            <a:endCxn id="25" idx="1"/>
+          </p:cNvCxnSpPr>
+          <p:nvPr/>
+        </p:nvCxnSpPr>
+        <p:spPr>
+          <a:xfrm rot="16200000" flipH="1">
+            <a:off x="6474791" y="3586321"/>
+            <a:ext cx="232744" cy="915077"/>
+          </a:xfrm>
+          <a:prstGeom prst="bentConnector2">
+            <a:avLst/>
+          </a:prstGeom>
+          <a:ln w="38100">
+            <a:solidFill>
+              <a:srgbClr val="C00000"/>
+            </a:solidFill>
+            <a:tailEnd type="triangle"/>
+          </a:ln>
+        </p:spPr>
+        <p:style>
+          <a:lnRef idx="1">
+            <a:schemeClr val="accent1"/>
+          </a:lnRef>
+          <a:fillRef idx="0">
+            <a:schemeClr val="accent1"/>
+          </a:fillRef>
+          <a:effectRef idx="0">
+            <a:schemeClr val="accent1"/>
+          </a:effectRef>
+          <a:fontRef idx="minor">
+            <a:schemeClr val="tx1"/>
+          </a:fontRef>
+        </p:style>
+      </p:cxnSp>
+      <p:cxnSp>
+        <p:nvCxnSpPr>
+          <p:cNvPr id="643" name="Straight Arrow Connector 642"/>
+          <p:cNvCxnSpPr>
+            <a:stCxn id="48" idx="4"/>
+            <a:endCxn id="19" idx="0"/>
+          </p:cNvCxnSpPr>
+          <p:nvPr/>
+        </p:nvCxnSpPr>
+        <p:spPr>
+          <a:xfrm flipH="1">
+            <a:off x="2864739" y="3829903"/>
+            <a:ext cx="1" cy="790154"/>
+          </a:xfrm>
+          <a:prstGeom prst="straightConnector1">
+            <a:avLst/>
+          </a:prstGeom>
+          <a:ln>
+            <a:tailEnd type="triangle"/>
+          </a:ln>
+        </p:spPr>
+        <p:style>
+          <a:lnRef idx="1">
+            <a:schemeClr val="accent1"/>
+          </a:lnRef>
+          <a:fillRef idx="0">
+            <a:schemeClr val="accent1"/>
+          </a:fillRef>
+          <a:effectRef idx="0">
+            <a:schemeClr val="accent1"/>
+          </a:effectRef>
+          <a:fontRef idx="minor">
+            <a:schemeClr val="tx1"/>
+          </a:fontRef>
+        </p:style>
+      </p:cxnSp>
+      <p:cxnSp>
+        <p:nvCxnSpPr>
+          <p:cNvPr id="652" name="Straight Arrow Connector 651"/>
+          <p:cNvCxnSpPr>
+            <a:stCxn id="127" idx="6"/>
+            <a:endCxn id="32" idx="1"/>
+          </p:cNvCxnSpPr>
+          <p:nvPr/>
+        </p:nvCxnSpPr>
+        <p:spPr>
+          <a:xfrm flipV="1">
+            <a:off x="9224867" y="1571675"/>
+            <a:ext cx="258517" cy="1"/>
+          </a:xfrm>
+          <a:prstGeom prst="straightConnector1">
+            <a:avLst/>
+          </a:prstGeom>
+          <a:ln>
+            <a:tailEnd type="triangle"/>
+          </a:ln>
+        </p:spPr>
+        <p:style>
+          <a:lnRef idx="1">
+            <a:schemeClr val="accent1"/>
+          </a:lnRef>
+          <a:fillRef idx="0">
+            <a:schemeClr val="accent1"/>
+          </a:fillRef>
+          <a:effectRef idx="0">
+            <a:schemeClr val="accent1"/>
+          </a:effectRef>
+          <a:fontRef idx="minor">
+            <a:schemeClr val="tx1"/>
+          </a:fontRef>
+        </p:style>
+      </p:cxnSp>
+      <p:cxnSp>
+        <p:nvCxnSpPr>
+          <p:cNvPr id="661" name="Elbow Connector 660"/>
+          <p:cNvCxnSpPr>
+            <a:stCxn id="32" idx="3"/>
+            <a:endCxn id="19" idx="2"/>
+          </p:cNvCxnSpPr>
+          <p:nvPr/>
+        </p:nvCxnSpPr>
+        <p:spPr>
+          <a:xfrm flipH="1">
+            <a:off x="2864739" y="1571675"/>
+            <a:ext cx="7494640" cy="3443515"/>
+          </a:xfrm>
+          <a:prstGeom prst="bentConnector4">
+            <a:avLst>
+              <a:gd name="adj1" fmla="val -3050"/>
+              <a:gd name="adj2" fmla="val 133981"/>
+            </a:avLst>
+          </a:prstGeom>
+          <a:ln>
+            <a:tailEnd type="triangle"/>
+          </a:ln>
+        </p:spPr>
+        <p:style>
+          <a:lnRef idx="1">
+            <a:schemeClr val="accent1"/>
+          </a:lnRef>
+          <a:fillRef idx="0">
+            <a:schemeClr val="accent1"/>
+          </a:fillRef>
+          <a:effectRef idx="0">
+            <a:schemeClr val="accent1"/>
+          </a:effectRef>
+          <a:fontRef idx="minor">
+            <a:schemeClr val="tx1"/>
+          </a:fontRef>
+        </p:style>
+      </p:cxnSp>
+      <p:cxnSp>
+        <p:nvCxnSpPr>
+          <p:cNvPr id="670" name="Elbow Connector 669"/>
+          <p:cNvCxnSpPr>
+            <a:stCxn id="23" idx="2"/>
+            <a:endCxn id="24" idx="2"/>
+          </p:cNvCxnSpPr>
+          <p:nvPr/>
+        </p:nvCxnSpPr>
+        <p:spPr>
+          <a:xfrm rot="5400000">
+            <a:off x="7747822" y="3103416"/>
+            <a:ext cx="560811" cy="3789199"/>
+          </a:xfrm>
+          <a:prstGeom prst="bentConnector3">
+            <a:avLst>
+              <a:gd name="adj1" fmla="val 140762"/>
+            </a:avLst>
+          </a:prstGeom>
+          <a:ln>
+            <a:tailEnd type="triangle"/>
+          </a:ln>
+        </p:spPr>
+        <p:style>
+          <a:lnRef idx="1">
+            <a:schemeClr val="accent1"/>
+          </a:lnRef>
+          <a:fillRef idx="0">
+            <a:schemeClr val="accent1"/>
+          </a:fillRef>
+          <a:effectRef idx="0">
+            <a:schemeClr val="accent1"/>
+          </a:effectRef>
+          <a:fontRef idx="minor">
+            <a:schemeClr val="tx1"/>
+          </a:fontRef>
+        </p:style>
+      </p:cxnSp>
+      <p:cxnSp>
+        <p:nvCxnSpPr>
+          <p:cNvPr id="680" name="Elbow Connector 679"/>
+          <p:cNvCxnSpPr>
+            <a:stCxn id="21" idx="2"/>
+            <a:endCxn id="24" idx="1"/>
+          </p:cNvCxnSpPr>
+          <p:nvPr/>
+        </p:nvCxnSpPr>
+        <p:spPr>
+          <a:xfrm rot="5400000">
+            <a:off x="5406924" y="4354153"/>
+            <a:ext cx="1153367" cy="300036"/>
+          </a:xfrm>
+          <a:prstGeom prst="bentConnector4">
+            <a:avLst>
+              <a:gd name="adj1" fmla="val 8467"/>
+              <a:gd name="adj2" fmla="val 176191"/>
+            </a:avLst>
+          </a:prstGeom>
+          <a:ln>
+            <a:tailEnd type="triangle"/>
+          </a:ln>
+        </p:spPr>
+        <p:style>
+          <a:lnRef idx="1">
+            <a:schemeClr val="accent1"/>
+          </a:lnRef>
+          <a:fillRef idx="0">
+            <a:schemeClr val="accent1"/>
+          </a:fillRef>
+          <a:effectRef idx="0">
+            <a:schemeClr val="accent1"/>
+          </a:effectRef>
+          <a:fontRef idx="minor">
+            <a:schemeClr val="tx1"/>
+          </a:fontRef>
+        </p:style>
+      </p:cxnSp>
+    </p:spTree>
+    <p:extLst>
+      <p:ext uri="{BB962C8B-B14F-4D97-AF65-F5344CB8AC3E}">
+        <p14:creationId xmlns:p14="http://schemas.microsoft.com/office/powerpoint/2010/main" val="1093286749"/>
+      </p:ext>
+    </p:extLst>
+  </p:cSld>
+  <p:clrMapOvr>
+    <a:masterClrMapping/>
+  </p:clrMapOvr>
+  <p:timing>
+    <p:tnLst>
+      <p:par>
+        <p:cTn id="1" dur="indefinite" restart="never" nodeType="tmRoot"/>
+      </p:par>
+    </p:tnLst>
+  </p:timing>
 </p:sld>
 </file>
 
@@ -27493,7 +27685,7 @@
           </a:prstGeom>
           <a:ln>
             <a:solidFill>
-              <a:srgbClr val="FF0000"/>
+              <a:srgbClr val="C00000"/>
             </a:solidFill>
             <a:tailEnd type="triangle"/>
           </a:ln>
@@ -28980,14 +29172,14 @@
       </p:cxnSp>
       <p:sp>
         <p:nvSpPr>
-          <p:cNvPr id="57" name="TextBox 56"/>
+          <p:cNvPr id="59" name="TextBox 58"/>
           <p:cNvSpPr txBox="1"/>
           <p:nvPr/>
         </p:nvSpPr>
         <p:spPr>
           <a:xfrm>
             <a:off x="4052266" y="47084"/>
-            <a:ext cx="3545842" cy="369332"/>
+            <a:ext cx="3819956" cy="369332"/>
           </a:xfrm>
           <a:prstGeom prst="rect">
             <a:avLst/>
@@ -29002,7 +29194,11 @@
           <a:p>
             <a:r>
               <a:rPr lang="en-US" dirty="0" smtClean="0"/>
-              <a:t>All chemistry using top 10 pathways</a:t>
+              <a:t>All chemistry using top 10 </a:t>
+            </a:r>
+            <a:r>
+              <a:rPr lang="en-US" dirty="0" smtClean="0"/>
+              <a:t>pathways v1</a:t>
             </a:r>
             <a:endParaRPr lang="en-US" dirty="0"/>
           </a:p>
@@ -29011,7 +29207,7 @@
     </p:spTree>
     <p:extLst>
       <p:ext uri="{BB962C8B-B14F-4D97-AF65-F5344CB8AC3E}">
-        <p14:creationId xmlns:p14="http://schemas.microsoft.com/office/powerpoint/2010/main" val="1559880548"/>
+        <p14:creationId xmlns:p14="http://schemas.microsoft.com/office/powerpoint/2010/main" val="3358164873"/>
       </p:ext>
     </p:extLst>
   </p:cSld>

--- a/theory/figures/n_propane_figures.pptx
+++ b/theory/figures/n_propane_figures.pptx
@@ -20,6 +20,9 @@
     <p:sldId id="269" r:id="rId14"/>
     <p:sldId id="270" r:id="rId15"/>
     <p:sldId id="272" r:id="rId16"/>
+    <p:sldId id="273" r:id="rId17"/>
+    <p:sldId id="275" r:id="rId18"/>
+    <p:sldId id="274" r:id="rId19"/>
   </p:sldIdLst>
   <p:sldSz cx="12192000" cy="6858000"/>
   <p:notesSz cx="6858000" cy="9144000"/>
@@ -257,7 +260,7 @@
           <a:p>
             <a:fld id="{2B93A6E2-3377-42DD-97E0-D38586549EFF}" type="datetimeFigureOut">
               <a:rPr lang="en-US" smtClean="0"/>
-              <a:t>2/5/2018</a:t>
+              <a:t>2/6/2018</a:t>
             </a:fld>
             <a:endParaRPr lang="en-US"/>
           </a:p>
@@ -427,7 +430,7 @@
           <a:p>
             <a:fld id="{2B93A6E2-3377-42DD-97E0-D38586549EFF}" type="datetimeFigureOut">
               <a:rPr lang="en-US" smtClean="0"/>
-              <a:t>2/5/2018</a:t>
+              <a:t>2/6/2018</a:t>
             </a:fld>
             <a:endParaRPr lang="en-US"/>
           </a:p>
@@ -607,7 +610,7 @@
           <a:p>
             <a:fld id="{2B93A6E2-3377-42DD-97E0-D38586549EFF}" type="datetimeFigureOut">
               <a:rPr lang="en-US" smtClean="0"/>
-              <a:t>2/5/2018</a:t>
+              <a:t>2/6/2018</a:t>
             </a:fld>
             <a:endParaRPr lang="en-US"/>
           </a:p>
@@ -777,7 +780,7 @@
           <a:p>
             <a:fld id="{2B93A6E2-3377-42DD-97E0-D38586549EFF}" type="datetimeFigureOut">
               <a:rPr lang="en-US" smtClean="0"/>
-              <a:t>2/5/2018</a:t>
+              <a:t>2/6/2018</a:t>
             </a:fld>
             <a:endParaRPr lang="en-US"/>
           </a:p>
@@ -1023,7 +1026,7 @@
           <a:p>
             <a:fld id="{2B93A6E2-3377-42DD-97E0-D38586549EFF}" type="datetimeFigureOut">
               <a:rPr lang="en-US" smtClean="0"/>
-              <a:t>2/5/2018</a:t>
+              <a:t>2/6/2018</a:t>
             </a:fld>
             <a:endParaRPr lang="en-US"/>
           </a:p>
@@ -1255,7 +1258,7 @@
           <a:p>
             <a:fld id="{2B93A6E2-3377-42DD-97E0-D38586549EFF}" type="datetimeFigureOut">
               <a:rPr lang="en-US" smtClean="0"/>
-              <a:t>2/5/2018</a:t>
+              <a:t>2/6/2018</a:t>
             </a:fld>
             <a:endParaRPr lang="en-US"/>
           </a:p>
@@ -1622,7 +1625,7 @@
           <a:p>
             <a:fld id="{2B93A6E2-3377-42DD-97E0-D38586549EFF}" type="datetimeFigureOut">
               <a:rPr lang="en-US" smtClean="0"/>
-              <a:t>2/5/2018</a:t>
+              <a:t>2/6/2018</a:t>
             </a:fld>
             <a:endParaRPr lang="en-US"/>
           </a:p>
@@ -1740,7 +1743,7 @@
           <a:p>
             <a:fld id="{2B93A6E2-3377-42DD-97E0-D38586549EFF}" type="datetimeFigureOut">
               <a:rPr lang="en-US" smtClean="0"/>
-              <a:t>2/5/2018</a:t>
+              <a:t>2/6/2018</a:t>
             </a:fld>
             <a:endParaRPr lang="en-US"/>
           </a:p>
@@ -1835,7 +1838,7 @@
           <a:p>
             <a:fld id="{2B93A6E2-3377-42DD-97E0-D38586549EFF}" type="datetimeFigureOut">
               <a:rPr lang="en-US" smtClean="0"/>
-              <a:t>2/5/2018</a:t>
+              <a:t>2/6/2018</a:t>
             </a:fld>
             <a:endParaRPr lang="en-US"/>
           </a:p>
@@ -2112,7 +2115,7 @@
           <a:p>
             <a:fld id="{2B93A6E2-3377-42DD-97E0-D38586549EFF}" type="datetimeFigureOut">
               <a:rPr lang="en-US" smtClean="0"/>
-              <a:t>2/5/2018</a:t>
+              <a:t>2/6/2018</a:t>
             </a:fld>
             <a:endParaRPr lang="en-US"/>
           </a:p>
@@ -2365,7 +2368,7 @@
           <a:p>
             <a:fld id="{2B93A6E2-3377-42DD-97E0-D38586549EFF}" type="datetimeFigureOut">
               <a:rPr lang="en-US" smtClean="0"/>
-              <a:t>2/5/2018</a:t>
+              <a:t>2/6/2018</a:t>
             </a:fld>
             <a:endParaRPr lang="en-US"/>
           </a:p>
@@ -2578,7 +2581,7 @@
           <a:p>
             <a:fld id="{2B93A6E2-3377-42DD-97E0-D38586549EFF}" type="datetimeFigureOut">
               <a:rPr lang="en-US" smtClean="0"/>
-              <a:t>2/5/2018</a:t>
+              <a:t>2/6/2018</a:t>
             </a:fld>
             <a:endParaRPr lang="en-US"/>
           </a:p>
@@ -5928,11 +5931,7 @@
           <a:p>
             <a:r>
               <a:rPr lang="en-US" dirty="0" smtClean="0"/>
-              <a:t>All chemistry using top 10 </a:t>
-            </a:r>
-            <a:r>
-              <a:rPr lang="en-US" dirty="0" smtClean="0"/>
-              <a:t>pathways v1</a:t>
+              <a:t>All chemistry using top 10 pathways v1</a:t>
             </a:r>
             <a:endParaRPr lang="en-US" dirty="0"/>
           </a:p>
@@ -13705,11 +13704,7 @@
           <a:p>
             <a:r>
               <a:rPr lang="en-US" dirty="0" smtClean="0"/>
-              <a:t>All chemistry using top 10 </a:t>
-            </a:r>
-            <a:r>
-              <a:rPr lang="en-US" dirty="0" smtClean="0"/>
-              <a:t>pathways v2</a:t>
+              <a:t>All chemistry using top 10 pathways v2</a:t>
             </a:r>
             <a:endParaRPr lang="en-US" dirty="0"/>
           </a:p>
@@ -13788,8 +13783,8 @@
           <a:p>
             <a:pPr algn="ctr"/>
             <a:r>
-              <a:rPr lang="en-US" sz="1000" dirty="0" err="1" smtClean="0"/>
-              <a:t>nR</a:t>
+              <a:rPr lang="en-US" sz="1000" dirty="0" smtClean="0"/>
+              <a:t>fuel</a:t>
             </a:r>
             <a:endParaRPr lang="en-US" sz="1000" dirty="0"/>
           </a:p>
@@ -14472,6 +14467,6522 @@
       </p:par>
     </p:tnLst>
   </p:timing>
+</p:sld>
+</file>
+
+<file path=ppt/slides/slide16.xml><?xml version="1.0" encoding="utf-8"?>
+<p:sld xmlns:a="http://schemas.openxmlformats.org/drawingml/2006/main" xmlns:r="http://schemas.openxmlformats.org/officeDocument/2006/relationships" xmlns:p="http://schemas.openxmlformats.org/presentationml/2006/main">
+  <p:cSld>
+    <p:spTree>
+      <p:nvGrpSpPr>
+        <p:cNvPr id="1" name=""/>
+        <p:cNvGrpSpPr/>
+        <p:nvPr/>
+      </p:nvGrpSpPr>
+      <p:grpSpPr>
+        <a:xfrm>
+          <a:off x="0" y="0"/>
+          <a:ext cx="0" cy="0"/>
+          <a:chOff x="0" y="0"/>
+          <a:chExt cx="0" cy="0"/>
+        </a:xfrm>
+      </p:grpSpPr>
+      <p:sp>
+        <p:nvSpPr>
+          <p:cNvPr id="16" name="Rounded Rectangle 15"/>
+          <p:cNvSpPr/>
+          <p:nvPr/>
+        </p:nvSpPr>
+        <p:spPr>
+          <a:xfrm>
+            <a:off x="3396273" y="3143063"/>
+            <a:ext cx="600075" cy="395133"/>
+          </a:xfrm>
+          <a:prstGeom prst="roundRect">
+            <a:avLst/>
+          </a:prstGeom>
+        </p:spPr>
+        <p:style>
+          <a:lnRef idx="2">
+            <a:schemeClr val="accent1">
+              <a:shade val="50000"/>
+            </a:schemeClr>
+          </a:lnRef>
+          <a:fillRef idx="1">
+            <a:schemeClr val="accent1"/>
+          </a:fillRef>
+          <a:effectRef idx="0">
+            <a:schemeClr val="accent1"/>
+          </a:effectRef>
+          <a:fontRef idx="minor">
+            <a:schemeClr val="lt1"/>
+          </a:fontRef>
+        </p:style>
+        <p:txBody>
+          <a:bodyPr rtlCol="0" anchor="ctr"/>
+          <a:lstStyle/>
+          <a:p>
+            <a:pPr algn="ctr"/>
+            <a:r>
+              <a:rPr lang="en-US" sz="1000" dirty="0" smtClean="0"/>
+              <a:t>prod_1</a:t>
+            </a:r>
+            <a:endParaRPr lang="en-US" sz="1000" dirty="0"/>
+          </a:p>
+        </p:txBody>
+      </p:sp>
+      <p:sp>
+        <p:nvSpPr>
+          <p:cNvPr id="17" name="Rounded Rectangle 16"/>
+          <p:cNvSpPr/>
+          <p:nvPr/>
+        </p:nvSpPr>
+        <p:spPr>
+          <a:xfrm>
+            <a:off x="2177801" y="3143037"/>
+            <a:ext cx="600075" cy="395133"/>
+          </a:xfrm>
+          <a:prstGeom prst="roundRect">
+            <a:avLst/>
+          </a:prstGeom>
+        </p:spPr>
+        <p:style>
+          <a:lnRef idx="2">
+            <a:schemeClr val="accent1">
+              <a:shade val="50000"/>
+            </a:schemeClr>
+          </a:lnRef>
+          <a:fillRef idx="1">
+            <a:schemeClr val="accent1"/>
+          </a:fillRef>
+          <a:effectRef idx="0">
+            <a:schemeClr val="accent1"/>
+          </a:effectRef>
+          <a:fontRef idx="minor">
+            <a:schemeClr val="lt1"/>
+          </a:fontRef>
+        </p:style>
+        <p:txBody>
+          <a:bodyPr rtlCol="0" anchor="ctr"/>
+          <a:lstStyle/>
+          <a:p>
+            <a:pPr algn="ctr"/>
+            <a:r>
+              <a:rPr lang="en-US" sz="1000" dirty="0" smtClean="0"/>
+              <a:t>frag_1</a:t>
+            </a:r>
+            <a:endParaRPr lang="en-US" sz="1000" dirty="0"/>
+          </a:p>
+        </p:txBody>
+      </p:sp>
+      <p:sp>
+        <p:nvSpPr>
+          <p:cNvPr id="18" name="Rounded Rectangle 17"/>
+          <p:cNvSpPr/>
+          <p:nvPr/>
+        </p:nvSpPr>
+        <p:spPr>
+          <a:xfrm>
+            <a:off x="1577876" y="2272176"/>
+            <a:ext cx="600075" cy="395133"/>
+          </a:xfrm>
+          <a:prstGeom prst="roundRect">
+            <a:avLst/>
+          </a:prstGeom>
+        </p:spPr>
+        <p:style>
+          <a:lnRef idx="2">
+            <a:schemeClr val="accent1">
+              <a:shade val="50000"/>
+            </a:schemeClr>
+          </a:lnRef>
+          <a:fillRef idx="1">
+            <a:schemeClr val="accent1"/>
+          </a:fillRef>
+          <a:effectRef idx="0">
+            <a:schemeClr val="accent1"/>
+          </a:effectRef>
+          <a:fontRef idx="minor">
+            <a:schemeClr val="lt1"/>
+          </a:fontRef>
+        </p:style>
+        <p:txBody>
+          <a:bodyPr rtlCol="0" anchor="ctr"/>
+          <a:lstStyle/>
+          <a:p>
+            <a:pPr algn="ctr"/>
+            <a:r>
+              <a:rPr lang="en-US" sz="1000" dirty="0" err="1" smtClean="0"/>
+              <a:t>vinoxy</a:t>
+            </a:r>
+            <a:endParaRPr lang="en-US" sz="1000" dirty="0"/>
+          </a:p>
+        </p:txBody>
+      </p:sp>
+      <p:sp>
+        <p:nvSpPr>
+          <p:cNvPr id="19" name="Rounded Rectangle 18"/>
+          <p:cNvSpPr/>
+          <p:nvPr/>
+        </p:nvSpPr>
+        <p:spPr>
+          <a:xfrm>
+            <a:off x="1577876" y="4879340"/>
+            <a:ext cx="600075" cy="395133"/>
+          </a:xfrm>
+          <a:prstGeom prst="roundRect">
+            <a:avLst/>
+          </a:prstGeom>
+        </p:spPr>
+        <p:style>
+          <a:lnRef idx="2">
+            <a:schemeClr val="accent1">
+              <a:shade val="50000"/>
+            </a:schemeClr>
+          </a:lnRef>
+          <a:fillRef idx="1">
+            <a:schemeClr val="accent1"/>
+          </a:fillRef>
+          <a:effectRef idx="0">
+            <a:schemeClr val="accent1"/>
+          </a:effectRef>
+          <a:fontRef idx="minor">
+            <a:schemeClr val="lt1"/>
+          </a:fontRef>
+        </p:style>
+        <p:txBody>
+          <a:bodyPr rtlCol="0" anchor="ctr"/>
+          <a:lstStyle/>
+          <a:p>
+            <a:pPr algn="ctr"/>
+            <a:r>
+              <a:rPr lang="en-US" sz="1000" dirty="0" smtClean="0"/>
+              <a:t>CH</a:t>
+            </a:r>
+            <a:r>
+              <a:rPr lang="en-US" sz="1000" baseline="-25000" dirty="0" smtClean="0"/>
+              <a:t>2</a:t>
+            </a:r>
+            <a:r>
+              <a:rPr lang="en-US" sz="1000" dirty="0" smtClean="0"/>
+              <a:t>O</a:t>
+            </a:r>
+            <a:endParaRPr lang="en-US" sz="1000" dirty="0"/>
+          </a:p>
+        </p:txBody>
+      </p:sp>
+      <p:sp>
+        <p:nvSpPr>
+          <p:cNvPr id="20" name="Rounded Rectangle 19"/>
+          <p:cNvSpPr/>
+          <p:nvPr/>
+        </p:nvSpPr>
+        <p:spPr>
+          <a:xfrm>
+            <a:off x="1577877" y="778912"/>
+            <a:ext cx="600075" cy="395133"/>
+          </a:xfrm>
+          <a:prstGeom prst="roundRect">
+            <a:avLst/>
+          </a:prstGeom>
+        </p:spPr>
+        <p:style>
+          <a:lnRef idx="2">
+            <a:schemeClr val="accent1">
+              <a:shade val="50000"/>
+            </a:schemeClr>
+          </a:lnRef>
+          <a:fillRef idx="1">
+            <a:schemeClr val="accent1"/>
+          </a:fillRef>
+          <a:effectRef idx="0">
+            <a:schemeClr val="accent1"/>
+          </a:effectRef>
+          <a:fontRef idx="minor">
+            <a:schemeClr val="lt1"/>
+          </a:fontRef>
+        </p:style>
+        <p:txBody>
+          <a:bodyPr rtlCol="0" anchor="ctr"/>
+          <a:lstStyle/>
+          <a:p>
+            <a:pPr algn="ctr"/>
+            <a:r>
+              <a:rPr lang="en-US" sz="1000" dirty="0" smtClean="0"/>
+              <a:t>CO</a:t>
+            </a:r>
+            <a:endParaRPr lang="en-US" sz="1000" dirty="0"/>
+          </a:p>
+        </p:txBody>
+      </p:sp>
+      <p:sp>
+        <p:nvSpPr>
+          <p:cNvPr id="21" name="Rounded Rectangle 20"/>
+          <p:cNvSpPr/>
+          <p:nvPr/>
+        </p:nvSpPr>
+        <p:spPr>
+          <a:xfrm>
+            <a:off x="4683427" y="2812083"/>
+            <a:ext cx="1578598" cy="1057092"/>
+          </a:xfrm>
+          <a:prstGeom prst="roundRect">
+            <a:avLst/>
+          </a:prstGeom>
+        </p:spPr>
+        <p:style>
+          <a:lnRef idx="2">
+            <a:schemeClr val="accent1">
+              <a:shade val="50000"/>
+            </a:schemeClr>
+          </a:lnRef>
+          <a:fillRef idx="1">
+            <a:schemeClr val="accent1"/>
+          </a:fillRef>
+          <a:effectRef idx="0">
+            <a:schemeClr val="accent1"/>
+          </a:effectRef>
+          <a:fontRef idx="minor">
+            <a:schemeClr val="lt1"/>
+          </a:fontRef>
+        </p:style>
+        <p:txBody>
+          <a:bodyPr rtlCol="0" anchor="ctr"/>
+          <a:lstStyle/>
+          <a:p>
+            <a:pPr algn="ctr"/>
+            <a:r>
+              <a:rPr lang="en-US" sz="1000" dirty="0"/>
+              <a:t>w</a:t>
+            </a:r>
+            <a:r>
+              <a:rPr lang="en-US" sz="1000" dirty="0" smtClean="0"/>
+              <a:t>ell_1</a:t>
+            </a:r>
+            <a:endParaRPr lang="en-US" sz="1000" dirty="0"/>
+          </a:p>
+        </p:txBody>
+      </p:sp>
+      <p:sp>
+        <p:nvSpPr>
+          <p:cNvPr id="23" name="Rounded Rectangle 22"/>
+          <p:cNvSpPr/>
+          <p:nvPr/>
+        </p:nvSpPr>
+        <p:spPr>
+          <a:xfrm>
+            <a:off x="8961889" y="4322477"/>
+            <a:ext cx="600075" cy="395133"/>
+          </a:xfrm>
+          <a:prstGeom prst="roundRect">
+            <a:avLst/>
+          </a:prstGeom>
+        </p:spPr>
+        <p:style>
+          <a:lnRef idx="2">
+            <a:schemeClr val="accent1">
+              <a:shade val="50000"/>
+            </a:schemeClr>
+          </a:lnRef>
+          <a:fillRef idx="1">
+            <a:schemeClr val="accent1"/>
+          </a:fillRef>
+          <a:effectRef idx="0">
+            <a:schemeClr val="accent1"/>
+          </a:effectRef>
+          <a:fontRef idx="minor">
+            <a:schemeClr val="lt1"/>
+          </a:fontRef>
+        </p:style>
+        <p:txBody>
+          <a:bodyPr rtlCol="0" anchor="ctr"/>
+          <a:lstStyle/>
+          <a:p>
+            <a:pPr algn="ctr"/>
+            <a:r>
+              <a:rPr lang="en-US" sz="1000" dirty="0" err="1" smtClean="0"/>
+              <a:t>ipropyl</a:t>
+            </a:r>
+            <a:endParaRPr lang="en-US" sz="1000" dirty="0"/>
+          </a:p>
+        </p:txBody>
+      </p:sp>
+      <p:sp>
+        <p:nvSpPr>
+          <p:cNvPr id="24" name="Rounded Rectangle 23"/>
+          <p:cNvSpPr/>
+          <p:nvPr/>
+        </p:nvSpPr>
+        <p:spPr>
+          <a:xfrm>
+            <a:off x="5172690" y="4883288"/>
+            <a:ext cx="600075" cy="395133"/>
+          </a:xfrm>
+          <a:prstGeom prst="roundRect">
+            <a:avLst/>
+          </a:prstGeom>
+        </p:spPr>
+        <p:style>
+          <a:lnRef idx="2">
+            <a:schemeClr val="accent1">
+              <a:shade val="50000"/>
+            </a:schemeClr>
+          </a:lnRef>
+          <a:fillRef idx="1">
+            <a:schemeClr val="accent1"/>
+          </a:fillRef>
+          <a:effectRef idx="0">
+            <a:schemeClr val="accent1"/>
+          </a:effectRef>
+          <a:fontRef idx="minor">
+            <a:schemeClr val="lt1"/>
+          </a:fontRef>
+        </p:style>
+        <p:txBody>
+          <a:bodyPr rtlCol="0" anchor="ctr"/>
+          <a:lstStyle/>
+          <a:p>
+            <a:pPr algn="ctr"/>
+            <a:r>
+              <a:rPr lang="en-US" sz="1000" dirty="0" smtClean="0"/>
+              <a:t>C</a:t>
+            </a:r>
+            <a:r>
+              <a:rPr lang="en-US" sz="1000" baseline="-25000" dirty="0" smtClean="0"/>
+              <a:t>3</a:t>
+            </a:r>
+            <a:r>
+              <a:rPr lang="en-US" sz="1000" dirty="0" smtClean="0"/>
+              <a:t>H</a:t>
+            </a:r>
+            <a:r>
+              <a:rPr lang="en-US" sz="1000" baseline="-25000" dirty="0" smtClean="0"/>
+              <a:t>6</a:t>
+            </a:r>
+            <a:endParaRPr lang="en-US" sz="1000" baseline="-25000" dirty="0"/>
+          </a:p>
+        </p:txBody>
+      </p:sp>
+      <p:sp>
+        <p:nvSpPr>
+          <p:cNvPr id="25" name="Rounded Rectangle 24"/>
+          <p:cNvSpPr/>
+          <p:nvPr/>
+        </p:nvSpPr>
+        <p:spPr>
+          <a:xfrm>
+            <a:off x="6387803" y="3962665"/>
+            <a:ext cx="600075" cy="395133"/>
+          </a:xfrm>
+          <a:prstGeom prst="roundRect">
+            <a:avLst/>
+          </a:prstGeom>
+        </p:spPr>
+        <p:style>
+          <a:lnRef idx="2">
+            <a:schemeClr val="accent1">
+              <a:shade val="50000"/>
+            </a:schemeClr>
+          </a:lnRef>
+          <a:fillRef idx="1">
+            <a:schemeClr val="accent1"/>
+          </a:fillRef>
+          <a:effectRef idx="0">
+            <a:schemeClr val="accent1"/>
+          </a:effectRef>
+          <a:fontRef idx="minor">
+            <a:schemeClr val="lt1"/>
+          </a:fontRef>
+        </p:style>
+        <p:txBody>
+          <a:bodyPr rtlCol="0" anchor="ctr"/>
+          <a:lstStyle/>
+          <a:p>
+            <a:pPr algn="ctr"/>
+            <a:r>
+              <a:rPr lang="en-US" sz="1000" dirty="0" smtClean="0"/>
+              <a:t>prod_2</a:t>
+            </a:r>
+            <a:endParaRPr lang="en-US" sz="1000" dirty="0"/>
+          </a:p>
+        </p:txBody>
+      </p:sp>
+      <p:sp>
+        <p:nvSpPr>
+          <p:cNvPr id="26" name="Rounded Rectangle 25"/>
+          <p:cNvSpPr/>
+          <p:nvPr/>
+        </p:nvSpPr>
+        <p:spPr>
+          <a:xfrm>
+            <a:off x="7303598" y="4879340"/>
+            <a:ext cx="685983" cy="395133"/>
+          </a:xfrm>
+          <a:prstGeom prst="roundRect">
+            <a:avLst/>
+          </a:prstGeom>
+        </p:spPr>
+        <p:style>
+          <a:lnRef idx="2">
+            <a:schemeClr val="accent1">
+              <a:shade val="50000"/>
+            </a:schemeClr>
+          </a:lnRef>
+          <a:fillRef idx="1">
+            <a:schemeClr val="accent1"/>
+          </a:fillRef>
+          <a:effectRef idx="0">
+            <a:schemeClr val="accent1"/>
+          </a:effectRef>
+          <a:fontRef idx="minor">
+            <a:schemeClr val="lt1"/>
+          </a:fontRef>
+        </p:style>
+        <p:txBody>
+          <a:bodyPr rtlCol="0" anchor="ctr"/>
+          <a:lstStyle/>
+          <a:p>
+            <a:pPr algn="ctr"/>
+            <a:r>
+              <a:rPr lang="en-US" sz="1000" dirty="0" err="1" smtClean="0"/>
+              <a:t>allyloxy</a:t>
+            </a:r>
+            <a:endParaRPr lang="en-US" sz="1000" dirty="0"/>
+          </a:p>
+        </p:txBody>
+      </p:sp>
+      <p:sp>
+        <p:nvSpPr>
+          <p:cNvPr id="27" name="Rounded Rectangle 26"/>
+          <p:cNvSpPr/>
+          <p:nvPr/>
+        </p:nvSpPr>
+        <p:spPr>
+          <a:xfrm>
+            <a:off x="7303599" y="5714934"/>
+            <a:ext cx="685982" cy="395133"/>
+          </a:xfrm>
+          <a:prstGeom prst="roundRect">
+            <a:avLst/>
+          </a:prstGeom>
+        </p:spPr>
+        <p:style>
+          <a:lnRef idx="2">
+            <a:schemeClr val="accent1">
+              <a:shade val="50000"/>
+            </a:schemeClr>
+          </a:lnRef>
+          <a:fillRef idx="1">
+            <a:schemeClr val="accent1"/>
+          </a:fillRef>
+          <a:effectRef idx="0">
+            <a:schemeClr val="accent1"/>
+          </a:effectRef>
+          <a:fontRef idx="minor">
+            <a:schemeClr val="lt1"/>
+          </a:fontRef>
+        </p:style>
+        <p:txBody>
+          <a:bodyPr rtlCol="0" anchor="ctr"/>
+          <a:lstStyle/>
+          <a:p>
+            <a:pPr algn="ctr"/>
+            <a:r>
+              <a:rPr lang="en-US" sz="1000" dirty="0" err="1" smtClean="0"/>
+              <a:t>acrolein</a:t>
+            </a:r>
+            <a:endParaRPr lang="en-US" sz="1000" dirty="0"/>
+          </a:p>
+        </p:txBody>
+      </p:sp>
+      <p:sp>
+        <p:nvSpPr>
+          <p:cNvPr id="30" name="Rounded Rectangle 29"/>
+          <p:cNvSpPr/>
+          <p:nvPr/>
+        </p:nvSpPr>
+        <p:spPr>
+          <a:xfrm>
+            <a:off x="8853618" y="2580791"/>
+            <a:ext cx="816618" cy="395133"/>
+          </a:xfrm>
+          <a:prstGeom prst="roundRect">
+            <a:avLst/>
+          </a:prstGeom>
+        </p:spPr>
+        <p:style>
+          <a:lnRef idx="2">
+            <a:schemeClr val="accent1">
+              <a:shade val="50000"/>
+            </a:schemeClr>
+          </a:lnRef>
+          <a:fillRef idx="1">
+            <a:schemeClr val="accent1"/>
+          </a:fillRef>
+          <a:effectRef idx="0">
+            <a:schemeClr val="accent1"/>
+          </a:effectRef>
+          <a:fontRef idx="minor">
+            <a:schemeClr val="lt1"/>
+          </a:fontRef>
+        </p:style>
+        <p:txBody>
+          <a:bodyPr rtlCol="0" anchor="ctr"/>
+          <a:lstStyle/>
+          <a:p>
+            <a:pPr algn="ctr"/>
+            <a:r>
+              <a:rPr lang="en-US" sz="1000" dirty="0" err="1" smtClean="0"/>
+              <a:t>propoxide</a:t>
+            </a:r>
+            <a:endParaRPr lang="en-US" sz="1000" baseline="-25000" dirty="0"/>
+          </a:p>
+        </p:txBody>
+      </p:sp>
+      <p:sp>
+        <p:nvSpPr>
+          <p:cNvPr id="31" name="Rounded Rectangle 30"/>
+          <p:cNvSpPr/>
+          <p:nvPr/>
+        </p:nvSpPr>
+        <p:spPr>
+          <a:xfrm>
+            <a:off x="8034458" y="3523405"/>
+            <a:ext cx="875995" cy="395133"/>
+          </a:xfrm>
+          <a:prstGeom prst="roundRect">
+            <a:avLst/>
+          </a:prstGeom>
+        </p:spPr>
+        <p:style>
+          <a:lnRef idx="2">
+            <a:schemeClr val="accent1">
+              <a:shade val="50000"/>
+            </a:schemeClr>
+          </a:lnRef>
+          <a:fillRef idx="1">
+            <a:schemeClr val="accent1"/>
+          </a:fillRef>
+          <a:effectRef idx="0">
+            <a:schemeClr val="accent1"/>
+          </a:effectRef>
+          <a:fontRef idx="minor">
+            <a:schemeClr val="lt1"/>
+          </a:fontRef>
+        </p:style>
+        <p:txBody>
+          <a:bodyPr rtlCol="0" anchor="ctr"/>
+          <a:lstStyle/>
+          <a:p>
+            <a:pPr algn="ctr"/>
+            <a:r>
+              <a:rPr lang="en-US" sz="1000" dirty="0" err="1" smtClean="0"/>
+              <a:t>npropylooh</a:t>
+            </a:r>
+            <a:endParaRPr lang="en-US" sz="1000" dirty="0"/>
+          </a:p>
+        </p:txBody>
+      </p:sp>
+      <p:sp>
+        <p:nvSpPr>
+          <p:cNvPr id="32" name="Rounded Rectangle 31"/>
+          <p:cNvSpPr/>
+          <p:nvPr/>
+        </p:nvSpPr>
+        <p:spPr>
+          <a:xfrm>
+            <a:off x="8822485" y="1352718"/>
+            <a:ext cx="875995" cy="437913"/>
+          </a:xfrm>
+          <a:prstGeom prst="roundRect">
+            <a:avLst/>
+          </a:prstGeom>
+        </p:spPr>
+        <p:style>
+          <a:lnRef idx="2">
+            <a:schemeClr val="accent1">
+              <a:shade val="50000"/>
+            </a:schemeClr>
+          </a:lnRef>
+          <a:fillRef idx="1">
+            <a:schemeClr val="accent1"/>
+          </a:fillRef>
+          <a:effectRef idx="0">
+            <a:schemeClr val="accent1"/>
+          </a:effectRef>
+          <a:fontRef idx="minor">
+            <a:schemeClr val="lt1"/>
+          </a:fontRef>
+        </p:style>
+        <p:txBody>
+          <a:bodyPr rtlCol="0" anchor="ctr"/>
+          <a:lstStyle/>
+          <a:p>
+            <a:pPr algn="ctr"/>
+            <a:r>
+              <a:rPr lang="en-US" sz="1000" dirty="0" err="1" smtClean="0"/>
+              <a:t>npropyloxy</a:t>
+            </a:r>
+            <a:endParaRPr lang="en-US" sz="1000" dirty="0"/>
+          </a:p>
+        </p:txBody>
+      </p:sp>
+      <p:sp>
+        <p:nvSpPr>
+          <p:cNvPr id="22" name="Rounded Rectangle 21"/>
+          <p:cNvSpPr/>
+          <p:nvPr/>
+        </p:nvSpPr>
+        <p:spPr>
+          <a:xfrm>
+            <a:off x="5172690" y="1378568"/>
+            <a:ext cx="600075" cy="395133"/>
+          </a:xfrm>
+          <a:prstGeom prst="roundRect">
+            <a:avLst/>
+          </a:prstGeom>
+        </p:spPr>
+        <p:style>
+          <a:lnRef idx="2">
+            <a:schemeClr val="accent1">
+              <a:shade val="50000"/>
+            </a:schemeClr>
+          </a:lnRef>
+          <a:fillRef idx="1">
+            <a:schemeClr val="accent1"/>
+          </a:fillRef>
+          <a:effectRef idx="0">
+            <a:schemeClr val="accent1"/>
+          </a:effectRef>
+          <a:fontRef idx="minor">
+            <a:schemeClr val="lt1"/>
+          </a:fontRef>
+        </p:style>
+        <p:txBody>
+          <a:bodyPr rtlCol="0" anchor="ctr"/>
+          <a:lstStyle/>
+          <a:p>
+            <a:pPr algn="ctr"/>
+            <a:r>
+              <a:rPr lang="en-US" sz="1000" dirty="0" smtClean="0"/>
+              <a:t>OH</a:t>
+            </a:r>
+            <a:endParaRPr lang="en-US" sz="1000" dirty="0"/>
+          </a:p>
+        </p:txBody>
+      </p:sp>
+      <p:cxnSp>
+        <p:nvCxnSpPr>
+          <p:cNvPr id="5" name="Straight Arrow Connector 4"/>
+          <p:cNvCxnSpPr>
+            <a:stCxn id="150" idx="4"/>
+            <a:endCxn id="21" idx="0"/>
+          </p:cNvCxnSpPr>
+          <p:nvPr/>
+        </p:nvCxnSpPr>
+        <p:spPr>
+          <a:xfrm>
+            <a:off x="5472725" y="2351904"/>
+            <a:ext cx="1" cy="460179"/>
+          </a:xfrm>
+          <a:prstGeom prst="straightConnector1">
+            <a:avLst/>
+          </a:prstGeom>
+          <a:ln w="38100">
+            <a:solidFill>
+              <a:srgbClr val="FF0000"/>
+            </a:solidFill>
+            <a:headEnd type="none" w="med" len="med"/>
+            <a:tailEnd type="triangle" w="med" len="med"/>
+          </a:ln>
+        </p:spPr>
+        <p:style>
+          <a:lnRef idx="1">
+            <a:schemeClr val="accent1"/>
+          </a:lnRef>
+          <a:fillRef idx="0">
+            <a:schemeClr val="accent1"/>
+          </a:fillRef>
+          <a:effectRef idx="0">
+            <a:schemeClr val="accent1"/>
+          </a:effectRef>
+          <a:fontRef idx="minor">
+            <a:schemeClr val="tx1"/>
+          </a:fontRef>
+        </p:style>
+      </p:cxnSp>
+      <p:sp>
+        <p:nvSpPr>
+          <p:cNvPr id="2" name="Oval 1"/>
+          <p:cNvSpPr/>
+          <p:nvPr/>
+        </p:nvSpPr>
+        <p:spPr>
+          <a:xfrm>
+            <a:off x="1777904" y="1471663"/>
+            <a:ext cx="200025" cy="200025"/>
+          </a:xfrm>
+          <a:prstGeom prst="ellipse">
+            <a:avLst/>
+          </a:prstGeom>
+        </p:spPr>
+        <p:style>
+          <a:lnRef idx="2">
+            <a:schemeClr val="accent1">
+              <a:shade val="50000"/>
+            </a:schemeClr>
+          </a:lnRef>
+          <a:fillRef idx="1">
+            <a:schemeClr val="accent1"/>
+          </a:fillRef>
+          <a:effectRef idx="0">
+            <a:schemeClr val="accent1"/>
+          </a:effectRef>
+          <a:fontRef idx="minor">
+            <a:schemeClr val="lt1"/>
+          </a:fontRef>
+        </p:style>
+        <p:txBody>
+          <a:bodyPr rtlCol="0" anchor="ctr"/>
+          <a:lstStyle/>
+          <a:p>
+            <a:pPr algn="ctr"/>
+            <a:endParaRPr lang="en-US"/>
+          </a:p>
+        </p:txBody>
+      </p:sp>
+      <p:cxnSp>
+        <p:nvCxnSpPr>
+          <p:cNvPr id="11" name="Straight Arrow Connector 10"/>
+          <p:cNvCxnSpPr>
+            <a:stCxn id="18" idx="0"/>
+            <a:endCxn id="2" idx="4"/>
+          </p:cNvCxnSpPr>
+          <p:nvPr/>
+        </p:nvCxnSpPr>
+        <p:spPr>
+          <a:xfrm flipV="1">
+            <a:off x="1877914" y="1671688"/>
+            <a:ext cx="3" cy="600488"/>
+          </a:xfrm>
+          <a:prstGeom prst="straightConnector1">
+            <a:avLst/>
+          </a:prstGeom>
+          <a:ln w="38100">
+            <a:solidFill>
+              <a:srgbClr val="FF0000"/>
+            </a:solidFill>
+            <a:tailEnd type="triangle"/>
+          </a:ln>
+        </p:spPr>
+        <p:style>
+          <a:lnRef idx="1">
+            <a:schemeClr val="accent1"/>
+          </a:lnRef>
+          <a:fillRef idx="0">
+            <a:schemeClr val="accent1"/>
+          </a:fillRef>
+          <a:effectRef idx="0">
+            <a:schemeClr val="accent1"/>
+          </a:effectRef>
+          <a:fontRef idx="minor">
+            <a:schemeClr val="tx1"/>
+          </a:fontRef>
+        </p:style>
+      </p:cxnSp>
+      <p:sp>
+        <p:nvSpPr>
+          <p:cNvPr id="48" name="Oval 47"/>
+          <p:cNvSpPr/>
+          <p:nvPr/>
+        </p:nvSpPr>
+        <p:spPr>
+          <a:xfrm>
+            <a:off x="1777912" y="3240592"/>
+            <a:ext cx="200025" cy="200025"/>
+          </a:xfrm>
+          <a:prstGeom prst="ellipse">
+            <a:avLst/>
+          </a:prstGeom>
+        </p:spPr>
+        <p:style>
+          <a:lnRef idx="2">
+            <a:schemeClr val="accent1">
+              <a:shade val="50000"/>
+            </a:schemeClr>
+          </a:lnRef>
+          <a:fillRef idx="1">
+            <a:schemeClr val="accent1"/>
+          </a:fillRef>
+          <a:effectRef idx="0">
+            <a:schemeClr val="accent1"/>
+          </a:effectRef>
+          <a:fontRef idx="minor">
+            <a:schemeClr val="lt1"/>
+          </a:fontRef>
+        </p:style>
+        <p:txBody>
+          <a:bodyPr rtlCol="0" anchor="ctr"/>
+          <a:lstStyle/>
+          <a:p>
+            <a:pPr algn="ctr"/>
+            <a:endParaRPr lang="en-US"/>
+          </a:p>
+        </p:txBody>
+      </p:sp>
+      <p:cxnSp>
+        <p:nvCxnSpPr>
+          <p:cNvPr id="34" name="Straight Arrow Connector 33"/>
+          <p:cNvCxnSpPr>
+            <a:stCxn id="17" idx="1"/>
+            <a:endCxn id="48" idx="6"/>
+          </p:cNvCxnSpPr>
+          <p:nvPr/>
+        </p:nvCxnSpPr>
+        <p:spPr>
+          <a:xfrm flipH="1">
+            <a:off x="1977937" y="3340604"/>
+            <a:ext cx="199864" cy="1"/>
+          </a:xfrm>
+          <a:prstGeom prst="straightConnector1">
+            <a:avLst/>
+          </a:prstGeom>
+          <a:ln w="38100">
+            <a:solidFill>
+              <a:srgbClr val="FF0000"/>
+            </a:solidFill>
+            <a:tailEnd type="triangle"/>
+          </a:ln>
+        </p:spPr>
+        <p:style>
+          <a:lnRef idx="1">
+            <a:schemeClr val="accent1"/>
+          </a:lnRef>
+          <a:fillRef idx="0">
+            <a:schemeClr val="accent1"/>
+          </a:fillRef>
+          <a:effectRef idx="0">
+            <a:schemeClr val="accent1"/>
+          </a:effectRef>
+          <a:fontRef idx="minor">
+            <a:schemeClr val="tx1"/>
+          </a:fontRef>
+        </p:style>
+      </p:cxnSp>
+      <p:cxnSp>
+        <p:nvCxnSpPr>
+          <p:cNvPr id="36" name="Straight Arrow Connector 35"/>
+          <p:cNvCxnSpPr>
+            <a:stCxn id="48" idx="0"/>
+            <a:endCxn id="18" idx="2"/>
+          </p:cNvCxnSpPr>
+          <p:nvPr/>
+        </p:nvCxnSpPr>
+        <p:spPr>
+          <a:xfrm flipH="1" flipV="1">
+            <a:off x="1877914" y="2667309"/>
+            <a:ext cx="11" cy="573283"/>
+          </a:xfrm>
+          <a:prstGeom prst="straightConnector1">
+            <a:avLst/>
+          </a:prstGeom>
+          <a:ln w="38100">
+            <a:solidFill>
+              <a:srgbClr val="FF0000"/>
+            </a:solidFill>
+            <a:tailEnd type="triangle"/>
+          </a:ln>
+        </p:spPr>
+        <p:style>
+          <a:lnRef idx="1">
+            <a:schemeClr val="accent1"/>
+          </a:lnRef>
+          <a:fillRef idx="0">
+            <a:schemeClr val="accent1"/>
+          </a:fillRef>
+          <a:effectRef idx="0">
+            <a:schemeClr val="accent1"/>
+          </a:effectRef>
+          <a:fontRef idx="minor">
+            <a:schemeClr val="tx1"/>
+          </a:fontRef>
+        </p:style>
+      </p:cxnSp>
+      <p:sp>
+        <p:nvSpPr>
+          <p:cNvPr id="58" name="Oval 57"/>
+          <p:cNvSpPr/>
+          <p:nvPr/>
+        </p:nvSpPr>
+        <p:spPr>
+          <a:xfrm>
+            <a:off x="2989159" y="3240592"/>
+            <a:ext cx="200025" cy="200025"/>
+          </a:xfrm>
+          <a:prstGeom prst="ellipse">
+            <a:avLst/>
+          </a:prstGeom>
+        </p:spPr>
+        <p:style>
+          <a:lnRef idx="2">
+            <a:schemeClr val="accent1">
+              <a:shade val="50000"/>
+            </a:schemeClr>
+          </a:lnRef>
+          <a:fillRef idx="1">
+            <a:schemeClr val="accent1"/>
+          </a:fillRef>
+          <a:effectRef idx="0">
+            <a:schemeClr val="accent1"/>
+          </a:effectRef>
+          <a:fontRef idx="minor">
+            <a:schemeClr val="lt1"/>
+          </a:fontRef>
+        </p:style>
+        <p:txBody>
+          <a:bodyPr rtlCol="0" anchor="ctr"/>
+          <a:lstStyle/>
+          <a:p>
+            <a:pPr algn="ctr"/>
+            <a:endParaRPr lang="en-US"/>
+          </a:p>
+        </p:txBody>
+      </p:sp>
+      <p:cxnSp>
+        <p:nvCxnSpPr>
+          <p:cNvPr id="52" name="Straight Arrow Connector 51"/>
+          <p:cNvCxnSpPr>
+            <a:stCxn id="16" idx="1"/>
+            <a:endCxn id="58" idx="6"/>
+          </p:cNvCxnSpPr>
+          <p:nvPr/>
+        </p:nvCxnSpPr>
+        <p:spPr>
+          <a:xfrm flipH="1" flipV="1">
+            <a:off x="3189184" y="3340605"/>
+            <a:ext cx="207089" cy="25"/>
+          </a:xfrm>
+          <a:prstGeom prst="straightConnector1">
+            <a:avLst/>
+          </a:prstGeom>
+          <a:ln w="38100">
+            <a:solidFill>
+              <a:srgbClr val="FF0000"/>
+            </a:solidFill>
+            <a:tailEnd type="triangle"/>
+          </a:ln>
+        </p:spPr>
+        <p:style>
+          <a:lnRef idx="1">
+            <a:schemeClr val="accent1"/>
+          </a:lnRef>
+          <a:fillRef idx="0">
+            <a:schemeClr val="accent1"/>
+          </a:fillRef>
+          <a:effectRef idx="0">
+            <a:schemeClr val="accent1"/>
+          </a:effectRef>
+          <a:fontRef idx="minor">
+            <a:schemeClr val="tx1"/>
+          </a:fontRef>
+        </p:style>
+      </p:cxnSp>
+      <p:cxnSp>
+        <p:nvCxnSpPr>
+          <p:cNvPr id="56" name="Straight Arrow Connector 55"/>
+          <p:cNvCxnSpPr>
+            <a:stCxn id="58" idx="2"/>
+            <a:endCxn id="17" idx="3"/>
+          </p:cNvCxnSpPr>
+          <p:nvPr/>
+        </p:nvCxnSpPr>
+        <p:spPr>
+          <a:xfrm flipH="1" flipV="1">
+            <a:off x="2777876" y="3340604"/>
+            <a:ext cx="211283" cy="1"/>
+          </a:xfrm>
+          <a:prstGeom prst="straightConnector1">
+            <a:avLst/>
+          </a:prstGeom>
+          <a:ln w="38100">
+            <a:solidFill>
+              <a:srgbClr val="FF0000"/>
+            </a:solidFill>
+            <a:tailEnd type="triangle"/>
+          </a:ln>
+        </p:spPr>
+        <p:style>
+          <a:lnRef idx="1">
+            <a:schemeClr val="accent1"/>
+          </a:lnRef>
+          <a:fillRef idx="0">
+            <a:schemeClr val="accent1"/>
+          </a:fillRef>
+          <a:effectRef idx="0">
+            <a:schemeClr val="accent1"/>
+          </a:effectRef>
+          <a:fontRef idx="minor">
+            <a:schemeClr val="tx1"/>
+          </a:fontRef>
+        </p:style>
+      </p:cxnSp>
+      <p:sp>
+        <p:nvSpPr>
+          <p:cNvPr id="73" name="Oval 72"/>
+          <p:cNvSpPr/>
+          <p:nvPr/>
+        </p:nvSpPr>
+        <p:spPr>
+          <a:xfrm>
+            <a:off x="4181903" y="3240586"/>
+            <a:ext cx="200025" cy="200025"/>
+          </a:xfrm>
+          <a:prstGeom prst="ellipse">
+            <a:avLst/>
+          </a:prstGeom>
+        </p:spPr>
+        <p:style>
+          <a:lnRef idx="2">
+            <a:schemeClr val="accent1">
+              <a:shade val="50000"/>
+            </a:schemeClr>
+          </a:lnRef>
+          <a:fillRef idx="1">
+            <a:schemeClr val="accent1"/>
+          </a:fillRef>
+          <a:effectRef idx="0">
+            <a:schemeClr val="accent1"/>
+          </a:effectRef>
+          <a:fontRef idx="minor">
+            <a:schemeClr val="lt1"/>
+          </a:fontRef>
+        </p:style>
+        <p:txBody>
+          <a:bodyPr rtlCol="0" anchor="ctr"/>
+          <a:lstStyle/>
+          <a:p>
+            <a:pPr algn="ctr"/>
+            <a:endParaRPr lang="en-US"/>
+          </a:p>
+        </p:txBody>
+      </p:sp>
+      <p:cxnSp>
+        <p:nvCxnSpPr>
+          <p:cNvPr id="75" name="Straight Arrow Connector 74"/>
+          <p:cNvCxnSpPr>
+            <a:stCxn id="21" idx="1"/>
+            <a:endCxn id="73" idx="6"/>
+          </p:cNvCxnSpPr>
+          <p:nvPr/>
+        </p:nvCxnSpPr>
+        <p:spPr>
+          <a:xfrm flipH="1" flipV="1">
+            <a:off x="4381928" y="3340599"/>
+            <a:ext cx="301499" cy="30"/>
+          </a:xfrm>
+          <a:prstGeom prst="straightConnector1">
+            <a:avLst/>
+          </a:prstGeom>
+          <a:ln w="38100">
+            <a:solidFill>
+              <a:srgbClr val="FF0000"/>
+            </a:solidFill>
+            <a:tailEnd type="triangle"/>
+          </a:ln>
+        </p:spPr>
+        <p:style>
+          <a:lnRef idx="1">
+            <a:schemeClr val="accent1"/>
+          </a:lnRef>
+          <a:fillRef idx="0">
+            <a:schemeClr val="accent1"/>
+          </a:fillRef>
+          <a:effectRef idx="0">
+            <a:schemeClr val="accent1"/>
+          </a:effectRef>
+          <a:fontRef idx="minor">
+            <a:schemeClr val="tx1"/>
+          </a:fontRef>
+        </p:style>
+      </p:cxnSp>
+      <p:cxnSp>
+        <p:nvCxnSpPr>
+          <p:cNvPr id="77" name="Straight Arrow Connector 76"/>
+          <p:cNvCxnSpPr>
+            <a:stCxn id="73" idx="2"/>
+            <a:endCxn id="16" idx="3"/>
+          </p:cNvCxnSpPr>
+          <p:nvPr/>
+        </p:nvCxnSpPr>
+        <p:spPr>
+          <a:xfrm flipH="1">
+            <a:off x="3996348" y="3340599"/>
+            <a:ext cx="185555" cy="31"/>
+          </a:xfrm>
+          <a:prstGeom prst="straightConnector1">
+            <a:avLst/>
+          </a:prstGeom>
+          <a:ln w="38100">
+            <a:solidFill>
+              <a:srgbClr val="FF0000"/>
+            </a:solidFill>
+            <a:tailEnd type="triangle"/>
+          </a:ln>
+        </p:spPr>
+        <p:style>
+          <a:lnRef idx="1">
+            <a:schemeClr val="accent1"/>
+          </a:lnRef>
+          <a:fillRef idx="0">
+            <a:schemeClr val="accent1"/>
+          </a:fillRef>
+          <a:effectRef idx="0">
+            <a:schemeClr val="accent1"/>
+          </a:effectRef>
+          <a:fontRef idx="minor">
+            <a:schemeClr val="tx1"/>
+          </a:fontRef>
+        </p:style>
+      </p:cxnSp>
+      <p:sp>
+        <p:nvSpPr>
+          <p:cNvPr id="82" name="Oval 81"/>
+          <p:cNvSpPr/>
+          <p:nvPr/>
+        </p:nvSpPr>
+        <p:spPr>
+          <a:xfrm>
+            <a:off x="8372444" y="4420032"/>
+            <a:ext cx="200025" cy="200025"/>
+          </a:xfrm>
+          <a:prstGeom prst="ellipse">
+            <a:avLst/>
+          </a:prstGeom>
+        </p:spPr>
+        <p:style>
+          <a:lnRef idx="2">
+            <a:schemeClr val="accent1">
+              <a:shade val="50000"/>
+            </a:schemeClr>
+          </a:lnRef>
+          <a:fillRef idx="1">
+            <a:schemeClr val="accent1"/>
+          </a:fillRef>
+          <a:effectRef idx="0">
+            <a:schemeClr val="accent1"/>
+          </a:effectRef>
+          <a:fontRef idx="minor">
+            <a:schemeClr val="lt1"/>
+          </a:fontRef>
+        </p:style>
+        <p:txBody>
+          <a:bodyPr rtlCol="0" anchor="ctr"/>
+          <a:lstStyle/>
+          <a:p>
+            <a:pPr algn="ctr"/>
+            <a:endParaRPr lang="en-US"/>
+          </a:p>
+        </p:txBody>
+      </p:sp>
+      <p:cxnSp>
+        <p:nvCxnSpPr>
+          <p:cNvPr id="86" name="Straight Arrow Connector 85"/>
+          <p:cNvCxnSpPr>
+            <a:stCxn id="82" idx="0"/>
+            <a:endCxn id="31" idx="2"/>
+          </p:cNvCxnSpPr>
+          <p:nvPr/>
+        </p:nvCxnSpPr>
+        <p:spPr>
+          <a:xfrm flipH="1" flipV="1">
+            <a:off x="8472456" y="3918538"/>
+            <a:ext cx="1" cy="501494"/>
+          </a:xfrm>
+          <a:prstGeom prst="straightConnector1">
+            <a:avLst/>
+          </a:prstGeom>
+          <a:ln w="38100">
+            <a:solidFill>
+              <a:srgbClr val="00B050"/>
+            </a:solidFill>
+            <a:tailEnd type="triangle"/>
+          </a:ln>
+        </p:spPr>
+        <p:style>
+          <a:lnRef idx="1">
+            <a:schemeClr val="accent1"/>
+          </a:lnRef>
+          <a:fillRef idx="0">
+            <a:schemeClr val="accent1"/>
+          </a:fillRef>
+          <a:effectRef idx="0">
+            <a:schemeClr val="accent1"/>
+          </a:effectRef>
+          <a:fontRef idx="minor">
+            <a:schemeClr val="tx1"/>
+          </a:fontRef>
+        </p:style>
+      </p:cxnSp>
+      <p:cxnSp>
+        <p:nvCxnSpPr>
+          <p:cNvPr id="88" name="Straight Arrow Connector 87"/>
+          <p:cNvCxnSpPr>
+            <a:stCxn id="82" idx="6"/>
+            <a:endCxn id="23" idx="1"/>
+          </p:cNvCxnSpPr>
+          <p:nvPr/>
+        </p:nvCxnSpPr>
+        <p:spPr>
+          <a:xfrm flipV="1">
+            <a:off x="8572469" y="4520044"/>
+            <a:ext cx="389420" cy="1"/>
+          </a:xfrm>
+          <a:prstGeom prst="straightConnector1">
+            <a:avLst/>
+          </a:prstGeom>
+          <a:ln>
+            <a:tailEnd type="triangle"/>
+          </a:ln>
+        </p:spPr>
+        <p:style>
+          <a:lnRef idx="1">
+            <a:schemeClr val="accent1"/>
+          </a:lnRef>
+          <a:fillRef idx="0">
+            <a:schemeClr val="accent1"/>
+          </a:fillRef>
+          <a:effectRef idx="0">
+            <a:schemeClr val="accent1"/>
+          </a:effectRef>
+          <a:fontRef idx="minor">
+            <a:schemeClr val="tx1"/>
+          </a:fontRef>
+        </p:style>
+      </p:cxnSp>
+      <p:sp>
+        <p:nvSpPr>
+          <p:cNvPr id="98" name="Oval 97"/>
+          <p:cNvSpPr/>
+          <p:nvPr/>
+        </p:nvSpPr>
+        <p:spPr>
+          <a:xfrm>
+            <a:off x="6587829" y="2678344"/>
+            <a:ext cx="200025" cy="200025"/>
+          </a:xfrm>
+          <a:prstGeom prst="ellipse">
+            <a:avLst/>
+          </a:prstGeom>
+        </p:spPr>
+        <p:style>
+          <a:lnRef idx="2">
+            <a:schemeClr val="accent1">
+              <a:shade val="50000"/>
+            </a:schemeClr>
+          </a:lnRef>
+          <a:fillRef idx="1">
+            <a:schemeClr val="accent1"/>
+          </a:fillRef>
+          <a:effectRef idx="0">
+            <a:schemeClr val="accent1"/>
+          </a:effectRef>
+          <a:fontRef idx="minor">
+            <a:schemeClr val="lt1"/>
+          </a:fontRef>
+        </p:style>
+        <p:txBody>
+          <a:bodyPr rtlCol="0" anchor="ctr"/>
+          <a:lstStyle/>
+          <a:p>
+            <a:pPr algn="ctr"/>
+            <a:endParaRPr lang="en-US"/>
+          </a:p>
+        </p:txBody>
+      </p:sp>
+      <p:cxnSp>
+        <p:nvCxnSpPr>
+          <p:cNvPr id="102" name="Straight Arrow Connector 101"/>
+          <p:cNvCxnSpPr>
+            <a:stCxn id="98" idx="6"/>
+            <a:endCxn id="30" idx="1"/>
+          </p:cNvCxnSpPr>
+          <p:nvPr/>
+        </p:nvCxnSpPr>
+        <p:spPr>
+          <a:xfrm>
+            <a:off x="6787854" y="2778357"/>
+            <a:ext cx="2065764" cy="1"/>
+          </a:xfrm>
+          <a:prstGeom prst="straightConnector1">
+            <a:avLst/>
+          </a:prstGeom>
+          <a:ln>
+            <a:tailEnd type="triangle"/>
+          </a:ln>
+        </p:spPr>
+        <p:style>
+          <a:lnRef idx="1">
+            <a:schemeClr val="accent1"/>
+          </a:lnRef>
+          <a:fillRef idx="0">
+            <a:schemeClr val="accent1"/>
+          </a:fillRef>
+          <a:effectRef idx="0">
+            <a:schemeClr val="accent1"/>
+          </a:effectRef>
+          <a:fontRef idx="minor">
+            <a:schemeClr val="tx1"/>
+          </a:fontRef>
+        </p:style>
+      </p:cxnSp>
+      <p:sp>
+        <p:nvSpPr>
+          <p:cNvPr id="112" name="Oval 111"/>
+          <p:cNvSpPr/>
+          <p:nvPr/>
+        </p:nvSpPr>
+        <p:spPr>
+          <a:xfrm>
+            <a:off x="7546578" y="4058816"/>
+            <a:ext cx="200025" cy="200025"/>
+          </a:xfrm>
+          <a:prstGeom prst="ellipse">
+            <a:avLst/>
+          </a:prstGeom>
+        </p:spPr>
+        <p:style>
+          <a:lnRef idx="2">
+            <a:schemeClr val="accent1">
+              <a:shade val="50000"/>
+            </a:schemeClr>
+          </a:lnRef>
+          <a:fillRef idx="1">
+            <a:schemeClr val="accent1"/>
+          </a:fillRef>
+          <a:effectRef idx="0">
+            <a:schemeClr val="accent1"/>
+          </a:effectRef>
+          <a:fontRef idx="minor">
+            <a:schemeClr val="lt1"/>
+          </a:fontRef>
+        </p:style>
+        <p:txBody>
+          <a:bodyPr rtlCol="0" anchor="ctr"/>
+          <a:lstStyle/>
+          <a:p>
+            <a:pPr algn="ctr"/>
+            <a:endParaRPr lang="en-US"/>
+          </a:p>
+        </p:txBody>
+      </p:sp>
+      <p:sp>
+        <p:nvSpPr>
+          <p:cNvPr id="127" name="Oval 126"/>
+          <p:cNvSpPr/>
+          <p:nvPr/>
+        </p:nvSpPr>
+        <p:spPr>
+          <a:xfrm>
+            <a:off x="8363943" y="1471663"/>
+            <a:ext cx="200025" cy="200025"/>
+          </a:xfrm>
+          <a:prstGeom prst="ellipse">
+            <a:avLst/>
+          </a:prstGeom>
+        </p:spPr>
+        <p:style>
+          <a:lnRef idx="2">
+            <a:schemeClr val="accent1">
+              <a:shade val="50000"/>
+            </a:schemeClr>
+          </a:lnRef>
+          <a:fillRef idx="1">
+            <a:schemeClr val="accent1"/>
+          </a:fillRef>
+          <a:effectRef idx="0">
+            <a:schemeClr val="accent1"/>
+          </a:effectRef>
+          <a:fontRef idx="minor">
+            <a:schemeClr val="lt1"/>
+          </a:fontRef>
+        </p:style>
+        <p:txBody>
+          <a:bodyPr rtlCol="0" anchor="ctr"/>
+          <a:lstStyle/>
+          <a:p>
+            <a:pPr algn="ctr"/>
+            <a:endParaRPr lang="en-US"/>
+          </a:p>
+        </p:txBody>
+      </p:sp>
+      <p:cxnSp>
+        <p:nvCxnSpPr>
+          <p:cNvPr id="129" name="Straight Arrow Connector 128"/>
+          <p:cNvCxnSpPr>
+            <a:stCxn id="31" idx="0"/>
+            <a:endCxn id="127" idx="4"/>
+          </p:cNvCxnSpPr>
+          <p:nvPr/>
+        </p:nvCxnSpPr>
+        <p:spPr>
+          <a:xfrm flipH="1" flipV="1">
+            <a:off x="8463956" y="1671688"/>
+            <a:ext cx="8500" cy="1851717"/>
+          </a:xfrm>
+          <a:prstGeom prst="straightConnector1">
+            <a:avLst/>
+          </a:prstGeom>
+          <a:ln w="38100">
+            <a:solidFill>
+              <a:srgbClr val="00B050"/>
+            </a:solidFill>
+            <a:tailEnd type="triangle"/>
+          </a:ln>
+        </p:spPr>
+        <p:style>
+          <a:lnRef idx="1">
+            <a:schemeClr val="accent1"/>
+          </a:lnRef>
+          <a:fillRef idx="0">
+            <a:schemeClr val="accent1"/>
+          </a:fillRef>
+          <a:effectRef idx="0">
+            <a:schemeClr val="accent1"/>
+          </a:effectRef>
+          <a:fontRef idx="minor">
+            <a:schemeClr val="tx1"/>
+          </a:fontRef>
+        </p:style>
+      </p:cxnSp>
+      <p:cxnSp>
+        <p:nvCxnSpPr>
+          <p:cNvPr id="14" name="Straight Arrow Connector 13"/>
+          <p:cNvCxnSpPr>
+            <a:stCxn id="25" idx="3"/>
+            <a:endCxn id="112" idx="2"/>
+          </p:cNvCxnSpPr>
+          <p:nvPr/>
+        </p:nvCxnSpPr>
+        <p:spPr>
+          <a:xfrm flipV="1">
+            <a:off x="6987878" y="4158829"/>
+            <a:ext cx="558700" cy="1403"/>
+          </a:xfrm>
+          <a:prstGeom prst="straightConnector1">
+            <a:avLst/>
+          </a:prstGeom>
+          <a:ln w="38100">
+            <a:solidFill>
+              <a:srgbClr val="C00000"/>
+            </a:solidFill>
+            <a:tailEnd type="triangle"/>
+          </a:ln>
+        </p:spPr>
+        <p:style>
+          <a:lnRef idx="1">
+            <a:schemeClr val="accent1"/>
+          </a:lnRef>
+          <a:fillRef idx="0">
+            <a:schemeClr val="accent1"/>
+          </a:fillRef>
+          <a:effectRef idx="0">
+            <a:schemeClr val="accent1"/>
+          </a:effectRef>
+          <a:fontRef idx="minor">
+            <a:schemeClr val="tx1"/>
+          </a:fontRef>
+        </p:style>
+      </p:cxnSp>
+      <p:cxnSp>
+        <p:nvCxnSpPr>
+          <p:cNvPr id="28" name="Straight Arrow Connector 27"/>
+          <p:cNvCxnSpPr>
+            <a:stCxn id="112" idx="4"/>
+            <a:endCxn id="26" idx="0"/>
+          </p:cNvCxnSpPr>
+          <p:nvPr/>
+        </p:nvCxnSpPr>
+        <p:spPr>
+          <a:xfrm flipH="1">
+            <a:off x="7646590" y="4258841"/>
+            <a:ext cx="1" cy="620499"/>
+          </a:xfrm>
+          <a:prstGeom prst="straightConnector1">
+            <a:avLst/>
+          </a:prstGeom>
+          <a:ln>
+            <a:tailEnd type="triangle"/>
+          </a:ln>
+        </p:spPr>
+        <p:style>
+          <a:lnRef idx="1">
+            <a:schemeClr val="accent1"/>
+          </a:lnRef>
+          <a:fillRef idx="0">
+            <a:schemeClr val="accent1"/>
+          </a:fillRef>
+          <a:effectRef idx="0">
+            <a:schemeClr val="accent1"/>
+          </a:effectRef>
+          <a:fontRef idx="minor">
+            <a:schemeClr val="tx1"/>
+          </a:fontRef>
+        </p:style>
+      </p:cxnSp>
+      <p:cxnSp>
+        <p:nvCxnSpPr>
+          <p:cNvPr id="33" name="Straight Arrow Connector 32"/>
+          <p:cNvCxnSpPr>
+            <a:stCxn id="26" idx="2"/>
+            <a:endCxn id="27" idx="0"/>
+          </p:cNvCxnSpPr>
+          <p:nvPr/>
+        </p:nvCxnSpPr>
+        <p:spPr>
+          <a:xfrm>
+            <a:off x="7646590" y="5274473"/>
+            <a:ext cx="0" cy="440461"/>
+          </a:xfrm>
+          <a:prstGeom prst="straightConnector1">
+            <a:avLst/>
+          </a:prstGeom>
+          <a:ln>
+            <a:tailEnd type="triangle"/>
+          </a:ln>
+        </p:spPr>
+        <p:style>
+          <a:lnRef idx="1">
+            <a:schemeClr val="accent1"/>
+          </a:lnRef>
+          <a:fillRef idx="0">
+            <a:schemeClr val="accent1"/>
+          </a:fillRef>
+          <a:effectRef idx="0">
+            <a:schemeClr val="accent1"/>
+          </a:effectRef>
+          <a:fontRef idx="minor">
+            <a:schemeClr val="tx1"/>
+          </a:fontRef>
+        </p:style>
+      </p:cxnSp>
+      <p:cxnSp>
+        <p:nvCxnSpPr>
+          <p:cNvPr id="331" name="Elbow Connector 330"/>
+          <p:cNvCxnSpPr>
+            <a:stCxn id="112" idx="0"/>
+            <a:endCxn id="22" idx="3"/>
+          </p:cNvCxnSpPr>
+          <p:nvPr/>
+        </p:nvCxnSpPr>
+        <p:spPr>
+          <a:xfrm rot="16200000" flipV="1">
+            <a:off x="5468338" y="1880563"/>
+            <a:ext cx="2482681" cy="1873826"/>
+          </a:xfrm>
+          <a:prstGeom prst="bentConnector2">
+            <a:avLst/>
+          </a:prstGeom>
+          <a:ln w="38100">
+            <a:solidFill>
+              <a:srgbClr val="C00000"/>
+            </a:solidFill>
+            <a:headEnd type="none" w="med" len="med"/>
+            <a:tailEnd type="triangle" w="med" len="med"/>
+          </a:ln>
+        </p:spPr>
+        <p:style>
+          <a:lnRef idx="1">
+            <a:schemeClr val="accent1"/>
+          </a:lnRef>
+          <a:fillRef idx="0">
+            <a:schemeClr val="accent1"/>
+          </a:fillRef>
+          <a:effectRef idx="0">
+            <a:schemeClr val="accent1"/>
+          </a:effectRef>
+          <a:fontRef idx="minor">
+            <a:schemeClr val="tx1"/>
+          </a:fontRef>
+        </p:style>
+      </p:cxnSp>
+      <p:sp>
+        <p:nvSpPr>
+          <p:cNvPr id="59" name="TextBox 58"/>
+          <p:cNvSpPr txBox="1"/>
+          <p:nvPr/>
+        </p:nvSpPr>
+        <p:spPr>
+          <a:xfrm>
+            <a:off x="4052266" y="47084"/>
+            <a:ext cx="3819956" cy="369332"/>
+          </a:xfrm>
+          <a:prstGeom prst="rect">
+            <a:avLst/>
+          </a:prstGeom>
+          <a:noFill/>
+        </p:spPr>
+        <p:txBody>
+          <a:bodyPr wrap="none" rtlCol="0">
+            <a:spAutoFit/>
+          </a:bodyPr>
+          <a:lstStyle/>
+          <a:p>
+            <a:r>
+              <a:rPr lang="en-US" dirty="0" smtClean="0"/>
+              <a:t>All chemistry using top 10 pathways v2</a:t>
+            </a:r>
+            <a:endParaRPr lang="en-US" dirty="0"/>
+          </a:p>
+        </p:txBody>
+      </p:sp>
+      <p:cxnSp>
+        <p:nvCxnSpPr>
+          <p:cNvPr id="118" name="Elbow Connector 117"/>
+          <p:cNvCxnSpPr>
+            <a:stCxn id="18" idx="1"/>
+            <a:endCxn id="19" idx="1"/>
+          </p:cNvCxnSpPr>
+          <p:nvPr/>
+        </p:nvCxnSpPr>
+        <p:spPr>
+          <a:xfrm rot="10800000" flipV="1">
+            <a:off x="1577876" y="2469743"/>
+            <a:ext cx="12700" cy="2607164"/>
+          </a:xfrm>
+          <a:prstGeom prst="bentConnector3">
+            <a:avLst>
+              <a:gd name="adj1" fmla="val 1800000"/>
+            </a:avLst>
+          </a:prstGeom>
+          <a:ln>
+            <a:tailEnd type="triangle"/>
+          </a:ln>
+        </p:spPr>
+        <p:style>
+          <a:lnRef idx="1">
+            <a:schemeClr val="accent1"/>
+          </a:lnRef>
+          <a:fillRef idx="0">
+            <a:schemeClr val="accent1"/>
+          </a:fillRef>
+          <a:effectRef idx="0">
+            <a:schemeClr val="accent1"/>
+          </a:effectRef>
+          <a:fontRef idx="minor">
+            <a:schemeClr val="tx1"/>
+          </a:fontRef>
+        </p:style>
+      </p:cxnSp>
+      <p:sp>
+        <p:nvSpPr>
+          <p:cNvPr id="145" name="Rounded Rectangle 144"/>
+          <p:cNvSpPr/>
+          <p:nvPr/>
+        </p:nvSpPr>
+        <p:spPr>
+          <a:xfrm>
+            <a:off x="5700388" y="778912"/>
+            <a:ext cx="600075" cy="395133"/>
+          </a:xfrm>
+          <a:prstGeom prst="roundRect">
+            <a:avLst/>
+          </a:prstGeom>
+        </p:spPr>
+        <p:style>
+          <a:lnRef idx="2">
+            <a:schemeClr val="accent1">
+              <a:shade val="50000"/>
+            </a:schemeClr>
+          </a:lnRef>
+          <a:fillRef idx="1">
+            <a:schemeClr val="accent1"/>
+          </a:fillRef>
+          <a:effectRef idx="0">
+            <a:schemeClr val="accent1"/>
+          </a:effectRef>
+          <a:fontRef idx="minor">
+            <a:schemeClr val="lt1"/>
+          </a:fontRef>
+        </p:style>
+        <p:txBody>
+          <a:bodyPr rtlCol="0" anchor="ctr"/>
+          <a:lstStyle/>
+          <a:p>
+            <a:pPr algn="ctr"/>
+            <a:r>
+              <a:rPr lang="en-US" sz="1000" dirty="0" smtClean="0"/>
+              <a:t>fuel</a:t>
+            </a:r>
+            <a:endParaRPr lang="en-US" sz="1000" dirty="0"/>
+          </a:p>
+        </p:txBody>
+      </p:sp>
+      <p:sp>
+        <p:nvSpPr>
+          <p:cNvPr id="150" name="Oval 149"/>
+          <p:cNvSpPr/>
+          <p:nvPr/>
+        </p:nvSpPr>
+        <p:spPr>
+          <a:xfrm>
+            <a:off x="5372712" y="2151879"/>
+            <a:ext cx="200025" cy="200025"/>
+          </a:xfrm>
+          <a:prstGeom prst="ellipse">
+            <a:avLst/>
+          </a:prstGeom>
+        </p:spPr>
+        <p:style>
+          <a:lnRef idx="2">
+            <a:schemeClr val="accent1">
+              <a:shade val="50000"/>
+            </a:schemeClr>
+          </a:lnRef>
+          <a:fillRef idx="1">
+            <a:schemeClr val="accent1"/>
+          </a:fillRef>
+          <a:effectRef idx="0">
+            <a:schemeClr val="accent1"/>
+          </a:effectRef>
+          <a:fontRef idx="minor">
+            <a:schemeClr val="lt1"/>
+          </a:fontRef>
+        </p:style>
+        <p:txBody>
+          <a:bodyPr rtlCol="0" anchor="ctr"/>
+          <a:lstStyle/>
+          <a:p>
+            <a:pPr algn="ctr"/>
+            <a:endParaRPr lang="en-US"/>
+          </a:p>
+        </p:txBody>
+      </p:sp>
+      <p:cxnSp>
+        <p:nvCxnSpPr>
+          <p:cNvPr id="347" name="Elbow Connector 346"/>
+          <p:cNvCxnSpPr>
+            <a:stCxn id="21" idx="3"/>
+            <a:endCxn id="98" idx="4"/>
+          </p:cNvCxnSpPr>
+          <p:nvPr/>
+        </p:nvCxnSpPr>
+        <p:spPr>
+          <a:xfrm flipV="1">
+            <a:off x="6262025" y="2878369"/>
+            <a:ext cx="425817" cy="462260"/>
+          </a:xfrm>
+          <a:prstGeom prst="bentConnector2">
+            <a:avLst/>
+          </a:prstGeom>
+          <a:ln w="38100">
+            <a:solidFill>
+              <a:schemeClr val="accent4"/>
+            </a:solidFill>
+            <a:tailEnd type="triangle"/>
+          </a:ln>
+        </p:spPr>
+        <p:style>
+          <a:lnRef idx="1">
+            <a:schemeClr val="accent1"/>
+          </a:lnRef>
+          <a:fillRef idx="0">
+            <a:schemeClr val="accent1"/>
+          </a:fillRef>
+          <a:effectRef idx="0">
+            <a:schemeClr val="accent1"/>
+          </a:effectRef>
+          <a:fontRef idx="minor">
+            <a:schemeClr val="tx1"/>
+          </a:fontRef>
+        </p:style>
+      </p:cxnSp>
+      <p:cxnSp>
+        <p:nvCxnSpPr>
+          <p:cNvPr id="140" name="Elbow Connector 139"/>
+          <p:cNvCxnSpPr>
+            <a:stCxn id="73" idx="0"/>
+            <a:endCxn id="22" idx="1"/>
+          </p:cNvCxnSpPr>
+          <p:nvPr/>
+        </p:nvCxnSpPr>
+        <p:spPr>
+          <a:xfrm rot="5400000" flipH="1" flipV="1">
+            <a:off x="3895078" y="1962974"/>
+            <a:ext cx="1664451" cy="890774"/>
+          </a:xfrm>
+          <a:prstGeom prst="bentConnector2">
+            <a:avLst/>
+          </a:prstGeom>
+          <a:ln w="38100">
+            <a:solidFill>
+              <a:srgbClr val="FF0000"/>
+            </a:solidFill>
+            <a:headEnd type="none" w="med" len="med"/>
+            <a:tailEnd type="triangle" w="med" len="med"/>
+          </a:ln>
+        </p:spPr>
+        <p:style>
+          <a:lnRef idx="1">
+            <a:schemeClr val="accent1"/>
+          </a:lnRef>
+          <a:fillRef idx="0">
+            <a:schemeClr val="accent1"/>
+          </a:fillRef>
+          <a:effectRef idx="0">
+            <a:schemeClr val="accent1"/>
+          </a:effectRef>
+          <a:fontRef idx="minor">
+            <a:schemeClr val="tx1"/>
+          </a:fontRef>
+        </p:style>
+      </p:cxnSp>
+      <p:cxnSp>
+        <p:nvCxnSpPr>
+          <p:cNvPr id="149" name="Elbow Connector 148"/>
+          <p:cNvCxnSpPr>
+            <a:stCxn id="58" idx="0"/>
+            <a:endCxn id="22" idx="1"/>
+          </p:cNvCxnSpPr>
+          <p:nvPr/>
+        </p:nvCxnSpPr>
+        <p:spPr>
+          <a:xfrm rot="5400000" flipH="1" flipV="1">
+            <a:off x="3298703" y="1366605"/>
+            <a:ext cx="1664457" cy="2083518"/>
+          </a:xfrm>
+          <a:prstGeom prst="bentConnector2">
+            <a:avLst/>
+          </a:prstGeom>
+          <a:ln w="38100">
+            <a:solidFill>
+              <a:srgbClr val="FF0000"/>
+            </a:solidFill>
+            <a:headEnd type="none" w="med" len="med"/>
+            <a:tailEnd type="triangle" w="med" len="med"/>
+          </a:ln>
+        </p:spPr>
+        <p:style>
+          <a:lnRef idx="1">
+            <a:schemeClr val="accent1"/>
+          </a:lnRef>
+          <a:fillRef idx="0">
+            <a:schemeClr val="accent1"/>
+          </a:fillRef>
+          <a:effectRef idx="0">
+            <a:schemeClr val="accent1"/>
+          </a:effectRef>
+          <a:fontRef idx="minor">
+            <a:schemeClr val="tx1"/>
+          </a:fontRef>
+        </p:style>
+      </p:cxnSp>
+      <p:cxnSp>
+        <p:nvCxnSpPr>
+          <p:cNvPr id="352" name="Elbow Connector 351"/>
+          <p:cNvCxnSpPr>
+            <a:stCxn id="127" idx="2"/>
+            <a:endCxn id="22" idx="3"/>
+          </p:cNvCxnSpPr>
+          <p:nvPr/>
+        </p:nvCxnSpPr>
+        <p:spPr>
+          <a:xfrm rot="10800000" flipV="1">
+            <a:off x="5772765" y="1571675"/>
+            <a:ext cx="2591178" cy="4459"/>
+          </a:xfrm>
+          <a:prstGeom prst="bentConnector3">
+            <a:avLst>
+              <a:gd name="adj1" fmla="val 50000"/>
+            </a:avLst>
+          </a:prstGeom>
+          <a:ln w="38100">
+            <a:solidFill>
+              <a:schemeClr val="accent6"/>
+            </a:solidFill>
+            <a:headEnd type="none" w="med" len="med"/>
+            <a:tailEnd type="triangle" w="med" len="med"/>
+          </a:ln>
+        </p:spPr>
+        <p:style>
+          <a:lnRef idx="1">
+            <a:schemeClr val="accent1"/>
+          </a:lnRef>
+          <a:fillRef idx="0">
+            <a:schemeClr val="accent1"/>
+          </a:fillRef>
+          <a:effectRef idx="0">
+            <a:schemeClr val="accent1"/>
+          </a:effectRef>
+          <a:fontRef idx="minor">
+            <a:schemeClr val="tx1"/>
+          </a:fontRef>
+        </p:style>
+      </p:cxnSp>
+      <p:cxnSp>
+        <p:nvCxnSpPr>
+          <p:cNvPr id="354" name="Elbow Connector 353"/>
+          <p:cNvCxnSpPr>
+            <a:stCxn id="98" idx="0"/>
+            <a:endCxn id="22" idx="3"/>
+          </p:cNvCxnSpPr>
+          <p:nvPr/>
+        </p:nvCxnSpPr>
+        <p:spPr>
+          <a:xfrm rot="16200000" flipV="1">
+            <a:off x="5679200" y="1669701"/>
+            <a:ext cx="1102209" cy="915077"/>
+          </a:xfrm>
+          <a:prstGeom prst="bentConnector2">
+            <a:avLst/>
+          </a:prstGeom>
+          <a:ln w="38100">
+            <a:solidFill>
+              <a:schemeClr val="accent4"/>
+            </a:solidFill>
+            <a:headEnd type="none" w="med" len="med"/>
+            <a:tailEnd type="triangle" w="med" len="med"/>
+          </a:ln>
+        </p:spPr>
+        <p:style>
+          <a:lnRef idx="1">
+            <a:schemeClr val="accent1"/>
+          </a:lnRef>
+          <a:fillRef idx="0">
+            <a:schemeClr val="accent1"/>
+          </a:fillRef>
+          <a:effectRef idx="0">
+            <a:schemeClr val="accent1"/>
+          </a:effectRef>
+          <a:fontRef idx="minor">
+            <a:schemeClr val="tx1"/>
+          </a:fontRef>
+        </p:style>
+      </p:cxnSp>
+      <p:cxnSp>
+        <p:nvCxnSpPr>
+          <p:cNvPr id="365" name="Elbow Connector 364"/>
+          <p:cNvCxnSpPr>
+            <a:stCxn id="22" idx="2"/>
+            <a:endCxn id="150" idx="0"/>
+          </p:cNvCxnSpPr>
+          <p:nvPr/>
+        </p:nvCxnSpPr>
+        <p:spPr>
+          <a:xfrm rot="5400000">
+            <a:off x="5283638" y="1962789"/>
+            <a:ext cx="378178" cy="3"/>
+          </a:xfrm>
+          <a:prstGeom prst="bentConnector3">
+            <a:avLst/>
+          </a:prstGeom>
+          <a:ln w="38100">
+            <a:solidFill>
+              <a:srgbClr val="FF0000"/>
+            </a:solidFill>
+            <a:headEnd type="none" w="med" len="med"/>
+            <a:tailEnd type="triangle" w="med" len="med"/>
+          </a:ln>
+        </p:spPr>
+        <p:style>
+          <a:lnRef idx="1">
+            <a:schemeClr val="accent1"/>
+          </a:lnRef>
+          <a:fillRef idx="0">
+            <a:schemeClr val="accent1"/>
+          </a:fillRef>
+          <a:effectRef idx="0">
+            <a:schemeClr val="accent1"/>
+          </a:effectRef>
+          <a:fontRef idx="minor">
+            <a:schemeClr val="tx1"/>
+          </a:fontRef>
+        </p:style>
+      </p:cxnSp>
+      <p:cxnSp>
+        <p:nvCxnSpPr>
+          <p:cNvPr id="550" name="Elbow Connector 549"/>
+          <p:cNvCxnSpPr>
+            <a:stCxn id="145" idx="2"/>
+            <a:endCxn id="150" idx="6"/>
+          </p:cNvCxnSpPr>
+          <p:nvPr/>
+        </p:nvCxnSpPr>
+        <p:spPr>
+          <a:xfrm rot="5400000">
+            <a:off x="5247659" y="1499124"/>
+            <a:ext cx="1077847" cy="427689"/>
+          </a:xfrm>
+          <a:prstGeom prst="bentConnector2">
+            <a:avLst/>
+          </a:prstGeom>
+          <a:ln>
+            <a:tailEnd type="triangle"/>
+          </a:ln>
+        </p:spPr>
+        <p:style>
+          <a:lnRef idx="1">
+            <a:schemeClr val="accent1"/>
+          </a:lnRef>
+          <a:fillRef idx="0">
+            <a:schemeClr val="accent1"/>
+          </a:fillRef>
+          <a:effectRef idx="0">
+            <a:schemeClr val="accent1"/>
+          </a:effectRef>
+          <a:fontRef idx="minor">
+            <a:schemeClr val="tx1"/>
+          </a:fontRef>
+        </p:style>
+      </p:cxnSp>
+      <p:cxnSp>
+        <p:nvCxnSpPr>
+          <p:cNvPr id="576" name="Elbow Connector 575"/>
+          <p:cNvCxnSpPr>
+            <a:stCxn id="21" idx="2"/>
+            <a:endCxn id="82" idx="2"/>
+          </p:cNvCxnSpPr>
+          <p:nvPr/>
+        </p:nvCxnSpPr>
+        <p:spPr>
+          <a:xfrm rot="16200000" flipH="1">
+            <a:off x="6597150" y="2744751"/>
+            <a:ext cx="650870" cy="2899718"/>
+          </a:xfrm>
+          <a:prstGeom prst="bentConnector2">
+            <a:avLst/>
+          </a:prstGeom>
+          <a:ln w="38100">
+            <a:solidFill>
+              <a:srgbClr val="00B050"/>
+            </a:solidFill>
+            <a:tailEnd type="triangle"/>
+          </a:ln>
+        </p:spPr>
+        <p:style>
+          <a:lnRef idx="1">
+            <a:schemeClr val="accent1"/>
+          </a:lnRef>
+          <a:fillRef idx="0">
+            <a:schemeClr val="accent1"/>
+          </a:fillRef>
+          <a:effectRef idx="0">
+            <a:schemeClr val="accent1"/>
+          </a:effectRef>
+          <a:fontRef idx="minor">
+            <a:schemeClr val="tx1"/>
+          </a:fontRef>
+        </p:style>
+      </p:cxnSp>
+      <p:cxnSp>
+        <p:nvCxnSpPr>
+          <p:cNvPr id="588" name="Elbow Connector 587"/>
+          <p:cNvCxnSpPr>
+            <a:stCxn id="21" idx="2"/>
+            <a:endCxn id="25" idx="1"/>
+          </p:cNvCxnSpPr>
+          <p:nvPr/>
+        </p:nvCxnSpPr>
+        <p:spPr>
+          <a:xfrm rot="16200000" flipH="1">
+            <a:off x="5784736" y="3557164"/>
+            <a:ext cx="291057" cy="915077"/>
+          </a:xfrm>
+          <a:prstGeom prst="bentConnector2">
+            <a:avLst/>
+          </a:prstGeom>
+          <a:ln w="38100">
+            <a:solidFill>
+              <a:srgbClr val="C00000"/>
+            </a:solidFill>
+            <a:tailEnd type="triangle"/>
+          </a:ln>
+        </p:spPr>
+        <p:style>
+          <a:lnRef idx="1">
+            <a:schemeClr val="accent1"/>
+          </a:lnRef>
+          <a:fillRef idx="0">
+            <a:schemeClr val="accent1"/>
+          </a:fillRef>
+          <a:effectRef idx="0">
+            <a:schemeClr val="accent1"/>
+          </a:effectRef>
+          <a:fontRef idx="minor">
+            <a:schemeClr val="tx1"/>
+          </a:fontRef>
+        </p:style>
+      </p:cxnSp>
+      <p:cxnSp>
+        <p:nvCxnSpPr>
+          <p:cNvPr id="643" name="Straight Arrow Connector 642"/>
+          <p:cNvCxnSpPr>
+            <a:stCxn id="48" idx="4"/>
+            <a:endCxn id="19" idx="0"/>
+          </p:cNvCxnSpPr>
+          <p:nvPr/>
+        </p:nvCxnSpPr>
+        <p:spPr>
+          <a:xfrm flipH="1">
+            <a:off x="1877914" y="3440617"/>
+            <a:ext cx="11" cy="1438723"/>
+          </a:xfrm>
+          <a:prstGeom prst="straightConnector1">
+            <a:avLst/>
+          </a:prstGeom>
+          <a:ln>
+            <a:tailEnd type="triangle"/>
+          </a:ln>
+        </p:spPr>
+        <p:style>
+          <a:lnRef idx="1">
+            <a:schemeClr val="accent1"/>
+          </a:lnRef>
+          <a:fillRef idx="0">
+            <a:schemeClr val="accent1"/>
+          </a:fillRef>
+          <a:effectRef idx="0">
+            <a:schemeClr val="accent1"/>
+          </a:effectRef>
+          <a:fontRef idx="minor">
+            <a:schemeClr val="tx1"/>
+          </a:fontRef>
+        </p:style>
+      </p:cxnSp>
+      <p:cxnSp>
+        <p:nvCxnSpPr>
+          <p:cNvPr id="652" name="Straight Arrow Connector 651"/>
+          <p:cNvCxnSpPr>
+            <a:stCxn id="127" idx="6"/>
+            <a:endCxn id="32" idx="1"/>
+          </p:cNvCxnSpPr>
+          <p:nvPr/>
+        </p:nvCxnSpPr>
+        <p:spPr>
+          <a:xfrm flipV="1">
+            <a:off x="8563968" y="1571675"/>
+            <a:ext cx="258517" cy="1"/>
+          </a:xfrm>
+          <a:prstGeom prst="straightConnector1">
+            <a:avLst/>
+          </a:prstGeom>
+          <a:ln>
+            <a:tailEnd type="triangle"/>
+          </a:ln>
+        </p:spPr>
+        <p:style>
+          <a:lnRef idx="1">
+            <a:schemeClr val="accent1"/>
+          </a:lnRef>
+          <a:fillRef idx="0">
+            <a:schemeClr val="accent1"/>
+          </a:fillRef>
+          <a:effectRef idx="0">
+            <a:schemeClr val="accent1"/>
+          </a:effectRef>
+          <a:fontRef idx="minor">
+            <a:schemeClr val="tx1"/>
+          </a:fontRef>
+        </p:style>
+      </p:cxnSp>
+      <p:cxnSp>
+        <p:nvCxnSpPr>
+          <p:cNvPr id="661" name="Elbow Connector 660"/>
+          <p:cNvCxnSpPr>
+            <a:stCxn id="32" idx="3"/>
+            <a:endCxn id="19" idx="2"/>
+          </p:cNvCxnSpPr>
+          <p:nvPr/>
+        </p:nvCxnSpPr>
+        <p:spPr>
+          <a:xfrm flipH="1">
+            <a:off x="1877914" y="1571675"/>
+            <a:ext cx="7820566" cy="3702798"/>
+          </a:xfrm>
+          <a:prstGeom prst="bentConnector4">
+            <a:avLst>
+              <a:gd name="adj1" fmla="val -2923"/>
+              <a:gd name="adj2" fmla="val 124512"/>
+            </a:avLst>
+          </a:prstGeom>
+          <a:ln>
+            <a:tailEnd type="triangle"/>
+          </a:ln>
+        </p:spPr>
+        <p:style>
+          <a:lnRef idx="1">
+            <a:schemeClr val="accent1"/>
+          </a:lnRef>
+          <a:fillRef idx="0">
+            <a:schemeClr val="accent1"/>
+          </a:fillRef>
+          <a:effectRef idx="0">
+            <a:schemeClr val="accent1"/>
+          </a:effectRef>
+          <a:fontRef idx="minor">
+            <a:schemeClr val="tx1"/>
+          </a:fontRef>
+        </p:style>
+      </p:cxnSp>
+      <p:cxnSp>
+        <p:nvCxnSpPr>
+          <p:cNvPr id="670" name="Elbow Connector 669"/>
+          <p:cNvCxnSpPr>
+            <a:stCxn id="23" idx="2"/>
+            <a:endCxn id="24" idx="2"/>
+          </p:cNvCxnSpPr>
+          <p:nvPr/>
+        </p:nvCxnSpPr>
+        <p:spPr>
+          <a:xfrm rot="5400000">
+            <a:off x="7086923" y="3103416"/>
+            <a:ext cx="560811" cy="3789199"/>
+          </a:xfrm>
+          <a:prstGeom prst="bentConnector3">
+            <a:avLst>
+              <a:gd name="adj1" fmla="val 140762"/>
+            </a:avLst>
+          </a:prstGeom>
+          <a:ln>
+            <a:tailEnd type="triangle"/>
+          </a:ln>
+        </p:spPr>
+        <p:style>
+          <a:lnRef idx="1">
+            <a:schemeClr val="accent1"/>
+          </a:lnRef>
+          <a:fillRef idx="0">
+            <a:schemeClr val="accent1"/>
+          </a:fillRef>
+          <a:effectRef idx="0">
+            <a:schemeClr val="accent1"/>
+          </a:effectRef>
+          <a:fontRef idx="minor">
+            <a:schemeClr val="tx1"/>
+          </a:fontRef>
+        </p:style>
+      </p:cxnSp>
+      <p:cxnSp>
+        <p:nvCxnSpPr>
+          <p:cNvPr id="680" name="Elbow Connector 679"/>
+          <p:cNvCxnSpPr>
+            <a:stCxn id="21" idx="2"/>
+            <a:endCxn id="24" idx="1"/>
+          </p:cNvCxnSpPr>
+          <p:nvPr/>
+        </p:nvCxnSpPr>
+        <p:spPr>
+          <a:xfrm rot="5400000">
+            <a:off x="4716868" y="4324997"/>
+            <a:ext cx="1211680" cy="300036"/>
+          </a:xfrm>
+          <a:prstGeom prst="bentConnector4">
+            <a:avLst>
+              <a:gd name="adj1" fmla="val 14201"/>
+              <a:gd name="adj2" fmla="val 176191"/>
+            </a:avLst>
+          </a:prstGeom>
+          <a:ln>
+            <a:tailEnd type="triangle"/>
+          </a:ln>
+        </p:spPr>
+        <p:style>
+          <a:lnRef idx="1">
+            <a:schemeClr val="accent1"/>
+          </a:lnRef>
+          <a:fillRef idx="0">
+            <a:schemeClr val="accent1"/>
+          </a:fillRef>
+          <a:effectRef idx="0">
+            <a:schemeClr val="accent1"/>
+          </a:effectRef>
+          <a:fontRef idx="minor">
+            <a:schemeClr val="tx1"/>
+          </a:fontRef>
+        </p:style>
+      </p:cxnSp>
+      <p:cxnSp>
+        <p:nvCxnSpPr>
+          <p:cNvPr id="37" name="Straight Arrow Connector 36"/>
+          <p:cNvCxnSpPr>
+            <a:stCxn id="2" idx="6"/>
+            <a:endCxn id="22" idx="1"/>
+          </p:cNvCxnSpPr>
+          <p:nvPr/>
+        </p:nvCxnSpPr>
+        <p:spPr>
+          <a:xfrm>
+            <a:off x="1977929" y="1571676"/>
+            <a:ext cx="3194761" cy="4459"/>
+          </a:xfrm>
+          <a:prstGeom prst="straightConnector1">
+            <a:avLst/>
+          </a:prstGeom>
+          <a:ln w="38100">
+            <a:solidFill>
+              <a:srgbClr val="FF0000"/>
+            </a:solidFill>
+            <a:tailEnd type="triangle"/>
+          </a:ln>
+        </p:spPr>
+        <p:style>
+          <a:lnRef idx="1">
+            <a:schemeClr val="accent1"/>
+          </a:lnRef>
+          <a:fillRef idx="0">
+            <a:schemeClr val="accent1"/>
+          </a:fillRef>
+          <a:effectRef idx="0">
+            <a:schemeClr val="accent1"/>
+          </a:effectRef>
+          <a:fontRef idx="minor">
+            <a:schemeClr val="tx1"/>
+          </a:fontRef>
+        </p:style>
+      </p:cxnSp>
+      <p:cxnSp>
+        <p:nvCxnSpPr>
+          <p:cNvPr id="43" name="Straight Arrow Connector 42"/>
+          <p:cNvCxnSpPr>
+            <a:stCxn id="2" idx="0"/>
+            <a:endCxn id="20" idx="2"/>
+          </p:cNvCxnSpPr>
+          <p:nvPr/>
+        </p:nvCxnSpPr>
+        <p:spPr>
+          <a:xfrm flipH="1" flipV="1">
+            <a:off x="1877915" y="1174045"/>
+            <a:ext cx="2" cy="297618"/>
+          </a:xfrm>
+          <a:prstGeom prst="straightConnector1">
+            <a:avLst/>
+          </a:prstGeom>
+          <a:ln>
+            <a:tailEnd type="triangle"/>
+          </a:ln>
+        </p:spPr>
+        <p:style>
+          <a:lnRef idx="1">
+            <a:schemeClr val="accent1"/>
+          </a:lnRef>
+          <a:fillRef idx="0">
+            <a:schemeClr val="accent1"/>
+          </a:fillRef>
+          <a:effectRef idx="0">
+            <a:schemeClr val="accent1"/>
+          </a:effectRef>
+          <a:fontRef idx="minor">
+            <a:schemeClr val="tx1"/>
+          </a:fontRef>
+        </p:style>
+      </p:cxnSp>
+    </p:spTree>
+    <p:extLst>
+      <p:ext uri="{BB962C8B-B14F-4D97-AF65-F5344CB8AC3E}">
+        <p14:creationId xmlns:p14="http://schemas.microsoft.com/office/powerpoint/2010/main" val="3089657624"/>
+      </p:ext>
+    </p:extLst>
+  </p:cSld>
+  <p:clrMapOvr>
+    <a:masterClrMapping/>
+  </p:clrMapOvr>
+  <p:timing>
+    <p:tnLst>
+      <p:par>
+        <p:cTn id="1" dur="indefinite" restart="never" nodeType="tmRoot"/>
+      </p:par>
+    </p:tnLst>
+  </p:timing>
+</p:sld>
+</file>
+
+<file path=ppt/slides/slide17.xml><?xml version="1.0" encoding="utf-8"?>
+<p:sld xmlns:a="http://schemas.openxmlformats.org/drawingml/2006/main" xmlns:r="http://schemas.openxmlformats.org/officeDocument/2006/relationships" xmlns:p="http://schemas.openxmlformats.org/presentationml/2006/main">
+  <p:cSld>
+    <p:spTree>
+      <p:nvGrpSpPr>
+        <p:cNvPr id="1" name=""/>
+        <p:cNvGrpSpPr/>
+        <p:nvPr/>
+      </p:nvGrpSpPr>
+      <p:grpSpPr>
+        <a:xfrm>
+          <a:off x="0" y="0"/>
+          <a:ext cx="0" cy="0"/>
+          <a:chOff x="0" y="0"/>
+          <a:chExt cx="0" cy="0"/>
+        </a:xfrm>
+      </p:grpSpPr>
+      <p:sp>
+        <p:nvSpPr>
+          <p:cNvPr id="2" name="TextBox 1"/>
+          <p:cNvSpPr txBox="1"/>
+          <p:nvPr/>
+        </p:nvSpPr>
+        <p:spPr>
+          <a:xfrm>
+            <a:off x="4052266" y="47084"/>
+            <a:ext cx="867545" cy="369332"/>
+          </a:xfrm>
+          <a:prstGeom prst="rect">
+            <a:avLst/>
+          </a:prstGeom>
+          <a:noFill/>
+        </p:spPr>
+        <p:txBody>
+          <a:bodyPr wrap="none" rtlCol="0">
+            <a:spAutoFit/>
+          </a:bodyPr>
+          <a:lstStyle/>
+          <a:p>
+            <a:r>
+              <a:rPr lang="en-US" dirty="0" smtClean="0"/>
+              <a:t>species</a:t>
+            </a:r>
+            <a:endParaRPr lang="en-US" dirty="0"/>
+          </a:p>
+        </p:txBody>
+      </p:sp>
+      <p:grpSp>
+        <p:nvGrpSpPr>
+          <p:cNvPr id="21" name="Group 20"/>
+          <p:cNvGrpSpPr/>
+          <p:nvPr/>
+        </p:nvGrpSpPr>
+        <p:grpSpPr>
+          <a:xfrm>
+            <a:off x="3245645" y="722665"/>
+            <a:ext cx="1878806" cy="983868"/>
+            <a:chOff x="2436019" y="688181"/>
+            <a:chExt cx="1944657" cy="1018352"/>
+          </a:xfrm>
+        </p:grpSpPr>
+        <p:grpSp>
+          <p:nvGrpSpPr>
+            <p:cNvPr id="13" name="Group 12"/>
+            <p:cNvGrpSpPr/>
+            <p:nvPr/>
+          </p:nvGrpSpPr>
+          <p:grpSpPr>
+            <a:xfrm>
+              <a:off x="2436019" y="688181"/>
+              <a:ext cx="1828800" cy="914399"/>
+              <a:chOff x="2436019" y="688181"/>
+              <a:chExt cx="1828800" cy="914399"/>
+            </a:xfrm>
+          </p:grpSpPr>
+          <p:cxnSp>
+            <p:nvCxnSpPr>
+              <p:cNvPr id="4" name="Straight Connector 3"/>
+              <p:cNvCxnSpPr/>
+              <p:nvPr/>
+            </p:nvCxnSpPr>
+            <p:spPr>
+              <a:xfrm flipV="1">
+                <a:off x="2436019" y="688181"/>
+                <a:ext cx="945356" cy="913210"/>
+              </a:xfrm>
+              <a:prstGeom prst="line">
+                <a:avLst/>
+              </a:prstGeom>
+              <a:ln w="38100">
+                <a:solidFill>
+                  <a:schemeClr val="tx1"/>
+                </a:solidFill>
+              </a:ln>
+            </p:spPr>
+            <p:style>
+              <a:lnRef idx="1">
+                <a:schemeClr val="accent1"/>
+              </a:lnRef>
+              <a:fillRef idx="0">
+                <a:schemeClr val="accent1"/>
+              </a:fillRef>
+              <a:effectRef idx="0">
+                <a:schemeClr val="accent1"/>
+              </a:effectRef>
+              <a:fontRef idx="minor">
+                <a:schemeClr val="tx1"/>
+              </a:fontRef>
+            </p:style>
+          </p:cxnSp>
+          <p:cxnSp>
+            <p:nvCxnSpPr>
+              <p:cNvPr id="11" name="Straight Connector 10"/>
+              <p:cNvCxnSpPr/>
+              <p:nvPr/>
+            </p:nvCxnSpPr>
+            <p:spPr>
+              <a:xfrm flipH="1" flipV="1">
+                <a:off x="3355181" y="688181"/>
+                <a:ext cx="909638" cy="914399"/>
+              </a:xfrm>
+              <a:prstGeom prst="line">
+                <a:avLst/>
+              </a:prstGeom>
+              <a:ln w="38100">
+                <a:solidFill>
+                  <a:schemeClr val="tx1"/>
+                </a:solidFill>
+              </a:ln>
+            </p:spPr>
+            <p:style>
+              <a:lnRef idx="1">
+                <a:schemeClr val="accent1"/>
+              </a:lnRef>
+              <a:fillRef idx="0">
+                <a:schemeClr val="accent1"/>
+              </a:fillRef>
+              <a:effectRef idx="0">
+                <a:schemeClr val="accent1"/>
+              </a:effectRef>
+              <a:fontRef idx="minor">
+                <a:schemeClr val="tx1"/>
+              </a:fontRef>
+            </p:style>
+          </p:cxnSp>
+        </p:grpSp>
+        <p:sp>
+          <p:nvSpPr>
+            <p:cNvPr id="14" name="Oval 13"/>
+            <p:cNvSpPr/>
+            <p:nvPr/>
+          </p:nvSpPr>
+          <p:spPr>
+            <a:xfrm>
+              <a:off x="4274343" y="1600200"/>
+              <a:ext cx="106333" cy="106333"/>
+            </a:xfrm>
+            <a:prstGeom prst="ellipse">
+              <a:avLst/>
+            </a:prstGeom>
+            <a:solidFill>
+              <a:schemeClr val="tx1"/>
+            </a:solidFill>
+            <a:ln>
+              <a:solidFill>
+                <a:schemeClr val="tx1"/>
+              </a:solidFill>
+            </a:ln>
+          </p:spPr>
+          <p:style>
+            <a:lnRef idx="2">
+              <a:schemeClr val="accent1">
+                <a:shade val="50000"/>
+              </a:schemeClr>
+            </a:lnRef>
+            <a:fillRef idx="1">
+              <a:schemeClr val="accent1"/>
+            </a:fillRef>
+            <a:effectRef idx="0">
+              <a:schemeClr val="accent1"/>
+            </a:effectRef>
+            <a:fontRef idx="minor">
+              <a:schemeClr val="lt1"/>
+            </a:fontRef>
+          </p:style>
+          <p:txBody>
+            <a:bodyPr rtlCol="0" anchor="ctr"/>
+            <a:lstStyle/>
+            <a:p>
+              <a:pPr algn="ctr"/>
+              <a:endParaRPr lang="en-US"/>
+            </a:p>
+          </p:txBody>
+        </p:sp>
+      </p:grpSp>
+      <p:grpSp>
+        <p:nvGrpSpPr>
+          <p:cNvPr id="22" name="Group 21"/>
+          <p:cNvGrpSpPr/>
+          <p:nvPr/>
+        </p:nvGrpSpPr>
+        <p:grpSpPr>
+          <a:xfrm>
+            <a:off x="5758693" y="634092"/>
+            <a:ext cx="1870397" cy="996569"/>
+            <a:chOff x="2328868" y="688181"/>
+            <a:chExt cx="1935951" cy="1031498"/>
+          </a:xfrm>
+        </p:grpSpPr>
+        <p:grpSp>
+          <p:nvGrpSpPr>
+            <p:cNvPr id="23" name="Group 22"/>
+            <p:cNvGrpSpPr/>
+            <p:nvPr/>
+          </p:nvGrpSpPr>
+          <p:grpSpPr>
+            <a:xfrm>
+              <a:off x="2436019" y="688181"/>
+              <a:ext cx="1828800" cy="914399"/>
+              <a:chOff x="2436019" y="688181"/>
+              <a:chExt cx="1828800" cy="914399"/>
+            </a:xfrm>
+          </p:grpSpPr>
+          <p:cxnSp>
+            <p:nvCxnSpPr>
+              <p:cNvPr id="25" name="Straight Connector 24"/>
+              <p:cNvCxnSpPr/>
+              <p:nvPr/>
+            </p:nvCxnSpPr>
+            <p:spPr>
+              <a:xfrm flipV="1">
+                <a:off x="2436019" y="688181"/>
+                <a:ext cx="945356" cy="913210"/>
+              </a:xfrm>
+              <a:prstGeom prst="line">
+                <a:avLst/>
+              </a:prstGeom>
+              <a:ln w="38100">
+                <a:solidFill>
+                  <a:schemeClr val="tx1"/>
+                </a:solidFill>
+              </a:ln>
+            </p:spPr>
+            <p:style>
+              <a:lnRef idx="1">
+                <a:schemeClr val="accent1"/>
+              </a:lnRef>
+              <a:fillRef idx="0">
+                <a:schemeClr val="accent1"/>
+              </a:fillRef>
+              <a:effectRef idx="0">
+                <a:schemeClr val="accent1"/>
+              </a:effectRef>
+              <a:fontRef idx="minor">
+                <a:schemeClr val="tx1"/>
+              </a:fontRef>
+            </p:style>
+          </p:cxnSp>
+          <p:cxnSp>
+            <p:nvCxnSpPr>
+              <p:cNvPr id="26" name="Straight Connector 25"/>
+              <p:cNvCxnSpPr/>
+              <p:nvPr/>
+            </p:nvCxnSpPr>
+            <p:spPr>
+              <a:xfrm flipH="1" flipV="1">
+                <a:off x="3355181" y="688181"/>
+                <a:ext cx="909638" cy="914399"/>
+              </a:xfrm>
+              <a:prstGeom prst="line">
+                <a:avLst/>
+              </a:prstGeom>
+              <a:ln w="38100">
+                <a:solidFill>
+                  <a:schemeClr val="tx1"/>
+                </a:solidFill>
+              </a:ln>
+            </p:spPr>
+            <p:style>
+              <a:lnRef idx="1">
+                <a:schemeClr val="accent1"/>
+              </a:lnRef>
+              <a:fillRef idx="0">
+                <a:schemeClr val="accent1"/>
+              </a:fillRef>
+              <a:effectRef idx="0">
+                <a:schemeClr val="accent1"/>
+              </a:effectRef>
+              <a:fontRef idx="minor">
+                <a:schemeClr val="tx1"/>
+              </a:fontRef>
+            </p:style>
+          </p:cxnSp>
+        </p:grpSp>
+        <p:sp>
+          <p:nvSpPr>
+            <p:cNvPr id="24" name="Oval 23"/>
+            <p:cNvSpPr/>
+            <p:nvPr/>
+          </p:nvSpPr>
+          <p:spPr>
+            <a:xfrm>
+              <a:off x="2328868" y="1613346"/>
+              <a:ext cx="106333" cy="106333"/>
+            </a:xfrm>
+            <a:prstGeom prst="ellipse">
+              <a:avLst/>
+            </a:prstGeom>
+            <a:solidFill>
+              <a:schemeClr val="tx1"/>
+            </a:solidFill>
+            <a:ln>
+              <a:solidFill>
+                <a:schemeClr val="tx1"/>
+              </a:solidFill>
+            </a:ln>
+          </p:spPr>
+          <p:style>
+            <a:lnRef idx="2">
+              <a:schemeClr val="accent1">
+                <a:shade val="50000"/>
+              </a:schemeClr>
+            </a:lnRef>
+            <a:fillRef idx="1">
+              <a:schemeClr val="accent1"/>
+            </a:fillRef>
+            <a:effectRef idx="0">
+              <a:schemeClr val="accent1"/>
+            </a:effectRef>
+            <a:fontRef idx="minor">
+              <a:schemeClr val="lt1"/>
+            </a:fontRef>
+          </p:style>
+          <p:txBody>
+            <a:bodyPr rtlCol="0" anchor="ctr"/>
+            <a:lstStyle/>
+            <a:p>
+              <a:pPr algn="ctr"/>
+              <a:endParaRPr lang="en-US"/>
+            </a:p>
+          </p:txBody>
+        </p:sp>
+      </p:grpSp>
+      <p:grpSp>
+        <p:nvGrpSpPr>
+          <p:cNvPr id="28" name="Group 27"/>
+          <p:cNvGrpSpPr/>
+          <p:nvPr/>
+        </p:nvGrpSpPr>
+        <p:grpSpPr>
+          <a:xfrm>
+            <a:off x="759620" y="670466"/>
+            <a:ext cx="1766872" cy="883435"/>
+            <a:chOff x="2436019" y="688181"/>
+            <a:chExt cx="1828800" cy="914399"/>
+          </a:xfrm>
+        </p:grpSpPr>
+        <p:cxnSp>
+          <p:nvCxnSpPr>
+            <p:cNvPr id="30" name="Straight Connector 29"/>
+            <p:cNvCxnSpPr/>
+            <p:nvPr/>
+          </p:nvCxnSpPr>
+          <p:spPr>
+            <a:xfrm flipV="1">
+              <a:off x="2436019" y="688181"/>
+              <a:ext cx="945356" cy="913210"/>
+            </a:xfrm>
+            <a:prstGeom prst="line">
+              <a:avLst/>
+            </a:prstGeom>
+            <a:ln w="38100">
+              <a:solidFill>
+                <a:schemeClr val="tx1"/>
+              </a:solidFill>
+            </a:ln>
+          </p:spPr>
+          <p:style>
+            <a:lnRef idx="1">
+              <a:schemeClr val="accent1"/>
+            </a:lnRef>
+            <a:fillRef idx="0">
+              <a:schemeClr val="accent1"/>
+            </a:fillRef>
+            <a:effectRef idx="0">
+              <a:schemeClr val="accent1"/>
+            </a:effectRef>
+            <a:fontRef idx="minor">
+              <a:schemeClr val="tx1"/>
+            </a:fontRef>
+          </p:style>
+        </p:cxnSp>
+        <p:cxnSp>
+          <p:nvCxnSpPr>
+            <p:cNvPr id="31" name="Straight Connector 30"/>
+            <p:cNvCxnSpPr/>
+            <p:nvPr/>
+          </p:nvCxnSpPr>
+          <p:spPr>
+            <a:xfrm flipH="1" flipV="1">
+              <a:off x="3355181" y="688181"/>
+              <a:ext cx="909638" cy="914399"/>
+            </a:xfrm>
+            <a:prstGeom prst="line">
+              <a:avLst/>
+            </a:prstGeom>
+            <a:ln w="38100">
+              <a:solidFill>
+                <a:schemeClr val="tx1"/>
+              </a:solidFill>
+            </a:ln>
+          </p:spPr>
+          <p:style>
+            <a:lnRef idx="1">
+              <a:schemeClr val="accent1"/>
+            </a:lnRef>
+            <a:fillRef idx="0">
+              <a:schemeClr val="accent1"/>
+            </a:fillRef>
+            <a:effectRef idx="0">
+              <a:schemeClr val="accent1"/>
+            </a:effectRef>
+            <a:fontRef idx="minor">
+              <a:schemeClr val="tx1"/>
+            </a:fontRef>
+          </p:style>
+        </p:cxnSp>
+      </p:grpSp>
+      <p:grpSp>
+        <p:nvGrpSpPr>
+          <p:cNvPr id="46" name="Group 45"/>
+          <p:cNvGrpSpPr/>
+          <p:nvPr/>
+        </p:nvGrpSpPr>
+        <p:grpSpPr>
+          <a:xfrm>
+            <a:off x="8432628" y="735503"/>
+            <a:ext cx="823772" cy="823746"/>
+            <a:chOff x="2465751" y="3081503"/>
+            <a:chExt cx="823772" cy="823746"/>
+          </a:xfrm>
+        </p:grpSpPr>
+        <p:sp>
+          <p:nvSpPr>
+            <p:cNvPr id="47" name="Oval 46"/>
+            <p:cNvSpPr/>
+            <p:nvPr/>
+          </p:nvSpPr>
+          <p:spPr>
+            <a:xfrm>
+              <a:off x="2465751" y="3545666"/>
+              <a:ext cx="359583" cy="359583"/>
+            </a:xfrm>
+            <a:prstGeom prst="ellipse">
+              <a:avLst/>
+            </a:prstGeom>
+            <a:solidFill>
+              <a:schemeClr val="bg1"/>
+            </a:solidFill>
+            <a:ln w="76200">
+              <a:solidFill>
+                <a:schemeClr val="tx1"/>
+              </a:solidFill>
+            </a:ln>
+          </p:spPr>
+          <p:style>
+            <a:lnRef idx="2">
+              <a:schemeClr val="accent1">
+                <a:shade val="50000"/>
+              </a:schemeClr>
+            </a:lnRef>
+            <a:fillRef idx="1">
+              <a:schemeClr val="accent1"/>
+            </a:fillRef>
+            <a:effectRef idx="0">
+              <a:schemeClr val="accent1"/>
+            </a:effectRef>
+            <a:fontRef idx="minor">
+              <a:schemeClr val="lt1"/>
+            </a:fontRef>
+          </p:style>
+          <p:txBody>
+            <a:bodyPr rtlCol="0" anchor="ctr"/>
+            <a:lstStyle/>
+            <a:p>
+              <a:pPr algn="ctr"/>
+              <a:endParaRPr lang="en-US"/>
+            </a:p>
+          </p:txBody>
+        </p:sp>
+        <p:sp>
+          <p:nvSpPr>
+            <p:cNvPr id="48" name="Oval 47"/>
+            <p:cNvSpPr/>
+            <p:nvPr/>
+          </p:nvSpPr>
+          <p:spPr>
+            <a:xfrm>
+              <a:off x="2929940" y="3081503"/>
+              <a:ext cx="359583" cy="359583"/>
+            </a:xfrm>
+            <a:prstGeom prst="ellipse">
+              <a:avLst/>
+            </a:prstGeom>
+            <a:solidFill>
+              <a:schemeClr val="bg1"/>
+            </a:solidFill>
+            <a:ln w="76200">
+              <a:solidFill>
+                <a:schemeClr val="tx1"/>
+              </a:solidFill>
+            </a:ln>
+          </p:spPr>
+          <p:style>
+            <a:lnRef idx="2">
+              <a:schemeClr val="accent1">
+                <a:shade val="50000"/>
+              </a:schemeClr>
+            </a:lnRef>
+            <a:fillRef idx="1">
+              <a:schemeClr val="accent1"/>
+            </a:fillRef>
+            <a:effectRef idx="0">
+              <a:schemeClr val="accent1"/>
+            </a:effectRef>
+            <a:fontRef idx="minor">
+              <a:schemeClr val="lt1"/>
+            </a:fontRef>
+          </p:style>
+          <p:txBody>
+            <a:bodyPr rtlCol="0" anchor="ctr"/>
+            <a:lstStyle/>
+            <a:p>
+              <a:pPr algn="ctr"/>
+              <a:endParaRPr lang="en-US"/>
+            </a:p>
+          </p:txBody>
+        </p:sp>
+        <p:cxnSp>
+          <p:nvCxnSpPr>
+            <p:cNvPr id="49" name="Straight Connector 48"/>
+            <p:cNvCxnSpPr/>
+            <p:nvPr/>
+          </p:nvCxnSpPr>
+          <p:spPr>
+            <a:xfrm flipV="1">
+              <a:off x="2813953" y="3438867"/>
+              <a:ext cx="133659" cy="134694"/>
+            </a:xfrm>
+            <a:prstGeom prst="line">
+              <a:avLst/>
+            </a:prstGeom>
+            <a:ln w="38100">
+              <a:solidFill>
+                <a:schemeClr val="tx1"/>
+              </a:solidFill>
+            </a:ln>
+          </p:spPr>
+          <p:style>
+            <a:lnRef idx="1">
+              <a:schemeClr val="accent1"/>
+            </a:lnRef>
+            <a:fillRef idx="0">
+              <a:schemeClr val="accent1"/>
+            </a:fillRef>
+            <a:effectRef idx="0">
+              <a:schemeClr val="accent1"/>
+            </a:effectRef>
+            <a:fontRef idx="minor">
+              <a:schemeClr val="tx1"/>
+            </a:fontRef>
+          </p:style>
+        </p:cxnSp>
+      </p:grpSp>
+      <p:grpSp>
+        <p:nvGrpSpPr>
+          <p:cNvPr id="51" name="Group 50"/>
+          <p:cNvGrpSpPr/>
+          <p:nvPr/>
+        </p:nvGrpSpPr>
+        <p:grpSpPr>
+          <a:xfrm>
+            <a:off x="9849771" y="738288"/>
+            <a:ext cx="835988" cy="830153"/>
+            <a:chOff x="3329990" y="3081503"/>
+            <a:chExt cx="835988" cy="830153"/>
+          </a:xfrm>
+        </p:grpSpPr>
+        <p:sp>
+          <p:nvSpPr>
+            <p:cNvPr id="52" name="Oval 51"/>
+            <p:cNvSpPr/>
+            <p:nvPr/>
+          </p:nvSpPr>
+          <p:spPr>
+            <a:xfrm>
+              <a:off x="3806395" y="3552073"/>
+              <a:ext cx="359583" cy="359583"/>
+            </a:xfrm>
+            <a:prstGeom prst="ellipse">
+              <a:avLst/>
+            </a:prstGeom>
+            <a:solidFill>
+              <a:schemeClr val="bg1"/>
+            </a:solidFill>
+            <a:ln w="76200">
+              <a:solidFill>
+                <a:schemeClr val="tx1"/>
+              </a:solidFill>
+            </a:ln>
+          </p:spPr>
+          <p:style>
+            <a:lnRef idx="2">
+              <a:schemeClr val="accent1">
+                <a:shade val="50000"/>
+              </a:schemeClr>
+            </a:lnRef>
+            <a:fillRef idx="1">
+              <a:schemeClr val="accent1"/>
+            </a:fillRef>
+            <a:effectRef idx="0">
+              <a:schemeClr val="accent1"/>
+            </a:effectRef>
+            <a:fontRef idx="minor">
+              <a:schemeClr val="lt1"/>
+            </a:fontRef>
+          </p:style>
+          <p:txBody>
+            <a:bodyPr rtlCol="0" anchor="ctr"/>
+            <a:lstStyle/>
+            <a:p>
+              <a:pPr algn="ctr"/>
+              <a:endParaRPr lang="en-US"/>
+            </a:p>
+          </p:txBody>
+        </p:sp>
+        <p:sp>
+          <p:nvSpPr>
+            <p:cNvPr id="53" name="Oval 52"/>
+            <p:cNvSpPr/>
+            <p:nvPr/>
+          </p:nvSpPr>
+          <p:spPr>
+            <a:xfrm>
+              <a:off x="3329990" y="3081503"/>
+              <a:ext cx="359583" cy="359583"/>
+            </a:xfrm>
+            <a:prstGeom prst="ellipse">
+              <a:avLst/>
+            </a:prstGeom>
+            <a:solidFill>
+              <a:schemeClr val="bg1"/>
+            </a:solidFill>
+            <a:ln w="76200">
+              <a:solidFill>
+                <a:schemeClr val="tx1"/>
+              </a:solidFill>
+            </a:ln>
+          </p:spPr>
+          <p:style>
+            <a:lnRef idx="2">
+              <a:schemeClr val="accent1">
+                <a:shade val="50000"/>
+              </a:schemeClr>
+            </a:lnRef>
+            <a:fillRef idx="1">
+              <a:schemeClr val="accent1"/>
+            </a:fillRef>
+            <a:effectRef idx="0">
+              <a:schemeClr val="accent1"/>
+            </a:effectRef>
+            <a:fontRef idx="minor">
+              <a:schemeClr val="lt1"/>
+            </a:fontRef>
+          </p:style>
+          <p:txBody>
+            <a:bodyPr rtlCol="0" anchor="ctr"/>
+            <a:lstStyle/>
+            <a:p>
+              <a:pPr algn="ctr"/>
+              <a:endParaRPr lang="en-US"/>
+            </a:p>
+          </p:txBody>
+        </p:sp>
+        <p:cxnSp>
+          <p:nvCxnSpPr>
+            <p:cNvPr id="54" name="Straight Connector 53"/>
+            <p:cNvCxnSpPr/>
+            <p:nvPr/>
+          </p:nvCxnSpPr>
+          <p:spPr>
+            <a:xfrm rot="16200000" flipV="1">
+              <a:off x="3672218" y="3440568"/>
+              <a:ext cx="133659" cy="134694"/>
+            </a:xfrm>
+            <a:prstGeom prst="line">
+              <a:avLst/>
+            </a:prstGeom>
+            <a:ln w="38100">
+              <a:solidFill>
+                <a:schemeClr val="tx1"/>
+              </a:solidFill>
+            </a:ln>
+          </p:spPr>
+          <p:style>
+            <a:lnRef idx="1">
+              <a:schemeClr val="accent1"/>
+            </a:lnRef>
+            <a:fillRef idx="0">
+              <a:schemeClr val="accent1"/>
+            </a:fillRef>
+            <a:effectRef idx="0">
+              <a:schemeClr val="accent1"/>
+            </a:effectRef>
+            <a:fontRef idx="minor">
+              <a:schemeClr val="tx1"/>
+            </a:fontRef>
+          </p:style>
+        </p:cxnSp>
+      </p:grpSp>
+      <p:grpSp>
+        <p:nvGrpSpPr>
+          <p:cNvPr id="66" name="Group 65"/>
+          <p:cNvGrpSpPr/>
+          <p:nvPr/>
+        </p:nvGrpSpPr>
+        <p:grpSpPr>
+          <a:xfrm>
+            <a:off x="664370" y="2746916"/>
+            <a:ext cx="2771597" cy="1149133"/>
+            <a:chOff x="664370" y="2746916"/>
+            <a:chExt cx="2771597" cy="1149133"/>
+          </a:xfrm>
+        </p:grpSpPr>
+        <p:grpSp>
+          <p:nvGrpSpPr>
+            <p:cNvPr id="32" name="Group 31"/>
+            <p:cNvGrpSpPr/>
+            <p:nvPr/>
+          </p:nvGrpSpPr>
+          <p:grpSpPr>
+            <a:xfrm>
+              <a:off x="664370" y="2746916"/>
+              <a:ext cx="1766872" cy="883435"/>
+              <a:chOff x="2436019" y="688181"/>
+              <a:chExt cx="1828800" cy="914399"/>
+            </a:xfrm>
+          </p:grpSpPr>
+          <p:cxnSp>
+            <p:nvCxnSpPr>
+              <p:cNvPr id="33" name="Straight Connector 32"/>
+              <p:cNvCxnSpPr/>
+              <p:nvPr/>
+            </p:nvCxnSpPr>
+            <p:spPr>
+              <a:xfrm flipV="1">
+                <a:off x="2436019" y="688181"/>
+                <a:ext cx="945356" cy="913210"/>
+              </a:xfrm>
+              <a:prstGeom prst="line">
+                <a:avLst/>
+              </a:prstGeom>
+              <a:ln w="38100">
+                <a:solidFill>
+                  <a:schemeClr val="tx1"/>
+                </a:solidFill>
+              </a:ln>
+            </p:spPr>
+            <p:style>
+              <a:lnRef idx="1">
+                <a:schemeClr val="accent1"/>
+              </a:lnRef>
+              <a:fillRef idx="0">
+                <a:schemeClr val="accent1"/>
+              </a:fillRef>
+              <a:effectRef idx="0">
+                <a:schemeClr val="accent1"/>
+              </a:effectRef>
+              <a:fontRef idx="minor">
+                <a:schemeClr val="tx1"/>
+              </a:fontRef>
+            </p:style>
+          </p:cxnSp>
+          <p:cxnSp>
+            <p:nvCxnSpPr>
+              <p:cNvPr id="34" name="Straight Connector 33"/>
+              <p:cNvCxnSpPr/>
+              <p:nvPr/>
+            </p:nvCxnSpPr>
+            <p:spPr>
+              <a:xfrm flipH="1" flipV="1">
+                <a:off x="3355181" y="688181"/>
+                <a:ext cx="909638" cy="914399"/>
+              </a:xfrm>
+              <a:prstGeom prst="line">
+                <a:avLst/>
+              </a:prstGeom>
+              <a:ln w="38100">
+                <a:solidFill>
+                  <a:schemeClr val="tx1"/>
+                </a:solidFill>
+              </a:ln>
+            </p:spPr>
+            <p:style>
+              <a:lnRef idx="1">
+                <a:schemeClr val="accent1"/>
+              </a:lnRef>
+              <a:fillRef idx="0">
+                <a:schemeClr val="accent1"/>
+              </a:fillRef>
+              <a:effectRef idx="0">
+                <a:schemeClr val="accent1"/>
+              </a:effectRef>
+              <a:fontRef idx="minor">
+                <a:schemeClr val="tx1"/>
+              </a:fontRef>
+            </p:style>
+          </p:cxnSp>
+        </p:grpSp>
+        <p:grpSp>
+          <p:nvGrpSpPr>
+            <p:cNvPr id="55" name="Group 54"/>
+            <p:cNvGrpSpPr/>
+            <p:nvPr/>
+          </p:nvGrpSpPr>
+          <p:grpSpPr>
+            <a:xfrm>
+              <a:off x="2495507" y="3072303"/>
+              <a:ext cx="823772" cy="823746"/>
+              <a:chOff x="2465751" y="3081503"/>
+              <a:chExt cx="823772" cy="823746"/>
+            </a:xfrm>
+          </p:grpSpPr>
+          <p:sp>
+            <p:nvSpPr>
+              <p:cNvPr id="56" name="Oval 55"/>
+              <p:cNvSpPr/>
+              <p:nvPr/>
+            </p:nvSpPr>
+            <p:spPr>
+              <a:xfrm>
+                <a:off x="2465751" y="3545666"/>
+                <a:ext cx="359583" cy="359583"/>
+              </a:xfrm>
+              <a:prstGeom prst="ellipse">
+                <a:avLst/>
+              </a:prstGeom>
+              <a:solidFill>
+                <a:schemeClr val="bg1"/>
+              </a:solidFill>
+              <a:ln w="76200">
+                <a:solidFill>
+                  <a:schemeClr val="tx1"/>
+                </a:solidFill>
+              </a:ln>
+            </p:spPr>
+            <p:style>
+              <a:lnRef idx="2">
+                <a:schemeClr val="accent1">
+                  <a:shade val="50000"/>
+                </a:schemeClr>
+              </a:lnRef>
+              <a:fillRef idx="1">
+                <a:schemeClr val="accent1"/>
+              </a:fillRef>
+              <a:effectRef idx="0">
+                <a:schemeClr val="accent1"/>
+              </a:effectRef>
+              <a:fontRef idx="minor">
+                <a:schemeClr val="lt1"/>
+              </a:fontRef>
+            </p:style>
+            <p:txBody>
+              <a:bodyPr rtlCol="0" anchor="ctr"/>
+              <a:lstStyle/>
+              <a:p>
+                <a:pPr algn="ctr"/>
+                <a:endParaRPr lang="en-US"/>
+              </a:p>
+            </p:txBody>
+          </p:sp>
+          <p:sp>
+            <p:nvSpPr>
+              <p:cNvPr id="57" name="Oval 56"/>
+              <p:cNvSpPr/>
+              <p:nvPr/>
+            </p:nvSpPr>
+            <p:spPr>
+              <a:xfrm>
+                <a:off x="2929940" y="3081503"/>
+                <a:ext cx="359583" cy="359583"/>
+              </a:xfrm>
+              <a:prstGeom prst="ellipse">
+                <a:avLst/>
+              </a:prstGeom>
+              <a:solidFill>
+                <a:schemeClr val="bg1"/>
+              </a:solidFill>
+              <a:ln w="76200">
+                <a:solidFill>
+                  <a:schemeClr val="tx1"/>
+                </a:solidFill>
+              </a:ln>
+            </p:spPr>
+            <p:style>
+              <a:lnRef idx="2">
+                <a:schemeClr val="accent1">
+                  <a:shade val="50000"/>
+                </a:schemeClr>
+              </a:lnRef>
+              <a:fillRef idx="1">
+                <a:schemeClr val="accent1"/>
+              </a:fillRef>
+              <a:effectRef idx="0">
+                <a:schemeClr val="accent1"/>
+              </a:effectRef>
+              <a:fontRef idx="minor">
+                <a:schemeClr val="lt1"/>
+              </a:fontRef>
+            </p:style>
+            <p:txBody>
+              <a:bodyPr rtlCol="0" anchor="ctr"/>
+              <a:lstStyle/>
+              <a:p>
+                <a:pPr algn="ctr"/>
+                <a:endParaRPr lang="en-US"/>
+              </a:p>
+            </p:txBody>
+          </p:sp>
+          <p:cxnSp>
+            <p:nvCxnSpPr>
+              <p:cNvPr id="58" name="Straight Connector 57"/>
+              <p:cNvCxnSpPr/>
+              <p:nvPr/>
+            </p:nvCxnSpPr>
+            <p:spPr>
+              <a:xfrm flipV="1">
+                <a:off x="2813953" y="3438867"/>
+                <a:ext cx="133659" cy="134694"/>
+              </a:xfrm>
+              <a:prstGeom prst="line">
+                <a:avLst/>
+              </a:prstGeom>
+              <a:ln w="38100">
+                <a:solidFill>
+                  <a:schemeClr val="tx1"/>
+                </a:solidFill>
+              </a:ln>
+            </p:spPr>
+            <p:style>
+              <a:lnRef idx="1">
+                <a:schemeClr val="accent1"/>
+              </a:lnRef>
+              <a:fillRef idx="0">
+                <a:schemeClr val="accent1"/>
+              </a:fillRef>
+              <a:effectRef idx="0">
+                <a:schemeClr val="accent1"/>
+              </a:effectRef>
+              <a:fontRef idx="minor">
+                <a:schemeClr val="tx1"/>
+              </a:fontRef>
+            </p:style>
+          </p:cxnSp>
+        </p:grpSp>
+        <p:sp>
+          <p:nvSpPr>
+            <p:cNvPr id="65" name="Oval 64"/>
+            <p:cNvSpPr/>
+            <p:nvPr/>
+          </p:nvSpPr>
+          <p:spPr>
+            <a:xfrm>
+              <a:off x="3333235" y="2984349"/>
+              <a:ext cx="102732" cy="102732"/>
+            </a:xfrm>
+            <a:prstGeom prst="ellipse">
+              <a:avLst/>
+            </a:prstGeom>
+            <a:solidFill>
+              <a:schemeClr val="tx1"/>
+            </a:solidFill>
+            <a:ln>
+              <a:solidFill>
+                <a:schemeClr val="tx1"/>
+              </a:solidFill>
+            </a:ln>
+          </p:spPr>
+          <p:style>
+            <a:lnRef idx="2">
+              <a:schemeClr val="accent1">
+                <a:shade val="50000"/>
+              </a:schemeClr>
+            </a:lnRef>
+            <a:fillRef idx="1">
+              <a:schemeClr val="accent1"/>
+            </a:fillRef>
+            <a:effectRef idx="0">
+              <a:schemeClr val="accent1"/>
+            </a:effectRef>
+            <a:fontRef idx="minor">
+              <a:schemeClr val="lt1"/>
+            </a:fontRef>
+          </p:style>
+          <p:txBody>
+            <a:bodyPr rtlCol="0" anchor="ctr"/>
+            <a:lstStyle/>
+            <a:p>
+              <a:pPr algn="ctr"/>
+              <a:endParaRPr lang="en-US"/>
+            </a:p>
+          </p:txBody>
+        </p:sp>
+      </p:grpSp>
+      <p:sp>
+        <p:nvSpPr>
+          <p:cNvPr id="76" name="Oval 75"/>
+          <p:cNvSpPr/>
+          <p:nvPr/>
+        </p:nvSpPr>
+        <p:spPr>
+          <a:xfrm>
+            <a:off x="11363414" y="1450869"/>
+            <a:ext cx="359583" cy="359583"/>
+          </a:xfrm>
+          <a:prstGeom prst="ellipse">
+            <a:avLst/>
+          </a:prstGeom>
+          <a:solidFill>
+            <a:schemeClr val="bg1"/>
+          </a:solidFill>
+          <a:ln w="76200">
+            <a:solidFill>
+              <a:schemeClr val="tx1"/>
+            </a:solidFill>
+          </a:ln>
+        </p:spPr>
+        <p:style>
+          <a:lnRef idx="2">
+            <a:schemeClr val="accent1">
+              <a:shade val="50000"/>
+            </a:schemeClr>
+          </a:lnRef>
+          <a:fillRef idx="1">
+            <a:schemeClr val="accent1"/>
+          </a:fillRef>
+          <a:effectRef idx="0">
+            <a:schemeClr val="accent1"/>
+          </a:effectRef>
+          <a:fontRef idx="minor">
+            <a:schemeClr val="lt1"/>
+          </a:fontRef>
+        </p:style>
+        <p:txBody>
+          <a:bodyPr rtlCol="0" anchor="ctr"/>
+          <a:lstStyle/>
+          <a:p>
+            <a:pPr algn="ctr"/>
+            <a:endParaRPr lang="en-US"/>
+          </a:p>
+        </p:txBody>
+      </p:sp>
+      <p:grpSp>
+        <p:nvGrpSpPr>
+          <p:cNvPr id="97" name="Group 96"/>
+          <p:cNvGrpSpPr/>
+          <p:nvPr/>
+        </p:nvGrpSpPr>
+        <p:grpSpPr>
+          <a:xfrm>
+            <a:off x="11363414" y="2070875"/>
+            <a:ext cx="297655" cy="441344"/>
+            <a:chOff x="10296526" y="2078019"/>
+            <a:chExt cx="297655" cy="441344"/>
+          </a:xfrm>
+        </p:grpSpPr>
+        <p:cxnSp>
+          <p:nvCxnSpPr>
+            <p:cNvPr id="78" name="Straight Connector 77"/>
+            <p:cNvCxnSpPr/>
+            <p:nvPr/>
+          </p:nvCxnSpPr>
+          <p:spPr>
+            <a:xfrm>
+              <a:off x="10594181" y="2078831"/>
+              <a:ext cx="0" cy="440532"/>
+            </a:xfrm>
+            <a:prstGeom prst="line">
+              <a:avLst/>
+            </a:prstGeom>
+            <a:ln w="76200">
+              <a:solidFill>
+                <a:schemeClr val="tx1"/>
+              </a:solidFill>
+            </a:ln>
+          </p:spPr>
+          <p:style>
+            <a:lnRef idx="1">
+              <a:schemeClr val="accent1"/>
+            </a:lnRef>
+            <a:fillRef idx="0">
+              <a:schemeClr val="accent1"/>
+            </a:fillRef>
+            <a:effectRef idx="0">
+              <a:schemeClr val="accent1"/>
+            </a:effectRef>
+            <a:fontRef idx="minor">
+              <a:schemeClr val="tx1"/>
+            </a:fontRef>
+          </p:style>
+        </p:cxnSp>
+        <p:cxnSp>
+          <p:nvCxnSpPr>
+            <p:cNvPr id="90" name="Straight Connector 89"/>
+            <p:cNvCxnSpPr/>
+            <p:nvPr/>
+          </p:nvCxnSpPr>
+          <p:spPr>
+            <a:xfrm>
+              <a:off x="10296526" y="2078019"/>
+              <a:ext cx="0" cy="440532"/>
+            </a:xfrm>
+            <a:prstGeom prst="line">
+              <a:avLst/>
+            </a:prstGeom>
+            <a:ln w="76200">
+              <a:solidFill>
+                <a:schemeClr val="tx1"/>
+              </a:solidFill>
+            </a:ln>
+          </p:spPr>
+          <p:style>
+            <a:lnRef idx="1">
+              <a:schemeClr val="accent1"/>
+            </a:lnRef>
+            <a:fillRef idx="0">
+              <a:schemeClr val="accent1"/>
+            </a:fillRef>
+            <a:effectRef idx="0">
+              <a:schemeClr val="accent1"/>
+            </a:effectRef>
+            <a:fontRef idx="minor">
+              <a:schemeClr val="tx1"/>
+            </a:fontRef>
+          </p:style>
+        </p:cxnSp>
+        <p:cxnSp>
+          <p:nvCxnSpPr>
+            <p:cNvPr id="92" name="Straight Connector 91"/>
+            <p:cNvCxnSpPr/>
+            <p:nvPr/>
+          </p:nvCxnSpPr>
+          <p:spPr>
+            <a:xfrm>
+              <a:off x="10296526" y="2295904"/>
+              <a:ext cx="297655" cy="0"/>
+            </a:xfrm>
+            <a:prstGeom prst="line">
+              <a:avLst/>
+            </a:prstGeom>
+            <a:ln w="76200">
+              <a:solidFill>
+                <a:schemeClr val="tx1"/>
+              </a:solidFill>
+            </a:ln>
+          </p:spPr>
+          <p:style>
+            <a:lnRef idx="1">
+              <a:schemeClr val="accent1"/>
+            </a:lnRef>
+            <a:fillRef idx="0">
+              <a:schemeClr val="accent1"/>
+            </a:fillRef>
+            <a:effectRef idx="0">
+              <a:schemeClr val="accent1"/>
+            </a:effectRef>
+            <a:fontRef idx="minor">
+              <a:schemeClr val="tx1"/>
+            </a:fontRef>
+          </p:style>
+        </p:cxnSp>
+      </p:grpSp>
+      <p:grpSp>
+        <p:nvGrpSpPr>
+          <p:cNvPr id="102" name="Group 101"/>
+          <p:cNvGrpSpPr/>
+          <p:nvPr/>
+        </p:nvGrpSpPr>
+        <p:grpSpPr>
+          <a:xfrm>
+            <a:off x="4657210" y="2855100"/>
+            <a:ext cx="3202759" cy="1149133"/>
+            <a:chOff x="4657210" y="2855100"/>
+            <a:chExt cx="3202759" cy="1149133"/>
+          </a:xfrm>
+        </p:grpSpPr>
+        <p:grpSp>
+          <p:nvGrpSpPr>
+            <p:cNvPr id="67" name="Group 66"/>
+            <p:cNvGrpSpPr/>
+            <p:nvPr/>
+          </p:nvGrpSpPr>
+          <p:grpSpPr>
+            <a:xfrm>
+              <a:off x="4657210" y="2855100"/>
+              <a:ext cx="2786394" cy="1149133"/>
+              <a:chOff x="532885" y="2746916"/>
+              <a:chExt cx="2786394" cy="1149133"/>
+            </a:xfrm>
+          </p:grpSpPr>
+          <p:grpSp>
+            <p:nvGrpSpPr>
+              <p:cNvPr id="68" name="Group 67"/>
+              <p:cNvGrpSpPr/>
+              <p:nvPr/>
+            </p:nvGrpSpPr>
+            <p:grpSpPr>
+              <a:xfrm>
+                <a:off x="664370" y="2746916"/>
+                <a:ext cx="1766872" cy="883435"/>
+                <a:chOff x="2436019" y="688181"/>
+                <a:chExt cx="1828800" cy="914399"/>
+              </a:xfrm>
+            </p:grpSpPr>
+            <p:cxnSp>
+              <p:nvCxnSpPr>
+                <p:cNvPr id="74" name="Straight Connector 73"/>
+                <p:cNvCxnSpPr/>
+                <p:nvPr/>
+              </p:nvCxnSpPr>
+              <p:spPr>
+                <a:xfrm flipV="1">
+                  <a:off x="2436019" y="688181"/>
+                  <a:ext cx="945356" cy="913210"/>
+                </a:xfrm>
+                <a:prstGeom prst="line">
+                  <a:avLst/>
+                </a:prstGeom>
+                <a:ln w="38100">
+                  <a:solidFill>
+                    <a:schemeClr val="tx1"/>
+                  </a:solidFill>
+                </a:ln>
+              </p:spPr>
+              <p:style>
+                <a:lnRef idx="1">
+                  <a:schemeClr val="accent1"/>
+                </a:lnRef>
+                <a:fillRef idx="0">
+                  <a:schemeClr val="accent1"/>
+                </a:fillRef>
+                <a:effectRef idx="0">
+                  <a:schemeClr val="accent1"/>
+                </a:effectRef>
+                <a:fontRef idx="minor">
+                  <a:schemeClr val="tx1"/>
+                </a:fontRef>
+              </p:style>
+            </p:cxnSp>
+            <p:cxnSp>
+              <p:nvCxnSpPr>
+                <p:cNvPr id="75" name="Straight Connector 74"/>
+                <p:cNvCxnSpPr/>
+                <p:nvPr/>
+              </p:nvCxnSpPr>
+              <p:spPr>
+                <a:xfrm flipH="1" flipV="1">
+                  <a:off x="3355181" y="688181"/>
+                  <a:ext cx="909638" cy="914399"/>
+                </a:xfrm>
+                <a:prstGeom prst="line">
+                  <a:avLst/>
+                </a:prstGeom>
+                <a:ln w="38100">
+                  <a:solidFill>
+                    <a:schemeClr val="tx1"/>
+                  </a:solidFill>
+                </a:ln>
+              </p:spPr>
+              <p:style>
+                <a:lnRef idx="1">
+                  <a:schemeClr val="accent1"/>
+                </a:lnRef>
+                <a:fillRef idx="0">
+                  <a:schemeClr val="accent1"/>
+                </a:fillRef>
+                <a:effectRef idx="0">
+                  <a:schemeClr val="accent1"/>
+                </a:effectRef>
+                <a:fontRef idx="minor">
+                  <a:schemeClr val="tx1"/>
+                </a:fontRef>
+              </p:style>
+            </p:cxnSp>
+          </p:grpSp>
+          <p:grpSp>
+            <p:nvGrpSpPr>
+              <p:cNvPr id="69" name="Group 68"/>
+              <p:cNvGrpSpPr/>
+              <p:nvPr/>
+            </p:nvGrpSpPr>
+            <p:grpSpPr>
+              <a:xfrm>
+                <a:off x="2495507" y="3072303"/>
+                <a:ext cx="823772" cy="823746"/>
+                <a:chOff x="2465751" y="3081503"/>
+                <a:chExt cx="823772" cy="823746"/>
+              </a:xfrm>
+            </p:grpSpPr>
+            <p:sp>
+              <p:nvSpPr>
+                <p:cNvPr id="71" name="Oval 70"/>
+                <p:cNvSpPr/>
+                <p:nvPr/>
+              </p:nvSpPr>
+              <p:spPr>
+                <a:xfrm>
+                  <a:off x="2465751" y="3545666"/>
+                  <a:ext cx="359583" cy="359583"/>
+                </a:xfrm>
+                <a:prstGeom prst="ellipse">
+                  <a:avLst/>
+                </a:prstGeom>
+                <a:solidFill>
+                  <a:schemeClr val="bg1"/>
+                </a:solidFill>
+                <a:ln w="76200">
+                  <a:solidFill>
+                    <a:schemeClr val="tx1"/>
+                  </a:solidFill>
+                </a:ln>
+              </p:spPr>
+              <p:style>
+                <a:lnRef idx="2">
+                  <a:schemeClr val="accent1">
+                    <a:shade val="50000"/>
+                  </a:schemeClr>
+                </a:lnRef>
+                <a:fillRef idx="1">
+                  <a:schemeClr val="accent1"/>
+                </a:fillRef>
+                <a:effectRef idx="0">
+                  <a:schemeClr val="accent1"/>
+                </a:effectRef>
+                <a:fontRef idx="minor">
+                  <a:schemeClr val="lt1"/>
+                </a:fontRef>
+              </p:style>
+              <p:txBody>
+                <a:bodyPr rtlCol="0" anchor="ctr"/>
+                <a:lstStyle/>
+                <a:p>
+                  <a:pPr algn="ctr"/>
+                  <a:endParaRPr lang="en-US"/>
+                </a:p>
+              </p:txBody>
+            </p:sp>
+            <p:sp>
+              <p:nvSpPr>
+                <p:cNvPr id="72" name="Oval 71"/>
+                <p:cNvSpPr/>
+                <p:nvPr/>
+              </p:nvSpPr>
+              <p:spPr>
+                <a:xfrm>
+                  <a:off x="2929940" y="3081503"/>
+                  <a:ext cx="359583" cy="359583"/>
+                </a:xfrm>
+                <a:prstGeom prst="ellipse">
+                  <a:avLst/>
+                </a:prstGeom>
+                <a:solidFill>
+                  <a:schemeClr val="bg1"/>
+                </a:solidFill>
+                <a:ln w="76200">
+                  <a:solidFill>
+                    <a:schemeClr val="tx1"/>
+                  </a:solidFill>
+                </a:ln>
+              </p:spPr>
+              <p:style>
+                <a:lnRef idx="2">
+                  <a:schemeClr val="accent1">
+                    <a:shade val="50000"/>
+                  </a:schemeClr>
+                </a:lnRef>
+                <a:fillRef idx="1">
+                  <a:schemeClr val="accent1"/>
+                </a:fillRef>
+                <a:effectRef idx="0">
+                  <a:schemeClr val="accent1"/>
+                </a:effectRef>
+                <a:fontRef idx="minor">
+                  <a:schemeClr val="lt1"/>
+                </a:fontRef>
+              </p:style>
+              <p:txBody>
+                <a:bodyPr rtlCol="0" anchor="ctr"/>
+                <a:lstStyle/>
+                <a:p>
+                  <a:pPr algn="ctr"/>
+                  <a:endParaRPr lang="en-US"/>
+                </a:p>
+              </p:txBody>
+            </p:sp>
+            <p:cxnSp>
+              <p:nvCxnSpPr>
+                <p:cNvPr id="73" name="Straight Connector 72"/>
+                <p:cNvCxnSpPr/>
+                <p:nvPr/>
+              </p:nvCxnSpPr>
+              <p:spPr>
+                <a:xfrm flipV="1">
+                  <a:off x="2813953" y="3438867"/>
+                  <a:ext cx="133659" cy="134694"/>
+                </a:xfrm>
+                <a:prstGeom prst="line">
+                  <a:avLst/>
+                </a:prstGeom>
+                <a:ln w="38100">
+                  <a:solidFill>
+                    <a:schemeClr val="tx1"/>
+                  </a:solidFill>
+                </a:ln>
+              </p:spPr>
+              <p:style>
+                <a:lnRef idx="1">
+                  <a:schemeClr val="accent1"/>
+                </a:lnRef>
+                <a:fillRef idx="0">
+                  <a:schemeClr val="accent1"/>
+                </a:fillRef>
+                <a:effectRef idx="0">
+                  <a:schemeClr val="accent1"/>
+                </a:effectRef>
+                <a:fontRef idx="minor">
+                  <a:schemeClr val="tx1"/>
+                </a:fontRef>
+              </p:style>
+            </p:cxnSp>
+          </p:grpSp>
+          <p:sp>
+            <p:nvSpPr>
+              <p:cNvPr id="70" name="Oval 69"/>
+              <p:cNvSpPr/>
+              <p:nvPr/>
+            </p:nvSpPr>
+            <p:spPr>
+              <a:xfrm>
+                <a:off x="532885" y="3632049"/>
+                <a:ext cx="102732" cy="102732"/>
+              </a:xfrm>
+              <a:prstGeom prst="ellipse">
+                <a:avLst/>
+              </a:prstGeom>
+              <a:solidFill>
+                <a:schemeClr val="tx1"/>
+              </a:solidFill>
+              <a:ln>
+                <a:solidFill>
+                  <a:schemeClr val="tx1"/>
+                </a:solidFill>
+              </a:ln>
+            </p:spPr>
+            <p:style>
+              <a:lnRef idx="2">
+                <a:schemeClr val="accent1">
+                  <a:shade val="50000"/>
+                </a:schemeClr>
+              </a:lnRef>
+              <a:fillRef idx="1">
+                <a:schemeClr val="accent1"/>
+              </a:fillRef>
+              <a:effectRef idx="0">
+                <a:schemeClr val="accent1"/>
+              </a:effectRef>
+              <a:fontRef idx="minor">
+                <a:schemeClr val="lt1"/>
+              </a:fontRef>
+            </p:style>
+            <p:txBody>
+              <a:bodyPr rtlCol="0" anchor="ctr"/>
+              <a:lstStyle/>
+              <a:p>
+                <a:pPr algn="ctr"/>
+                <a:endParaRPr lang="en-US"/>
+              </a:p>
+            </p:txBody>
+          </p:sp>
+        </p:grpSp>
+        <p:grpSp>
+          <p:nvGrpSpPr>
+            <p:cNvPr id="98" name="Group 97"/>
+            <p:cNvGrpSpPr/>
+            <p:nvPr/>
+          </p:nvGrpSpPr>
+          <p:grpSpPr>
+            <a:xfrm>
+              <a:off x="7562314" y="3139606"/>
+              <a:ext cx="297655" cy="441344"/>
+              <a:chOff x="10296526" y="2078019"/>
+              <a:chExt cx="297655" cy="441344"/>
+            </a:xfrm>
+          </p:grpSpPr>
+          <p:cxnSp>
+            <p:nvCxnSpPr>
+              <p:cNvPr id="99" name="Straight Connector 98"/>
+              <p:cNvCxnSpPr/>
+              <p:nvPr/>
+            </p:nvCxnSpPr>
+            <p:spPr>
+              <a:xfrm>
+                <a:off x="10594181" y="2078831"/>
+                <a:ext cx="0" cy="440532"/>
+              </a:xfrm>
+              <a:prstGeom prst="line">
+                <a:avLst/>
+              </a:prstGeom>
+              <a:ln w="76200">
+                <a:solidFill>
+                  <a:schemeClr val="tx1"/>
+                </a:solidFill>
+              </a:ln>
+            </p:spPr>
+            <p:style>
+              <a:lnRef idx="1">
+                <a:schemeClr val="accent1"/>
+              </a:lnRef>
+              <a:fillRef idx="0">
+                <a:schemeClr val="accent1"/>
+              </a:fillRef>
+              <a:effectRef idx="0">
+                <a:schemeClr val="accent1"/>
+              </a:effectRef>
+              <a:fontRef idx="minor">
+                <a:schemeClr val="tx1"/>
+              </a:fontRef>
+            </p:style>
+          </p:cxnSp>
+          <p:cxnSp>
+            <p:nvCxnSpPr>
+              <p:cNvPr id="100" name="Straight Connector 99"/>
+              <p:cNvCxnSpPr/>
+              <p:nvPr/>
+            </p:nvCxnSpPr>
+            <p:spPr>
+              <a:xfrm>
+                <a:off x="10296526" y="2078019"/>
+                <a:ext cx="0" cy="440532"/>
+              </a:xfrm>
+              <a:prstGeom prst="line">
+                <a:avLst/>
+              </a:prstGeom>
+              <a:ln w="76200">
+                <a:solidFill>
+                  <a:schemeClr val="tx1"/>
+                </a:solidFill>
+              </a:ln>
+            </p:spPr>
+            <p:style>
+              <a:lnRef idx="1">
+                <a:schemeClr val="accent1"/>
+              </a:lnRef>
+              <a:fillRef idx="0">
+                <a:schemeClr val="accent1"/>
+              </a:fillRef>
+              <a:effectRef idx="0">
+                <a:schemeClr val="accent1"/>
+              </a:effectRef>
+              <a:fontRef idx="minor">
+                <a:schemeClr val="tx1"/>
+              </a:fontRef>
+            </p:style>
+          </p:cxnSp>
+          <p:cxnSp>
+            <p:nvCxnSpPr>
+              <p:cNvPr id="101" name="Straight Connector 100"/>
+              <p:cNvCxnSpPr/>
+              <p:nvPr/>
+            </p:nvCxnSpPr>
+            <p:spPr>
+              <a:xfrm>
+                <a:off x="10296526" y="2295904"/>
+                <a:ext cx="297655" cy="0"/>
+              </a:xfrm>
+              <a:prstGeom prst="line">
+                <a:avLst/>
+              </a:prstGeom>
+              <a:ln w="76200">
+                <a:solidFill>
+                  <a:schemeClr val="tx1"/>
+                </a:solidFill>
+              </a:ln>
+            </p:spPr>
+            <p:style>
+              <a:lnRef idx="1">
+                <a:schemeClr val="accent1"/>
+              </a:lnRef>
+              <a:fillRef idx="0">
+                <a:schemeClr val="accent1"/>
+              </a:fillRef>
+              <a:effectRef idx="0">
+                <a:schemeClr val="accent1"/>
+              </a:effectRef>
+              <a:fontRef idx="minor">
+                <a:schemeClr val="tx1"/>
+              </a:fontRef>
+            </p:style>
+          </p:cxnSp>
+        </p:grpSp>
+      </p:grpSp>
+      <p:grpSp>
+        <p:nvGrpSpPr>
+          <p:cNvPr id="121" name="Group 120"/>
+          <p:cNvGrpSpPr/>
+          <p:nvPr/>
+        </p:nvGrpSpPr>
+        <p:grpSpPr>
+          <a:xfrm>
+            <a:off x="3690299" y="4937397"/>
+            <a:ext cx="4085559" cy="1165174"/>
+            <a:chOff x="3690299" y="4937397"/>
+            <a:chExt cx="4085559" cy="1165174"/>
+          </a:xfrm>
+        </p:grpSpPr>
+        <p:sp>
+          <p:nvSpPr>
+            <p:cNvPr id="64" name="Oval 63"/>
+            <p:cNvSpPr/>
+            <p:nvPr/>
+          </p:nvSpPr>
+          <p:spPr>
+            <a:xfrm>
+              <a:off x="3690299" y="5170537"/>
+              <a:ext cx="102732" cy="102732"/>
+            </a:xfrm>
+            <a:prstGeom prst="ellipse">
+              <a:avLst/>
+            </a:prstGeom>
+            <a:solidFill>
+              <a:schemeClr val="tx1"/>
+            </a:solidFill>
+            <a:ln>
+              <a:solidFill>
+                <a:schemeClr val="tx1"/>
+              </a:solidFill>
+            </a:ln>
+          </p:spPr>
+          <p:style>
+            <a:lnRef idx="2">
+              <a:schemeClr val="accent1">
+                <a:shade val="50000"/>
+              </a:schemeClr>
+            </a:lnRef>
+            <a:fillRef idx="1">
+              <a:schemeClr val="accent1"/>
+            </a:fillRef>
+            <a:effectRef idx="0">
+              <a:schemeClr val="accent1"/>
+            </a:effectRef>
+            <a:fontRef idx="minor">
+              <a:schemeClr val="lt1"/>
+            </a:fontRef>
+          </p:style>
+          <p:txBody>
+            <a:bodyPr rtlCol="0" anchor="ctr"/>
+            <a:lstStyle/>
+            <a:p>
+              <a:pPr algn="ctr"/>
+              <a:endParaRPr lang="en-US"/>
+            </a:p>
+          </p:txBody>
+        </p:sp>
+        <p:grpSp>
+          <p:nvGrpSpPr>
+            <p:cNvPr id="103" name="Group 102"/>
+            <p:cNvGrpSpPr/>
+            <p:nvPr/>
+          </p:nvGrpSpPr>
+          <p:grpSpPr>
+            <a:xfrm>
+              <a:off x="4704584" y="4937397"/>
+              <a:ext cx="3071274" cy="1149133"/>
+              <a:chOff x="4788695" y="2855100"/>
+              <a:chExt cx="3071274" cy="1149133"/>
+            </a:xfrm>
+          </p:grpSpPr>
+          <p:grpSp>
+            <p:nvGrpSpPr>
+              <p:cNvPr id="104" name="Group 103"/>
+              <p:cNvGrpSpPr/>
+              <p:nvPr/>
+            </p:nvGrpSpPr>
+            <p:grpSpPr>
+              <a:xfrm>
+                <a:off x="4788695" y="2855100"/>
+                <a:ext cx="2654909" cy="1149133"/>
+                <a:chOff x="664370" y="2746916"/>
+                <a:chExt cx="2654909" cy="1149133"/>
+              </a:xfrm>
+            </p:grpSpPr>
+            <p:grpSp>
+              <p:nvGrpSpPr>
+                <p:cNvPr id="109" name="Group 108"/>
+                <p:cNvGrpSpPr/>
+                <p:nvPr/>
+              </p:nvGrpSpPr>
+              <p:grpSpPr>
+                <a:xfrm>
+                  <a:off x="664370" y="2746916"/>
+                  <a:ext cx="1766872" cy="883435"/>
+                  <a:chOff x="2436019" y="688181"/>
+                  <a:chExt cx="1828800" cy="914399"/>
+                </a:xfrm>
+              </p:grpSpPr>
+              <p:cxnSp>
+                <p:nvCxnSpPr>
+                  <p:cNvPr id="115" name="Straight Connector 114"/>
+                  <p:cNvCxnSpPr/>
+                  <p:nvPr/>
+                </p:nvCxnSpPr>
+                <p:spPr>
+                  <a:xfrm flipV="1">
+                    <a:off x="2436019" y="688181"/>
+                    <a:ext cx="945356" cy="913210"/>
+                  </a:xfrm>
+                  <a:prstGeom prst="line">
+                    <a:avLst/>
+                  </a:prstGeom>
+                  <a:ln w="38100">
+                    <a:solidFill>
+                      <a:schemeClr val="tx1"/>
+                    </a:solidFill>
+                  </a:ln>
+                </p:spPr>
+                <p:style>
+                  <a:lnRef idx="1">
+                    <a:schemeClr val="accent1"/>
+                  </a:lnRef>
+                  <a:fillRef idx="0">
+                    <a:schemeClr val="accent1"/>
+                  </a:fillRef>
+                  <a:effectRef idx="0">
+                    <a:schemeClr val="accent1"/>
+                  </a:effectRef>
+                  <a:fontRef idx="minor">
+                    <a:schemeClr val="tx1"/>
+                  </a:fontRef>
+                </p:style>
+              </p:cxnSp>
+              <p:cxnSp>
+                <p:nvCxnSpPr>
+                  <p:cNvPr id="116" name="Straight Connector 115"/>
+                  <p:cNvCxnSpPr/>
+                  <p:nvPr/>
+                </p:nvCxnSpPr>
+                <p:spPr>
+                  <a:xfrm flipH="1" flipV="1">
+                    <a:off x="3355181" y="688181"/>
+                    <a:ext cx="909638" cy="914399"/>
+                  </a:xfrm>
+                  <a:prstGeom prst="line">
+                    <a:avLst/>
+                  </a:prstGeom>
+                  <a:ln w="38100">
+                    <a:solidFill>
+                      <a:schemeClr val="tx1"/>
+                    </a:solidFill>
+                  </a:ln>
+                </p:spPr>
+                <p:style>
+                  <a:lnRef idx="1">
+                    <a:schemeClr val="accent1"/>
+                  </a:lnRef>
+                  <a:fillRef idx="0">
+                    <a:schemeClr val="accent1"/>
+                  </a:fillRef>
+                  <a:effectRef idx="0">
+                    <a:schemeClr val="accent1"/>
+                  </a:effectRef>
+                  <a:fontRef idx="minor">
+                    <a:schemeClr val="tx1"/>
+                  </a:fontRef>
+                </p:style>
+              </p:cxnSp>
+            </p:grpSp>
+            <p:grpSp>
+              <p:nvGrpSpPr>
+                <p:cNvPr id="110" name="Group 109"/>
+                <p:cNvGrpSpPr/>
+                <p:nvPr/>
+              </p:nvGrpSpPr>
+              <p:grpSpPr>
+                <a:xfrm>
+                  <a:off x="2495507" y="3072303"/>
+                  <a:ext cx="823772" cy="823746"/>
+                  <a:chOff x="2465751" y="3081503"/>
+                  <a:chExt cx="823772" cy="823746"/>
+                </a:xfrm>
+              </p:grpSpPr>
+              <p:sp>
+                <p:nvSpPr>
+                  <p:cNvPr id="112" name="Oval 111"/>
+                  <p:cNvSpPr/>
+                  <p:nvPr/>
+                </p:nvSpPr>
+                <p:spPr>
+                  <a:xfrm>
+                    <a:off x="2465751" y="3545666"/>
+                    <a:ext cx="359583" cy="359583"/>
+                  </a:xfrm>
+                  <a:prstGeom prst="ellipse">
+                    <a:avLst/>
+                  </a:prstGeom>
+                  <a:solidFill>
+                    <a:schemeClr val="bg1"/>
+                  </a:solidFill>
+                  <a:ln w="76200">
+                    <a:solidFill>
+                      <a:schemeClr val="tx1"/>
+                    </a:solidFill>
+                  </a:ln>
+                </p:spPr>
+                <p:style>
+                  <a:lnRef idx="2">
+                    <a:schemeClr val="accent1">
+                      <a:shade val="50000"/>
+                    </a:schemeClr>
+                  </a:lnRef>
+                  <a:fillRef idx="1">
+                    <a:schemeClr val="accent1"/>
+                  </a:fillRef>
+                  <a:effectRef idx="0">
+                    <a:schemeClr val="accent1"/>
+                  </a:effectRef>
+                  <a:fontRef idx="minor">
+                    <a:schemeClr val="lt1"/>
+                  </a:fontRef>
+                </p:style>
+                <p:txBody>
+                  <a:bodyPr rtlCol="0" anchor="ctr"/>
+                  <a:lstStyle/>
+                  <a:p>
+                    <a:pPr algn="ctr"/>
+                    <a:endParaRPr lang="en-US"/>
+                  </a:p>
+                </p:txBody>
+              </p:sp>
+              <p:sp>
+                <p:nvSpPr>
+                  <p:cNvPr id="113" name="Oval 112"/>
+                  <p:cNvSpPr/>
+                  <p:nvPr/>
+                </p:nvSpPr>
+                <p:spPr>
+                  <a:xfrm>
+                    <a:off x="2929940" y="3081503"/>
+                    <a:ext cx="359583" cy="359583"/>
+                  </a:xfrm>
+                  <a:prstGeom prst="ellipse">
+                    <a:avLst/>
+                  </a:prstGeom>
+                  <a:solidFill>
+                    <a:schemeClr val="bg1"/>
+                  </a:solidFill>
+                  <a:ln w="76200">
+                    <a:solidFill>
+                      <a:schemeClr val="tx1"/>
+                    </a:solidFill>
+                  </a:ln>
+                </p:spPr>
+                <p:style>
+                  <a:lnRef idx="2">
+                    <a:schemeClr val="accent1">
+                      <a:shade val="50000"/>
+                    </a:schemeClr>
+                  </a:lnRef>
+                  <a:fillRef idx="1">
+                    <a:schemeClr val="accent1"/>
+                  </a:fillRef>
+                  <a:effectRef idx="0">
+                    <a:schemeClr val="accent1"/>
+                  </a:effectRef>
+                  <a:fontRef idx="minor">
+                    <a:schemeClr val="lt1"/>
+                  </a:fontRef>
+                </p:style>
+                <p:txBody>
+                  <a:bodyPr rtlCol="0" anchor="ctr"/>
+                  <a:lstStyle/>
+                  <a:p>
+                    <a:pPr algn="ctr"/>
+                    <a:endParaRPr lang="en-US"/>
+                  </a:p>
+                </p:txBody>
+              </p:sp>
+              <p:cxnSp>
+                <p:nvCxnSpPr>
+                  <p:cNvPr id="114" name="Straight Connector 113"/>
+                  <p:cNvCxnSpPr/>
+                  <p:nvPr/>
+                </p:nvCxnSpPr>
+                <p:spPr>
+                  <a:xfrm flipV="1">
+                    <a:off x="2813953" y="3438867"/>
+                    <a:ext cx="133659" cy="134694"/>
+                  </a:xfrm>
+                  <a:prstGeom prst="line">
+                    <a:avLst/>
+                  </a:prstGeom>
+                  <a:ln w="38100">
+                    <a:solidFill>
+                      <a:schemeClr val="tx1"/>
+                    </a:solidFill>
+                  </a:ln>
+                </p:spPr>
+                <p:style>
+                  <a:lnRef idx="1">
+                    <a:schemeClr val="accent1"/>
+                  </a:lnRef>
+                  <a:fillRef idx="0">
+                    <a:schemeClr val="accent1"/>
+                  </a:fillRef>
+                  <a:effectRef idx="0">
+                    <a:schemeClr val="accent1"/>
+                  </a:effectRef>
+                  <a:fontRef idx="minor">
+                    <a:schemeClr val="tx1"/>
+                  </a:fontRef>
+                </p:style>
+              </p:cxnSp>
+            </p:grpSp>
+          </p:grpSp>
+          <p:grpSp>
+            <p:nvGrpSpPr>
+              <p:cNvPr id="105" name="Group 104"/>
+              <p:cNvGrpSpPr/>
+              <p:nvPr/>
+            </p:nvGrpSpPr>
+            <p:grpSpPr>
+              <a:xfrm>
+                <a:off x="7562314" y="3139606"/>
+                <a:ext cx="297655" cy="441344"/>
+                <a:chOff x="10296526" y="2078019"/>
+                <a:chExt cx="297655" cy="441344"/>
+              </a:xfrm>
+            </p:grpSpPr>
+            <p:cxnSp>
+              <p:nvCxnSpPr>
+                <p:cNvPr id="106" name="Straight Connector 105"/>
+                <p:cNvCxnSpPr/>
+                <p:nvPr/>
+              </p:nvCxnSpPr>
+              <p:spPr>
+                <a:xfrm>
+                  <a:off x="10594181" y="2078831"/>
+                  <a:ext cx="0" cy="440532"/>
+                </a:xfrm>
+                <a:prstGeom prst="line">
+                  <a:avLst/>
+                </a:prstGeom>
+                <a:ln w="76200">
+                  <a:solidFill>
+                    <a:schemeClr val="tx1"/>
+                  </a:solidFill>
+                </a:ln>
+              </p:spPr>
+              <p:style>
+                <a:lnRef idx="1">
+                  <a:schemeClr val="accent1"/>
+                </a:lnRef>
+                <a:fillRef idx="0">
+                  <a:schemeClr val="accent1"/>
+                </a:fillRef>
+                <a:effectRef idx="0">
+                  <a:schemeClr val="accent1"/>
+                </a:effectRef>
+                <a:fontRef idx="minor">
+                  <a:schemeClr val="tx1"/>
+                </a:fontRef>
+              </p:style>
+            </p:cxnSp>
+            <p:cxnSp>
+              <p:nvCxnSpPr>
+                <p:cNvPr id="107" name="Straight Connector 106"/>
+                <p:cNvCxnSpPr/>
+                <p:nvPr/>
+              </p:nvCxnSpPr>
+              <p:spPr>
+                <a:xfrm>
+                  <a:off x="10296526" y="2078019"/>
+                  <a:ext cx="0" cy="440532"/>
+                </a:xfrm>
+                <a:prstGeom prst="line">
+                  <a:avLst/>
+                </a:prstGeom>
+                <a:ln w="76200">
+                  <a:solidFill>
+                    <a:schemeClr val="tx1"/>
+                  </a:solidFill>
+                </a:ln>
+              </p:spPr>
+              <p:style>
+                <a:lnRef idx="1">
+                  <a:schemeClr val="accent1"/>
+                </a:lnRef>
+                <a:fillRef idx="0">
+                  <a:schemeClr val="accent1"/>
+                </a:fillRef>
+                <a:effectRef idx="0">
+                  <a:schemeClr val="accent1"/>
+                </a:effectRef>
+                <a:fontRef idx="minor">
+                  <a:schemeClr val="tx1"/>
+                </a:fontRef>
+              </p:style>
+            </p:cxnSp>
+            <p:cxnSp>
+              <p:nvCxnSpPr>
+                <p:cNvPr id="108" name="Straight Connector 107"/>
+                <p:cNvCxnSpPr/>
+                <p:nvPr/>
+              </p:nvCxnSpPr>
+              <p:spPr>
+                <a:xfrm>
+                  <a:off x="10296526" y="2295904"/>
+                  <a:ext cx="297655" cy="0"/>
+                </a:xfrm>
+                <a:prstGeom prst="line">
+                  <a:avLst/>
+                </a:prstGeom>
+                <a:ln w="76200">
+                  <a:solidFill>
+                    <a:schemeClr val="tx1"/>
+                  </a:solidFill>
+                </a:ln>
+              </p:spPr>
+              <p:style>
+                <a:lnRef idx="1">
+                  <a:schemeClr val="accent1"/>
+                </a:lnRef>
+                <a:fillRef idx="0">
+                  <a:schemeClr val="accent1"/>
+                </a:fillRef>
+                <a:effectRef idx="0">
+                  <a:schemeClr val="accent1"/>
+                </a:effectRef>
+                <a:fontRef idx="minor">
+                  <a:schemeClr val="tx1"/>
+                </a:fontRef>
+              </p:style>
+            </p:cxnSp>
+          </p:grpSp>
+        </p:grpSp>
+        <p:grpSp>
+          <p:nvGrpSpPr>
+            <p:cNvPr id="117" name="Group 116"/>
+            <p:cNvGrpSpPr/>
+            <p:nvPr/>
+          </p:nvGrpSpPr>
+          <p:grpSpPr>
+            <a:xfrm>
+              <a:off x="3809241" y="5272418"/>
+              <a:ext cx="835988" cy="830153"/>
+              <a:chOff x="3329990" y="3081503"/>
+              <a:chExt cx="835988" cy="830153"/>
+            </a:xfrm>
+          </p:grpSpPr>
+          <p:sp>
+            <p:nvSpPr>
+              <p:cNvPr id="118" name="Oval 117"/>
+              <p:cNvSpPr/>
+              <p:nvPr/>
+            </p:nvSpPr>
+            <p:spPr>
+              <a:xfrm>
+                <a:off x="3806395" y="3552073"/>
+                <a:ext cx="359583" cy="359583"/>
+              </a:xfrm>
+              <a:prstGeom prst="ellipse">
+                <a:avLst/>
+              </a:prstGeom>
+              <a:solidFill>
+                <a:schemeClr val="bg1"/>
+              </a:solidFill>
+              <a:ln w="76200">
+                <a:solidFill>
+                  <a:schemeClr val="tx1"/>
+                </a:solidFill>
+              </a:ln>
+            </p:spPr>
+            <p:style>
+              <a:lnRef idx="2">
+                <a:schemeClr val="accent1">
+                  <a:shade val="50000"/>
+                </a:schemeClr>
+              </a:lnRef>
+              <a:fillRef idx="1">
+                <a:schemeClr val="accent1"/>
+              </a:fillRef>
+              <a:effectRef idx="0">
+                <a:schemeClr val="accent1"/>
+              </a:effectRef>
+              <a:fontRef idx="minor">
+                <a:schemeClr val="lt1"/>
+              </a:fontRef>
+            </p:style>
+            <p:txBody>
+              <a:bodyPr rtlCol="0" anchor="ctr"/>
+              <a:lstStyle/>
+              <a:p>
+                <a:pPr algn="ctr"/>
+                <a:endParaRPr lang="en-US"/>
+              </a:p>
+            </p:txBody>
+          </p:sp>
+          <p:sp>
+            <p:nvSpPr>
+              <p:cNvPr id="119" name="Oval 118"/>
+              <p:cNvSpPr/>
+              <p:nvPr/>
+            </p:nvSpPr>
+            <p:spPr>
+              <a:xfrm>
+                <a:off x="3329990" y="3081503"/>
+                <a:ext cx="359583" cy="359583"/>
+              </a:xfrm>
+              <a:prstGeom prst="ellipse">
+                <a:avLst/>
+              </a:prstGeom>
+              <a:solidFill>
+                <a:schemeClr val="bg1"/>
+              </a:solidFill>
+              <a:ln w="76200">
+                <a:solidFill>
+                  <a:schemeClr val="tx1"/>
+                </a:solidFill>
+              </a:ln>
+            </p:spPr>
+            <p:style>
+              <a:lnRef idx="2">
+                <a:schemeClr val="accent1">
+                  <a:shade val="50000"/>
+                </a:schemeClr>
+              </a:lnRef>
+              <a:fillRef idx="1">
+                <a:schemeClr val="accent1"/>
+              </a:fillRef>
+              <a:effectRef idx="0">
+                <a:schemeClr val="accent1"/>
+              </a:effectRef>
+              <a:fontRef idx="minor">
+                <a:schemeClr val="lt1"/>
+              </a:fontRef>
+            </p:style>
+            <p:txBody>
+              <a:bodyPr rtlCol="0" anchor="ctr"/>
+              <a:lstStyle/>
+              <a:p>
+                <a:pPr algn="ctr"/>
+                <a:endParaRPr lang="en-US"/>
+              </a:p>
+            </p:txBody>
+          </p:sp>
+          <p:cxnSp>
+            <p:nvCxnSpPr>
+              <p:cNvPr id="120" name="Straight Connector 119"/>
+              <p:cNvCxnSpPr/>
+              <p:nvPr/>
+            </p:nvCxnSpPr>
+            <p:spPr>
+              <a:xfrm rot="16200000" flipV="1">
+                <a:off x="3672218" y="3440568"/>
+                <a:ext cx="133659" cy="134694"/>
+              </a:xfrm>
+              <a:prstGeom prst="line">
+                <a:avLst/>
+              </a:prstGeom>
+              <a:ln w="38100">
+                <a:solidFill>
+                  <a:schemeClr val="tx1"/>
+                </a:solidFill>
+              </a:ln>
+            </p:spPr>
+            <p:style>
+              <a:lnRef idx="1">
+                <a:schemeClr val="accent1"/>
+              </a:lnRef>
+              <a:fillRef idx="0">
+                <a:schemeClr val="accent1"/>
+              </a:fillRef>
+              <a:effectRef idx="0">
+                <a:schemeClr val="accent1"/>
+              </a:effectRef>
+              <a:fontRef idx="minor">
+                <a:schemeClr val="tx1"/>
+              </a:fontRef>
+            </p:style>
+          </p:cxnSp>
+        </p:grpSp>
+      </p:grpSp>
+    </p:spTree>
+    <p:extLst>
+      <p:ext uri="{BB962C8B-B14F-4D97-AF65-F5344CB8AC3E}">
+        <p14:creationId xmlns:p14="http://schemas.microsoft.com/office/powerpoint/2010/main" val="2170617683"/>
+      </p:ext>
+    </p:extLst>
+  </p:cSld>
+  <p:clrMapOvr>
+    <a:masterClrMapping/>
+  </p:clrMapOvr>
+</p:sld>
+</file>
+
+<file path=ppt/slides/slide18.xml><?xml version="1.0" encoding="utf-8"?>
+<p:sld xmlns:a="http://schemas.openxmlformats.org/drawingml/2006/main" xmlns:r="http://schemas.openxmlformats.org/officeDocument/2006/relationships" xmlns:p="http://schemas.openxmlformats.org/presentationml/2006/main">
+  <p:cSld>
+    <p:spTree>
+      <p:nvGrpSpPr>
+        <p:cNvPr id="1" name=""/>
+        <p:cNvGrpSpPr/>
+        <p:nvPr/>
+      </p:nvGrpSpPr>
+      <p:grpSpPr>
+        <a:xfrm>
+          <a:off x="0" y="0"/>
+          <a:ext cx="0" cy="0"/>
+          <a:chOff x="0" y="0"/>
+          <a:chExt cx="0" cy="0"/>
+        </a:xfrm>
+      </p:grpSpPr>
+      <p:sp>
+        <p:nvSpPr>
+          <p:cNvPr id="2" name="TextBox 1"/>
+          <p:cNvSpPr txBox="1"/>
+          <p:nvPr/>
+        </p:nvSpPr>
+        <p:spPr>
+          <a:xfrm>
+            <a:off x="4707802" y="0"/>
+            <a:ext cx="1828800" cy="369332"/>
+          </a:xfrm>
+          <a:prstGeom prst="rect">
+            <a:avLst/>
+          </a:prstGeom>
+          <a:noFill/>
+        </p:spPr>
+        <p:txBody>
+          <a:bodyPr wrap="square" rtlCol="0">
+            <a:spAutoFit/>
+          </a:bodyPr>
+          <a:lstStyle/>
+          <a:p>
+            <a:r>
+              <a:rPr lang="en-US" dirty="0" smtClean="0"/>
+              <a:t>Chattering group</a:t>
+            </a:r>
+            <a:endParaRPr lang="en-US" dirty="0"/>
+          </a:p>
+        </p:txBody>
+      </p:sp>
+      <p:grpSp>
+        <p:nvGrpSpPr>
+          <p:cNvPr id="103" name="Group 102"/>
+          <p:cNvGrpSpPr/>
+          <p:nvPr/>
+        </p:nvGrpSpPr>
+        <p:grpSpPr>
+          <a:xfrm>
+            <a:off x="3291855" y="455858"/>
+            <a:ext cx="5631601" cy="5631601"/>
+            <a:chOff x="3291855" y="455858"/>
+            <a:chExt cx="5631601" cy="5631601"/>
+          </a:xfrm>
+        </p:grpSpPr>
+        <p:sp>
+          <p:nvSpPr>
+            <p:cNvPr id="99" name="Oval 98"/>
+            <p:cNvSpPr/>
+            <p:nvPr/>
+          </p:nvSpPr>
+          <p:spPr>
+            <a:xfrm>
+              <a:off x="3291855" y="455858"/>
+              <a:ext cx="5631601" cy="5631601"/>
+            </a:xfrm>
+            <a:prstGeom prst="ellipse">
+              <a:avLst/>
+            </a:prstGeom>
+            <a:solidFill>
+              <a:schemeClr val="bg1"/>
+            </a:solidFill>
+            <a:ln w="76200">
+              <a:solidFill>
+                <a:srgbClr val="FF0000"/>
+              </a:solidFill>
+              <a:prstDash val="lgDash"/>
+            </a:ln>
+          </p:spPr>
+          <p:style>
+            <a:lnRef idx="2">
+              <a:schemeClr val="accent1">
+                <a:shade val="50000"/>
+              </a:schemeClr>
+            </a:lnRef>
+            <a:fillRef idx="1">
+              <a:schemeClr val="accent1"/>
+            </a:fillRef>
+            <a:effectRef idx="0">
+              <a:schemeClr val="accent1"/>
+            </a:effectRef>
+            <a:fontRef idx="minor">
+              <a:schemeClr val="lt1"/>
+            </a:fontRef>
+          </p:style>
+          <p:txBody>
+            <a:bodyPr rtlCol="0" anchor="ctr"/>
+            <a:lstStyle/>
+            <a:p>
+              <a:pPr algn="ctr"/>
+              <a:endParaRPr lang="en-US"/>
+            </a:p>
+          </p:txBody>
+        </p:sp>
+        <p:sp>
+          <p:nvSpPr>
+            <p:cNvPr id="3" name="Rounded Rectangle 2"/>
+            <p:cNvSpPr/>
+            <p:nvPr/>
+          </p:nvSpPr>
+          <p:spPr>
+            <a:xfrm>
+              <a:off x="4697192" y="2261329"/>
+              <a:ext cx="983704" cy="561290"/>
+            </a:xfrm>
+            <a:prstGeom prst="roundRect">
+              <a:avLst/>
+            </a:prstGeom>
+          </p:spPr>
+          <p:style>
+            <a:lnRef idx="2">
+              <a:schemeClr val="accent1">
+                <a:shade val="50000"/>
+              </a:schemeClr>
+            </a:lnRef>
+            <a:fillRef idx="1">
+              <a:schemeClr val="accent1"/>
+            </a:fillRef>
+            <a:effectRef idx="0">
+              <a:schemeClr val="accent1"/>
+            </a:effectRef>
+            <a:fontRef idx="minor">
+              <a:schemeClr val="lt1"/>
+            </a:fontRef>
+          </p:style>
+          <p:txBody>
+            <a:bodyPr rtlCol="0" anchor="ctr"/>
+            <a:lstStyle/>
+            <a:p>
+              <a:pPr algn="ctr"/>
+              <a:r>
+                <a:rPr lang="en-US" dirty="0" err="1" smtClean="0"/>
+                <a:t>nR</a:t>
+              </a:r>
+              <a:endParaRPr lang="en-US" dirty="0"/>
+            </a:p>
+          </p:txBody>
+        </p:sp>
+        <p:sp>
+          <p:nvSpPr>
+            <p:cNvPr id="4" name="Rounded Rectangle 3"/>
+            <p:cNvSpPr/>
+            <p:nvPr/>
+          </p:nvSpPr>
+          <p:spPr>
+            <a:xfrm>
+              <a:off x="4697193" y="3684486"/>
+              <a:ext cx="983704" cy="561289"/>
+            </a:xfrm>
+            <a:prstGeom prst="roundRect">
+              <a:avLst/>
+            </a:prstGeom>
+          </p:spPr>
+          <p:style>
+            <a:lnRef idx="2">
+              <a:schemeClr val="accent1">
+                <a:shade val="50000"/>
+              </a:schemeClr>
+            </a:lnRef>
+            <a:fillRef idx="1">
+              <a:schemeClr val="accent1"/>
+            </a:fillRef>
+            <a:effectRef idx="0">
+              <a:schemeClr val="accent1"/>
+            </a:effectRef>
+            <a:fontRef idx="minor">
+              <a:schemeClr val="lt1"/>
+            </a:fontRef>
+          </p:style>
+          <p:txBody>
+            <a:bodyPr rtlCol="0" anchor="ctr"/>
+            <a:lstStyle/>
+            <a:p>
+              <a:pPr algn="ctr"/>
+              <a:r>
+                <a:rPr lang="en-US" dirty="0" err="1" smtClean="0"/>
+                <a:t>nROO</a:t>
+              </a:r>
+              <a:endParaRPr lang="en-US" dirty="0"/>
+            </a:p>
+          </p:txBody>
+        </p:sp>
+        <p:sp>
+          <p:nvSpPr>
+            <p:cNvPr id="6" name="Rounded Rectangle 5"/>
+            <p:cNvSpPr/>
+            <p:nvPr/>
+          </p:nvSpPr>
+          <p:spPr>
+            <a:xfrm>
+              <a:off x="6729627" y="3684486"/>
+              <a:ext cx="983704" cy="561289"/>
+            </a:xfrm>
+            <a:prstGeom prst="roundRect">
+              <a:avLst/>
+            </a:prstGeom>
+          </p:spPr>
+          <p:style>
+            <a:lnRef idx="2">
+              <a:schemeClr val="accent1">
+                <a:shade val="50000"/>
+              </a:schemeClr>
+            </a:lnRef>
+            <a:fillRef idx="1">
+              <a:schemeClr val="accent1"/>
+            </a:fillRef>
+            <a:effectRef idx="0">
+              <a:schemeClr val="accent1"/>
+            </a:effectRef>
+            <a:fontRef idx="minor">
+              <a:schemeClr val="lt1"/>
+            </a:fontRef>
+          </p:style>
+          <p:txBody>
+            <a:bodyPr rtlCol="0" anchor="ctr"/>
+            <a:lstStyle/>
+            <a:p>
+              <a:pPr algn="ctr"/>
+              <a:r>
+                <a:rPr lang="en-US" dirty="0" smtClean="0"/>
+                <a:t>QOOH</a:t>
+              </a:r>
+              <a:endParaRPr lang="en-US" dirty="0"/>
+            </a:p>
+          </p:txBody>
+        </p:sp>
+        <p:cxnSp>
+          <p:nvCxnSpPr>
+            <p:cNvPr id="9" name="Straight Arrow Connector 8"/>
+            <p:cNvCxnSpPr>
+              <a:stCxn id="3" idx="2"/>
+              <a:endCxn id="4" idx="0"/>
+            </p:cNvCxnSpPr>
+            <p:nvPr/>
+          </p:nvCxnSpPr>
+          <p:spPr>
+            <a:xfrm>
+              <a:off x="5189044" y="2822619"/>
+              <a:ext cx="1" cy="861868"/>
+            </a:xfrm>
+            <a:prstGeom prst="straightConnector1">
+              <a:avLst/>
+            </a:prstGeom>
+            <a:ln>
+              <a:tailEnd type="triangle"/>
+            </a:ln>
+          </p:spPr>
+          <p:style>
+            <a:lnRef idx="1">
+              <a:schemeClr val="accent1"/>
+            </a:lnRef>
+            <a:fillRef idx="0">
+              <a:schemeClr val="accent1"/>
+            </a:fillRef>
+            <a:effectRef idx="0">
+              <a:schemeClr val="accent1"/>
+            </a:effectRef>
+            <a:fontRef idx="minor">
+              <a:schemeClr val="tx1"/>
+            </a:fontRef>
+          </p:style>
+        </p:cxnSp>
+        <p:cxnSp>
+          <p:nvCxnSpPr>
+            <p:cNvPr id="13" name="Straight Arrow Connector 12"/>
+            <p:cNvCxnSpPr>
+              <a:stCxn id="4" idx="3"/>
+              <a:endCxn id="6" idx="1"/>
+            </p:cNvCxnSpPr>
+            <p:nvPr/>
+          </p:nvCxnSpPr>
+          <p:spPr>
+            <a:xfrm>
+              <a:off x="5680897" y="3965131"/>
+              <a:ext cx="1048730" cy="0"/>
+            </a:xfrm>
+            <a:prstGeom prst="straightConnector1">
+              <a:avLst/>
+            </a:prstGeom>
+            <a:ln>
+              <a:tailEnd type="triangle"/>
+            </a:ln>
+          </p:spPr>
+          <p:style>
+            <a:lnRef idx="1">
+              <a:schemeClr val="accent1"/>
+            </a:lnRef>
+            <a:fillRef idx="0">
+              <a:schemeClr val="accent1"/>
+            </a:fillRef>
+            <a:effectRef idx="0">
+              <a:schemeClr val="accent1"/>
+            </a:effectRef>
+            <a:fontRef idx="minor">
+              <a:schemeClr val="tx1"/>
+            </a:fontRef>
+          </p:style>
+        </p:cxnSp>
+        <p:sp>
+          <p:nvSpPr>
+            <p:cNvPr id="30" name="Rounded Rectangle 29"/>
+            <p:cNvSpPr/>
+            <p:nvPr/>
+          </p:nvSpPr>
+          <p:spPr>
+            <a:xfrm>
+              <a:off x="6660851" y="2264469"/>
+              <a:ext cx="1121255" cy="561290"/>
+            </a:xfrm>
+            <a:prstGeom prst="roundRect">
+              <a:avLst/>
+            </a:prstGeom>
+          </p:spPr>
+          <p:style>
+            <a:lnRef idx="2">
+              <a:schemeClr val="accent1">
+                <a:shade val="50000"/>
+              </a:schemeClr>
+            </a:lnRef>
+            <a:fillRef idx="1">
+              <a:schemeClr val="accent1"/>
+            </a:fillRef>
+            <a:effectRef idx="0">
+              <a:schemeClr val="accent1"/>
+            </a:effectRef>
+            <a:fontRef idx="minor">
+              <a:schemeClr val="lt1"/>
+            </a:fontRef>
+          </p:style>
+          <p:txBody>
+            <a:bodyPr rtlCol="0" anchor="ctr"/>
+            <a:lstStyle/>
+            <a:p>
+              <a:pPr algn="ctr"/>
+              <a:r>
+                <a:rPr lang="en-US" dirty="0" smtClean="0"/>
+                <a:t>O</a:t>
+              </a:r>
+              <a:r>
+                <a:rPr lang="en-US" baseline="-25000" dirty="0" smtClean="0"/>
+                <a:t>2</a:t>
+              </a:r>
+              <a:r>
+                <a:rPr lang="en-US" dirty="0" smtClean="0"/>
+                <a:t>QOOH</a:t>
+              </a:r>
+              <a:endParaRPr lang="en-US" dirty="0"/>
+            </a:p>
+          </p:txBody>
+        </p:sp>
+        <p:cxnSp>
+          <p:nvCxnSpPr>
+            <p:cNvPr id="33" name="Straight Arrow Connector 32"/>
+            <p:cNvCxnSpPr>
+              <a:stCxn id="6" idx="0"/>
+              <a:endCxn id="30" idx="2"/>
+            </p:cNvCxnSpPr>
+            <p:nvPr/>
+          </p:nvCxnSpPr>
+          <p:spPr>
+            <a:xfrm flipV="1">
+              <a:off x="7221479" y="2825758"/>
+              <a:ext cx="0" cy="858728"/>
+            </a:xfrm>
+            <a:prstGeom prst="straightConnector1">
+              <a:avLst/>
+            </a:prstGeom>
+            <a:ln>
+              <a:tailEnd type="triangle"/>
+            </a:ln>
+          </p:spPr>
+          <p:style>
+            <a:lnRef idx="1">
+              <a:schemeClr val="accent1"/>
+            </a:lnRef>
+            <a:fillRef idx="0">
+              <a:schemeClr val="accent1"/>
+            </a:fillRef>
+            <a:effectRef idx="0">
+              <a:schemeClr val="accent1"/>
+            </a:effectRef>
+            <a:fontRef idx="minor">
+              <a:schemeClr val="tx1"/>
+            </a:fontRef>
+          </p:style>
+        </p:cxnSp>
+        <p:grpSp>
+          <p:nvGrpSpPr>
+            <p:cNvPr id="45" name="Group 44"/>
+            <p:cNvGrpSpPr/>
+            <p:nvPr/>
+          </p:nvGrpSpPr>
+          <p:grpSpPr>
+            <a:xfrm>
+              <a:off x="3959072" y="1550321"/>
+              <a:ext cx="1200833" cy="628836"/>
+              <a:chOff x="2436019" y="908097"/>
+              <a:chExt cx="1944657" cy="1018352"/>
+            </a:xfrm>
+          </p:grpSpPr>
+          <p:grpSp>
+            <p:nvGrpSpPr>
+              <p:cNvPr id="46" name="Group 45"/>
+              <p:cNvGrpSpPr/>
+              <p:nvPr/>
+            </p:nvGrpSpPr>
+            <p:grpSpPr>
+              <a:xfrm>
+                <a:off x="2436019" y="908097"/>
+                <a:ext cx="1828800" cy="914399"/>
+                <a:chOff x="2436019" y="908097"/>
+                <a:chExt cx="1828800" cy="914399"/>
+              </a:xfrm>
+            </p:grpSpPr>
+            <p:cxnSp>
+              <p:nvCxnSpPr>
+                <p:cNvPr id="48" name="Straight Connector 47"/>
+                <p:cNvCxnSpPr/>
+                <p:nvPr/>
+              </p:nvCxnSpPr>
+              <p:spPr>
+                <a:xfrm flipV="1">
+                  <a:off x="2436019" y="908097"/>
+                  <a:ext cx="945356" cy="913211"/>
+                </a:xfrm>
+                <a:prstGeom prst="line">
+                  <a:avLst/>
+                </a:prstGeom>
+                <a:ln w="38100">
+                  <a:solidFill>
+                    <a:schemeClr val="tx1"/>
+                  </a:solidFill>
+                </a:ln>
+              </p:spPr>
+              <p:style>
+                <a:lnRef idx="1">
+                  <a:schemeClr val="accent1"/>
+                </a:lnRef>
+                <a:fillRef idx="0">
+                  <a:schemeClr val="accent1"/>
+                </a:fillRef>
+                <a:effectRef idx="0">
+                  <a:schemeClr val="accent1"/>
+                </a:effectRef>
+                <a:fontRef idx="minor">
+                  <a:schemeClr val="tx1"/>
+                </a:fontRef>
+              </p:style>
+            </p:cxnSp>
+            <p:cxnSp>
+              <p:nvCxnSpPr>
+                <p:cNvPr id="49" name="Straight Connector 48"/>
+                <p:cNvCxnSpPr/>
+                <p:nvPr/>
+              </p:nvCxnSpPr>
+              <p:spPr>
+                <a:xfrm flipH="1" flipV="1">
+                  <a:off x="3355181" y="908097"/>
+                  <a:ext cx="909638" cy="914399"/>
+                </a:xfrm>
+                <a:prstGeom prst="line">
+                  <a:avLst/>
+                </a:prstGeom>
+                <a:ln w="38100">
+                  <a:solidFill>
+                    <a:schemeClr val="tx1"/>
+                  </a:solidFill>
+                </a:ln>
+              </p:spPr>
+              <p:style>
+                <a:lnRef idx="1">
+                  <a:schemeClr val="accent1"/>
+                </a:lnRef>
+                <a:fillRef idx="0">
+                  <a:schemeClr val="accent1"/>
+                </a:fillRef>
+                <a:effectRef idx="0">
+                  <a:schemeClr val="accent1"/>
+                </a:effectRef>
+                <a:fontRef idx="minor">
+                  <a:schemeClr val="tx1"/>
+                </a:fontRef>
+              </p:style>
+            </p:cxnSp>
+          </p:grpSp>
+          <p:sp>
+            <p:nvSpPr>
+              <p:cNvPr id="47" name="Oval 46"/>
+              <p:cNvSpPr/>
+              <p:nvPr/>
+            </p:nvSpPr>
+            <p:spPr>
+              <a:xfrm>
+                <a:off x="4274343" y="1820116"/>
+                <a:ext cx="106333" cy="106333"/>
+              </a:xfrm>
+              <a:prstGeom prst="ellipse">
+                <a:avLst/>
+              </a:prstGeom>
+              <a:solidFill>
+                <a:schemeClr val="tx1"/>
+              </a:solidFill>
+              <a:ln>
+                <a:solidFill>
+                  <a:schemeClr val="tx1"/>
+                </a:solidFill>
+              </a:ln>
+            </p:spPr>
+            <p:style>
+              <a:lnRef idx="2">
+                <a:schemeClr val="accent1">
+                  <a:shade val="50000"/>
+                </a:schemeClr>
+              </a:lnRef>
+              <a:fillRef idx="1">
+                <a:schemeClr val="accent1"/>
+              </a:fillRef>
+              <a:effectRef idx="0">
+                <a:schemeClr val="accent1"/>
+              </a:effectRef>
+              <a:fontRef idx="minor">
+                <a:schemeClr val="lt1"/>
+              </a:fontRef>
+            </p:style>
+            <p:txBody>
+              <a:bodyPr rtlCol="0" anchor="ctr"/>
+              <a:lstStyle/>
+              <a:p>
+                <a:pPr algn="ctr"/>
+                <a:endParaRPr lang="en-US"/>
+              </a:p>
+            </p:txBody>
+          </p:sp>
+        </p:grpSp>
+        <p:grpSp>
+          <p:nvGrpSpPr>
+            <p:cNvPr id="50" name="Group 49"/>
+            <p:cNvGrpSpPr/>
+            <p:nvPr/>
+          </p:nvGrpSpPr>
+          <p:grpSpPr>
+            <a:xfrm>
+              <a:off x="3919570" y="4260451"/>
+              <a:ext cx="1771457" cy="734464"/>
+              <a:chOff x="664370" y="2746916"/>
+              <a:chExt cx="2771597" cy="1149133"/>
+            </a:xfrm>
+          </p:grpSpPr>
+          <p:grpSp>
+            <p:nvGrpSpPr>
+              <p:cNvPr id="51" name="Group 50"/>
+              <p:cNvGrpSpPr/>
+              <p:nvPr/>
+            </p:nvGrpSpPr>
+            <p:grpSpPr>
+              <a:xfrm>
+                <a:off x="664370" y="2746916"/>
+                <a:ext cx="1766872" cy="883435"/>
+                <a:chOff x="2436019" y="688181"/>
+                <a:chExt cx="1828800" cy="914399"/>
+              </a:xfrm>
+            </p:grpSpPr>
+            <p:cxnSp>
+              <p:nvCxnSpPr>
+                <p:cNvPr id="57" name="Straight Connector 56"/>
+                <p:cNvCxnSpPr/>
+                <p:nvPr/>
+              </p:nvCxnSpPr>
+              <p:spPr>
+                <a:xfrm flipV="1">
+                  <a:off x="2436019" y="688181"/>
+                  <a:ext cx="945356" cy="913210"/>
+                </a:xfrm>
+                <a:prstGeom prst="line">
+                  <a:avLst/>
+                </a:prstGeom>
+                <a:ln w="38100">
+                  <a:solidFill>
+                    <a:schemeClr val="tx1"/>
+                  </a:solidFill>
+                </a:ln>
+              </p:spPr>
+              <p:style>
+                <a:lnRef idx="1">
+                  <a:schemeClr val="accent1"/>
+                </a:lnRef>
+                <a:fillRef idx="0">
+                  <a:schemeClr val="accent1"/>
+                </a:fillRef>
+                <a:effectRef idx="0">
+                  <a:schemeClr val="accent1"/>
+                </a:effectRef>
+                <a:fontRef idx="minor">
+                  <a:schemeClr val="tx1"/>
+                </a:fontRef>
+              </p:style>
+            </p:cxnSp>
+            <p:cxnSp>
+              <p:nvCxnSpPr>
+                <p:cNvPr id="58" name="Straight Connector 57"/>
+                <p:cNvCxnSpPr/>
+                <p:nvPr/>
+              </p:nvCxnSpPr>
+              <p:spPr>
+                <a:xfrm flipH="1" flipV="1">
+                  <a:off x="3355181" y="688181"/>
+                  <a:ext cx="909638" cy="914399"/>
+                </a:xfrm>
+                <a:prstGeom prst="line">
+                  <a:avLst/>
+                </a:prstGeom>
+                <a:ln w="38100">
+                  <a:solidFill>
+                    <a:schemeClr val="tx1"/>
+                  </a:solidFill>
+                </a:ln>
+              </p:spPr>
+              <p:style>
+                <a:lnRef idx="1">
+                  <a:schemeClr val="accent1"/>
+                </a:lnRef>
+                <a:fillRef idx="0">
+                  <a:schemeClr val="accent1"/>
+                </a:fillRef>
+                <a:effectRef idx="0">
+                  <a:schemeClr val="accent1"/>
+                </a:effectRef>
+                <a:fontRef idx="minor">
+                  <a:schemeClr val="tx1"/>
+                </a:fontRef>
+              </p:style>
+            </p:cxnSp>
+          </p:grpSp>
+          <p:grpSp>
+            <p:nvGrpSpPr>
+              <p:cNvPr id="52" name="Group 51"/>
+              <p:cNvGrpSpPr/>
+              <p:nvPr/>
+            </p:nvGrpSpPr>
+            <p:grpSpPr>
+              <a:xfrm>
+                <a:off x="2495507" y="3072303"/>
+                <a:ext cx="823772" cy="823746"/>
+                <a:chOff x="2465751" y="3081503"/>
+                <a:chExt cx="823772" cy="823746"/>
+              </a:xfrm>
+            </p:grpSpPr>
+            <p:sp>
+              <p:nvSpPr>
+                <p:cNvPr id="54" name="Oval 53"/>
+                <p:cNvSpPr/>
+                <p:nvPr/>
+              </p:nvSpPr>
+              <p:spPr>
+                <a:xfrm>
+                  <a:off x="2465751" y="3545666"/>
+                  <a:ext cx="359583" cy="359583"/>
+                </a:xfrm>
+                <a:prstGeom prst="ellipse">
+                  <a:avLst/>
+                </a:prstGeom>
+                <a:solidFill>
+                  <a:schemeClr val="bg1"/>
+                </a:solidFill>
+                <a:ln w="76200">
+                  <a:solidFill>
+                    <a:schemeClr val="tx1"/>
+                  </a:solidFill>
+                </a:ln>
+              </p:spPr>
+              <p:style>
+                <a:lnRef idx="2">
+                  <a:schemeClr val="accent1">
+                    <a:shade val="50000"/>
+                  </a:schemeClr>
+                </a:lnRef>
+                <a:fillRef idx="1">
+                  <a:schemeClr val="accent1"/>
+                </a:fillRef>
+                <a:effectRef idx="0">
+                  <a:schemeClr val="accent1"/>
+                </a:effectRef>
+                <a:fontRef idx="minor">
+                  <a:schemeClr val="lt1"/>
+                </a:fontRef>
+              </p:style>
+              <p:txBody>
+                <a:bodyPr rtlCol="0" anchor="ctr"/>
+                <a:lstStyle/>
+                <a:p>
+                  <a:pPr algn="ctr"/>
+                  <a:endParaRPr lang="en-US"/>
+                </a:p>
+              </p:txBody>
+            </p:sp>
+            <p:sp>
+              <p:nvSpPr>
+                <p:cNvPr id="55" name="Oval 54"/>
+                <p:cNvSpPr/>
+                <p:nvPr/>
+              </p:nvSpPr>
+              <p:spPr>
+                <a:xfrm>
+                  <a:off x="2929940" y="3081503"/>
+                  <a:ext cx="359583" cy="359583"/>
+                </a:xfrm>
+                <a:prstGeom prst="ellipse">
+                  <a:avLst/>
+                </a:prstGeom>
+                <a:solidFill>
+                  <a:schemeClr val="bg1"/>
+                </a:solidFill>
+                <a:ln w="76200">
+                  <a:solidFill>
+                    <a:schemeClr val="tx1"/>
+                  </a:solidFill>
+                </a:ln>
+              </p:spPr>
+              <p:style>
+                <a:lnRef idx="2">
+                  <a:schemeClr val="accent1">
+                    <a:shade val="50000"/>
+                  </a:schemeClr>
+                </a:lnRef>
+                <a:fillRef idx="1">
+                  <a:schemeClr val="accent1"/>
+                </a:fillRef>
+                <a:effectRef idx="0">
+                  <a:schemeClr val="accent1"/>
+                </a:effectRef>
+                <a:fontRef idx="minor">
+                  <a:schemeClr val="lt1"/>
+                </a:fontRef>
+              </p:style>
+              <p:txBody>
+                <a:bodyPr rtlCol="0" anchor="ctr"/>
+                <a:lstStyle/>
+                <a:p>
+                  <a:pPr algn="ctr"/>
+                  <a:endParaRPr lang="en-US"/>
+                </a:p>
+              </p:txBody>
+            </p:sp>
+            <p:cxnSp>
+              <p:nvCxnSpPr>
+                <p:cNvPr id="56" name="Straight Connector 55"/>
+                <p:cNvCxnSpPr/>
+                <p:nvPr/>
+              </p:nvCxnSpPr>
+              <p:spPr>
+                <a:xfrm flipV="1">
+                  <a:off x="2813953" y="3438867"/>
+                  <a:ext cx="133659" cy="134694"/>
+                </a:xfrm>
+                <a:prstGeom prst="line">
+                  <a:avLst/>
+                </a:prstGeom>
+                <a:ln w="38100">
+                  <a:solidFill>
+                    <a:schemeClr val="tx1"/>
+                  </a:solidFill>
+                </a:ln>
+              </p:spPr>
+              <p:style>
+                <a:lnRef idx="1">
+                  <a:schemeClr val="accent1"/>
+                </a:lnRef>
+                <a:fillRef idx="0">
+                  <a:schemeClr val="accent1"/>
+                </a:fillRef>
+                <a:effectRef idx="0">
+                  <a:schemeClr val="accent1"/>
+                </a:effectRef>
+                <a:fontRef idx="minor">
+                  <a:schemeClr val="tx1"/>
+                </a:fontRef>
+              </p:style>
+            </p:cxnSp>
+          </p:grpSp>
+          <p:sp>
+            <p:nvSpPr>
+              <p:cNvPr id="53" name="Oval 52"/>
+              <p:cNvSpPr/>
+              <p:nvPr/>
+            </p:nvSpPr>
+            <p:spPr>
+              <a:xfrm>
+                <a:off x="3333235" y="2984349"/>
+                <a:ext cx="102732" cy="102732"/>
+              </a:xfrm>
+              <a:prstGeom prst="ellipse">
+                <a:avLst/>
+              </a:prstGeom>
+              <a:solidFill>
+                <a:schemeClr val="tx1"/>
+              </a:solidFill>
+              <a:ln>
+                <a:solidFill>
+                  <a:schemeClr val="tx1"/>
+                </a:solidFill>
+              </a:ln>
+            </p:spPr>
+            <p:style>
+              <a:lnRef idx="2">
+                <a:schemeClr val="accent1">
+                  <a:shade val="50000"/>
+                </a:schemeClr>
+              </a:lnRef>
+              <a:fillRef idx="1">
+                <a:schemeClr val="accent1"/>
+              </a:fillRef>
+              <a:effectRef idx="0">
+                <a:schemeClr val="accent1"/>
+              </a:effectRef>
+              <a:fontRef idx="minor">
+                <a:schemeClr val="lt1"/>
+              </a:fontRef>
+            </p:style>
+            <p:txBody>
+              <a:bodyPr rtlCol="0" anchor="ctr"/>
+              <a:lstStyle/>
+              <a:p>
+                <a:pPr algn="ctr"/>
+                <a:endParaRPr lang="en-US"/>
+              </a:p>
+            </p:txBody>
+          </p:sp>
+        </p:grpSp>
+        <p:grpSp>
+          <p:nvGrpSpPr>
+            <p:cNvPr id="60" name="Group 59"/>
+            <p:cNvGrpSpPr/>
+            <p:nvPr/>
+          </p:nvGrpSpPr>
+          <p:grpSpPr>
+            <a:xfrm>
+              <a:off x="6069967" y="4329597"/>
+              <a:ext cx="2074191" cy="734464"/>
+              <a:chOff x="4657210" y="2855100"/>
+              <a:chExt cx="3245251" cy="1149133"/>
+            </a:xfrm>
+          </p:grpSpPr>
+          <p:grpSp>
+            <p:nvGrpSpPr>
+              <p:cNvPr id="61" name="Group 60"/>
+              <p:cNvGrpSpPr/>
+              <p:nvPr/>
+            </p:nvGrpSpPr>
+            <p:grpSpPr>
+              <a:xfrm>
+                <a:off x="4657210" y="2855100"/>
+                <a:ext cx="2786394" cy="1149133"/>
+                <a:chOff x="532885" y="2746916"/>
+                <a:chExt cx="2786394" cy="1149133"/>
+              </a:xfrm>
+            </p:grpSpPr>
+            <p:grpSp>
+              <p:nvGrpSpPr>
+                <p:cNvPr id="66" name="Group 65"/>
+                <p:cNvGrpSpPr/>
+                <p:nvPr/>
+              </p:nvGrpSpPr>
+              <p:grpSpPr>
+                <a:xfrm>
+                  <a:off x="664370" y="2746916"/>
+                  <a:ext cx="1766872" cy="883435"/>
+                  <a:chOff x="2436019" y="688181"/>
+                  <a:chExt cx="1828800" cy="914399"/>
+                </a:xfrm>
+              </p:grpSpPr>
+              <p:cxnSp>
+                <p:nvCxnSpPr>
+                  <p:cNvPr id="72" name="Straight Connector 71"/>
+                  <p:cNvCxnSpPr/>
+                  <p:nvPr/>
+                </p:nvCxnSpPr>
+                <p:spPr>
+                  <a:xfrm flipV="1">
+                    <a:off x="2436019" y="688181"/>
+                    <a:ext cx="945356" cy="913210"/>
+                  </a:xfrm>
+                  <a:prstGeom prst="line">
+                    <a:avLst/>
+                  </a:prstGeom>
+                  <a:ln w="38100">
+                    <a:solidFill>
+                      <a:schemeClr val="tx1"/>
+                    </a:solidFill>
+                  </a:ln>
+                </p:spPr>
+                <p:style>
+                  <a:lnRef idx="1">
+                    <a:schemeClr val="accent1"/>
+                  </a:lnRef>
+                  <a:fillRef idx="0">
+                    <a:schemeClr val="accent1"/>
+                  </a:fillRef>
+                  <a:effectRef idx="0">
+                    <a:schemeClr val="accent1"/>
+                  </a:effectRef>
+                  <a:fontRef idx="minor">
+                    <a:schemeClr val="tx1"/>
+                  </a:fontRef>
+                </p:style>
+              </p:cxnSp>
+              <p:cxnSp>
+                <p:nvCxnSpPr>
+                  <p:cNvPr id="73" name="Straight Connector 72"/>
+                  <p:cNvCxnSpPr/>
+                  <p:nvPr/>
+                </p:nvCxnSpPr>
+                <p:spPr>
+                  <a:xfrm flipH="1" flipV="1">
+                    <a:off x="3355181" y="688181"/>
+                    <a:ext cx="909638" cy="914399"/>
+                  </a:xfrm>
+                  <a:prstGeom prst="line">
+                    <a:avLst/>
+                  </a:prstGeom>
+                  <a:ln w="38100">
+                    <a:solidFill>
+                      <a:schemeClr val="tx1"/>
+                    </a:solidFill>
+                  </a:ln>
+                </p:spPr>
+                <p:style>
+                  <a:lnRef idx="1">
+                    <a:schemeClr val="accent1"/>
+                  </a:lnRef>
+                  <a:fillRef idx="0">
+                    <a:schemeClr val="accent1"/>
+                  </a:fillRef>
+                  <a:effectRef idx="0">
+                    <a:schemeClr val="accent1"/>
+                  </a:effectRef>
+                  <a:fontRef idx="minor">
+                    <a:schemeClr val="tx1"/>
+                  </a:fontRef>
+                </p:style>
+              </p:cxnSp>
+            </p:grpSp>
+            <p:grpSp>
+              <p:nvGrpSpPr>
+                <p:cNvPr id="67" name="Group 66"/>
+                <p:cNvGrpSpPr/>
+                <p:nvPr/>
+              </p:nvGrpSpPr>
+              <p:grpSpPr>
+                <a:xfrm>
+                  <a:off x="2495507" y="3072303"/>
+                  <a:ext cx="823772" cy="823746"/>
+                  <a:chOff x="2465751" y="3081503"/>
+                  <a:chExt cx="823772" cy="823746"/>
+                </a:xfrm>
+              </p:grpSpPr>
+              <p:sp>
+                <p:nvSpPr>
+                  <p:cNvPr id="69" name="Oval 68"/>
+                  <p:cNvSpPr/>
+                  <p:nvPr/>
+                </p:nvSpPr>
+                <p:spPr>
+                  <a:xfrm>
+                    <a:off x="2465751" y="3545666"/>
+                    <a:ext cx="359583" cy="359583"/>
+                  </a:xfrm>
+                  <a:prstGeom prst="ellipse">
+                    <a:avLst/>
+                  </a:prstGeom>
+                  <a:solidFill>
+                    <a:schemeClr val="bg1"/>
+                  </a:solidFill>
+                  <a:ln w="76200">
+                    <a:solidFill>
+                      <a:schemeClr val="tx1"/>
+                    </a:solidFill>
+                  </a:ln>
+                </p:spPr>
+                <p:style>
+                  <a:lnRef idx="2">
+                    <a:schemeClr val="accent1">
+                      <a:shade val="50000"/>
+                    </a:schemeClr>
+                  </a:lnRef>
+                  <a:fillRef idx="1">
+                    <a:schemeClr val="accent1"/>
+                  </a:fillRef>
+                  <a:effectRef idx="0">
+                    <a:schemeClr val="accent1"/>
+                  </a:effectRef>
+                  <a:fontRef idx="minor">
+                    <a:schemeClr val="lt1"/>
+                  </a:fontRef>
+                </p:style>
+                <p:txBody>
+                  <a:bodyPr rtlCol="0" anchor="ctr"/>
+                  <a:lstStyle/>
+                  <a:p>
+                    <a:pPr algn="ctr"/>
+                    <a:endParaRPr lang="en-US"/>
+                  </a:p>
+                </p:txBody>
+              </p:sp>
+              <p:sp>
+                <p:nvSpPr>
+                  <p:cNvPr id="70" name="Oval 69"/>
+                  <p:cNvSpPr/>
+                  <p:nvPr/>
+                </p:nvSpPr>
+                <p:spPr>
+                  <a:xfrm>
+                    <a:off x="2929940" y="3081503"/>
+                    <a:ext cx="359583" cy="359583"/>
+                  </a:xfrm>
+                  <a:prstGeom prst="ellipse">
+                    <a:avLst/>
+                  </a:prstGeom>
+                  <a:solidFill>
+                    <a:schemeClr val="bg1"/>
+                  </a:solidFill>
+                  <a:ln w="76200">
+                    <a:solidFill>
+                      <a:schemeClr val="tx1"/>
+                    </a:solidFill>
+                  </a:ln>
+                </p:spPr>
+                <p:style>
+                  <a:lnRef idx="2">
+                    <a:schemeClr val="accent1">
+                      <a:shade val="50000"/>
+                    </a:schemeClr>
+                  </a:lnRef>
+                  <a:fillRef idx="1">
+                    <a:schemeClr val="accent1"/>
+                  </a:fillRef>
+                  <a:effectRef idx="0">
+                    <a:schemeClr val="accent1"/>
+                  </a:effectRef>
+                  <a:fontRef idx="minor">
+                    <a:schemeClr val="lt1"/>
+                  </a:fontRef>
+                </p:style>
+                <p:txBody>
+                  <a:bodyPr rtlCol="0" anchor="ctr"/>
+                  <a:lstStyle/>
+                  <a:p>
+                    <a:pPr algn="ctr"/>
+                    <a:endParaRPr lang="en-US"/>
+                  </a:p>
+                </p:txBody>
+              </p:sp>
+              <p:cxnSp>
+                <p:nvCxnSpPr>
+                  <p:cNvPr id="71" name="Straight Connector 70"/>
+                  <p:cNvCxnSpPr/>
+                  <p:nvPr/>
+                </p:nvCxnSpPr>
+                <p:spPr>
+                  <a:xfrm flipV="1">
+                    <a:off x="2813953" y="3438867"/>
+                    <a:ext cx="133659" cy="134694"/>
+                  </a:xfrm>
+                  <a:prstGeom prst="line">
+                    <a:avLst/>
+                  </a:prstGeom>
+                  <a:ln w="38100">
+                    <a:solidFill>
+                      <a:schemeClr val="tx1"/>
+                    </a:solidFill>
+                  </a:ln>
+                </p:spPr>
+                <p:style>
+                  <a:lnRef idx="1">
+                    <a:schemeClr val="accent1"/>
+                  </a:lnRef>
+                  <a:fillRef idx="0">
+                    <a:schemeClr val="accent1"/>
+                  </a:fillRef>
+                  <a:effectRef idx="0">
+                    <a:schemeClr val="accent1"/>
+                  </a:effectRef>
+                  <a:fontRef idx="minor">
+                    <a:schemeClr val="tx1"/>
+                  </a:fontRef>
+                </p:style>
+              </p:cxnSp>
+            </p:grpSp>
+            <p:sp>
+              <p:nvSpPr>
+                <p:cNvPr id="68" name="Oval 67"/>
+                <p:cNvSpPr/>
+                <p:nvPr/>
+              </p:nvSpPr>
+              <p:spPr>
+                <a:xfrm>
+                  <a:off x="532885" y="3632049"/>
+                  <a:ext cx="102732" cy="102732"/>
+                </a:xfrm>
+                <a:prstGeom prst="ellipse">
+                  <a:avLst/>
+                </a:prstGeom>
+                <a:solidFill>
+                  <a:schemeClr val="tx1"/>
+                </a:solidFill>
+                <a:ln>
+                  <a:solidFill>
+                    <a:schemeClr val="tx1"/>
+                  </a:solidFill>
+                </a:ln>
+              </p:spPr>
+              <p:style>
+                <a:lnRef idx="2">
+                  <a:schemeClr val="accent1">
+                    <a:shade val="50000"/>
+                  </a:schemeClr>
+                </a:lnRef>
+                <a:fillRef idx="1">
+                  <a:schemeClr val="accent1"/>
+                </a:fillRef>
+                <a:effectRef idx="0">
+                  <a:schemeClr val="accent1"/>
+                </a:effectRef>
+                <a:fontRef idx="minor">
+                  <a:schemeClr val="lt1"/>
+                </a:fontRef>
+              </p:style>
+              <p:txBody>
+                <a:bodyPr rtlCol="0" anchor="ctr"/>
+                <a:lstStyle/>
+                <a:p>
+                  <a:pPr algn="ctr"/>
+                  <a:endParaRPr lang="en-US"/>
+                </a:p>
+              </p:txBody>
+            </p:sp>
+          </p:grpSp>
+          <p:grpSp>
+            <p:nvGrpSpPr>
+              <p:cNvPr id="62" name="Group 61"/>
+              <p:cNvGrpSpPr/>
+              <p:nvPr/>
+            </p:nvGrpSpPr>
+            <p:grpSpPr>
+              <a:xfrm>
+                <a:off x="7604806" y="3139606"/>
+                <a:ext cx="297655" cy="441344"/>
+                <a:chOff x="10339018" y="2078019"/>
+                <a:chExt cx="297655" cy="441344"/>
+              </a:xfrm>
+            </p:grpSpPr>
+            <p:cxnSp>
+              <p:nvCxnSpPr>
+                <p:cNvPr id="63" name="Straight Connector 62"/>
+                <p:cNvCxnSpPr/>
+                <p:nvPr/>
+              </p:nvCxnSpPr>
+              <p:spPr>
+                <a:xfrm>
+                  <a:off x="10636673" y="2078831"/>
+                  <a:ext cx="0" cy="440532"/>
+                </a:xfrm>
+                <a:prstGeom prst="line">
+                  <a:avLst/>
+                </a:prstGeom>
+                <a:ln w="76200">
+                  <a:solidFill>
+                    <a:schemeClr val="tx1"/>
+                  </a:solidFill>
+                </a:ln>
+              </p:spPr>
+              <p:style>
+                <a:lnRef idx="1">
+                  <a:schemeClr val="accent1"/>
+                </a:lnRef>
+                <a:fillRef idx="0">
+                  <a:schemeClr val="accent1"/>
+                </a:fillRef>
+                <a:effectRef idx="0">
+                  <a:schemeClr val="accent1"/>
+                </a:effectRef>
+                <a:fontRef idx="minor">
+                  <a:schemeClr val="tx1"/>
+                </a:fontRef>
+              </p:style>
+            </p:cxnSp>
+            <p:cxnSp>
+              <p:nvCxnSpPr>
+                <p:cNvPr id="64" name="Straight Connector 63"/>
+                <p:cNvCxnSpPr/>
+                <p:nvPr/>
+              </p:nvCxnSpPr>
+              <p:spPr>
+                <a:xfrm>
+                  <a:off x="10339018" y="2078019"/>
+                  <a:ext cx="0" cy="440532"/>
+                </a:xfrm>
+                <a:prstGeom prst="line">
+                  <a:avLst/>
+                </a:prstGeom>
+                <a:ln w="76200">
+                  <a:solidFill>
+                    <a:schemeClr val="tx1"/>
+                  </a:solidFill>
+                </a:ln>
+              </p:spPr>
+              <p:style>
+                <a:lnRef idx="1">
+                  <a:schemeClr val="accent1"/>
+                </a:lnRef>
+                <a:fillRef idx="0">
+                  <a:schemeClr val="accent1"/>
+                </a:fillRef>
+                <a:effectRef idx="0">
+                  <a:schemeClr val="accent1"/>
+                </a:effectRef>
+                <a:fontRef idx="minor">
+                  <a:schemeClr val="tx1"/>
+                </a:fontRef>
+              </p:style>
+            </p:cxnSp>
+            <p:cxnSp>
+              <p:nvCxnSpPr>
+                <p:cNvPr id="65" name="Straight Connector 64"/>
+                <p:cNvCxnSpPr/>
+                <p:nvPr/>
+              </p:nvCxnSpPr>
+              <p:spPr>
+                <a:xfrm>
+                  <a:off x="10339018" y="2295904"/>
+                  <a:ext cx="297655" cy="0"/>
+                </a:xfrm>
+                <a:prstGeom prst="line">
+                  <a:avLst/>
+                </a:prstGeom>
+                <a:ln w="76200">
+                  <a:solidFill>
+                    <a:schemeClr val="tx1"/>
+                  </a:solidFill>
+                </a:ln>
+              </p:spPr>
+              <p:style>
+                <a:lnRef idx="1">
+                  <a:schemeClr val="accent1"/>
+                </a:lnRef>
+                <a:fillRef idx="0">
+                  <a:schemeClr val="accent1"/>
+                </a:fillRef>
+                <a:effectRef idx="0">
+                  <a:schemeClr val="accent1"/>
+                </a:effectRef>
+                <a:fontRef idx="minor">
+                  <a:schemeClr val="tx1"/>
+                </a:fontRef>
+              </p:style>
+            </p:cxnSp>
+          </p:grpSp>
+        </p:grpSp>
+        <p:grpSp>
+          <p:nvGrpSpPr>
+            <p:cNvPr id="76" name="Group 75"/>
+            <p:cNvGrpSpPr/>
+            <p:nvPr/>
+          </p:nvGrpSpPr>
+          <p:grpSpPr>
+            <a:xfrm>
+              <a:off x="5621282" y="1465434"/>
+              <a:ext cx="2647483" cy="744717"/>
+              <a:chOff x="3690299" y="4937397"/>
+              <a:chExt cx="4142215" cy="1165174"/>
+            </a:xfrm>
+          </p:grpSpPr>
+          <p:sp>
+            <p:nvSpPr>
+              <p:cNvPr id="77" name="Oval 76"/>
+              <p:cNvSpPr/>
+              <p:nvPr/>
+            </p:nvSpPr>
+            <p:spPr>
+              <a:xfrm>
+                <a:off x="3690299" y="5170537"/>
+                <a:ext cx="102732" cy="102732"/>
+              </a:xfrm>
+              <a:prstGeom prst="ellipse">
+                <a:avLst/>
+              </a:prstGeom>
+              <a:solidFill>
+                <a:schemeClr val="tx1"/>
+              </a:solidFill>
+              <a:ln>
+                <a:solidFill>
+                  <a:schemeClr val="tx1"/>
+                </a:solidFill>
+              </a:ln>
+            </p:spPr>
+            <p:style>
+              <a:lnRef idx="2">
+                <a:schemeClr val="accent1">
+                  <a:shade val="50000"/>
+                </a:schemeClr>
+              </a:lnRef>
+              <a:fillRef idx="1">
+                <a:schemeClr val="accent1"/>
+              </a:fillRef>
+              <a:effectRef idx="0">
+                <a:schemeClr val="accent1"/>
+              </a:effectRef>
+              <a:fontRef idx="minor">
+                <a:schemeClr val="lt1"/>
+              </a:fontRef>
+            </p:style>
+            <p:txBody>
+              <a:bodyPr rtlCol="0" anchor="ctr"/>
+              <a:lstStyle/>
+              <a:p>
+                <a:pPr algn="ctr"/>
+                <a:endParaRPr lang="en-US"/>
+              </a:p>
+            </p:txBody>
+          </p:sp>
+          <p:grpSp>
+            <p:nvGrpSpPr>
+              <p:cNvPr id="78" name="Group 77"/>
+              <p:cNvGrpSpPr/>
+              <p:nvPr/>
+            </p:nvGrpSpPr>
+            <p:grpSpPr>
+              <a:xfrm>
+                <a:off x="4704584" y="4937397"/>
+                <a:ext cx="3127930" cy="1149133"/>
+                <a:chOff x="4788695" y="2855100"/>
+                <a:chExt cx="3127930" cy="1149133"/>
+              </a:xfrm>
+            </p:grpSpPr>
+            <p:grpSp>
+              <p:nvGrpSpPr>
+                <p:cNvPr id="83" name="Group 82"/>
+                <p:cNvGrpSpPr/>
+                <p:nvPr/>
+              </p:nvGrpSpPr>
+              <p:grpSpPr>
+                <a:xfrm>
+                  <a:off x="4788695" y="2855100"/>
+                  <a:ext cx="2654909" cy="1149133"/>
+                  <a:chOff x="664370" y="2746916"/>
+                  <a:chExt cx="2654909" cy="1149133"/>
+                </a:xfrm>
+              </p:grpSpPr>
+              <p:grpSp>
+                <p:nvGrpSpPr>
+                  <p:cNvPr id="88" name="Group 87"/>
+                  <p:cNvGrpSpPr/>
+                  <p:nvPr/>
+                </p:nvGrpSpPr>
+                <p:grpSpPr>
+                  <a:xfrm>
+                    <a:off x="664370" y="2746916"/>
+                    <a:ext cx="1766872" cy="883435"/>
+                    <a:chOff x="2436019" y="688181"/>
+                    <a:chExt cx="1828800" cy="914399"/>
+                  </a:xfrm>
+                </p:grpSpPr>
+                <p:cxnSp>
+                  <p:nvCxnSpPr>
+                    <p:cNvPr id="93" name="Straight Connector 92"/>
+                    <p:cNvCxnSpPr/>
+                    <p:nvPr/>
+                  </p:nvCxnSpPr>
+                  <p:spPr>
+                    <a:xfrm flipV="1">
+                      <a:off x="2436019" y="688181"/>
+                      <a:ext cx="945356" cy="913210"/>
+                    </a:xfrm>
+                    <a:prstGeom prst="line">
+                      <a:avLst/>
+                    </a:prstGeom>
+                    <a:ln w="38100">
+                      <a:solidFill>
+                        <a:schemeClr val="tx1"/>
+                      </a:solidFill>
+                    </a:ln>
+                  </p:spPr>
+                  <p:style>
+                    <a:lnRef idx="1">
+                      <a:schemeClr val="accent1"/>
+                    </a:lnRef>
+                    <a:fillRef idx="0">
+                      <a:schemeClr val="accent1"/>
+                    </a:fillRef>
+                    <a:effectRef idx="0">
+                      <a:schemeClr val="accent1"/>
+                    </a:effectRef>
+                    <a:fontRef idx="minor">
+                      <a:schemeClr val="tx1"/>
+                    </a:fontRef>
+                  </p:style>
+                </p:cxnSp>
+                <p:cxnSp>
+                  <p:nvCxnSpPr>
+                    <p:cNvPr id="94" name="Straight Connector 93"/>
+                    <p:cNvCxnSpPr/>
+                    <p:nvPr/>
+                  </p:nvCxnSpPr>
+                  <p:spPr>
+                    <a:xfrm flipH="1" flipV="1">
+                      <a:off x="3355181" y="688181"/>
+                      <a:ext cx="909638" cy="914399"/>
+                    </a:xfrm>
+                    <a:prstGeom prst="line">
+                      <a:avLst/>
+                    </a:prstGeom>
+                    <a:ln w="38100">
+                      <a:solidFill>
+                        <a:schemeClr val="tx1"/>
+                      </a:solidFill>
+                    </a:ln>
+                  </p:spPr>
+                  <p:style>
+                    <a:lnRef idx="1">
+                      <a:schemeClr val="accent1"/>
+                    </a:lnRef>
+                    <a:fillRef idx="0">
+                      <a:schemeClr val="accent1"/>
+                    </a:fillRef>
+                    <a:effectRef idx="0">
+                      <a:schemeClr val="accent1"/>
+                    </a:effectRef>
+                    <a:fontRef idx="minor">
+                      <a:schemeClr val="tx1"/>
+                    </a:fontRef>
+                  </p:style>
+                </p:cxnSp>
+              </p:grpSp>
+              <p:grpSp>
+                <p:nvGrpSpPr>
+                  <p:cNvPr id="89" name="Group 88"/>
+                  <p:cNvGrpSpPr/>
+                  <p:nvPr/>
+                </p:nvGrpSpPr>
+                <p:grpSpPr>
+                  <a:xfrm>
+                    <a:off x="2495507" y="3072303"/>
+                    <a:ext cx="823772" cy="823746"/>
+                    <a:chOff x="2465751" y="3081503"/>
+                    <a:chExt cx="823772" cy="823746"/>
+                  </a:xfrm>
+                </p:grpSpPr>
+                <p:sp>
+                  <p:nvSpPr>
+                    <p:cNvPr id="90" name="Oval 89"/>
+                    <p:cNvSpPr/>
+                    <p:nvPr/>
+                  </p:nvSpPr>
+                  <p:spPr>
+                    <a:xfrm>
+                      <a:off x="2465751" y="3545666"/>
+                      <a:ext cx="359583" cy="359583"/>
+                    </a:xfrm>
+                    <a:prstGeom prst="ellipse">
+                      <a:avLst/>
+                    </a:prstGeom>
+                    <a:solidFill>
+                      <a:schemeClr val="bg1"/>
+                    </a:solidFill>
+                    <a:ln w="76200">
+                      <a:solidFill>
+                        <a:schemeClr val="tx1"/>
+                      </a:solidFill>
+                    </a:ln>
+                  </p:spPr>
+                  <p:style>
+                    <a:lnRef idx="2">
+                      <a:schemeClr val="accent1">
+                        <a:shade val="50000"/>
+                      </a:schemeClr>
+                    </a:lnRef>
+                    <a:fillRef idx="1">
+                      <a:schemeClr val="accent1"/>
+                    </a:fillRef>
+                    <a:effectRef idx="0">
+                      <a:schemeClr val="accent1"/>
+                    </a:effectRef>
+                    <a:fontRef idx="minor">
+                      <a:schemeClr val="lt1"/>
+                    </a:fontRef>
+                  </p:style>
+                  <p:txBody>
+                    <a:bodyPr rtlCol="0" anchor="ctr"/>
+                    <a:lstStyle/>
+                    <a:p>
+                      <a:pPr algn="ctr"/>
+                      <a:endParaRPr lang="en-US"/>
+                    </a:p>
+                  </p:txBody>
+                </p:sp>
+                <p:sp>
+                  <p:nvSpPr>
+                    <p:cNvPr id="91" name="Oval 90"/>
+                    <p:cNvSpPr/>
+                    <p:nvPr/>
+                  </p:nvSpPr>
+                  <p:spPr>
+                    <a:xfrm>
+                      <a:off x="2929940" y="3081503"/>
+                      <a:ext cx="359583" cy="359583"/>
+                    </a:xfrm>
+                    <a:prstGeom prst="ellipse">
+                      <a:avLst/>
+                    </a:prstGeom>
+                    <a:solidFill>
+                      <a:schemeClr val="bg1"/>
+                    </a:solidFill>
+                    <a:ln w="76200">
+                      <a:solidFill>
+                        <a:schemeClr val="tx1"/>
+                      </a:solidFill>
+                    </a:ln>
+                  </p:spPr>
+                  <p:style>
+                    <a:lnRef idx="2">
+                      <a:schemeClr val="accent1">
+                        <a:shade val="50000"/>
+                      </a:schemeClr>
+                    </a:lnRef>
+                    <a:fillRef idx="1">
+                      <a:schemeClr val="accent1"/>
+                    </a:fillRef>
+                    <a:effectRef idx="0">
+                      <a:schemeClr val="accent1"/>
+                    </a:effectRef>
+                    <a:fontRef idx="minor">
+                      <a:schemeClr val="lt1"/>
+                    </a:fontRef>
+                  </p:style>
+                  <p:txBody>
+                    <a:bodyPr rtlCol="0" anchor="ctr"/>
+                    <a:lstStyle/>
+                    <a:p>
+                      <a:pPr algn="ctr"/>
+                      <a:endParaRPr lang="en-US"/>
+                    </a:p>
+                  </p:txBody>
+                </p:sp>
+                <p:cxnSp>
+                  <p:nvCxnSpPr>
+                    <p:cNvPr id="92" name="Straight Connector 91"/>
+                    <p:cNvCxnSpPr/>
+                    <p:nvPr/>
+                  </p:nvCxnSpPr>
+                  <p:spPr>
+                    <a:xfrm flipV="1">
+                      <a:off x="2813953" y="3438867"/>
+                      <a:ext cx="133659" cy="134694"/>
+                    </a:xfrm>
+                    <a:prstGeom prst="line">
+                      <a:avLst/>
+                    </a:prstGeom>
+                    <a:ln w="38100">
+                      <a:solidFill>
+                        <a:schemeClr val="tx1"/>
+                      </a:solidFill>
+                    </a:ln>
+                  </p:spPr>
+                  <p:style>
+                    <a:lnRef idx="1">
+                      <a:schemeClr val="accent1"/>
+                    </a:lnRef>
+                    <a:fillRef idx="0">
+                      <a:schemeClr val="accent1"/>
+                    </a:fillRef>
+                    <a:effectRef idx="0">
+                      <a:schemeClr val="accent1"/>
+                    </a:effectRef>
+                    <a:fontRef idx="minor">
+                      <a:schemeClr val="tx1"/>
+                    </a:fontRef>
+                  </p:style>
+                </p:cxnSp>
+              </p:grpSp>
+            </p:grpSp>
+            <p:grpSp>
+              <p:nvGrpSpPr>
+                <p:cNvPr id="84" name="Group 83"/>
+                <p:cNvGrpSpPr/>
+                <p:nvPr/>
+              </p:nvGrpSpPr>
+              <p:grpSpPr>
+                <a:xfrm>
+                  <a:off x="7618970" y="3139606"/>
+                  <a:ext cx="297655" cy="441344"/>
+                  <a:chOff x="10353182" y="2078019"/>
+                  <a:chExt cx="297655" cy="441344"/>
+                </a:xfrm>
+              </p:grpSpPr>
+              <p:cxnSp>
+                <p:nvCxnSpPr>
+                  <p:cNvPr id="85" name="Straight Connector 84"/>
+                  <p:cNvCxnSpPr/>
+                  <p:nvPr/>
+                </p:nvCxnSpPr>
+                <p:spPr>
+                  <a:xfrm>
+                    <a:off x="10650837" y="2078831"/>
+                    <a:ext cx="0" cy="440532"/>
+                  </a:xfrm>
+                  <a:prstGeom prst="line">
+                    <a:avLst/>
+                  </a:prstGeom>
+                  <a:ln w="76200">
+                    <a:solidFill>
+                      <a:schemeClr val="tx1"/>
+                    </a:solidFill>
+                  </a:ln>
+                </p:spPr>
+                <p:style>
+                  <a:lnRef idx="1">
+                    <a:schemeClr val="accent1"/>
+                  </a:lnRef>
+                  <a:fillRef idx="0">
+                    <a:schemeClr val="accent1"/>
+                  </a:fillRef>
+                  <a:effectRef idx="0">
+                    <a:schemeClr val="accent1"/>
+                  </a:effectRef>
+                  <a:fontRef idx="minor">
+                    <a:schemeClr val="tx1"/>
+                  </a:fontRef>
+                </p:style>
+              </p:cxnSp>
+              <p:cxnSp>
+                <p:nvCxnSpPr>
+                  <p:cNvPr id="86" name="Straight Connector 85"/>
+                  <p:cNvCxnSpPr/>
+                  <p:nvPr/>
+                </p:nvCxnSpPr>
+                <p:spPr>
+                  <a:xfrm>
+                    <a:off x="10353182" y="2078019"/>
+                    <a:ext cx="0" cy="440532"/>
+                  </a:xfrm>
+                  <a:prstGeom prst="line">
+                    <a:avLst/>
+                  </a:prstGeom>
+                  <a:ln w="76200">
+                    <a:solidFill>
+                      <a:schemeClr val="tx1"/>
+                    </a:solidFill>
+                  </a:ln>
+                </p:spPr>
+                <p:style>
+                  <a:lnRef idx="1">
+                    <a:schemeClr val="accent1"/>
+                  </a:lnRef>
+                  <a:fillRef idx="0">
+                    <a:schemeClr val="accent1"/>
+                  </a:fillRef>
+                  <a:effectRef idx="0">
+                    <a:schemeClr val="accent1"/>
+                  </a:effectRef>
+                  <a:fontRef idx="minor">
+                    <a:schemeClr val="tx1"/>
+                  </a:fontRef>
+                </p:style>
+              </p:cxnSp>
+              <p:cxnSp>
+                <p:nvCxnSpPr>
+                  <p:cNvPr id="87" name="Straight Connector 86"/>
+                  <p:cNvCxnSpPr/>
+                  <p:nvPr/>
+                </p:nvCxnSpPr>
+                <p:spPr>
+                  <a:xfrm>
+                    <a:off x="10353182" y="2295904"/>
+                    <a:ext cx="297655" cy="0"/>
+                  </a:xfrm>
+                  <a:prstGeom prst="line">
+                    <a:avLst/>
+                  </a:prstGeom>
+                  <a:ln w="76200">
+                    <a:solidFill>
+                      <a:schemeClr val="tx1"/>
+                    </a:solidFill>
+                  </a:ln>
+                </p:spPr>
+                <p:style>
+                  <a:lnRef idx="1">
+                    <a:schemeClr val="accent1"/>
+                  </a:lnRef>
+                  <a:fillRef idx="0">
+                    <a:schemeClr val="accent1"/>
+                  </a:fillRef>
+                  <a:effectRef idx="0">
+                    <a:schemeClr val="accent1"/>
+                  </a:effectRef>
+                  <a:fontRef idx="minor">
+                    <a:schemeClr val="tx1"/>
+                  </a:fontRef>
+                </p:style>
+              </p:cxnSp>
+            </p:grpSp>
+          </p:grpSp>
+          <p:grpSp>
+            <p:nvGrpSpPr>
+              <p:cNvPr id="79" name="Group 78"/>
+              <p:cNvGrpSpPr/>
+              <p:nvPr/>
+            </p:nvGrpSpPr>
+            <p:grpSpPr>
+              <a:xfrm>
+                <a:off x="3809241" y="5272418"/>
+                <a:ext cx="835988" cy="830153"/>
+                <a:chOff x="3329990" y="3081503"/>
+                <a:chExt cx="835988" cy="830153"/>
+              </a:xfrm>
+            </p:grpSpPr>
+            <p:sp>
+              <p:nvSpPr>
+                <p:cNvPr id="80" name="Oval 79"/>
+                <p:cNvSpPr/>
+                <p:nvPr/>
+              </p:nvSpPr>
+              <p:spPr>
+                <a:xfrm>
+                  <a:off x="3806395" y="3552073"/>
+                  <a:ext cx="359583" cy="359583"/>
+                </a:xfrm>
+                <a:prstGeom prst="ellipse">
+                  <a:avLst/>
+                </a:prstGeom>
+                <a:solidFill>
+                  <a:schemeClr val="bg1"/>
+                </a:solidFill>
+                <a:ln w="76200">
+                  <a:solidFill>
+                    <a:schemeClr val="tx1"/>
+                  </a:solidFill>
+                </a:ln>
+              </p:spPr>
+              <p:style>
+                <a:lnRef idx="2">
+                  <a:schemeClr val="accent1">
+                    <a:shade val="50000"/>
+                  </a:schemeClr>
+                </a:lnRef>
+                <a:fillRef idx="1">
+                  <a:schemeClr val="accent1"/>
+                </a:fillRef>
+                <a:effectRef idx="0">
+                  <a:schemeClr val="accent1"/>
+                </a:effectRef>
+                <a:fontRef idx="minor">
+                  <a:schemeClr val="lt1"/>
+                </a:fontRef>
+              </p:style>
+              <p:txBody>
+                <a:bodyPr rtlCol="0" anchor="ctr"/>
+                <a:lstStyle/>
+                <a:p>
+                  <a:pPr algn="ctr"/>
+                  <a:endParaRPr lang="en-US"/>
+                </a:p>
+              </p:txBody>
+            </p:sp>
+            <p:sp>
+              <p:nvSpPr>
+                <p:cNvPr id="81" name="Oval 80"/>
+                <p:cNvSpPr/>
+                <p:nvPr/>
+              </p:nvSpPr>
+              <p:spPr>
+                <a:xfrm>
+                  <a:off x="3329990" y="3081503"/>
+                  <a:ext cx="359583" cy="359583"/>
+                </a:xfrm>
+                <a:prstGeom prst="ellipse">
+                  <a:avLst/>
+                </a:prstGeom>
+                <a:solidFill>
+                  <a:schemeClr val="bg1"/>
+                </a:solidFill>
+                <a:ln w="76200">
+                  <a:solidFill>
+                    <a:schemeClr val="tx1"/>
+                  </a:solidFill>
+                </a:ln>
+              </p:spPr>
+              <p:style>
+                <a:lnRef idx="2">
+                  <a:schemeClr val="accent1">
+                    <a:shade val="50000"/>
+                  </a:schemeClr>
+                </a:lnRef>
+                <a:fillRef idx="1">
+                  <a:schemeClr val="accent1"/>
+                </a:fillRef>
+                <a:effectRef idx="0">
+                  <a:schemeClr val="accent1"/>
+                </a:effectRef>
+                <a:fontRef idx="minor">
+                  <a:schemeClr val="lt1"/>
+                </a:fontRef>
+              </p:style>
+              <p:txBody>
+                <a:bodyPr rtlCol="0" anchor="ctr"/>
+                <a:lstStyle/>
+                <a:p>
+                  <a:pPr algn="ctr"/>
+                  <a:endParaRPr lang="en-US"/>
+                </a:p>
+              </p:txBody>
+            </p:sp>
+            <p:cxnSp>
+              <p:nvCxnSpPr>
+                <p:cNvPr id="82" name="Straight Connector 81"/>
+                <p:cNvCxnSpPr/>
+                <p:nvPr/>
+              </p:nvCxnSpPr>
+              <p:spPr>
+                <a:xfrm rot="16200000" flipV="1">
+                  <a:off x="3672218" y="3440568"/>
+                  <a:ext cx="133659" cy="134694"/>
+                </a:xfrm>
+                <a:prstGeom prst="line">
+                  <a:avLst/>
+                </a:prstGeom>
+                <a:ln w="38100">
+                  <a:solidFill>
+                    <a:schemeClr val="tx1"/>
+                  </a:solidFill>
+                </a:ln>
+              </p:spPr>
+              <p:style>
+                <a:lnRef idx="1">
+                  <a:schemeClr val="accent1"/>
+                </a:lnRef>
+                <a:fillRef idx="0">
+                  <a:schemeClr val="accent1"/>
+                </a:fillRef>
+                <a:effectRef idx="0">
+                  <a:schemeClr val="accent1"/>
+                </a:effectRef>
+                <a:fontRef idx="minor">
+                  <a:schemeClr val="tx1"/>
+                </a:fontRef>
+              </p:style>
+            </p:cxnSp>
+          </p:grpSp>
+        </p:grpSp>
+      </p:grpSp>
+    </p:spTree>
+    <p:extLst>
+      <p:ext uri="{BB962C8B-B14F-4D97-AF65-F5344CB8AC3E}">
+        <p14:creationId xmlns:p14="http://schemas.microsoft.com/office/powerpoint/2010/main" val="2460802554"/>
+      </p:ext>
+    </p:extLst>
+  </p:cSld>
+  <p:clrMapOvr>
+    <a:masterClrMapping/>
+  </p:clrMapOvr>
 </p:sld>
 </file>
 
@@ -29194,11 +35705,7 @@
           <a:p>
             <a:r>
               <a:rPr lang="en-US" dirty="0" smtClean="0"/>
-              <a:t>All chemistry using top 10 </a:t>
-            </a:r>
-            <a:r>
-              <a:rPr lang="en-US" dirty="0" smtClean="0"/>
-              <a:t>pathways v1</a:t>
+              <a:t>All chemistry using top 10 pathways v1</a:t>
             </a:r>
             <a:endParaRPr lang="en-US" dirty="0"/>
           </a:p>

--- a/theory/figures/n_propane_figures.pptx
+++ b/theory/figures/n_propane_figures.pptx
@@ -260,7 +260,7 @@
           <a:p>
             <a:fld id="{2B93A6E2-3377-42DD-97E0-D38586549EFF}" type="datetimeFigureOut">
               <a:rPr lang="en-US" smtClean="0"/>
-              <a:t>2/6/2018</a:t>
+              <a:t>2/9/2018</a:t>
             </a:fld>
             <a:endParaRPr lang="en-US"/>
           </a:p>
@@ -430,7 +430,7 @@
           <a:p>
             <a:fld id="{2B93A6E2-3377-42DD-97E0-D38586549EFF}" type="datetimeFigureOut">
               <a:rPr lang="en-US" smtClean="0"/>
-              <a:t>2/6/2018</a:t>
+              <a:t>2/9/2018</a:t>
             </a:fld>
             <a:endParaRPr lang="en-US"/>
           </a:p>
@@ -610,7 +610,7 @@
           <a:p>
             <a:fld id="{2B93A6E2-3377-42DD-97E0-D38586549EFF}" type="datetimeFigureOut">
               <a:rPr lang="en-US" smtClean="0"/>
-              <a:t>2/6/2018</a:t>
+              <a:t>2/9/2018</a:t>
             </a:fld>
             <a:endParaRPr lang="en-US"/>
           </a:p>
@@ -780,7 +780,7 @@
           <a:p>
             <a:fld id="{2B93A6E2-3377-42DD-97E0-D38586549EFF}" type="datetimeFigureOut">
               <a:rPr lang="en-US" smtClean="0"/>
-              <a:t>2/6/2018</a:t>
+              <a:t>2/9/2018</a:t>
             </a:fld>
             <a:endParaRPr lang="en-US"/>
           </a:p>
@@ -1026,7 +1026,7 @@
           <a:p>
             <a:fld id="{2B93A6E2-3377-42DD-97E0-D38586549EFF}" type="datetimeFigureOut">
               <a:rPr lang="en-US" smtClean="0"/>
-              <a:t>2/6/2018</a:t>
+              <a:t>2/9/2018</a:t>
             </a:fld>
             <a:endParaRPr lang="en-US"/>
           </a:p>
@@ -1258,7 +1258,7 @@
           <a:p>
             <a:fld id="{2B93A6E2-3377-42DD-97E0-D38586549EFF}" type="datetimeFigureOut">
               <a:rPr lang="en-US" smtClean="0"/>
-              <a:t>2/6/2018</a:t>
+              <a:t>2/9/2018</a:t>
             </a:fld>
             <a:endParaRPr lang="en-US"/>
           </a:p>
@@ -1625,7 +1625,7 @@
           <a:p>
             <a:fld id="{2B93A6E2-3377-42DD-97E0-D38586549EFF}" type="datetimeFigureOut">
               <a:rPr lang="en-US" smtClean="0"/>
-              <a:t>2/6/2018</a:t>
+              <a:t>2/9/2018</a:t>
             </a:fld>
             <a:endParaRPr lang="en-US"/>
           </a:p>
@@ -1743,7 +1743,7 @@
           <a:p>
             <a:fld id="{2B93A6E2-3377-42DD-97E0-D38586549EFF}" type="datetimeFigureOut">
               <a:rPr lang="en-US" smtClean="0"/>
-              <a:t>2/6/2018</a:t>
+              <a:t>2/9/2018</a:t>
             </a:fld>
             <a:endParaRPr lang="en-US"/>
           </a:p>
@@ -1838,7 +1838,7 @@
           <a:p>
             <a:fld id="{2B93A6E2-3377-42DD-97E0-D38586549EFF}" type="datetimeFigureOut">
               <a:rPr lang="en-US" smtClean="0"/>
-              <a:t>2/6/2018</a:t>
+              <a:t>2/9/2018</a:t>
             </a:fld>
             <a:endParaRPr lang="en-US"/>
           </a:p>
@@ -2115,7 +2115,7 @@
           <a:p>
             <a:fld id="{2B93A6E2-3377-42DD-97E0-D38586549EFF}" type="datetimeFigureOut">
               <a:rPr lang="en-US" smtClean="0"/>
-              <a:t>2/6/2018</a:t>
+              <a:t>2/9/2018</a:t>
             </a:fld>
             <a:endParaRPr lang="en-US"/>
           </a:p>
@@ -2368,7 +2368,7 @@
           <a:p>
             <a:fld id="{2B93A6E2-3377-42DD-97E0-D38586549EFF}" type="datetimeFigureOut">
               <a:rPr lang="en-US" smtClean="0"/>
-              <a:t>2/6/2018</a:t>
+              <a:t>2/9/2018</a:t>
             </a:fld>
             <a:endParaRPr lang="en-US"/>
           </a:p>
@@ -2581,7 +2581,7 @@
           <a:p>
             <a:fld id="{2B93A6E2-3377-42DD-97E0-D38586549EFF}" type="datetimeFigureOut">
               <a:rPr lang="en-US" smtClean="0"/>
-              <a:t>2/6/2018</a:t>
+              <a:t>2/9/2018</a:t>
             </a:fld>
             <a:endParaRPr lang="en-US"/>
           </a:p>
@@ -19106,6 +19106,13 @@
   <p:clrMapOvr>
     <a:masterClrMapping/>
   </p:clrMapOvr>
+  <p:timing>
+    <p:tnLst>
+      <p:par>
+        <p:cTn id="1" dur="indefinite" restart="never" nodeType="tmRoot"/>
+      </p:par>
+    </p:tnLst>
+  </p:timing>
 </p:sld>
 </file>
 
@@ -19351,78 +19358,6 @@
             </a:p>
           </p:txBody>
         </p:sp>
-        <p:cxnSp>
-          <p:nvCxnSpPr>
-            <p:cNvPr id="9" name="Straight Arrow Connector 8"/>
-            <p:cNvCxnSpPr>
-              <a:stCxn id="3" idx="2"/>
-              <a:endCxn id="4" idx="0"/>
-            </p:cNvCxnSpPr>
-            <p:nvPr/>
-          </p:nvCxnSpPr>
-          <p:spPr>
-            <a:xfrm>
-              <a:off x="5189044" y="2822619"/>
-              <a:ext cx="1" cy="861868"/>
-            </a:xfrm>
-            <a:prstGeom prst="straightConnector1">
-              <a:avLst/>
-            </a:prstGeom>
-            <a:ln>
-              <a:tailEnd type="triangle"/>
-            </a:ln>
-          </p:spPr>
-          <p:style>
-            <a:lnRef idx="1">
-              <a:schemeClr val="accent1"/>
-            </a:lnRef>
-            <a:fillRef idx="0">
-              <a:schemeClr val="accent1"/>
-            </a:fillRef>
-            <a:effectRef idx="0">
-              <a:schemeClr val="accent1"/>
-            </a:effectRef>
-            <a:fontRef idx="minor">
-              <a:schemeClr val="tx1"/>
-            </a:fontRef>
-          </p:style>
-        </p:cxnSp>
-        <p:cxnSp>
-          <p:nvCxnSpPr>
-            <p:cNvPr id="13" name="Straight Arrow Connector 12"/>
-            <p:cNvCxnSpPr>
-              <a:stCxn id="4" idx="3"/>
-              <a:endCxn id="6" idx="1"/>
-            </p:cNvCxnSpPr>
-            <p:nvPr/>
-          </p:nvCxnSpPr>
-          <p:spPr>
-            <a:xfrm>
-              <a:off x="5680897" y="3965131"/>
-              <a:ext cx="1048730" cy="0"/>
-            </a:xfrm>
-            <a:prstGeom prst="straightConnector1">
-              <a:avLst/>
-            </a:prstGeom>
-            <a:ln>
-              <a:tailEnd type="triangle"/>
-            </a:ln>
-          </p:spPr>
-          <p:style>
-            <a:lnRef idx="1">
-              <a:schemeClr val="accent1"/>
-            </a:lnRef>
-            <a:fillRef idx="0">
-              <a:schemeClr val="accent1"/>
-            </a:fillRef>
-            <a:effectRef idx="0">
-              <a:schemeClr val="accent1"/>
-            </a:effectRef>
-            <a:fontRef idx="minor">
-              <a:schemeClr val="tx1"/>
-            </a:fontRef>
-          </p:style>
-        </p:cxnSp>
         <p:sp>
           <p:nvSpPr>
             <p:cNvPr id="30" name="Rounded Rectangle 29"/>
@@ -19475,42 +19410,6 @@
             </a:p>
           </p:txBody>
         </p:sp>
-        <p:cxnSp>
-          <p:nvCxnSpPr>
-            <p:cNvPr id="33" name="Straight Arrow Connector 32"/>
-            <p:cNvCxnSpPr>
-              <a:stCxn id="6" idx="0"/>
-              <a:endCxn id="30" idx="2"/>
-            </p:cNvCxnSpPr>
-            <p:nvPr/>
-          </p:nvCxnSpPr>
-          <p:spPr>
-            <a:xfrm flipV="1">
-              <a:off x="7221479" y="2825758"/>
-              <a:ext cx="0" cy="858728"/>
-            </a:xfrm>
-            <a:prstGeom prst="straightConnector1">
-              <a:avLst/>
-            </a:prstGeom>
-            <a:ln>
-              <a:tailEnd type="triangle"/>
-            </a:ln>
-          </p:spPr>
-          <p:style>
-            <a:lnRef idx="1">
-              <a:schemeClr val="accent1"/>
-            </a:lnRef>
-            <a:fillRef idx="0">
-              <a:schemeClr val="accent1"/>
-            </a:fillRef>
-            <a:effectRef idx="0">
-              <a:schemeClr val="accent1"/>
-            </a:effectRef>
-            <a:fontRef idx="minor">
-              <a:schemeClr val="tx1"/>
-            </a:fontRef>
-          </p:style>
-        </p:cxnSp>
         <p:grpSp>
           <p:nvGrpSpPr>
             <p:cNvPr id="45" name="Group 44"/>
@@ -20973,6 +20872,201 @@
           </p:grpSp>
         </p:grpSp>
       </p:grpSp>
+      <p:sp>
+        <p:nvSpPr>
+          <p:cNvPr id="32" name="Rounded Rectangle 31"/>
+          <p:cNvSpPr/>
+          <p:nvPr/>
+        </p:nvSpPr>
+        <p:spPr>
+          <a:xfrm>
+            <a:off x="4539920" y="3077917"/>
+            <a:ext cx="446240" cy="325925"/>
+          </a:xfrm>
+          <a:prstGeom prst="roundRect">
+            <a:avLst/>
+          </a:prstGeom>
+        </p:spPr>
+        <p:style>
+          <a:lnRef idx="2">
+            <a:schemeClr val="accent1">
+              <a:shade val="50000"/>
+            </a:schemeClr>
+          </a:lnRef>
+          <a:fillRef idx="1">
+            <a:schemeClr val="accent1"/>
+          </a:fillRef>
+          <a:effectRef idx="0">
+            <a:schemeClr val="accent1"/>
+          </a:effectRef>
+          <a:fontRef idx="minor">
+            <a:schemeClr val="lt1"/>
+          </a:fontRef>
+        </p:style>
+        <p:txBody>
+          <a:bodyPr rtlCol="0" anchor="ctr"/>
+          <a:lstStyle/>
+          <a:p>
+            <a:pPr algn="ctr"/>
+            <a:r>
+              <a:rPr lang="en-US" dirty="0" smtClean="0"/>
+              <a:t>O</a:t>
+            </a:r>
+            <a:r>
+              <a:rPr lang="en-US" baseline="-25000" dirty="0" smtClean="0"/>
+              <a:t>2</a:t>
+            </a:r>
+            <a:endParaRPr lang="en-US" baseline="-25000" dirty="0"/>
+          </a:p>
+        </p:txBody>
+      </p:sp>
+      <p:sp>
+        <p:nvSpPr>
+          <p:cNvPr id="95" name="Rounded Rectangle 94"/>
+          <p:cNvSpPr/>
+          <p:nvPr/>
+        </p:nvSpPr>
+        <p:spPr>
+          <a:xfrm>
+            <a:off x="7439825" y="3086742"/>
+            <a:ext cx="446240" cy="325925"/>
+          </a:xfrm>
+          <a:prstGeom prst="roundRect">
+            <a:avLst/>
+          </a:prstGeom>
+        </p:spPr>
+        <p:style>
+          <a:lnRef idx="2">
+            <a:schemeClr val="accent1">
+              <a:shade val="50000"/>
+            </a:schemeClr>
+          </a:lnRef>
+          <a:fillRef idx="1">
+            <a:schemeClr val="accent1"/>
+          </a:fillRef>
+          <a:effectRef idx="0">
+            <a:schemeClr val="accent1"/>
+          </a:effectRef>
+          <a:fontRef idx="minor">
+            <a:schemeClr val="lt1"/>
+          </a:fontRef>
+        </p:style>
+        <p:txBody>
+          <a:bodyPr rtlCol="0" anchor="ctr"/>
+          <a:lstStyle/>
+          <a:p>
+            <a:pPr algn="ctr"/>
+            <a:r>
+              <a:rPr lang="en-US" dirty="0" smtClean="0"/>
+              <a:t>O</a:t>
+            </a:r>
+            <a:r>
+              <a:rPr lang="en-US" baseline="-25000" dirty="0" smtClean="0"/>
+              <a:t>2</a:t>
+            </a:r>
+            <a:endParaRPr lang="en-US" baseline="-25000" dirty="0"/>
+          </a:p>
+        </p:txBody>
+      </p:sp>
+      <p:cxnSp>
+        <p:nvCxnSpPr>
+          <p:cNvPr id="59" name="Straight Connector 58"/>
+          <p:cNvCxnSpPr>
+            <a:stCxn id="3" idx="2"/>
+            <a:endCxn id="4" idx="0"/>
+          </p:cNvCxnSpPr>
+          <p:nvPr/>
+        </p:nvCxnSpPr>
+        <p:spPr>
+          <a:xfrm>
+            <a:off x="5189044" y="2822619"/>
+            <a:ext cx="1" cy="861867"/>
+          </a:xfrm>
+          <a:prstGeom prst="line">
+            <a:avLst/>
+          </a:prstGeom>
+        </p:spPr>
+        <p:style>
+          <a:lnRef idx="1">
+            <a:schemeClr val="accent1"/>
+          </a:lnRef>
+          <a:fillRef idx="0">
+            <a:schemeClr val="accent1"/>
+          </a:fillRef>
+          <a:effectRef idx="0">
+            <a:schemeClr val="accent1"/>
+          </a:effectRef>
+          <a:fontRef idx="minor">
+            <a:schemeClr val="tx1"/>
+          </a:fontRef>
+        </p:style>
+      </p:cxnSp>
+      <p:cxnSp>
+        <p:nvCxnSpPr>
+          <p:cNvPr id="97" name="Straight Connector 96"/>
+          <p:cNvCxnSpPr>
+            <a:stCxn id="30" idx="2"/>
+            <a:endCxn id="6" idx="0"/>
+          </p:cNvCxnSpPr>
+          <p:nvPr/>
+        </p:nvCxnSpPr>
+        <p:spPr>
+          <a:xfrm>
+            <a:off x="7221479" y="2825759"/>
+            <a:ext cx="0" cy="858727"/>
+          </a:xfrm>
+          <a:prstGeom prst="line">
+            <a:avLst/>
+          </a:prstGeom>
+        </p:spPr>
+        <p:style>
+          <a:lnRef idx="1">
+            <a:schemeClr val="accent1"/>
+          </a:lnRef>
+          <a:fillRef idx="0">
+            <a:schemeClr val="accent1"/>
+          </a:fillRef>
+          <a:effectRef idx="0">
+            <a:schemeClr val="accent1"/>
+          </a:effectRef>
+          <a:fontRef idx="minor">
+            <a:schemeClr val="tx1"/>
+          </a:fontRef>
+        </p:style>
+      </p:cxnSp>
+      <p:cxnSp>
+        <p:nvCxnSpPr>
+          <p:cNvPr id="102" name="Straight Connector 101"/>
+          <p:cNvCxnSpPr>
+            <a:stCxn id="4" idx="3"/>
+            <a:endCxn id="6" idx="1"/>
+          </p:cNvCxnSpPr>
+          <p:nvPr/>
+        </p:nvCxnSpPr>
+        <p:spPr>
+          <a:xfrm>
+            <a:off x="5680897" y="3965131"/>
+            <a:ext cx="1048730" cy="0"/>
+          </a:xfrm>
+          <a:prstGeom prst="line">
+            <a:avLst/>
+          </a:prstGeom>
+        </p:spPr>
+        <p:style>
+          <a:lnRef idx="1">
+            <a:schemeClr val="accent1"/>
+          </a:lnRef>
+          <a:fillRef idx="0">
+            <a:schemeClr val="accent1"/>
+          </a:fillRef>
+          <a:effectRef idx="0">
+            <a:schemeClr val="accent1"/>
+          </a:effectRef>
+          <a:fontRef idx="minor">
+            <a:schemeClr val="tx1"/>
+          </a:fontRef>
+        </p:style>
+      </p:cxnSp>
     </p:spTree>
     <p:extLst>
       <p:ext uri="{BB962C8B-B14F-4D97-AF65-F5344CB8AC3E}">
@@ -20983,6 +21077,13 @@
   <p:clrMapOvr>
     <a:masterClrMapping/>
   </p:clrMapOvr>
+  <p:timing>
+    <p:tnLst>
+      <p:par>
+        <p:cTn id="1" dur="indefinite" restart="never" nodeType="tmRoot"/>
+      </p:par>
+    </p:tnLst>
+  </p:timing>
 </p:sld>
 </file>
 
